--- a/jester-collaborative-filtering.pptx
+++ b/jester-collaborative-filtering.pptx
@@ -111,7 +111,16 @@
       </a:defRPr>
     </a:lvl9pPr>
   </p:defaultTextStyle>
+  <p:extLst>
+    <p:ext uri="{EFAFB233-063F-42B5-8137-9DF3F51BA10A}">
+      <p15:sldGuideLst xmlns:p15="http://schemas.microsoft.com/office/powerpoint/2012/main"/>
+    </p:ext>
+  </p:extLst>
 </p:presentation>
+</file>
+
+<file path=ppt/revisionInfo.xml><?xml version="1.0" encoding="utf-8"?>
+<p1510:revInfo xmlns:a="http://schemas.openxmlformats.org/drawingml/2006/main" xmlns:r="http://schemas.openxmlformats.org/officeDocument/2006/relationships" xmlns:p1510="http://schemas.microsoft.com/office/powerpoint/2015/10/main"/>
 </file>
 
 <file path=ppt/notesMasters/notesMaster1.xml><?xml version="1.0" encoding="utf-8"?>
@@ -291,7 +300,6 @@
               <a:rPr lang="en-US"/>
               <a:t>Fifth level</a:t>
             </a:r>
-            <a:endParaRPr lang="en-US"/>
           </a:p>
         </p:txBody>
       </p:sp>
@@ -4736,6 +4744,41 @@
               <a:rPr lang="en-US" dirty="0"/>
             </a:br>
             <a:endParaRPr lang="en-US" dirty="0"/>
+          </a:p>
+        </p:txBody>
+      </p:sp>
+      <p:sp>
+        <p:nvSpPr>
+          <p:cNvPr id="3" name="TextBox 2">
+            <a:extLst>
+              <a:ext uri="{FF2B5EF4-FFF2-40B4-BE49-F238E27FC236}">
+                <a16:creationId xmlns:a16="http://schemas.microsoft.com/office/drawing/2014/main" id="{C68A1FD4-14A6-4546-A45D-4F1568120E16}"/>
+              </a:ext>
+            </a:extLst>
+          </p:cNvPr>
+          <p:cNvSpPr txBox="1"/>
+          <p:nvPr/>
+        </p:nvSpPr>
+        <p:spPr>
+          <a:xfrm>
+            <a:off x="2391508" y="2433711"/>
+            <a:ext cx="4139275" cy="369332"/>
+          </a:xfrm>
+          <a:prstGeom prst="rect">
+            <a:avLst/>
+          </a:prstGeom>
+          <a:noFill/>
+        </p:spPr>
+        <p:txBody>
+          <a:bodyPr wrap="none" rtlCol="0">
+            <a:spAutoFit/>
+          </a:bodyPr>
+          <a:lstStyle/>
+          <a:p>
+            <a:r>
+              <a:rPr lang="en-US" dirty="0"/>
+              <a:t>http://rpubs.com/azureblue83/327856</a:t>
+            </a:r>
           </a:p>
         </p:txBody>
       </p:sp>

--- a/jester-collaborative-filtering.pptx
+++ b/jester-collaborative-filtering.pptx
@@ -2,10 +2,10 @@
 <file path=ppt/presentation.xml><?xml version="1.0" encoding="utf-8"?>
 <p:presentation xmlns:a="http://schemas.openxmlformats.org/drawingml/2006/main" xmlns:r="http://schemas.openxmlformats.org/officeDocument/2006/relationships" xmlns:p="http://schemas.openxmlformats.org/presentationml/2006/main" saveSubsetFonts="1">
   <p:sldMasterIdLst>
-    <p:sldMasterId id="2147483934" r:id="rId1"/>
+    <p:sldMasterId id="2147484012" r:id="rId1"/>
   </p:sldMasterIdLst>
   <p:notesMasterIdLst>
-    <p:notesMasterId r:id="rId7"/>
+    <p:notesMasterId r:id="rId10"/>
   </p:notesMasterIdLst>
   <p:sldIdLst>
     <p:sldId id="256" r:id="rId2"/>
@@ -13,6 +13,9 @@
     <p:sldId id="259" r:id="rId4"/>
     <p:sldId id="260" r:id="rId5"/>
     <p:sldId id="261" r:id="rId6"/>
+    <p:sldId id="262" r:id="rId7"/>
+    <p:sldId id="263" r:id="rId8"/>
+    <p:sldId id="264" r:id="rId9"/>
   </p:sldIdLst>
   <p:sldSz cx="12192000" cy="6858000"/>
   <p:notesSz cx="6858000" cy="9144000"/>
@@ -20,7 +23,7 @@
     <a:defPPr>
       <a:defRPr lang="en-US"/>
     </a:defPPr>
-    <a:lvl1pPr marL="0" algn="l" defTabSz="457200" rtl="0" eaLnBrk="1" latinLnBrk="0" hangingPunct="1">
+    <a:lvl1pPr marL="0" algn="l" defTabSz="914400" rtl="0" eaLnBrk="1" latinLnBrk="0" hangingPunct="1">
       <a:defRPr sz="1800" kern="1200">
         <a:solidFill>
           <a:schemeClr val="tx1"/>
@@ -30,7 +33,7 @@
         <a:cs typeface="+mn-cs"/>
       </a:defRPr>
     </a:lvl1pPr>
-    <a:lvl2pPr marL="457200" algn="l" defTabSz="457200" rtl="0" eaLnBrk="1" latinLnBrk="0" hangingPunct="1">
+    <a:lvl2pPr marL="457200" algn="l" defTabSz="914400" rtl="0" eaLnBrk="1" latinLnBrk="0" hangingPunct="1">
       <a:defRPr sz="1800" kern="1200">
         <a:solidFill>
           <a:schemeClr val="tx1"/>
@@ -40,7 +43,7 @@
         <a:cs typeface="+mn-cs"/>
       </a:defRPr>
     </a:lvl2pPr>
-    <a:lvl3pPr marL="914400" algn="l" defTabSz="457200" rtl="0" eaLnBrk="1" latinLnBrk="0" hangingPunct="1">
+    <a:lvl3pPr marL="914400" algn="l" defTabSz="914400" rtl="0" eaLnBrk="1" latinLnBrk="0" hangingPunct="1">
       <a:defRPr sz="1800" kern="1200">
         <a:solidFill>
           <a:schemeClr val="tx1"/>
@@ -50,7 +53,7 @@
         <a:cs typeface="+mn-cs"/>
       </a:defRPr>
     </a:lvl3pPr>
-    <a:lvl4pPr marL="1371600" algn="l" defTabSz="457200" rtl="0" eaLnBrk="1" latinLnBrk="0" hangingPunct="1">
+    <a:lvl4pPr marL="1371600" algn="l" defTabSz="914400" rtl="0" eaLnBrk="1" latinLnBrk="0" hangingPunct="1">
       <a:defRPr sz="1800" kern="1200">
         <a:solidFill>
           <a:schemeClr val="tx1"/>
@@ -60,7 +63,7 @@
         <a:cs typeface="+mn-cs"/>
       </a:defRPr>
     </a:lvl4pPr>
-    <a:lvl5pPr marL="1828800" algn="l" defTabSz="457200" rtl="0" eaLnBrk="1" latinLnBrk="0" hangingPunct="1">
+    <a:lvl5pPr marL="1828800" algn="l" defTabSz="914400" rtl="0" eaLnBrk="1" latinLnBrk="0" hangingPunct="1">
       <a:defRPr sz="1800" kern="1200">
         <a:solidFill>
           <a:schemeClr val="tx1"/>
@@ -70,7 +73,7 @@
         <a:cs typeface="+mn-cs"/>
       </a:defRPr>
     </a:lvl5pPr>
-    <a:lvl6pPr marL="2286000" algn="l" defTabSz="457200" rtl="0" eaLnBrk="1" latinLnBrk="0" hangingPunct="1">
+    <a:lvl6pPr marL="2286000" algn="l" defTabSz="914400" rtl="0" eaLnBrk="1" latinLnBrk="0" hangingPunct="1">
       <a:defRPr sz="1800" kern="1200">
         <a:solidFill>
           <a:schemeClr val="tx1"/>
@@ -80,7 +83,7 @@
         <a:cs typeface="+mn-cs"/>
       </a:defRPr>
     </a:lvl6pPr>
-    <a:lvl7pPr marL="2743200" algn="l" defTabSz="457200" rtl="0" eaLnBrk="1" latinLnBrk="0" hangingPunct="1">
+    <a:lvl7pPr marL="2743200" algn="l" defTabSz="914400" rtl="0" eaLnBrk="1" latinLnBrk="0" hangingPunct="1">
       <a:defRPr sz="1800" kern="1200">
         <a:solidFill>
           <a:schemeClr val="tx1"/>
@@ -90,7 +93,7 @@
         <a:cs typeface="+mn-cs"/>
       </a:defRPr>
     </a:lvl7pPr>
-    <a:lvl8pPr marL="3200400" algn="l" defTabSz="457200" rtl="0" eaLnBrk="1" latinLnBrk="0" hangingPunct="1">
+    <a:lvl8pPr marL="3200400" algn="l" defTabSz="914400" rtl="0" eaLnBrk="1" latinLnBrk="0" hangingPunct="1">
       <a:defRPr sz="1800" kern="1200">
         <a:solidFill>
           <a:schemeClr val="tx1"/>
@@ -100,7 +103,7 @@
         <a:cs typeface="+mn-cs"/>
       </a:defRPr>
     </a:lvl8pPr>
-    <a:lvl9pPr marL="3657600" algn="l" defTabSz="457200" rtl="0" eaLnBrk="1" latinLnBrk="0" hangingPunct="1">
+    <a:lvl9pPr marL="3657600" algn="l" defTabSz="914400" rtl="0" eaLnBrk="1" latinLnBrk="0" hangingPunct="1">
       <a:defRPr sz="1800" kern="1200">
         <a:solidFill>
           <a:schemeClr val="tx1"/>
@@ -205,7 +208,7 @@
           <a:p>
             <a:fld id="{1A7DC3F7-73FA-46F2-AE6F-622310857EE1}" type="datetimeFigureOut">
               <a:rPr lang="en-US" smtClean="0"/>
-              <a:t>11/7/2017</a:t>
+              <a:t>11/8/2017</a:t>
             </a:fld>
             <a:endParaRPr lang="en-US"/>
           </a:p>
@@ -808,19 +811,9 @@
 </p:notes>
 </file>
 
-<file path=ppt/slideLayouts/slideLayout1.xml><?xml version="1.0" encoding="utf-8"?>
-<p:sldLayout xmlns:a="http://schemas.openxmlformats.org/drawingml/2006/main" xmlns:r="http://schemas.openxmlformats.org/officeDocument/2006/relationships" xmlns:p="http://schemas.openxmlformats.org/presentationml/2006/main" showMasterSp="0" type="title" preserve="1">
-  <p:cSld name="Title Slide">
-    <p:bg>
-      <p:bgPr>
-        <a:solidFill>
-          <a:schemeClr val="bg2">
-            <a:lumMod val="75000"/>
-          </a:schemeClr>
-        </a:solidFill>
-        <a:effectLst/>
-      </p:bgPr>
-    </p:bg>
+<file path=ppt/notesSlides/notesSlide5.xml><?xml version="1.0" encoding="utf-8"?>
+<p:notes xmlns:a="http://schemas.openxmlformats.org/drawingml/2006/main" xmlns:r="http://schemas.openxmlformats.org/officeDocument/2006/relationships" xmlns:p="http://schemas.openxmlformats.org/presentationml/2006/main">
+  <p:cSld>
     <p:spTree>
       <p:nvGrpSpPr>
         <p:cNvPr id="1" name=""/>
@@ -837,6 +830,174 @@
       </p:grpSpPr>
       <p:sp>
         <p:nvSpPr>
+          <p:cNvPr id="2" name="Slide Image Placeholder 1"/>
+          <p:cNvSpPr>
+            <a:spLocks noGrp="1" noRot="1" noChangeAspect="1"/>
+          </p:cNvSpPr>
+          <p:nvPr>
+            <p:ph type="sldImg"/>
+          </p:nvPr>
+        </p:nvSpPr>
+        <p:spPr/>
+      </p:sp>
+      <p:sp>
+        <p:nvSpPr>
+          <p:cNvPr id="3" name="Notes Placeholder 2"/>
+          <p:cNvSpPr>
+            <a:spLocks noGrp="1"/>
+          </p:cNvSpPr>
+          <p:nvPr>
+            <p:ph type="body" idx="1"/>
+          </p:nvPr>
+        </p:nvSpPr>
+        <p:spPr/>
+        <p:txBody>
+          <a:bodyPr/>
+          <a:lstStyle/>
+          <a:p>
+            <a:endParaRPr lang="en-US" dirty="0"/>
+          </a:p>
+        </p:txBody>
+      </p:sp>
+      <p:sp>
+        <p:nvSpPr>
+          <p:cNvPr id="4" name="Slide Number Placeholder 3"/>
+          <p:cNvSpPr>
+            <a:spLocks noGrp="1"/>
+          </p:cNvSpPr>
+          <p:nvPr>
+            <p:ph type="sldNum" sz="quarter" idx="10"/>
+          </p:nvPr>
+        </p:nvSpPr>
+        <p:spPr/>
+        <p:txBody>
+          <a:bodyPr/>
+          <a:lstStyle/>
+          <a:p>
+            <a:fld id="{07A1D322-52CC-4A39-9BCC-4466E15DE6CE}" type="slidenum">
+              <a:rPr lang="en-US" smtClean="0"/>
+              <a:t>6</a:t>
+            </a:fld>
+            <a:endParaRPr lang="en-US"/>
+          </a:p>
+        </p:txBody>
+      </p:sp>
+    </p:spTree>
+    <p:extLst>
+      <p:ext uri="{BB962C8B-B14F-4D97-AF65-F5344CB8AC3E}">
+        <p14:creationId xmlns:p14="http://schemas.microsoft.com/office/powerpoint/2010/main" val="1085934630"/>
+      </p:ext>
+    </p:extLst>
+  </p:cSld>
+  <p:clrMapOvr>
+    <a:masterClrMapping/>
+  </p:clrMapOvr>
+</p:notes>
+</file>
+
+<file path=ppt/notesSlides/notesSlide6.xml><?xml version="1.0" encoding="utf-8"?>
+<p:notes xmlns:a="http://schemas.openxmlformats.org/drawingml/2006/main" xmlns:r="http://schemas.openxmlformats.org/officeDocument/2006/relationships" xmlns:p="http://schemas.openxmlformats.org/presentationml/2006/main">
+  <p:cSld>
+    <p:spTree>
+      <p:nvGrpSpPr>
+        <p:cNvPr id="1" name=""/>
+        <p:cNvGrpSpPr/>
+        <p:nvPr/>
+      </p:nvGrpSpPr>
+      <p:grpSpPr>
+        <a:xfrm>
+          <a:off x="0" y="0"/>
+          <a:ext cx="0" cy="0"/>
+          <a:chOff x="0" y="0"/>
+          <a:chExt cx="0" cy="0"/>
+        </a:xfrm>
+      </p:grpSpPr>
+      <p:sp>
+        <p:nvSpPr>
+          <p:cNvPr id="2" name="Slide Image Placeholder 1"/>
+          <p:cNvSpPr>
+            <a:spLocks noGrp="1" noRot="1" noChangeAspect="1"/>
+          </p:cNvSpPr>
+          <p:nvPr>
+            <p:ph type="sldImg"/>
+          </p:nvPr>
+        </p:nvSpPr>
+        <p:spPr/>
+      </p:sp>
+      <p:sp>
+        <p:nvSpPr>
+          <p:cNvPr id="3" name="Notes Placeholder 2"/>
+          <p:cNvSpPr>
+            <a:spLocks noGrp="1"/>
+          </p:cNvSpPr>
+          <p:nvPr>
+            <p:ph type="body" idx="1"/>
+          </p:nvPr>
+        </p:nvSpPr>
+        <p:spPr/>
+        <p:txBody>
+          <a:bodyPr/>
+          <a:lstStyle/>
+          <a:p>
+            <a:endParaRPr lang="en-US" dirty="0"/>
+          </a:p>
+        </p:txBody>
+      </p:sp>
+      <p:sp>
+        <p:nvSpPr>
+          <p:cNvPr id="4" name="Slide Number Placeholder 3"/>
+          <p:cNvSpPr>
+            <a:spLocks noGrp="1"/>
+          </p:cNvSpPr>
+          <p:nvPr>
+            <p:ph type="sldNum" sz="quarter" idx="10"/>
+          </p:nvPr>
+        </p:nvSpPr>
+        <p:spPr/>
+        <p:txBody>
+          <a:bodyPr/>
+          <a:lstStyle/>
+          <a:p>
+            <a:fld id="{07A1D322-52CC-4A39-9BCC-4466E15DE6CE}" type="slidenum">
+              <a:rPr lang="en-US" smtClean="0"/>
+              <a:t>7</a:t>
+            </a:fld>
+            <a:endParaRPr lang="en-US"/>
+          </a:p>
+        </p:txBody>
+      </p:sp>
+    </p:spTree>
+    <p:extLst>
+      <p:ext uri="{BB962C8B-B14F-4D97-AF65-F5344CB8AC3E}">
+        <p14:creationId xmlns:p14="http://schemas.microsoft.com/office/powerpoint/2010/main" val="1440024064"/>
+      </p:ext>
+    </p:extLst>
+  </p:cSld>
+  <p:clrMapOvr>
+    <a:masterClrMapping/>
+  </p:clrMapOvr>
+</p:notes>
+</file>
+
+<file path=ppt/slideLayouts/slideLayout1.xml><?xml version="1.0" encoding="utf-8"?>
+<p:sldLayout xmlns:a="http://schemas.openxmlformats.org/drawingml/2006/main" xmlns:r="http://schemas.openxmlformats.org/officeDocument/2006/relationships" xmlns:p="http://schemas.openxmlformats.org/presentationml/2006/main" type="title" preserve="1">
+  <p:cSld name="Title Slide">
+    <p:spTree>
+      <p:nvGrpSpPr>
+        <p:cNvPr id="1" name=""/>
+        <p:cNvGrpSpPr/>
+        <p:nvPr/>
+      </p:nvGrpSpPr>
+      <p:grpSpPr>
+        <a:xfrm>
+          <a:off x="0" y="0"/>
+          <a:ext cx="0" cy="0"/>
+          <a:chOff x="0" y="0"/>
+          <a:chExt cx="0" cy="0"/>
+        </a:xfrm>
+      </p:grpSpPr>
+      <p:sp>
+        <p:nvSpPr>
           <p:cNvPr id="2" name="Title 1"/>
           <p:cNvSpPr>
             <a:spLocks noGrp="1"/>
@@ -847,24 +1008,15 @@
         </p:nvSpPr>
         <p:spPr>
           <a:xfrm>
-            <a:off x="1261872" y="758952"/>
-            <a:ext cx="9418320" cy="4041648"/>
+            <a:off x="1524000" y="1122363"/>
+            <a:ext cx="9144000" cy="2387600"/>
           </a:xfrm>
         </p:spPr>
         <p:txBody>
-          <a:bodyPr anchor="b">
-            <a:normAutofit/>
-          </a:bodyPr>
+          <a:bodyPr anchor="b"/>
           <a:lstStyle>
-            <a:lvl1pPr algn="l">
-              <a:lnSpc>
-                <a:spcPct val="85000"/>
-              </a:lnSpc>
-              <a:defRPr sz="7200" baseline="0">
-                <a:solidFill>
-                  <a:schemeClr val="tx1"/>
-                </a:solidFill>
-              </a:defRPr>
+            <a:lvl1pPr algn="ctr">
+              <a:defRPr sz="6000"/>
             </a:lvl1pPr>
           </a:lstStyle>
           <a:p>
@@ -872,7 +1024,7 @@
               <a:rPr lang="en-US"/>
               <a:t>Click to edit Master title style</a:t>
             </a:r>
-            <a:endParaRPr lang="en-US" dirty="0"/>
+            <a:endParaRPr lang="en-US"/>
           </a:p>
         </p:txBody>
       </p:sp>
@@ -888,56 +1040,48 @@
         </p:nvSpPr>
         <p:spPr>
           <a:xfrm>
-            <a:off x="1261872" y="4800600"/>
-            <a:ext cx="9418320" cy="1691640"/>
+            <a:off x="1524000" y="3602038"/>
+            <a:ext cx="9144000" cy="1655762"/>
           </a:xfrm>
         </p:spPr>
         <p:txBody>
-          <a:bodyPr>
-            <a:normAutofit/>
-          </a:bodyPr>
+          <a:bodyPr/>
           <a:lstStyle>
-            <a:lvl1pPr marL="0" indent="0" algn="l">
-              <a:buNone/>
-              <a:defRPr sz="2200" baseline="0">
-                <a:solidFill>
-                  <a:schemeClr val="tx1">
-                    <a:lumMod val="75000"/>
-                  </a:schemeClr>
-                </a:solidFill>
-              </a:defRPr>
+            <a:lvl1pPr marL="0" indent="0" algn="ctr">
+              <a:buNone/>
+              <a:defRPr sz="2400"/>
             </a:lvl1pPr>
             <a:lvl2pPr marL="457200" indent="0" algn="ctr">
               <a:buNone/>
-              <a:defRPr sz="2200"/>
+              <a:defRPr sz="2000"/>
             </a:lvl2pPr>
             <a:lvl3pPr marL="914400" indent="0" algn="ctr">
               <a:buNone/>
-              <a:defRPr sz="2200"/>
+              <a:defRPr sz="1800"/>
             </a:lvl3pPr>
             <a:lvl4pPr marL="1371600" indent="0" algn="ctr">
               <a:buNone/>
-              <a:defRPr sz="2000"/>
+              <a:defRPr sz="1600"/>
             </a:lvl4pPr>
             <a:lvl5pPr marL="1828800" indent="0" algn="ctr">
               <a:buNone/>
-              <a:defRPr sz="2000"/>
+              <a:defRPr sz="1600"/>
             </a:lvl5pPr>
             <a:lvl6pPr marL="2286000" indent="0" algn="ctr">
               <a:buNone/>
-              <a:defRPr sz="2000"/>
+              <a:defRPr sz="1600"/>
             </a:lvl6pPr>
             <a:lvl7pPr marL="2743200" indent="0" algn="ctr">
               <a:buNone/>
-              <a:defRPr sz="2000"/>
+              <a:defRPr sz="1600"/>
             </a:lvl7pPr>
             <a:lvl8pPr marL="3200400" indent="0" algn="ctr">
               <a:buNone/>
-              <a:defRPr sz="2000"/>
+              <a:defRPr sz="1600"/>
             </a:lvl8pPr>
             <a:lvl9pPr marL="3657600" indent="0" algn="ctr">
               <a:buNone/>
-              <a:defRPr sz="2000"/>
+              <a:defRPr sz="1600"/>
             </a:lvl9pPr>
           </a:lstStyle>
           <a:p>
@@ -945,7 +1089,7 @@
               <a:rPr lang="en-US"/>
               <a:t>Click to edit Master subtitle style</a:t>
             </a:r>
-            <a:endParaRPr lang="en-US" dirty="0"/>
+            <a:endParaRPr lang="en-US"/>
           </a:p>
         </p:txBody>
       </p:sp>
@@ -962,21 +1106,11 @@
         <p:spPr/>
         <p:txBody>
           <a:bodyPr/>
-          <a:lstStyle>
-            <a:lvl1pPr>
-              <a:defRPr>
-                <a:solidFill>
-                  <a:schemeClr val="tx1">
-                    <a:lumMod val="50000"/>
-                  </a:schemeClr>
-                </a:solidFill>
-              </a:defRPr>
-            </a:lvl1pPr>
-          </a:lstStyle>
+          <a:lstStyle/>
           <a:p>
             <a:fld id="{2EA7DAC2-4AA6-4857-A112-92745547B70E}" type="datetimeFigureOut">
               <a:rPr lang="en-US" smtClean="0"/>
-              <a:t>11/7/2017</a:t>
+              <a:t>11/8/2017</a:t>
             </a:fld>
             <a:endParaRPr lang="en-US"/>
           </a:p>
@@ -995,17 +1129,7 @@
         <p:spPr/>
         <p:txBody>
           <a:bodyPr/>
-          <a:lstStyle>
-            <a:lvl1pPr>
-              <a:defRPr>
-                <a:solidFill>
-                  <a:schemeClr val="tx1">
-                    <a:lumMod val="65000"/>
-                  </a:schemeClr>
-                </a:solidFill>
-              </a:defRPr>
-            </a:lvl1pPr>
-          </a:lstStyle>
+          <a:lstStyle/>
           <a:p>
             <a:endParaRPr lang="en-US"/>
           </a:p>
@@ -1024,17 +1148,7 @@
         <p:spPr/>
         <p:txBody>
           <a:bodyPr/>
-          <a:lstStyle>
-            <a:lvl1pPr>
-              <a:defRPr>
-                <a:solidFill>
-                  <a:schemeClr val="tx1">
-                    <a:lumMod val="65000"/>
-                  </a:schemeClr>
-                </a:solidFill>
-              </a:defRPr>
-            </a:lvl1pPr>
-          </a:lstStyle>
+          <a:lstStyle/>
           <a:p>
             <a:fld id="{E1B4457D-915B-42C3-952B-85B2FCA8E66E}" type="slidenum">
               <a:rPr lang="en-US" smtClean="0"/>
@@ -1044,53 +1158,15 @@
           </a:p>
         </p:txBody>
       </p:sp>
-      <p:sp>
-        <p:nvSpPr>
-          <p:cNvPr id="7" name="Rectangle 6"/>
-          <p:cNvSpPr/>
-          <p:nvPr/>
-        </p:nvSpPr>
-        <p:spPr>
-          <a:xfrm>
-            <a:off x="0" y="0"/>
-            <a:ext cx="457200" cy="6858000"/>
-          </a:xfrm>
-          <a:prstGeom prst="rect">
-            <a:avLst/>
-          </a:prstGeom>
-          <a:solidFill>
-            <a:schemeClr val="accent1"/>
-          </a:solidFill>
-          <a:ln>
-            <a:noFill/>
-          </a:ln>
-        </p:spPr>
-        <p:style>
-          <a:lnRef idx="2">
-            <a:schemeClr val="accent1">
-              <a:shade val="50000"/>
-            </a:schemeClr>
-          </a:lnRef>
-          <a:fillRef idx="1">
-            <a:schemeClr val="accent1"/>
-          </a:fillRef>
-          <a:effectRef idx="0">
-            <a:schemeClr val="accent1"/>
-          </a:effectRef>
-          <a:fontRef idx="minor">
-            <a:schemeClr val="lt1"/>
-          </a:fontRef>
-        </p:style>
-      </p:sp>
     </p:spTree>
     <p:extLst>
       <p:ext uri="{BB962C8B-B14F-4D97-AF65-F5344CB8AC3E}">
-        <p14:creationId xmlns:p14="http://schemas.microsoft.com/office/powerpoint/2010/main" val="2051271344"/>
+        <p14:creationId xmlns:p14="http://schemas.microsoft.com/office/powerpoint/2010/main" val="983880802"/>
       </p:ext>
     </p:extLst>
   </p:cSld>
   <p:clrMapOvr>
-    <a:overrideClrMapping bg1="dk1" tx1="lt1" bg2="dk2" tx2="lt2" accent1="accent1" accent2="accent2" accent3="accent3" accent4="accent4" accent5="accent5" accent6="accent6" hlink="hlink" folHlink="folHlink"/>
+    <a:masterClrMapping/>
   </p:clrMapOvr>
   <p:extLst>
     <p:ext uri="{DCECCB84-F9BA-43D5-87BE-67443E8EF086}">
@@ -1136,7 +1212,7 @@
               <a:rPr lang="en-US"/>
               <a:t>Click to edit Master title style</a:t>
             </a:r>
-            <a:endParaRPr lang="en-US" dirty="0"/>
+            <a:endParaRPr lang="en-US"/>
           </a:p>
         </p:txBody>
       </p:sp>
@@ -1188,7 +1264,7 @@
               <a:rPr lang="en-US"/>
               <a:t>Fifth level</a:t>
             </a:r>
-            <a:endParaRPr lang="en-US" dirty="0"/>
+            <a:endParaRPr lang="en-US"/>
           </a:p>
         </p:txBody>
       </p:sp>
@@ -1209,7 +1285,7 @@
           <a:p>
             <a:fld id="{2EA7DAC2-4AA6-4857-A112-92745547B70E}" type="datetimeFigureOut">
               <a:rPr lang="en-US" smtClean="0"/>
-              <a:t>11/7/2017</a:t>
+              <a:t>11/8/2017</a:t>
             </a:fld>
             <a:endParaRPr lang="en-US"/>
           </a:p>
@@ -1260,7 +1336,7 @@
     </p:spTree>
     <p:extLst>
       <p:ext uri="{BB962C8B-B14F-4D97-AF65-F5344CB8AC3E}">
-        <p14:creationId xmlns:p14="http://schemas.microsoft.com/office/powerpoint/2010/main" val="2304723800"/>
+        <p14:creationId xmlns:p14="http://schemas.microsoft.com/office/powerpoint/2010/main" val="2268693261"/>
       </p:ext>
     </p:extLst>
   </p:cSld>
@@ -1299,8 +1375,8 @@
         </p:nvSpPr>
         <p:spPr>
           <a:xfrm>
-            <a:off x="8648700" y="381000"/>
-            <a:ext cx="2476500" cy="5897562"/>
+            <a:off x="8724900" y="365125"/>
+            <a:ext cx="2628900" cy="5811838"/>
           </a:xfrm>
         </p:spPr>
         <p:txBody>
@@ -1311,7 +1387,7 @@
               <a:rPr lang="en-US"/>
               <a:t>Click to edit Master title style</a:t>
             </a:r>
-            <a:endParaRPr lang="en-US" dirty="0"/>
+            <a:endParaRPr lang="en-US"/>
           </a:p>
         </p:txBody>
       </p:sp>
@@ -1327,8 +1403,8 @@
         </p:nvSpPr>
         <p:spPr>
           <a:xfrm>
-            <a:off x="762000" y="381000"/>
-            <a:ext cx="7734300" cy="5897562"/>
+            <a:off x="838200" y="365125"/>
+            <a:ext cx="7734300" cy="5811838"/>
           </a:xfrm>
         </p:spPr>
         <p:txBody>
@@ -1368,7 +1444,7 @@
               <a:rPr lang="en-US"/>
               <a:t>Fifth level</a:t>
             </a:r>
-            <a:endParaRPr lang="en-US" dirty="0"/>
+            <a:endParaRPr lang="en-US"/>
           </a:p>
         </p:txBody>
       </p:sp>
@@ -1389,7 +1465,7 @@
           <a:p>
             <a:fld id="{2EA7DAC2-4AA6-4857-A112-92745547B70E}" type="datetimeFigureOut">
               <a:rPr lang="en-US" smtClean="0"/>
-              <a:t>11/7/2017</a:t>
+              <a:t>11/8/2017</a:t>
             </a:fld>
             <a:endParaRPr lang="en-US"/>
           </a:p>
@@ -1440,7 +1516,7 @@
     </p:spTree>
     <p:extLst>
       <p:ext uri="{BB962C8B-B14F-4D97-AF65-F5344CB8AC3E}">
-        <p14:creationId xmlns:p14="http://schemas.microsoft.com/office/powerpoint/2010/main" val="3588734451"/>
+        <p14:creationId xmlns:p14="http://schemas.microsoft.com/office/powerpoint/2010/main" val="2664553696"/>
       </p:ext>
     </p:extLst>
   </p:cSld>
@@ -1486,7 +1562,7 @@
               <a:rPr lang="en-US"/>
               <a:t>Click to edit Master title style</a:t>
             </a:r>
-            <a:endParaRPr lang="en-US" dirty="0"/>
+            <a:endParaRPr lang="en-US"/>
           </a:p>
         </p:txBody>
       </p:sp>
@@ -1538,7 +1614,7 @@
               <a:rPr lang="en-US"/>
               <a:t>Fifth level</a:t>
             </a:r>
-            <a:endParaRPr lang="en-US" dirty="0"/>
+            <a:endParaRPr lang="en-US"/>
           </a:p>
         </p:txBody>
       </p:sp>
@@ -1559,7 +1635,7 @@
           <a:p>
             <a:fld id="{2EA7DAC2-4AA6-4857-A112-92745547B70E}" type="datetimeFigureOut">
               <a:rPr lang="en-US" smtClean="0"/>
-              <a:t>11/7/2017</a:t>
+              <a:t>11/8/2017</a:t>
             </a:fld>
             <a:endParaRPr lang="en-US"/>
           </a:p>
@@ -1610,7 +1686,7 @@
     </p:spTree>
     <p:extLst>
       <p:ext uri="{BB962C8B-B14F-4D97-AF65-F5344CB8AC3E}">
-        <p14:creationId xmlns:p14="http://schemas.microsoft.com/office/powerpoint/2010/main" val="4264050417"/>
+        <p14:creationId xmlns:p14="http://schemas.microsoft.com/office/powerpoint/2010/main" val="3149349454"/>
       </p:ext>
     </p:extLst>
   </p:cSld>
@@ -1649,20 +1725,15 @@
         </p:nvSpPr>
         <p:spPr>
           <a:xfrm>
-            <a:off x="1261872" y="758952"/>
-            <a:ext cx="9418320" cy="4041648"/>
+            <a:off x="831850" y="1709738"/>
+            <a:ext cx="10515600" cy="2852737"/>
           </a:xfrm>
         </p:spPr>
         <p:txBody>
-          <a:bodyPr anchor="b">
-            <a:normAutofit/>
-          </a:bodyPr>
+          <a:bodyPr anchor="b"/>
           <a:lstStyle>
             <a:lvl1pPr>
-              <a:lnSpc>
-                <a:spcPct val="85000"/>
-              </a:lnSpc>
-              <a:defRPr sz="7200" b="0"/>
+              <a:defRPr sz="6000"/>
             </a:lvl1pPr>
           </a:lstStyle>
           <a:p>
@@ -1670,7 +1741,7 @@
               <a:rPr lang="en-US"/>
               <a:t>Click to edit Master title style</a:t>
             </a:r>
-            <a:endParaRPr lang="en-US" dirty="0"/>
+            <a:endParaRPr lang="en-US"/>
           </a:p>
         </p:txBody>
       </p:sp>
@@ -1686,29 +1757,26 @@
         </p:nvSpPr>
         <p:spPr>
           <a:xfrm>
-            <a:off x="1261872" y="4800600"/>
-            <a:ext cx="9418320" cy="1691640"/>
+            <a:off x="831850" y="4589463"/>
+            <a:ext cx="10515600" cy="1500187"/>
           </a:xfrm>
         </p:spPr>
         <p:txBody>
-          <a:bodyPr anchor="t">
-            <a:normAutofit/>
-          </a:bodyPr>
+          <a:bodyPr/>
           <a:lstStyle>
             <a:lvl1pPr marL="0" indent="0">
               <a:buNone/>
-              <a:defRPr sz="2200">
+              <a:defRPr sz="2400">
                 <a:solidFill>
                   <a:schemeClr val="tx1">
-                    <a:lumMod val="65000"/>
-                    <a:lumOff val="35000"/>
+                    <a:tint val="75000"/>
                   </a:schemeClr>
                 </a:solidFill>
               </a:defRPr>
             </a:lvl1pPr>
             <a:lvl2pPr marL="457200" indent="0">
               <a:buNone/>
-              <a:defRPr sz="1800">
+              <a:defRPr sz="2000">
                 <a:solidFill>
                   <a:schemeClr val="tx1">
                     <a:tint val="75000"/>
@@ -1718,7 +1786,7 @@
             </a:lvl2pPr>
             <a:lvl3pPr marL="914400" indent="0">
               <a:buNone/>
-              <a:defRPr sz="1600">
+              <a:defRPr sz="1800">
                 <a:solidFill>
                   <a:schemeClr val="tx1">
                     <a:tint val="75000"/>
@@ -1728,7 +1796,7 @@
             </a:lvl3pPr>
             <a:lvl4pPr marL="1371600" indent="0">
               <a:buNone/>
-              <a:defRPr sz="1400">
+              <a:defRPr sz="1600">
                 <a:solidFill>
                   <a:schemeClr val="tx1">
                     <a:tint val="75000"/>
@@ -1738,7 +1806,7 @@
             </a:lvl4pPr>
             <a:lvl5pPr marL="1828800" indent="0">
               <a:buNone/>
-              <a:defRPr sz="1400">
+              <a:defRPr sz="1600">
                 <a:solidFill>
                   <a:schemeClr val="tx1">
                     <a:tint val="75000"/>
@@ -1748,7 +1816,7 @@
             </a:lvl5pPr>
             <a:lvl6pPr marL="2286000" indent="0">
               <a:buNone/>
-              <a:defRPr sz="1400">
+              <a:defRPr sz="1600">
                 <a:solidFill>
                   <a:schemeClr val="tx1">
                     <a:tint val="75000"/>
@@ -1758,7 +1826,7 @@
             </a:lvl6pPr>
             <a:lvl7pPr marL="2743200" indent="0">
               <a:buNone/>
-              <a:defRPr sz="1400">
+              <a:defRPr sz="1600">
                 <a:solidFill>
                   <a:schemeClr val="tx1">
                     <a:tint val="75000"/>
@@ -1768,7 +1836,7 @@
             </a:lvl7pPr>
             <a:lvl8pPr marL="3200400" indent="0">
               <a:buNone/>
-              <a:defRPr sz="1400">
+              <a:defRPr sz="1600">
                 <a:solidFill>
                   <a:schemeClr val="tx1">
                     <a:tint val="75000"/>
@@ -1778,7 +1846,7 @@
             </a:lvl8pPr>
             <a:lvl9pPr marL="3657600" indent="0">
               <a:buNone/>
-              <a:defRPr sz="1400">
+              <a:defRPr sz="1600">
                 <a:solidFill>
                   <a:schemeClr val="tx1">
                     <a:tint val="75000"/>
@@ -1813,7 +1881,7 @@
           <a:p>
             <a:fld id="{2EA7DAC2-4AA6-4857-A112-92745547B70E}" type="datetimeFigureOut">
               <a:rPr lang="en-US" smtClean="0"/>
-              <a:t>11/7/2017</a:t>
+              <a:t>11/8/2017</a:t>
             </a:fld>
             <a:endParaRPr lang="en-US"/>
           </a:p>
@@ -1861,48 +1929,10 @@
           </a:p>
         </p:txBody>
       </p:sp>
-      <p:sp>
-        <p:nvSpPr>
-          <p:cNvPr id="7" name="Rectangle 6"/>
-          <p:cNvSpPr/>
-          <p:nvPr/>
-        </p:nvSpPr>
-        <p:spPr>
-          <a:xfrm>
-            <a:off x="0" y="0"/>
-            <a:ext cx="457200" cy="6858000"/>
-          </a:xfrm>
-          <a:prstGeom prst="rect">
-            <a:avLst/>
-          </a:prstGeom>
-          <a:solidFill>
-            <a:schemeClr val="accent1"/>
-          </a:solidFill>
-          <a:ln>
-            <a:noFill/>
-          </a:ln>
-        </p:spPr>
-        <p:style>
-          <a:lnRef idx="2">
-            <a:schemeClr val="accent1">
-              <a:shade val="50000"/>
-            </a:schemeClr>
-          </a:lnRef>
-          <a:fillRef idx="1">
-            <a:schemeClr val="accent1"/>
-          </a:fillRef>
-          <a:effectRef idx="0">
-            <a:schemeClr val="accent1"/>
-          </a:effectRef>
-          <a:fontRef idx="minor">
-            <a:schemeClr val="lt1"/>
-          </a:fontRef>
-        </p:style>
-      </p:sp>
     </p:spTree>
     <p:extLst>
       <p:ext uri="{BB962C8B-B14F-4D97-AF65-F5344CB8AC3E}">
-        <p14:creationId xmlns:p14="http://schemas.microsoft.com/office/powerpoint/2010/main" val="2648293873"/>
+        <p14:creationId xmlns:p14="http://schemas.microsoft.com/office/powerpoint/2010/main" val="2847497915"/>
       </p:ext>
     </p:extLst>
   </p:cSld>
@@ -1948,7 +1978,7 @@
               <a:rPr lang="en-US"/>
               <a:t>Click to edit Master title style</a:t>
             </a:r>
-            <a:endParaRPr lang="en-US" dirty="0"/>
+            <a:endParaRPr lang="en-US"/>
           </a:p>
         </p:txBody>
       </p:sp>
@@ -1964,41 +1994,13 @@
         </p:nvSpPr>
         <p:spPr>
           <a:xfrm>
-            <a:off x="1261872" y="1828800"/>
-            <a:ext cx="4480560" cy="4351337"/>
+            <a:off x="838200" y="1825625"/>
+            <a:ext cx="5181600" cy="4351338"/>
           </a:xfrm>
         </p:spPr>
         <p:txBody>
           <a:bodyPr/>
-          <a:lstStyle>
-            <a:lvl1pPr>
-              <a:defRPr sz="1800"/>
-            </a:lvl1pPr>
-            <a:lvl2pPr>
-              <a:defRPr sz="1600"/>
-            </a:lvl2pPr>
-            <a:lvl3pPr>
-              <a:defRPr sz="1400"/>
-            </a:lvl3pPr>
-            <a:lvl4pPr>
-              <a:defRPr sz="1400"/>
-            </a:lvl4pPr>
-            <a:lvl5pPr>
-              <a:defRPr sz="1400"/>
-            </a:lvl5pPr>
-            <a:lvl6pPr>
-              <a:defRPr sz="1400"/>
-            </a:lvl6pPr>
-            <a:lvl7pPr>
-              <a:defRPr sz="1400"/>
-            </a:lvl7pPr>
-            <a:lvl8pPr>
-              <a:defRPr sz="1400"/>
-            </a:lvl8pPr>
-            <a:lvl9pPr>
-              <a:defRPr sz="1400"/>
-            </a:lvl9pPr>
-          </a:lstStyle>
+          <a:lstStyle/>
           <a:p>
             <a:pPr lvl="0"/>
             <a:r>
@@ -2033,7 +2035,7 @@
               <a:rPr lang="en-US"/>
               <a:t>Fifth level</a:t>
             </a:r>
-            <a:endParaRPr lang="en-US" dirty="0"/>
+            <a:endParaRPr lang="en-US"/>
           </a:p>
         </p:txBody>
       </p:sp>
@@ -2049,41 +2051,13 @@
         </p:nvSpPr>
         <p:spPr>
           <a:xfrm>
-            <a:off x="6126480" y="1828800"/>
-            <a:ext cx="4480560" cy="4351337"/>
+            <a:off x="6172200" y="1825625"/>
+            <a:ext cx="5181600" cy="4351338"/>
           </a:xfrm>
         </p:spPr>
         <p:txBody>
           <a:bodyPr/>
-          <a:lstStyle>
-            <a:lvl1pPr>
-              <a:defRPr sz="1800"/>
-            </a:lvl1pPr>
-            <a:lvl2pPr>
-              <a:defRPr sz="1600"/>
-            </a:lvl2pPr>
-            <a:lvl3pPr>
-              <a:defRPr sz="1400"/>
-            </a:lvl3pPr>
-            <a:lvl4pPr>
-              <a:defRPr sz="1400"/>
-            </a:lvl4pPr>
-            <a:lvl5pPr>
-              <a:defRPr sz="1400"/>
-            </a:lvl5pPr>
-            <a:lvl6pPr>
-              <a:defRPr sz="1400"/>
-            </a:lvl6pPr>
-            <a:lvl7pPr>
-              <a:defRPr sz="1400"/>
-            </a:lvl7pPr>
-            <a:lvl8pPr>
-              <a:defRPr sz="1400"/>
-            </a:lvl8pPr>
-            <a:lvl9pPr>
-              <a:defRPr sz="1400"/>
-            </a:lvl9pPr>
-          </a:lstStyle>
+          <a:lstStyle/>
           <a:p>
             <a:pPr lvl="0"/>
             <a:r>
@@ -2118,7 +2092,7 @@
               <a:rPr lang="en-US"/>
               <a:t>Fifth level</a:t>
             </a:r>
-            <a:endParaRPr lang="en-US" dirty="0"/>
+            <a:endParaRPr lang="en-US"/>
           </a:p>
         </p:txBody>
       </p:sp>
@@ -2139,7 +2113,7 @@
           <a:p>
             <a:fld id="{2EA7DAC2-4AA6-4857-A112-92745547B70E}" type="datetimeFigureOut">
               <a:rPr lang="en-US" smtClean="0"/>
-              <a:t>11/7/2017</a:t>
+              <a:t>11/8/2017</a:t>
             </a:fld>
             <a:endParaRPr lang="en-US"/>
           </a:p>
@@ -2190,7 +2164,7 @@
     </p:spTree>
     <p:extLst>
       <p:ext uri="{BB962C8B-B14F-4D97-AF65-F5344CB8AC3E}">
-        <p14:creationId xmlns:p14="http://schemas.microsoft.com/office/powerpoint/2010/main" val="3188640412"/>
+        <p14:creationId xmlns:p14="http://schemas.microsoft.com/office/powerpoint/2010/main" val="3258591841"/>
       </p:ext>
     </p:extLst>
   </p:cSld>
@@ -2219,58 +2193,54 @@
       </p:grpSpPr>
       <p:sp>
         <p:nvSpPr>
-          <p:cNvPr id="10" name="Title 9"/>
+          <p:cNvPr id="2" name="Title 1"/>
           <p:cNvSpPr>
             <a:spLocks noGrp="1"/>
           </p:cNvSpPr>
           <p:nvPr>
             <p:ph type="title"/>
-          </p:nvPr>
-        </p:nvSpPr>
-        <p:spPr/>
-        <p:txBody>
-          <a:bodyPr/>
-          <a:lstStyle/>
-          <a:p>
-            <a:r>
-              <a:rPr lang="en-US"/>
-              <a:t>Click to edit Master title style</a:t>
-            </a:r>
-            <a:endParaRPr lang="en-US" dirty="0"/>
-          </a:p>
-        </p:txBody>
-      </p:sp>
-      <p:sp>
-        <p:nvSpPr>
-          <p:cNvPr id="3" name="Text Placeholder 2"/>
-          <p:cNvSpPr>
-            <a:spLocks noGrp="1"/>
-          </p:cNvSpPr>
-          <p:nvPr>
-            <p:ph type="body" idx="1"/>
           </p:nvPr>
         </p:nvSpPr>
         <p:spPr>
           <a:xfrm>
-            <a:off x="1261872" y="1713655"/>
-            <a:ext cx="4480560" cy="731520"/>
+            <a:off x="839788" y="365125"/>
+            <a:ext cx="10515600" cy="1325563"/>
           </a:xfrm>
         </p:spPr>
         <p:txBody>
-          <a:bodyPr anchor="b">
-            <a:normAutofit/>
-          </a:bodyPr>
+          <a:bodyPr/>
+          <a:lstStyle/>
+          <a:p>
+            <a:r>
+              <a:rPr lang="en-US"/>
+              <a:t>Click to edit Master title style</a:t>
+            </a:r>
+            <a:endParaRPr lang="en-US"/>
+          </a:p>
+        </p:txBody>
+      </p:sp>
+      <p:sp>
+        <p:nvSpPr>
+          <p:cNvPr id="3" name="Text Placeholder 2"/>
+          <p:cNvSpPr>
+            <a:spLocks noGrp="1"/>
+          </p:cNvSpPr>
+          <p:nvPr>
+            <p:ph type="body" idx="1"/>
+          </p:nvPr>
+        </p:nvSpPr>
+        <p:spPr>
+          <a:xfrm>
+            <a:off x="839788" y="1681163"/>
+            <a:ext cx="5157787" cy="823912"/>
+          </a:xfrm>
+        </p:spPr>
+        <p:txBody>
+          <a:bodyPr anchor="b"/>
           <a:lstStyle>
             <a:lvl1pPr marL="0" indent="0">
-              <a:spcBef>
-                <a:spcPts val="0"/>
-              </a:spcBef>
-              <a:buNone/>
-              <a:defRPr sz="2000" b="0">
-                <a:solidFill>
-                  <a:schemeClr val="tx2"/>
-                </a:solidFill>
-              </a:defRPr>
+              <a:buNone/>
+              <a:defRPr sz="2400" b="1"/>
             </a:lvl1pPr>
             <a:lvl2pPr marL="457200" indent="0">
               <a:buNone/>
@@ -2326,41 +2296,13 @@
         </p:nvSpPr>
         <p:spPr>
           <a:xfrm>
-            <a:off x="1261872" y="2507550"/>
-            <a:ext cx="4480560" cy="3664650"/>
+            <a:off x="839788" y="2505075"/>
+            <a:ext cx="5157787" cy="3684588"/>
           </a:xfrm>
         </p:spPr>
         <p:txBody>
           <a:bodyPr/>
-          <a:lstStyle>
-            <a:lvl1pPr>
-              <a:defRPr sz="1800"/>
-            </a:lvl1pPr>
-            <a:lvl2pPr>
-              <a:defRPr sz="1600"/>
-            </a:lvl2pPr>
-            <a:lvl3pPr>
-              <a:defRPr sz="1400"/>
-            </a:lvl3pPr>
-            <a:lvl4pPr>
-              <a:defRPr sz="1400"/>
-            </a:lvl4pPr>
-            <a:lvl5pPr>
-              <a:defRPr sz="1400"/>
-            </a:lvl5pPr>
-            <a:lvl6pPr>
-              <a:defRPr sz="1400"/>
-            </a:lvl6pPr>
-            <a:lvl7pPr>
-              <a:defRPr sz="1400"/>
-            </a:lvl7pPr>
-            <a:lvl8pPr>
-              <a:defRPr sz="1400"/>
-            </a:lvl8pPr>
-            <a:lvl9pPr>
-              <a:defRPr sz="1400"/>
-            </a:lvl9pPr>
-          </a:lstStyle>
+          <a:lstStyle/>
           <a:p>
             <a:pPr lvl="0"/>
             <a:r>
@@ -2395,7 +2337,7 @@
               <a:rPr lang="en-US"/>
               <a:t>Fifth level</a:t>
             </a:r>
-            <a:endParaRPr lang="en-US" dirty="0"/>
+            <a:endParaRPr lang="en-US"/>
           </a:p>
         </p:txBody>
       </p:sp>
@@ -2411,31 +2353,16 @@
         </p:nvSpPr>
         <p:spPr>
           <a:xfrm>
-            <a:off x="6126480" y="1713655"/>
-            <a:ext cx="4480560" cy="731520"/>
+            <a:off x="6172200" y="1681163"/>
+            <a:ext cx="5183188" cy="823912"/>
           </a:xfrm>
         </p:spPr>
         <p:txBody>
-          <a:bodyPr anchor="b">
-            <a:normAutofit/>
-          </a:bodyPr>
+          <a:bodyPr anchor="b"/>
           <a:lstStyle>
             <a:lvl1pPr marL="0" indent="0">
-              <a:lnSpc>
-                <a:spcPct val="95000"/>
-              </a:lnSpc>
-              <a:spcBef>
-                <a:spcPts val="0"/>
-              </a:spcBef>
-              <a:buNone/>
-              <a:defRPr lang="en-US" sz="2000" b="0" kern="1200" dirty="0">
-                <a:solidFill>
-                  <a:schemeClr val="tx2"/>
-                </a:solidFill>
-                <a:latin typeface="+mn-lt"/>
-                <a:ea typeface="+mn-ea"/>
-                <a:cs typeface="+mn-cs"/>
-              </a:defRPr>
+              <a:buNone/>
+              <a:defRPr sz="2400" b="1"/>
             </a:lvl1pPr>
             <a:lvl2pPr marL="457200" indent="0">
               <a:buNone/>
@@ -2471,16 +2398,7 @@
             </a:lvl9pPr>
           </a:lstStyle>
           <a:p>
-            <a:pPr marL="0" lvl="0" indent="0" algn="l" defTabSz="914400" rtl="0" eaLnBrk="1" latinLnBrk="0" hangingPunct="1">
-              <a:lnSpc>
-                <a:spcPct val="90000"/>
-              </a:lnSpc>
-              <a:spcBef>
-                <a:spcPts val="2000"/>
-              </a:spcBef>
-              <a:buFontTx/>
-              <a:buNone/>
-            </a:pPr>
+            <a:pPr lvl="0"/>
             <a:r>
               <a:rPr lang="en-US"/>
               <a:t>Edit Master text styles</a:t>
@@ -2500,41 +2418,13 @@
         </p:nvSpPr>
         <p:spPr>
           <a:xfrm>
-            <a:off x="6126480" y="2507550"/>
-            <a:ext cx="4480560" cy="3664650"/>
+            <a:off x="6172200" y="2505075"/>
+            <a:ext cx="5183188" cy="3684588"/>
           </a:xfrm>
         </p:spPr>
         <p:txBody>
           <a:bodyPr/>
-          <a:lstStyle>
-            <a:lvl1pPr>
-              <a:defRPr sz="1800"/>
-            </a:lvl1pPr>
-            <a:lvl2pPr>
-              <a:defRPr sz="1600"/>
-            </a:lvl2pPr>
-            <a:lvl3pPr>
-              <a:defRPr sz="1400"/>
-            </a:lvl3pPr>
-            <a:lvl4pPr>
-              <a:defRPr sz="1400"/>
-            </a:lvl4pPr>
-            <a:lvl5pPr>
-              <a:defRPr sz="1400"/>
-            </a:lvl5pPr>
-            <a:lvl6pPr>
-              <a:defRPr sz="1400"/>
-            </a:lvl6pPr>
-            <a:lvl7pPr>
-              <a:defRPr sz="1400"/>
-            </a:lvl7pPr>
-            <a:lvl8pPr>
-              <a:defRPr sz="1400"/>
-            </a:lvl8pPr>
-            <a:lvl9pPr>
-              <a:defRPr sz="1400"/>
-            </a:lvl9pPr>
-          </a:lstStyle>
+          <a:lstStyle/>
           <a:p>
             <a:pPr lvl="0"/>
             <a:r>
@@ -2569,7 +2459,7 @@
               <a:rPr lang="en-US"/>
               <a:t>Fifth level</a:t>
             </a:r>
-            <a:endParaRPr lang="en-US" dirty="0"/>
+            <a:endParaRPr lang="en-US"/>
           </a:p>
         </p:txBody>
       </p:sp>
@@ -2590,7 +2480,7 @@
           <a:p>
             <a:fld id="{2EA7DAC2-4AA6-4857-A112-92745547B70E}" type="datetimeFigureOut">
               <a:rPr lang="en-US" smtClean="0"/>
-              <a:t>11/7/2017</a:t>
+              <a:t>11/8/2017</a:t>
             </a:fld>
             <a:endParaRPr lang="en-US"/>
           </a:p>
@@ -2641,7 +2531,7 @@
     </p:spTree>
     <p:extLst>
       <p:ext uri="{BB962C8B-B14F-4D97-AF65-F5344CB8AC3E}">
-        <p14:creationId xmlns:p14="http://schemas.microsoft.com/office/powerpoint/2010/main" val="2206471336"/>
+        <p14:creationId xmlns:p14="http://schemas.microsoft.com/office/powerpoint/2010/main" val="2431239318"/>
       </p:ext>
     </p:extLst>
   </p:cSld>
@@ -2670,7 +2560,7 @@
       </p:grpSpPr>
       <p:sp>
         <p:nvSpPr>
-          <p:cNvPr id="6" name="Title 5"/>
+          <p:cNvPr id="2" name="Title 1"/>
           <p:cNvSpPr>
             <a:spLocks noGrp="1"/>
           </p:cNvSpPr>
@@ -2687,7 +2577,7 @@
               <a:rPr lang="en-US"/>
               <a:t>Click to edit Master title style</a:t>
             </a:r>
-            <a:endParaRPr lang="en-US" dirty="0"/>
+            <a:endParaRPr lang="en-US"/>
           </a:p>
         </p:txBody>
       </p:sp>
@@ -2708,7 +2598,7 @@
           <a:p>
             <a:fld id="{2EA7DAC2-4AA6-4857-A112-92745547B70E}" type="datetimeFigureOut">
               <a:rPr lang="en-US" smtClean="0"/>
-              <a:t>11/7/2017</a:t>
+              <a:t>11/8/2017</a:t>
             </a:fld>
             <a:endParaRPr lang="en-US"/>
           </a:p>
@@ -2759,7 +2649,7 @@
     </p:spTree>
     <p:extLst>
       <p:ext uri="{BB962C8B-B14F-4D97-AF65-F5344CB8AC3E}">
-        <p14:creationId xmlns:p14="http://schemas.microsoft.com/office/powerpoint/2010/main" val="526862390"/>
+        <p14:creationId xmlns:p14="http://schemas.microsoft.com/office/powerpoint/2010/main" val="274193280"/>
       </p:ext>
     </p:extLst>
   </p:cSld>
@@ -2803,7 +2693,7 @@
           <a:p>
             <a:fld id="{2EA7DAC2-4AA6-4857-A112-92745547B70E}" type="datetimeFigureOut">
               <a:rPr lang="en-US" smtClean="0"/>
-              <a:t>11/7/2017</a:t>
+              <a:t>11/8/2017</a:t>
             </a:fld>
             <a:endParaRPr lang="en-US"/>
           </a:p>
@@ -2854,7 +2744,7 @@
     </p:spTree>
     <p:extLst>
       <p:ext uri="{BB962C8B-B14F-4D97-AF65-F5344CB8AC3E}">
-        <p14:creationId xmlns:p14="http://schemas.microsoft.com/office/powerpoint/2010/main" val="3680137614"/>
+        <p14:creationId xmlns:p14="http://schemas.microsoft.com/office/powerpoint/2010/main" val="743244676"/>
       </p:ext>
     </p:extLst>
   </p:cSld>
@@ -2898,17 +2788,15 @@
         </p:nvSpPr>
         <p:spPr>
           <a:xfrm>
-            <a:off x="841248" y="457200"/>
-            <a:ext cx="3200400" cy="1600197"/>
+            <a:off x="839788" y="457200"/>
+            <a:ext cx="3932237" cy="1600200"/>
           </a:xfrm>
         </p:spPr>
         <p:txBody>
-          <a:bodyPr anchor="b">
-            <a:normAutofit/>
-          </a:bodyPr>
+          <a:bodyPr anchor="b"/>
           <a:lstStyle>
             <a:lvl1pPr>
-              <a:defRPr sz="3200" b="0" baseline="0"/>
+              <a:defRPr sz="3200"/>
             </a:lvl1pPr>
           </a:lstStyle>
           <a:p>
@@ -2916,7 +2804,7 @@
               <a:rPr lang="en-US"/>
               <a:t>Click to edit Master title style</a:t>
             </a:r>
-            <a:endParaRPr lang="en-US" dirty="0"/>
+            <a:endParaRPr lang="en-US"/>
           </a:p>
         </p:txBody>
       </p:sp>
@@ -2932,39 +2820,39 @@
         </p:nvSpPr>
         <p:spPr>
           <a:xfrm>
-            <a:off x="4504267" y="685800"/>
-            <a:ext cx="6079066" cy="5486400"/>
+            <a:off x="5183188" y="987425"/>
+            <a:ext cx="6172200" cy="4873625"/>
           </a:xfrm>
         </p:spPr>
         <p:txBody>
           <a:bodyPr/>
           <a:lstStyle>
             <a:lvl1pPr>
-              <a:defRPr sz="2000"/>
+              <a:defRPr sz="3200"/>
             </a:lvl1pPr>
             <a:lvl2pPr>
-              <a:defRPr sz="1800"/>
+              <a:defRPr sz="2800"/>
             </a:lvl2pPr>
             <a:lvl3pPr>
-              <a:defRPr sz="1600"/>
+              <a:defRPr sz="2400"/>
             </a:lvl3pPr>
             <a:lvl4pPr>
-              <a:defRPr sz="1400"/>
+              <a:defRPr sz="2000"/>
             </a:lvl4pPr>
             <a:lvl5pPr>
-              <a:defRPr sz="1400"/>
+              <a:defRPr sz="2000"/>
             </a:lvl5pPr>
             <a:lvl6pPr>
-              <a:defRPr sz="1400"/>
+              <a:defRPr sz="2000"/>
             </a:lvl6pPr>
             <a:lvl7pPr>
-              <a:defRPr sz="1400"/>
+              <a:defRPr sz="2000"/>
             </a:lvl7pPr>
             <a:lvl8pPr>
-              <a:defRPr sz="1400"/>
+              <a:defRPr sz="2000"/>
             </a:lvl8pPr>
             <a:lvl9pPr>
-              <a:defRPr sz="1400"/>
+              <a:defRPr sz="2000"/>
             </a:lvl9pPr>
           </a:lstStyle>
           <a:p>
@@ -3001,7 +2889,7 @@
               <a:rPr lang="en-US"/>
               <a:t>Fifth level</a:t>
             </a:r>
-            <a:endParaRPr lang="en-US" dirty="0"/>
+            <a:endParaRPr lang="en-US"/>
           </a:p>
         </p:txBody>
       </p:sp>
@@ -3017,56 +2905,48 @@
         </p:nvSpPr>
         <p:spPr>
           <a:xfrm>
-            <a:off x="841248" y="2099734"/>
-            <a:ext cx="3200400" cy="3810001"/>
+            <a:off x="839788" y="2057400"/>
+            <a:ext cx="3932237" cy="3811588"/>
           </a:xfrm>
         </p:spPr>
         <p:txBody>
-          <a:bodyPr>
-            <a:normAutofit/>
-          </a:bodyPr>
+          <a:bodyPr/>
           <a:lstStyle>
             <a:lvl1pPr marL="0" indent="0">
-              <a:lnSpc>
-                <a:spcPct val="114000"/>
-              </a:lnSpc>
-              <a:spcBef>
-                <a:spcPts val="800"/>
-              </a:spcBef>
-              <a:buNone/>
-              <a:defRPr sz="1300"/>
+              <a:buNone/>
+              <a:defRPr sz="1600"/>
             </a:lvl1pPr>
             <a:lvl2pPr marL="457200" indent="0">
               <a:buNone/>
-              <a:defRPr sz="1200"/>
+              <a:defRPr sz="1400"/>
             </a:lvl2pPr>
             <a:lvl3pPr marL="914400" indent="0">
               <a:buNone/>
-              <a:defRPr sz="1000"/>
+              <a:defRPr sz="1200"/>
             </a:lvl3pPr>
             <a:lvl4pPr marL="1371600" indent="0">
               <a:buNone/>
-              <a:defRPr sz="900"/>
+              <a:defRPr sz="1000"/>
             </a:lvl4pPr>
             <a:lvl5pPr marL="1828800" indent="0">
               <a:buNone/>
-              <a:defRPr sz="900"/>
+              <a:defRPr sz="1000"/>
             </a:lvl5pPr>
             <a:lvl6pPr marL="2286000" indent="0">
               <a:buNone/>
-              <a:defRPr sz="900"/>
+              <a:defRPr sz="1000"/>
             </a:lvl6pPr>
             <a:lvl7pPr marL="2743200" indent="0">
               <a:buNone/>
-              <a:defRPr sz="900"/>
+              <a:defRPr sz="1000"/>
             </a:lvl7pPr>
             <a:lvl8pPr marL="3200400" indent="0">
               <a:buNone/>
-              <a:defRPr sz="900"/>
+              <a:defRPr sz="1000"/>
             </a:lvl8pPr>
             <a:lvl9pPr marL="3657600" indent="0">
               <a:buNone/>
-              <a:defRPr sz="900"/>
+              <a:defRPr sz="1000"/>
             </a:lvl9pPr>
           </a:lstStyle>
           <a:p>
@@ -3095,7 +2975,7 @@
           <a:p>
             <a:fld id="{2EA7DAC2-4AA6-4857-A112-92745547B70E}" type="datetimeFigureOut">
               <a:rPr lang="en-US" smtClean="0"/>
-              <a:t>11/7/2017</a:t>
+              <a:t>11/8/2017</a:t>
             </a:fld>
             <a:endParaRPr lang="en-US"/>
           </a:p>
@@ -3146,7 +3026,7 @@
     </p:spTree>
     <p:extLst>
       <p:ext uri="{BB962C8B-B14F-4D97-AF65-F5344CB8AC3E}">
-        <p14:creationId xmlns:p14="http://schemas.microsoft.com/office/powerpoint/2010/main" val="1329416120"/>
+        <p14:creationId xmlns:p14="http://schemas.microsoft.com/office/powerpoint/2010/main" val="2070168663"/>
       </p:ext>
     </p:extLst>
   </p:cSld>
@@ -3180,109 +3060,58 @@
       </p:grpSpPr>
       <p:sp>
         <p:nvSpPr>
-          <p:cNvPr id="8" name="Rectangle 7"/>
-          <p:cNvSpPr/>
-          <p:nvPr/>
+          <p:cNvPr id="2" name="Title 1"/>
+          <p:cNvSpPr>
+            <a:spLocks noGrp="1"/>
+          </p:cNvSpPr>
+          <p:nvPr>
+            <p:ph type="title"/>
+          </p:nvPr>
         </p:nvSpPr>
         <p:spPr>
           <a:xfrm>
-            <a:off x="0" y="5105400"/>
-            <a:ext cx="11292840" cy="1752600"/>
+            <a:off x="839788" y="457200"/>
+            <a:ext cx="3932237" cy="1600200"/>
           </a:xfrm>
-          <a:prstGeom prst="rect">
-            <a:avLst/>
-          </a:prstGeom>
-          <a:solidFill>
-            <a:srgbClr val="000000"/>
-          </a:solidFill>
-          <a:ln>
-            <a:noFill/>
-          </a:ln>
         </p:spPr>
-        <p:style>
-          <a:lnRef idx="2">
-            <a:schemeClr val="accent1">
-              <a:shade val="50000"/>
-            </a:schemeClr>
-          </a:lnRef>
-          <a:fillRef idx="1">
-            <a:schemeClr val="accent1"/>
-          </a:fillRef>
-          <a:effectRef idx="0">
-            <a:schemeClr val="accent1"/>
-          </a:effectRef>
-          <a:fontRef idx="minor">
-            <a:schemeClr val="lt1"/>
-          </a:fontRef>
-        </p:style>
-      </p:sp>
-      <p:sp>
-        <p:nvSpPr>
-          <p:cNvPr id="2" name="Title 1"/>
-          <p:cNvSpPr>
-            <a:spLocks noGrp="1"/>
-          </p:cNvSpPr>
-          <p:nvPr>
-            <p:ph type="title"/>
+        <p:txBody>
+          <a:bodyPr anchor="b"/>
+          <a:lstStyle>
+            <a:lvl1pPr>
+              <a:defRPr sz="3200"/>
+            </a:lvl1pPr>
+          </a:lstStyle>
+          <a:p>
+            <a:r>
+              <a:rPr lang="en-US"/>
+              <a:t>Click to edit Master title style</a:t>
+            </a:r>
+            <a:endParaRPr lang="en-US"/>
+          </a:p>
+        </p:txBody>
+      </p:sp>
+      <p:sp>
+        <p:nvSpPr>
+          <p:cNvPr id="3" name="Picture Placeholder 2"/>
+          <p:cNvSpPr>
+            <a:spLocks noGrp="1"/>
+          </p:cNvSpPr>
+          <p:nvPr>
+            <p:ph type="pic" idx="1"/>
           </p:nvPr>
         </p:nvSpPr>
         <p:spPr>
           <a:xfrm>
-            <a:off x="914400" y="5257800"/>
-            <a:ext cx="9982200" cy="914400"/>
+            <a:off x="5183188" y="987425"/>
+            <a:ext cx="6172200" cy="4873625"/>
           </a:xfrm>
         </p:spPr>
         <p:txBody>
-          <a:bodyPr anchor="b">
-            <a:normAutofit/>
-          </a:bodyPr>
-          <a:lstStyle>
-            <a:lvl1pPr>
-              <a:defRPr sz="2800" b="0">
-                <a:solidFill>
-                  <a:schemeClr val="bg1"/>
-                </a:solidFill>
-              </a:defRPr>
-            </a:lvl1pPr>
-          </a:lstStyle>
-          <a:p>
-            <a:r>
-              <a:rPr lang="en-US"/>
-              <a:t>Click to edit Master title style</a:t>
-            </a:r>
-            <a:endParaRPr lang="en-US" dirty="0"/>
-          </a:p>
-        </p:txBody>
-      </p:sp>
-      <p:sp>
-        <p:nvSpPr>
-          <p:cNvPr id="3" name="Picture Placeholder 2"/>
-          <p:cNvSpPr>
-            <a:spLocks noGrp="1" noChangeAspect="1"/>
-          </p:cNvSpPr>
-          <p:nvPr>
-            <p:ph type="pic" idx="1"/>
-          </p:nvPr>
-        </p:nvSpPr>
-        <p:spPr>
-          <a:xfrm>
-            <a:off x="0" y="0"/>
-            <a:ext cx="11292840" cy="5128923"/>
-          </a:xfrm>
-          <a:solidFill>
-            <a:schemeClr val="accent1"/>
-          </a:solidFill>
-        </p:spPr>
-        <p:txBody>
-          <a:bodyPr anchor="t"/>
+          <a:bodyPr/>
           <a:lstStyle>
             <a:lvl1pPr marL="0" indent="0">
               <a:buNone/>
-              <a:defRPr sz="3200">
-                <a:solidFill>
-                  <a:schemeClr val="bg1"/>
-                </a:solidFill>
-              </a:defRPr>
+              <a:defRPr sz="3200"/>
             </a:lvl1pPr>
             <a:lvl2pPr marL="457200" indent="0">
               <a:buNone/>
@@ -3318,11 +3147,7 @@
             </a:lvl9pPr>
           </a:lstStyle>
           <a:p>
-            <a:r>
-              <a:rPr lang="en-US"/>
-              <a:t>Click icon to add picture</a:t>
-            </a:r>
-            <a:endParaRPr lang="en-US" dirty="0"/>
+            <a:endParaRPr lang="en-US"/>
           </a:p>
         </p:txBody>
       </p:sp>
@@ -3338,62 +3163,48 @@
         </p:nvSpPr>
         <p:spPr>
           <a:xfrm>
-            <a:off x="914400" y="6108589"/>
-            <a:ext cx="9982200" cy="597011"/>
+            <a:off x="839788" y="2057400"/>
+            <a:ext cx="3932237" cy="3811588"/>
           </a:xfrm>
         </p:spPr>
         <p:txBody>
-          <a:bodyPr>
-            <a:normAutofit/>
-          </a:bodyPr>
+          <a:bodyPr/>
           <a:lstStyle>
             <a:lvl1pPr marL="0" indent="0">
-              <a:lnSpc>
-                <a:spcPct val="100000"/>
-              </a:lnSpc>
-              <a:spcBef>
-                <a:spcPts val="800"/>
-              </a:spcBef>
-              <a:buNone/>
-              <a:defRPr sz="1300">
-                <a:solidFill>
-                  <a:schemeClr val="bg1">
-                    <a:lumMod val="85000"/>
-                  </a:schemeClr>
-                </a:solidFill>
-              </a:defRPr>
+              <a:buNone/>
+              <a:defRPr sz="1600"/>
             </a:lvl1pPr>
             <a:lvl2pPr marL="457200" indent="0">
               <a:buNone/>
-              <a:defRPr sz="1200"/>
+              <a:defRPr sz="1400"/>
             </a:lvl2pPr>
             <a:lvl3pPr marL="914400" indent="0">
               <a:buNone/>
-              <a:defRPr sz="1000"/>
+              <a:defRPr sz="1200"/>
             </a:lvl3pPr>
             <a:lvl4pPr marL="1371600" indent="0">
               <a:buNone/>
-              <a:defRPr sz="900"/>
+              <a:defRPr sz="1000"/>
             </a:lvl4pPr>
             <a:lvl5pPr marL="1828800" indent="0">
               <a:buNone/>
-              <a:defRPr sz="900"/>
+              <a:defRPr sz="1000"/>
             </a:lvl5pPr>
             <a:lvl6pPr marL="2286000" indent="0">
               <a:buNone/>
-              <a:defRPr sz="900"/>
+              <a:defRPr sz="1000"/>
             </a:lvl6pPr>
             <a:lvl7pPr marL="2743200" indent="0">
               <a:buNone/>
-              <a:defRPr sz="900"/>
+              <a:defRPr sz="1000"/>
             </a:lvl7pPr>
             <a:lvl8pPr marL="3200400" indent="0">
               <a:buNone/>
-              <a:defRPr sz="900"/>
+              <a:defRPr sz="1000"/>
             </a:lvl8pPr>
             <a:lvl9pPr marL="3657600" indent="0">
               <a:buNone/>
-              <a:defRPr sz="900"/>
+              <a:defRPr sz="1000"/>
             </a:lvl9pPr>
           </a:lstStyle>
           <a:p>
@@ -3422,7 +3233,7 @@
           <a:p>
             <a:fld id="{2EA7DAC2-4AA6-4857-A112-92745547B70E}" type="datetimeFigureOut">
               <a:rPr lang="en-US" smtClean="0"/>
-              <a:t>11/7/2017</a:t>
+              <a:t>11/8/2017</a:t>
             </a:fld>
             <a:endParaRPr lang="en-US"/>
           </a:p>
@@ -3473,7 +3284,7 @@
     </p:spTree>
     <p:extLst>
       <p:ext uri="{BB962C8B-B14F-4D97-AF65-F5344CB8AC3E}">
-        <p14:creationId xmlns:p14="http://schemas.microsoft.com/office/powerpoint/2010/main" val="3431734245"/>
+        <p14:creationId xmlns:p14="http://schemas.microsoft.com/office/powerpoint/2010/main" val="4183295863"/>
       </p:ext>
     </p:extLst>
   </p:cSld>
@@ -3507,65 +3318,25 @@
       </p:grpSpPr>
       <p:sp>
         <p:nvSpPr>
-          <p:cNvPr id="7" name="Rectangle 6"/>
-          <p:cNvSpPr/>
-          <p:nvPr/>
+          <p:cNvPr id="2" name="Title Placeholder 1"/>
+          <p:cNvSpPr>
+            <a:spLocks noGrp="1"/>
+          </p:cNvSpPr>
+          <p:nvPr>
+            <p:ph type="title"/>
+          </p:nvPr>
         </p:nvSpPr>
         <p:spPr>
           <a:xfrm>
-            <a:off x="11292840" y="0"/>
-            <a:ext cx="914400" cy="6858000"/>
-          </a:xfrm>
-          <a:prstGeom prst="rect">
-            <a:avLst/>
-          </a:prstGeom>
-          <a:solidFill>
-            <a:schemeClr val="tx2">
-              <a:lumMod val="75000"/>
-            </a:schemeClr>
-          </a:solidFill>
-          <a:ln>
-            <a:noFill/>
-          </a:ln>
-        </p:spPr>
-        <p:style>
-          <a:lnRef idx="2">
-            <a:schemeClr val="accent1">
-              <a:shade val="50000"/>
-            </a:schemeClr>
-          </a:lnRef>
-          <a:fillRef idx="1">
-            <a:schemeClr val="accent1"/>
-          </a:fillRef>
-          <a:effectRef idx="0">
-            <a:schemeClr val="accent1"/>
-          </a:effectRef>
-          <a:fontRef idx="minor">
-            <a:schemeClr val="lt1"/>
-          </a:fontRef>
-        </p:style>
-      </p:sp>
-      <p:sp>
-        <p:nvSpPr>
-          <p:cNvPr id="2" name="Title Placeholder 1"/>
-          <p:cNvSpPr>
-            <a:spLocks noGrp="1"/>
-          </p:cNvSpPr>
-          <p:nvPr>
-            <p:ph type="title"/>
-          </p:nvPr>
-        </p:nvSpPr>
-        <p:spPr>
-          <a:xfrm>
-            <a:off x="1261872" y="365760"/>
-            <a:ext cx="9692640" cy="1325562"/>
+            <a:off x="838200" y="365125"/>
+            <a:ext cx="10515600" cy="1325563"/>
           </a:xfrm>
           <a:prstGeom prst="rect">
             <a:avLst/>
           </a:prstGeom>
         </p:spPr>
         <p:txBody>
-          <a:bodyPr vert="horz" lIns="91440" tIns="45720" rIns="91440" bIns="45720" rtlCol="0" anchor="b">
+          <a:bodyPr vert="horz" lIns="91440" tIns="45720" rIns="91440" bIns="45720" rtlCol="0" anchor="ctr">
             <a:normAutofit/>
           </a:bodyPr>
           <a:lstStyle/>
@@ -3574,7 +3345,7 @@
               <a:rPr lang="en-US"/>
               <a:t>Click to edit Master title style</a:t>
             </a:r>
-            <a:endParaRPr lang="en-US" dirty="0"/>
+            <a:endParaRPr lang="en-US"/>
           </a:p>
         </p:txBody>
       </p:sp>
@@ -3590,8 +3361,8 @@
         </p:nvSpPr>
         <p:spPr>
           <a:xfrm>
-            <a:off x="1261872" y="1828800"/>
-            <a:ext cx="8595360" cy="4351337"/>
+            <a:off x="838200" y="1825625"/>
+            <a:ext cx="10515600" cy="4351338"/>
           </a:xfrm>
           <a:prstGeom prst="rect">
             <a:avLst/>
@@ -3636,7 +3407,7 @@
               <a:rPr lang="en-US"/>
               <a:t>Fifth level</a:t>
             </a:r>
-            <a:endParaRPr lang="en-US" dirty="0"/>
+            <a:endParaRPr lang="en-US"/>
           </a:p>
         </p:txBody>
       </p:sp>
@@ -3651,9 +3422,9 @@
           </p:nvPr>
         </p:nvSpPr>
         <p:spPr>
-          <a:xfrm rot="16200000">
-            <a:off x="10797542" y="998537"/>
-            <a:ext cx="1904999" cy="365125"/>
+          <a:xfrm>
+            <a:off x="838200" y="6356350"/>
+            <a:ext cx="2743200" cy="365125"/>
           </a:xfrm>
           <a:prstGeom prst="rect">
             <a:avLst/>
@@ -3662,12 +3433,11 @@
         <p:txBody>
           <a:bodyPr vert="horz" lIns="91440" tIns="45720" rIns="91440" bIns="45720" rtlCol="0" anchor="ctr"/>
           <a:lstStyle>
-            <a:lvl1pPr algn="r">
-              <a:defRPr sz="1050" b="0">
+            <a:lvl1pPr algn="l">
+              <a:defRPr sz="1200">
                 <a:solidFill>
-                  <a:schemeClr val="tx2">
-                    <a:lumMod val="20000"/>
-                    <a:lumOff val="80000"/>
+                  <a:schemeClr val="tx1">
+                    <a:tint val="75000"/>
                   </a:schemeClr>
                 </a:solidFill>
               </a:defRPr>
@@ -3676,7 +3446,7 @@
           <a:p>
             <a:fld id="{2EA7DAC2-4AA6-4857-A112-92745547B70E}" type="datetimeFigureOut">
               <a:rPr lang="en-US" smtClean="0"/>
-              <a:t>11/7/2017</a:t>
+              <a:t>11/8/2017</a:t>
             </a:fld>
             <a:endParaRPr lang="en-US"/>
           </a:p>
@@ -3693,9 +3463,9 @@
           </p:nvPr>
         </p:nvSpPr>
         <p:spPr>
-          <a:xfrm rot="16200000">
-            <a:off x="9959341" y="4046537"/>
-            <a:ext cx="3581400" cy="365125"/>
+          <a:xfrm>
+            <a:off x="4038600" y="6356350"/>
+            <a:ext cx="4114800" cy="365125"/>
           </a:xfrm>
           <a:prstGeom prst="rect">
             <a:avLst/>
@@ -3704,12 +3474,11 @@
         <p:txBody>
           <a:bodyPr vert="horz" lIns="91440" tIns="45720" rIns="91440" bIns="45720" rtlCol="0" anchor="ctr"/>
           <a:lstStyle>
-            <a:lvl1pPr algn="l">
-              <a:defRPr sz="1050">
+            <a:lvl1pPr algn="ctr">
+              <a:defRPr sz="1200">
                 <a:solidFill>
-                  <a:schemeClr val="tx2">
-                    <a:lumMod val="20000"/>
-                    <a:lumOff val="80000"/>
+                  <a:schemeClr val="tx1">
+                    <a:tint val="75000"/>
                   </a:schemeClr>
                 </a:solidFill>
               </a:defRPr>
@@ -3732,24 +3501,21 @@
         </p:nvSpPr>
         <p:spPr>
           <a:xfrm>
-            <a:off x="11292840" y="6172200"/>
-            <a:ext cx="914400" cy="593725"/>
+            <a:off x="8610600" y="6356350"/>
+            <a:ext cx="2743200" cy="365125"/>
           </a:xfrm>
           <a:prstGeom prst="rect">
             <a:avLst/>
           </a:prstGeom>
         </p:spPr>
         <p:txBody>
-          <a:bodyPr vert="horz" lIns="45720" tIns="45720" rIns="45720" bIns="45720" rtlCol="0" anchor="ctr">
-            <a:normAutofit/>
-          </a:bodyPr>
+          <a:bodyPr vert="horz" lIns="91440" tIns="45720" rIns="91440" bIns="45720" rtlCol="0" anchor="ctr"/>
           <a:lstStyle>
-            <a:lvl1pPr algn="ctr">
-              <a:defRPr sz="3600">
+            <a:lvl1pPr algn="r">
+              <a:defRPr sz="1200">
                 <a:solidFill>
-                  <a:schemeClr val="tx2">
-                    <a:lumMod val="60000"/>
-                    <a:lumOff val="40000"/>
+                  <a:schemeClr val="tx1">
+                    <a:tint val="75000"/>
                   </a:schemeClr>
                 </a:solidFill>
               </a:defRPr>
@@ -3767,23 +3533,23 @@
     </p:spTree>
     <p:extLst>
       <p:ext uri="{BB962C8B-B14F-4D97-AF65-F5344CB8AC3E}">
-        <p14:creationId xmlns:p14="http://schemas.microsoft.com/office/powerpoint/2010/main" val="4218374699"/>
+        <p14:creationId xmlns:p14="http://schemas.microsoft.com/office/powerpoint/2010/main" val="3991564674"/>
       </p:ext>
     </p:extLst>
   </p:cSld>
   <p:clrMap bg1="lt1" tx1="dk1" bg2="lt2" tx2="dk2" accent1="accent1" accent2="accent2" accent3="accent3" accent4="accent4" accent5="accent5" accent6="accent6" hlink="hlink" folHlink="folHlink"/>
   <p:sldLayoutIdLst>
-    <p:sldLayoutId id="2147483935" r:id="rId1"/>
-    <p:sldLayoutId id="2147483936" r:id="rId2"/>
-    <p:sldLayoutId id="2147483937" r:id="rId3"/>
-    <p:sldLayoutId id="2147483938" r:id="rId4"/>
-    <p:sldLayoutId id="2147483939" r:id="rId5"/>
-    <p:sldLayoutId id="2147483940" r:id="rId6"/>
-    <p:sldLayoutId id="2147483941" r:id="rId7"/>
-    <p:sldLayoutId id="2147483942" r:id="rId8"/>
-    <p:sldLayoutId id="2147483943" r:id="rId9"/>
-    <p:sldLayoutId id="2147483944" r:id="rId10"/>
-    <p:sldLayoutId id="2147483945" r:id="rId11"/>
+    <p:sldLayoutId id="2147484013" r:id="rId1"/>
+    <p:sldLayoutId id="2147484014" r:id="rId2"/>
+    <p:sldLayoutId id="2147484015" r:id="rId3"/>
+    <p:sldLayoutId id="2147484016" r:id="rId4"/>
+    <p:sldLayoutId id="2147484017" r:id="rId5"/>
+    <p:sldLayoutId id="2147484018" r:id="rId6"/>
+    <p:sldLayoutId id="2147484019" r:id="rId7"/>
+    <p:sldLayoutId id="2147484020" r:id="rId8"/>
+    <p:sldLayoutId id="2147484021" r:id="rId9"/>
+    <p:sldLayoutId id="2147484022" r:id="rId10"/>
+    <p:sldLayoutId id="2147484023" r:id="rId11"/>
   </p:sldLayoutIdLst>
   <p:txStyles>
     <p:titleStyle>
@@ -3795,7 +3561,7 @@
           <a:spcPct val="0"/>
         </a:spcBef>
         <a:buNone/>
-        <a:defRPr sz="4400" kern="1200" spc="-50" baseline="0">
+        <a:defRPr sz="4400" kern="1200">
           <a:solidFill>
             <a:schemeClr val="tx1"/>
           </a:solidFill>
@@ -3806,23 +3572,16 @@
       </a:lvl1pPr>
     </p:titleStyle>
     <p:bodyStyle>
-      <a:lvl1pPr marL="182880" indent="-182880" algn="l" defTabSz="914400" rtl="0" eaLnBrk="1" latinLnBrk="0" hangingPunct="1">
+      <a:lvl1pPr marL="228600" indent="-228600" algn="l" defTabSz="914400" rtl="0" eaLnBrk="1" latinLnBrk="0" hangingPunct="1">
         <a:lnSpc>
-          <a:spcPct val="95000"/>
+          <a:spcPct val="90000"/>
         </a:lnSpc>
         <a:spcBef>
-          <a:spcPts val="1400"/>
+          <a:spcPts val="1000"/>
         </a:spcBef>
-        <a:spcAft>
-          <a:spcPts val="200"/>
-        </a:spcAft>
-        <a:buClr>
-          <a:schemeClr val="accent1"/>
-        </a:buClr>
-        <a:buSzPct val="80000"/>
-        <a:buFont typeface="Arial" pitchFamily="34" charset="0"/>
+        <a:buFont typeface="Arial" panose="020B0604020202020204" pitchFamily="34" charset="0"/>
         <a:buChar char="•"/>
-        <a:defRPr sz="1800" kern="1200" spc="10" baseline="0">
+        <a:defRPr sz="2800" kern="1200">
           <a:solidFill>
             <a:schemeClr val="tx1"/>
           </a:solidFill>
@@ -3831,216 +3590,144 @@
           <a:cs typeface="+mn-cs"/>
         </a:defRPr>
       </a:lvl1pPr>
-      <a:lvl2pPr marL="457200" indent="-182880" algn="l" defTabSz="914400" rtl="0" eaLnBrk="1" latinLnBrk="0" hangingPunct="1">
+      <a:lvl2pPr marL="685800" indent="-228600" algn="l" defTabSz="914400" rtl="0" eaLnBrk="1" latinLnBrk="0" hangingPunct="1">
         <a:lnSpc>
           <a:spcPct val="90000"/>
         </a:lnSpc>
         <a:spcBef>
-          <a:spcPts val="300"/>
+          <a:spcPts val="500"/>
         </a:spcBef>
-        <a:spcAft>
-          <a:spcPts val="300"/>
-        </a:spcAft>
-        <a:buClr>
-          <a:schemeClr val="accent1"/>
-        </a:buClr>
-        <a:buFont typeface="Wingdings 2" pitchFamily="18" charset="2"/>
-        <a:buChar char=""/>
-        <a:defRPr sz="1600" kern="1200">
+        <a:buFont typeface="Arial" panose="020B0604020202020204" pitchFamily="34" charset="0"/>
+        <a:buChar char="•"/>
+        <a:defRPr sz="2400" kern="1200">
           <a:solidFill>
-            <a:schemeClr val="tx1">
-              <a:lumMod val="85000"/>
-              <a:lumOff val="15000"/>
-            </a:schemeClr>
+            <a:schemeClr val="tx1"/>
           </a:solidFill>
           <a:latin typeface="+mn-lt"/>
           <a:ea typeface="+mn-ea"/>
           <a:cs typeface="+mn-cs"/>
         </a:defRPr>
       </a:lvl2pPr>
-      <a:lvl3pPr marL="731520" indent="-182880" algn="l" defTabSz="914400" rtl="0" eaLnBrk="1" latinLnBrk="0" hangingPunct="1">
+      <a:lvl3pPr marL="1143000" indent="-228600" algn="l" defTabSz="914400" rtl="0" eaLnBrk="1" latinLnBrk="0" hangingPunct="1">
         <a:lnSpc>
           <a:spcPct val="90000"/>
         </a:lnSpc>
         <a:spcBef>
-          <a:spcPts val="300"/>
+          <a:spcPts val="500"/>
         </a:spcBef>
-        <a:spcAft>
-          <a:spcPts val="300"/>
-        </a:spcAft>
-        <a:buClr>
-          <a:schemeClr val="accent1"/>
-        </a:buClr>
-        <a:buFont typeface="Wingdings 2" pitchFamily="18" charset="2"/>
-        <a:buChar char=""/>
-        <a:defRPr sz="1400" kern="1200">
+        <a:buFont typeface="Arial" panose="020B0604020202020204" pitchFamily="34" charset="0"/>
+        <a:buChar char="•"/>
+        <a:defRPr sz="2000" kern="1200">
           <a:solidFill>
-            <a:schemeClr val="tx1">
-              <a:lumMod val="85000"/>
-              <a:lumOff val="15000"/>
-            </a:schemeClr>
+            <a:schemeClr val="tx1"/>
           </a:solidFill>
           <a:latin typeface="+mn-lt"/>
           <a:ea typeface="+mn-ea"/>
           <a:cs typeface="+mn-cs"/>
         </a:defRPr>
       </a:lvl3pPr>
-      <a:lvl4pPr marL="1005840" indent="-182880" algn="l" defTabSz="914400" rtl="0" eaLnBrk="1" latinLnBrk="0" hangingPunct="1">
+      <a:lvl4pPr marL="1600200" indent="-228600" algn="l" defTabSz="914400" rtl="0" eaLnBrk="1" latinLnBrk="0" hangingPunct="1">
         <a:lnSpc>
           <a:spcPct val="90000"/>
         </a:lnSpc>
         <a:spcBef>
-          <a:spcPts val="300"/>
+          <a:spcPts val="500"/>
         </a:spcBef>
-        <a:spcAft>
-          <a:spcPts val="300"/>
-        </a:spcAft>
-        <a:buClr>
-          <a:schemeClr val="accent1"/>
-        </a:buClr>
-        <a:buFont typeface="Wingdings 2" pitchFamily="18" charset="2"/>
-        <a:buChar char=""/>
-        <a:defRPr sz="1400" kern="1200">
+        <a:buFont typeface="Arial" panose="020B0604020202020204" pitchFamily="34" charset="0"/>
+        <a:buChar char="•"/>
+        <a:defRPr sz="1800" kern="1200">
           <a:solidFill>
-            <a:schemeClr val="tx1">
-              <a:lumMod val="85000"/>
-              <a:lumOff val="15000"/>
-            </a:schemeClr>
+            <a:schemeClr val="tx1"/>
           </a:solidFill>
           <a:latin typeface="+mn-lt"/>
           <a:ea typeface="+mn-ea"/>
           <a:cs typeface="+mn-cs"/>
         </a:defRPr>
       </a:lvl4pPr>
-      <a:lvl5pPr marL="1280160" indent="-182880" algn="l" defTabSz="914400" rtl="0" eaLnBrk="1" latinLnBrk="0" hangingPunct="1">
+      <a:lvl5pPr marL="2057400" indent="-228600" algn="l" defTabSz="914400" rtl="0" eaLnBrk="1" latinLnBrk="0" hangingPunct="1">
         <a:lnSpc>
           <a:spcPct val="90000"/>
         </a:lnSpc>
         <a:spcBef>
-          <a:spcPts val="300"/>
+          <a:spcPts val="500"/>
         </a:spcBef>
-        <a:spcAft>
-          <a:spcPts val="300"/>
-        </a:spcAft>
-        <a:buClr>
-          <a:schemeClr val="accent1"/>
-        </a:buClr>
-        <a:buFont typeface="Wingdings 2" pitchFamily="18" charset="2"/>
-        <a:buChar char=""/>
-        <a:defRPr sz="1400" kern="1200">
+        <a:buFont typeface="Arial" panose="020B0604020202020204" pitchFamily="34" charset="0"/>
+        <a:buChar char="•"/>
+        <a:defRPr sz="1800" kern="1200">
           <a:solidFill>
-            <a:schemeClr val="tx1">
-              <a:lumMod val="85000"/>
-              <a:lumOff val="15000"/>
-            </a:schemeClr>
+            <a:schemeClr val="tx1"/>
           </a:solidFill>
           <a:latin typeface="+mn-lt"/>
           <a:ea typeface="+mn-ea"/>
           <a:cs typeface="+mn-cs"/>
         </a:defRPr>
       </a:lvl5pPr>
-      <a:lvl6pPr marL="1600000" indent="-228600" algn="l" defTabSz="914400" rtl="0" eaLnBrk="1" latinLnBrk="0" hangingPunct="1">
+      <a:lvl6pPr marL="2514600" indent="-228600" algn="l" defTabSz="914400" rtl="0" eaLnBrk="1" latinLnBrk="0" hangingPunct="1">
         <a:lnSpc>
           <a:spcPct val="90000"/>
         </a:lnSpc>
         <a:spcBef>
-          <a:spcPts val="300"/>
+          <a:spcPts val="500"/>
         </a:spcBef>
-        <a:spcAft>
-          <a:spcPts val="300"/>
-        </a:spcAft>
-        <a:buClr>
-          <a:schemeClr val="accent1"/>
-        </a:buClr>
-        <a:buFont typeface="Wingdings 2" pitchFamily="18" charset="2"/>
-        <a:buChar char=""/>
-        <a:defRPr sz="1400" kern="1200">
+        <a:buFont typeface="Arial" panose="020B0604020202020204" pitchFamily="34" charset="0"/>
+        <a:buChar char="•"/>
+        <a:defRPr sz="1800" kern="1200">
           <a:solidFill>
-            <a:schemeClr val="tx1">
-              <a:lumMod val="85000"/>
-              <a:lumOff val="15000"/>
-            </a:schemeClr>
+            <a:schemeClr val="tx1"/>
           </a:solidFill>
           <a:latin typeface="+mn-lt"/>
           <a:ea typeface="+mn-ea"/>
           <a:cs typeface="+mn-cs"/>
         </a:defRPr>
       </a:lvl6pPr>
-      <a:lvl7pPr marL="1900000" indent="-228600" algn="l" defTabSz="914400" rtl="0" eaLnBrk="1" latinLnBrk="0" hangingPunct="1">
+      <a:lvl7pPr marL="2971800" indent="-228600" algn="l" defTabSz="914400" rtl="0" eaLnBrk="1" latinLnBrk="0" hangingPunct="1">
         <a:lnSpc>
           <a:spcPct val="90000"/>
         </a:lnSpc>
         <a:spcBef>
-          <a:spcPts val="300"/>
+          <a:spcPts val="500"/>
         </a:spcBef>
-        <a:spcAft>
-          <a:spcPts val="300"/>
-        </a:spcAft>
-        <a:buClr>
-          <a:schemeClr val="accent1"/>
-        </a:buClr>
-        <a:buFont typeface="Wingdings 2" pitchFamily="18" charset="2"/>
-        <a:buChar char=""/>
-        <a:defRPr sz="1400" kern="1200">
+        <a:buFont typeface="Arial" panose="020B0604020202020204" pitchFamily="34" charset="0"/>
+        <a:buChar char="•"/>
+        <a:defRPr sz="1800" kern="1200">
           <a:solidFill>
-            <a:schemeClr val="tx1">
-              <a:lumMod val="85000"/>
-              <a:lumOff val="15000"/>
-            </a:schemeClr>
+            <a:schemeClr val="tx1"/>
           </a:solidFill>
           <a:latin typeface="+mn-lt"/>
           <a:ea typeface="+mn-ea"/>
           <a:cs typeface="+mn-cs"/>
         </a:defRPr>
       </a:lvl7pPr>
-      <a:lvl8pPr marL="2200000" indent="-228600" algn="l" defTabSz="914400" rtl="0" eaLnBrk="1" latinLnBrk="0" hangingPunct="1">
+      <a:lvl8pPr marL="3429000" indent="-228600" algn="l" defTabSz="914400" rtl="0" eaLnBrk="1" latinLnBrk="0" hangingPunct="1">
         <a:lnSpc>
           <a:spcPct val="90000"/>
         </a:lnSpc>
         <a:spcBef>
-          <a:spcPts val="300"/>
+          <a:spcPts val="500"/>
         </a:spcBef>
-        <a:spcAft>
-          <a:spcPts val="300"/>
-        </a:spcAft>
-        <a:buClr>
-          <a:schemeClr val="accent1"/>
-        </a:buClr>
-        <a:buFont typeface="Wingdings 2" pitchFamily="18" charset="2"/>
-        <a:buChar char=""/>
-        <a:defRPr sz="1400" kern="1200">
+        <a:buFont typeface="Arial" panose="020B0604020202020204" pitchFamily="34" charset="0"/>
+        <a:buChar char="•"/>
+        <a:defRPr sz="1800" kern="1200">
           <a:solidFill>
-            <a:schemeClr val="tx1">
-              <a:lumMod val="85000"/>
-              <a:lumOff val="15000"/>
-            </a:schemeClr>
+            <a:schemeClr val="tx1"/>
           </a:solidFill>
           <a:latin typeface="+mn-lt"/>
           <a:ea typeface="+mn-ea"/>
           <a:cs typeface="+mn-cs"/>
         </a:defRPr>
       </a:lvl8pPr>
-      <a:lvl9pPr marL="2500000" indent="-228600" algn="l" defTabSz="914400" rtl="0" eaLnBrk="1" latinLnBrk="0" hangingPunct="1">
+      <a:lvl9pPr marL="3886200" indent="-228600" algn="l" defTabSz="914400" rtl="0" eaLnBrk="1" latinLnBrk="0" hangingPunct="1">
         <a:lnSpc>
           <a:spcPct val="90000"/>
         </a:lnSpc>
         <a:spcBef>
-          <a:spcPts val="300"/>
+          <a:spcPts val="500"/>
         </a:spcBef>
-        <a:spcAft>
-          <a:spcPts val="300"/>
-        </a:spcAft>
-        <a:buClr>
-          <a:schemeClr val="accent1"/>
-        </a:buClr>
-        <a:buFont typeface="Wingdings 2" pitchFamily="18" charset="2"/>
-        <a:buChar char=""/>
-        <a:defRPr sz="1400" kern="1200">
+        <a:buFont typeface="Arial" panose="020B0604020202020204" pitchFamily="34" charset="0"/>
+        <a:buChar char="•"/>
+        <a:defRPr sz="1800" kern="1200">
           <a:solidFill>
-            <a:schemeClr val="tx1">
-              <a:lumMod val="85000"/>
-              <a:lumOff val="15000"/>
-            </a:schemeClr>
+            <a:schemeClr val="tx1"/>
           </a:solidFill>
           <a:latin typeface="+mn-lt"/>
           <a:ea typeface="+mn-ea"/>
@@ -4181,8 +3868,8 @@
         </p:nvSpPr>
         <p:spPr>
           <a:xfrm>
-            <a:off x="1576137" y="0"/>
-            <a:ext cx="9649326" cy="4535905"/>
+            <a:off x="1611763" y="83127"/>
+            <a:ext cx="9649326" cy="4049017"/>
           </a:xfrm>
         </p:spPr>
         <p:txBody>
@@ -4408,7 +4095,7 @@
         <p:spPr/>
         <p:txBody>
           <a:bodyPr>
-            <a:normAutofit/>
+            <a:normAutofit fontScale="90000"/>
           </a:bodyPr>
           <a:lstStyle/>
           <a:p>
@@ -4720,6 +4407,30 @@
           <a:chExt cx="0" cy="0"/>
         </a:xfrm>
       </p:grpSpPr>
+      <p:pic>
+        <p:nvPicPr>
+          <p:cNvPr id="4" name="Picture 3"/>
+          <p:cNvPicPr>
+            <a:picLocks noChangeAspect="1"/>
+          </p:cNvPicPr>
+          <p:nvPr/>
+        </p:nvPicPr>
+        <p:blipFill>
+          <a:blip r:embed="rId3"/>
+          <a:stretch>
+            <a:fillRect/>
+          </a:stretch>
+        </p:blipFill>
+        <p:spPr>
+          <a:xfrm>
+            <a:off x="697991" y="1028885"/>
+            <a:ext cx="11131057" cy="5193785"/>
+          </a:xfrm>
+          <a:prstGeom prst="rect">
+            <a:avLst/>
+          </a:prstGeom>
+        </p:spPr>
+      </p:pic>
       <p:sp>
         <p:nvSpPr>
           <p:cNvPr id="2" name="Title 1"/>
@@ -4733,7 +4444,7 @@
         <p:spPr/>
         <p:txBody>
           <a:bodyPr>
-            <a:normAutofit/>
+            <a:normAutofit fontScale="90000"/>
           </a:bodyPr>
           <a:lstStyle/>
           <a:p>
@@ -4761,8 +4472,8 @@
         </p:nvSpPr>
         <p:spPr>
           <a:xfrm>
-            <a:off x="2391508" y="2433711"/>
-            <a:ext cx="4139275" cy="369332"/>
+            <a:off x="697990" y="389620"/>
+            <a:ext cx="10773574" cy="369332"/>
           </a:xfrm>
           <a:prstGeom prst="rect">
             <a:avLst/>
@@ -4770,14 +4481,14 @@
           <a:noFill/>
         </p:spPr>
         <p:txBody>
-          <a:bodyPr wrap="none" rtlCol="0">
+          <a:bodyPr wrap="square" rtlCol="0">
             <a:spAutoFit/>
           </a:bodyPr>
           <a:lstStyle/>
           <a:p>
             <a:r>
               <a:rPr lang="en-US" dirty="0"/>
-              <a:t>http://rpubs.com/azureblue83/327856</a:t>
+              <a:t>For the similarity function, I used the cosine similarity. Below is the definition from Wikipedia.</a:t>
             </a:r>
           </a:p>
         </p:txBody>
@@ -4795,59 +4506,677 @@
 </p:sld>
 </file>
 
+<file path=ppt/slides/slide6.xml><?xml version="1.0" encoding="utf-8"?>
+<p:sld xmlns:a="http://schemas.openxmlformats.org/drawingml/2006/main" xmlns:r="http://schemas.openxmlformats.org/officeDocument/2006/relationships" xmlns:p="http://schemas.openxmlformats.org/presentationml/2006/main">
+  <p:cSld>
+    <p:spTree>
+      <p:nvGrpSpPr>
+        <p:cNvPr id="1" name=""/>
+        <p:cNvGrpSpPr/>
+        <p:nvPr/>
+      </p:nvGrpSpPr>
+      <p:grpSpPr>
+        <a:xfrm>
+          <a:off x="0" y="0"/>
+          <a:ext cx="0" cy="0"/>
+          <a:chOff x="0" y="0"/>
+          <a:chExt cx="0" cy="0"/>
+        </a:xfrm>
+      </p:grpSpPr>
+      <p:sp>
+        <p:nvSpPr>
+          <p:cNvPr id="3" name="TextBox 2">
+            <a:extLst>
+              <a:ext uri="{FF2B5EF4-FFF2-40B4-BE49-F238E27FC236}">
+                <a16:creationId xmlns:a16="http://schemas.microsoft.com/office/drawing/2014/main" id="{C68A1FD4-14A6-4546-A45D-4F1568120E16}"/>
+              </a:ext>
+            </a:extLst>
+          </p:cNvPr>
+          <p:cNvSpPr txBox="1"/>
+          <p:nvPr/>
+        </p:nvSpPr>
+        <p:spPr>
+          <a:xfrm>
+            <a:off x="635279" y="373617"/>
+            <a:ext cx="3687339" cy="369332"/>
+          </a:xfrm>
+          <a:prstGeom prst="rect">
+            <a:avLst/>
+          </a:prstGeom>
+          <a:noFill/>
+        </p:spPr>
+        <p:txBody>
+          <a:bodyPr wrap="square" rtlCol="0">
+            <a:spAutoFit/>
+          </a:bodyPr>
+          <a:lstStyle/>
+          <a:p>
+            <a:r>
+              <a:rPr lang="en-US" dirty="0"/>
+              <a:t>Image from </a:t>
+            </a:r>
+            <a:r>
+              <a:rPr lang="en-US" dirty="0">
+                <a:hlinkClick r:id="rId4"/>
+              </a:rPr>
+              <a:t>techinpink.com</a:t>
+            </a:r>
+            <a:endParaRPr lang="en-US" dirty="0"/>
+          </a:p>
+        </p:txBody>
+      </p:sp>
+      <p:pic>
+        <p:nvPicPr>
+          <p:cNvPr id="1026" name="Picture 2" descr="cosine"/>
+          <p:cNvPicPr>
+            <a:picLocks noChangeAspect="1" noChangeArrowheads="1"/>
+          </p:cNvPicPr>
+          <p:nvPr/>
+        </p:nvPicPr>
+        <p:blipFill>
+          <a:blip r:embed="rId5">
+            <a:extLst>
+              <a:ext uri="{28A0092B-C50C-407E-A947-70E740481C1C}">
+                <a14:useLocalDpi xmlns:a14="http://schemas.microsoft.com/office/drawing/2010/main" val="0"/>
+              </a:ext>
+            </a:extLst>
+          </a:blip>
+          <a:srcRect/>
+          <a:stretch>
+            <a:fillRect/>
+          </a:stretch>
+        </p:blipFill>
+        <p:spPr bwMode="auto">
+          <a:xfrm>
+            <a:off x="251693" y="898573"/>
+            <a:ext cx="5096162" cy="3911688"/>
+          </a:xfrm>
+          <a:prstGeom prst="rect">
+            <a:avLst/>
+          </a:prstGeom>
+          <a:noFill/>
+          <a:extLst>
+            <a:ext uri="{909E8E84-426E-40DD-AFC4-6F175D3DCCD1}">
+              <a14:hiddenFill xmlns:a14="http://schemas.microsoft.com/office/drawing/2010/main">
+                <a:solidFill>
+                  <a:srgbClr val="FFFFFF"/>
+                </a:solidFill>
+              </a14:hiddenFill>
+            </a:ext>
+          </a:extLst>
+        </p:spPr>
+      </p:pic>
+      <p:sp>
+        <p:nvSpPr>
+          <p:cNvPr id="8" name="TextBox 7">
+            <a:extLst/>
+          </p:cNvPr>
+          <p:cNvSpPr txBox="1"/>
+          <p:nvPr/>
+        </p:nvSpPr>
+        <p:spPr>
+          <a:xfrm>
+            <a:off x="635279" y="4876727"/>
+            <a:ext cx="2703006" cy="830997"/>
+          </a:xfrm>
+          <a:prstGeom prst="rect">
+            <a:avLst/>
+          </a:prstGeom>
+          <a:noFill/>
+        </p:spPr>
+        <p:txBody>
+          <a:bodyPr wrap="square" rtlCol="0">
+            <a:spAutoFit/>
+          </a:bodyPr>
+          <a:lstStyle/>
+          <a:p>
+            <a:r>
+              <a:rPr lang="en-US" sz="2400" dirty="0"/>
+              <a:t>Tigress = (7.5, 2.5)</a:t>
+            </a:r>
+          </a:p>
+          <a:p>
+            <a:r>
+              <a:rPr lang="en-US" sz="2400" dirty="0"/>
+              <a:t>Panda = (4, 10)</a:t>
+            </a:r>
+          </a:p>
+        </p:txBody>
+      </p:sp>
+      <p:graphicFrame>
+        <p:nvGraphicFramePr>
+          <p:cNvPr id="10" name="Object 9"/>
+          <p:cNvGraphicFramePr>
+            <a:graphicFrameLocks noChangeAspect="1"/>
+          </p:cNvGraphicFramePr>
+          <p:nvPr>
+            <p:extLst>
+              <p:ext uri="{D42A27DB-BD31-4B8C-83A1-F6EECF244321}">
+                <p14:modId xmlns:p14="http://schemas.microsoft.com/office/powerpoint/2010/main" val="2575873015"/>
+              </p:ext>
+            </p:extLst>
+          </p:nvPr>
+        </p:nvGraphicFramePr>
+        <p:xfrm>
+          <a:off x="635279" y="5862164"/>
+          <a:ext cx="4416302" cy="711271"/>
+        </p:xfrm>
+        <a:graphic>
+          <a:graphicData uri="http://schemas.openxmlformats.org/presentationml/2006/ole">
+            <mc:AlternateContent xmlns:mc="http://schemas.openxmlformats.org/markup-compatibility/2006">
+              <mc:Choice xmlns:v="urn:schemas-microsoft-com:vml" Requires="v">
+                <p:oleObj spid="_x0000_s1033" name="Equation" r:id="rId6" imgW="2641320" imgH="431640" progId="Equation.3">
+                  <p:embed/>
+                </p:oleObj>
+              </mc:Choice>
+              <mc:Fallback>
+                <p:oleObj name="Equation" r:id="rId6" imgW="2641320" imgH="431640" progId="Equation.3">
+                  <p:embed/>
+                  <p:pic>
+                    <p:nvPicPr>
+                      <p:cNvPr id="6" name="Object 5"/>
+                      <p:cNvPicPr/>
+                      <p:nvPr/>
+                    </p:nvPicPr>
+                    <p:blipFill>
+                      <a:blip r:embed="rId7"/>
+                      <a:stretch>
+                        <a:fillRect/>
+                      </a:stretch>
+                    </p:blipFill>
+                    <p:spPr>
+                      <a:xfrm>
+                        <a:off x="635279" y="5862164"/>
+                        <a:ext cx="4416302" cy="711271"/>
+                      </a:xfrm>
+                      <a:prstGeom prst="rect">
+                        <a:avLst/>
+                      </a:prstGeom>
+                    </p:spPr>
+                  </p:pic>
+                </p:oleObj>
+              </mc:Fallback>
+            </mc:AlternateContent>
+          </a:graphicData>
+        </a:graphic>
+      </p:graphicFrame>
+      <p:sp>
+        <p:nvSpPr>
+          <p:cNvPr id="11" name="TextBox 10"/>
+          <p:cNvSpPr txBox="1"/>
+          <p:nvPr/>
+        </p:nvSpPr>
+        <p:spPr>
+          <a:xfrm>
+            <a:off x="6609071" y="742949"/>
+            <a:ext cx="3671756" cy="461665"/>
+          </a:xfrm>
+          <a:prstGeom prst="rect">
+            <a:avLst/>
+          </a:prstGeom>
+          <a:noFill/>
+        </p:spPr>
+        <p:txBody>
+          <a:bodyPr wrap="square" rtlCol="0">
+            <a:spAutoFit/>
+          </a:bodyPr>
+          <a:lstStyle/>
+          <a:p>
+            <a:r>
+              <a:rPr lang="en-US" sz="2400" dirty="0"/>
+              <a:t>Centered Cosine Similarity:</a:t>
+            </a:r>
+          </a:p>
+        </p:txBody>
+      </p:sp>
+      <p:pic>
+        <p:nvPicPr>
+          <p:cNvPr id="12" name="Picture 11"/>
+          <p:cNvPicPr>
+            <a:picLocks noChangeAspect="1"/>
+          </p:cNvPicPr>
+          <p:nvPr/>
+        </p:nvPicPr>
+        <p:blipFill>
+          <a:blip r:embed="rId8"/>
+          <a:stretch>
+            <a:fillRect/>
+          </a:stretch>
+        </p:blipFill>
+        <p:spPr>
+          <a:xfrm>
+            <a:off x="6200704" y="1362665"/>
+            <a:ext cx="5811187" cy="2036399"/>
+          </a:xfrm>
+          <a:prstGeom prst="rect">
+            <a:avLst/>
+          </a:prstGeom>
+        </p:spPr>
+      </p:pic>
+      <p:sp>
+        <p:nvSpPr>
+          <p:cNvPr id="13" name="Rectangle 12"/>
+          <p:cNvSpPr/>
+          <p:nvPr/>
+        </p:nvSpPr>
+        <p:spPr>
+          <a:xfrm>
+            <a:off x="6342315" y="3615395"/>
+            <a:ext cx="5527964" cy="2246769"/>
+          </a:xfrm>
+          <a:prstGeom prst="rect">
+            <a:avLst/>
+          </a:prstGeom>
+        </p:spPr>
+        <p:txBody>
+          <a:bodyPr wrap="square">
+            <a:spAutoFit/>
+          </a:bodyPr>
+          <a:lstStyle/>
+          <a:p>
+            <a:r>
+              <a:rPr lang="en-US" sz="2800" dirty="0"/>
+              <a:t>What is “centered cosine similarity”? </a:t>
+            </a:r>
+          </a:p>
+          <a:p>
+            <a:r>
+              <a:rPr lang="en-US" sz="2800" dirty="0"/>
+              <a:t>There is another name for it: Pearson Correlation. It is a value between -1 and 1 to measure the linearity of two variables.</a:t>
+            </a:r>
+          </a:p>
+        </p:txBody>
+      </p:sp>
+    </p:spTree>
+    <p:extLst>
+      <p:ext uri="{BB962C8B-B14F-4D97-AF65-F5344CB8AC3E}">
+        <p14:creationId xmlns:p14="http://schemas.microsoft.com/office/powerpoint/2010/main" val="1675807989"/>
+      </p:ext>
+    </p:extLst>
+  </p:cSld>
+  <p:clrMapOvr>
+    <a:masterClrMapping/>
+  </p:clrMapOvr>
+</p:sld>
+</file>
+
+<file path=ppt/slides/slide7.xml><?xml version="1.0" encoding="utf-8"?>
+<p:sld xmlns:a="http://schemas.openxmlformats.org/drawingml/2006/main" xmlns:r="http://schemas.openxmlformats.org/officeDocument/2006/relationships" xmlns:p="http://schemas.openxmlformats.org/presentationml/2006/main">
+  <p:cSld>
+    <p:spTree>
+      <p:nvGrpSpPr>
+        <p:cNvPr id="1" name=""/>
+        <p:cNvGrpSpPr/>
+        <p:nvPr/>
+      </p:nvGrpSpPr>
+      <p:grpSpPr>
+        <a:xfrm>
+          <a:off x="0" y="0"/>
+          <a:ext cx="0" cy="0"/>
+          <a:chOff x="0" y="0"/>
+          <a:chExt cx="0" cy="0"/>
+        </a:xfrm>
+      </p:grpSpPr>
+      <p:graphicFrame>
+        <p:nvGraphicFramePr>
+          <p:cNvPr id="10" name="Object 9"/>
+          <p:cNvGraphicFramePr>
+            <a:graphicFrameLocks noChangeAspect="1"/>
+          </p:cNvGraphicFramePr>
+          <p:nvPr>
+            <p:extLst>
+              <p:ext uri="{D42A27DB-BD31-4B8C-83A1-F6EECF244321}">
+                <p14:modId xmlns:p14="http://schemas.microsoft.com/office/powerpoint/2010/main" val="4051737583"/>
+              </p:ext>
+            </p:extLst>
+          </p:nvPr>
+        </p:nvGraphicFramePr>
+        <p:xfrm>
+          <a:off x="6038850" y="3319463"/>
+          <a:ext cx="114300" cy="215900"/>
+        </p:xfrm>
+        <a:graphic>
+          <a:graphicData uri="http://schemas.openxmlformats.org/presentationml/2006/ole">
+            <mc:AlternateContent xmlns:mc="http://schemas.openxmlformats.org/markup-compatibility/2006">
+              <mc:Choice xmlns:v="urn:schemas-microsoft-com:vml" Requires="v">
+                <p:oleObj spid="_x0000_s2059" name="Equation" r:id="rId4" imgW="114120" imgH="215640" progId="Equation.3">
+                  <p:embed/>
+                </p:oleObj>
+              </mc:Choice>
+              <mc:Fallback>
+                <p:oleObj name="Equation" r:id="rId4" imgW="114120" imgH="215640" progId="Equation.3">
+                  <p:embed/>
+                  <p:pic>
+                    <p:nvPicPr>
+                      <p:cNvPr id="0" name=""/>
+                      <p:cNvPicPr/>
+                      <p:nvPr/>
+                    </p:nvPicPr>
+                    <p:blipFill>
+                      <a:blip r:embed="rId5"/>
+                      <a:stretch>
+                        <a:fillRect/>
+                      </a:stretch>
+                    </p:blipFill>
+                    <p:spPr>
+                      <a:xfrm>
+                        <a:off x="6038850" y="3319463"/>
+                        <a:ext cx="114300" cy="215900"/>
+                      </a:xfrm>
+                      <a:prstGeom prst="rect">
+                        <a:avLst/>
+                      </a:prstGeom>
+                    </p:spPr>
+                  </p:pic>
+                </p:oleObj>
+              </mc:Fallback>
+            </mc:AlternateContent>
+          </a:graphicData>
+        </a:graphic>
+      </p:graphicFrame>
+      <p:sp>
+        <p:nvSpPr>
+          <p:cNvPr id="11" name="TextBox 10"/>
+          <p:cNvSpPr txBox="1"/>
+          <p:nvPr/>
+        </p:nvSpPr>
+        <p:spPr>
+          <a:xfrm>
+            <a:off x="828859" y="59320"/>
+            <a:ext cx="9741724" cy="1754326"/>
+          </a:xfrm>
+          <a:prstGeom prst="rect">
+            <a:avLst/>
+          </a:prstGeom>
+          <a:noFill/>
+        </p:spPr>
+        <p:txBody>
+          <a:bodyPr wrap="square" rtlCol="0">
+            <a:spAutoFit/>
+          </a:bodyPr>
+          <a:lstStyle/>
+          <a:p>
+            <a:r>
+              <a:rPr lang="en-US" dirty="0"/>
+              <a:t>&gt; plot(jester[,1],jester[,2], </a:t>
+            </a:r>
+            <a:r>
+              <a:rPr lang="en-US" dirty="0" err="1"/>
+              <a:t>xlab</a:t>
+            </a:r>
+            <a:r>
+              <a:rPr lang="en-US" dirty="0"/>
+              <a:t>="Joke #1 Ratings", </a:t>
+            </a:r>
+            <a:r>
+              <a:rPr lang="en-US" dirty="0" err="1"/>
+              <a:t>ylab</a:t>
+            </a:r>
+            <a:r>
+              <a:rPr lang="en-US" dirty="0"/>
+              <a:t>="Joke #2 Ratings")</a:t>
+            </a:r>
+          </a:p>
+          <a:p>
+            <a:r>
+              <a:rPr lang="en-US" dirty="0"/>
+              <a:t>&gt; sim(jester[,1],jester[,2])</a:t>
+            </a:r>
+          </a:p>
+          <a:p>
+            <a:r>
+              <a:rPr lang="en-US" dirty="0"/>
+              <a:t>[1] </a:t>
+            </a:r>
+            <a:r>
+              <a:rPr lang="en-US" dirty="0">
+                <a:highlight>
+                  <a:srgbClr val="FFFF00"/>
+                </a:highlight>
+              </a:rPr>
+              <a:t>0.3629353</a:t>
+            </a:r>
+          </a:p>
+          <a:p>
+            <a:r>
+              <a:rPr lang="en-US" dirty="0"/>
+              <a:t>&gt; plot(jester[,8],jester[,98], </a:t>
+            </a:r>
+            <a:r>
+              <a:rPr lang="en-US" dirty="0" err="1"/>
+              <a:t>xlab</a:t>
+            </a:r>
+            <a:r>
+              <a:rPr lang="en-US" dirty="0"/>
+              <a:t>="Joke #8 Ratings", </a:t>
+            </a:r>
+            <a:r>
+              <a:rPr lang="en-US" dirty="0" err="1"/>
+              <a:t>ylab</a:t>
+            </a:r>
+            <a:r>
+              <a:rPr lang="en-US" dirty="0"/>
+              <a:t>="Joke #98 Ratings")</a:t>
+            </a:r>
+          </a:p>
+          <a:p>
+            <a:r>
+              <a:rPr lang="en-US" dirty="0"/>
+              <a:t>&gt; sim(jester[,8],jester[,98])</a:t>
+            </a:r>
+          </a:p>
+          <a:p>
+            <a:r>
+              <a:rPr lang="en-US" dirty="0"/>
+              <a:t>[1] </a:t>
+            </a:r>
+            <a:r>
+              <a:rPr lang="en-US" dirty="0">
+                <a:highlight>
+                  <a:srgbClr val="FFFF00"/>
+                </a:highlight>
+              </a:rPr>
+              <a:t>-0.003671474</a:t>
+            </a:r>
+          </a:p>
+        </p:txBody>
+      </p:sp>
+      <p:pic>
+        <p:nvPicPr>
+          <p:cNvPr id="12" name="Picture 11"/>
+          <p:cNvPicPr>
+            <a:picLocks noChangeAspect="1"/>
+          </p:cNvPicPr>
+          <p:nvPr/>
+        </p:nvPicPr>
+        <p:blipFill>
+          <a:blip r:embed="rId6"/>
+          <a:stretch>
+            <a:fillRect/>
+          </a:stretch>
+        </p:blipFill>
+        <p:spPr>
+          <a:xfrm>
+            <a:off x="219693" y="1896775"/>
+            <a:ext cx="5335980" cy="4876265"/>
+          </a:xfrm>
+          <a:prstGeom prst="rect">
+            <a:avLst/>
+          </a:prstGeom>
+        </p:spPr>
+      </p:pic>
+      <p:pic>
+        <p:nvPicPr>
+          <p:cNvPr id="13" name="Picture 12"/>
+          <p:cNvPicPr>
+            <a:picLocks noChangeAspect="1"/>
+          </p:cNvPicPr>
+          <p:nvPr/>
+        </p:nvPicPr>
+        <p:blipFill>
+          <a:blip r:embed="rId7"/>
+          <a:stretch>
+            <a:fillRect/>
+          </a:stretch>
+        </p:blipFill>
+        <p:spPr>
+          <a:xfrm>
+            <a:off x="6263125" y="1966051"/>
+            <a:ext cx="5291566" cy="4913010"/>
+          </a:xfrm>
+          <a:prstGeom prst="rect">
+            <a:avLst/>
+          </a:prstGeom>
+        </p:spPr>
+      </p:pic>
+    </p:spTree>
+    <p:extLst>
+      <p:ext uri="{BB962C8B-B14F-4D97-AF65-F5344CB8AC3E}">
+        <p14:creationId xmlns:p14="http://schemas.microsoft.com/office/powerpoint/2010/main" val="546014010"/>
+      </p:ext>
+    </p:extLst>
+  </p:cSld>
+  <p:clrMapOvr>
+    <a:masterClrMapping/>
+  </p:clrMapOvr>
+</p:sld>
+</file>
+
+<file path=ppt/slides/slide8.xml><?xml version="1.0" encoding="utf-8"?>
+<p:sld xmlns:a="http://schemas.openxmlformats.org/drawingml/2006/main" xmlns:r="http://schemas.openxmlformats.org/officeDocument/2006/relationships" xmlns:p="http://schemas.openxmlformats.org/presentationml/2006/main">
+  <p:cSld>
+    <p:spTree>
+      <p:nvGrpSpPr>
+        <p:cNvPr id="1" name=""/>
+        <p:cNvGrpSpPr/>
+        <p:nvPr/>
+      </p:nvGrpSpPr>
+      <p:grpSpPr>
+        <a:xfrm>
+          <a:off x="0" y="0"/>
+          <a:ext cx="0" cy="0"/>
+          <a:chOff x="0" y="0"/>
+          <a:chExt cx="0" cy="0"/>
+        </a:xfrm>
+      </p:grpSpPr>
+    </p:spTree>
+    <p:extLst>
+      <p:ext uri="{BB962C8B-B14F-4D97-AF65-F5344CB8AC3E}">
+        <p14:creationId xmlns:p14="http://schemas.microsoft.com/office/powerpoint/2010/main" val="2931215967"/>
+      </p:ext>
+    </p:extLst>
+  </p:cSld>
+  <p:clrMapOvr>
+    <a:masterClrMapping/>
+  </p:clrMapOvr>
+</p:sld>
+</file>
+
 <file path=ppt/theme/theme1.xml><?xml version="1.0" encoding="utf-8"?>
-<a:theme xmlns:a="http://schemas.openxmlformats.org/drawingml/2006/main" name="View">
+<a:theme xmlns:a="http://schemas.openxmlformats.org/drawingml/2006/main" name="Office Theme">
   <a:themeElements>
-    <a:clrScheme name="View">
+    <a:clrScheme name="Office">
       <a:dk1>
-        <a:srgbClr val="000000"/>
+        <a:sysClr val="windowText" lastClr="000000"/>
       </a:dk1>
       <a:lt1>
-        <a:srgbClr val="FFFFFF"/>
+        <a:sysClr val="window" lastClr="FFFFFF"/>
       </a:lt1>
       <a:dk2>
-        <a:srgbClr val="46464A"/>
+        <a:srgbClr val="44546A"/>
       </a:dk2>
       <a:lt2>
-        <a:srgbClr val="D6D3CC"/>
+        <a:srgbClr val="E7E6E6"/>
       </a:lt2>
       <a:accent1>
-        <a:srgbClr val="6F6F74"/>
+        <a:srgbClr val="4472C4"/>
       </a:accent1>
       <a:accent2>
-        <a:srgbClr val="92A9B9"/>
+        <a:srgbClr val="ED7D31"/>
       </a:accent2>
       <a:accent3>
-        <a:srgbClr val="A7B789"/>
+        <a:srgbClr val="A5A5A5"/>
       </a:accent3>
       <a:accent4>
-        <a:srgbClr val="B9A489"/>
+        <a:srgbClr val="FFC000"/>
       </a:accent4>
       <a:accent5>
-        <a:srgbClr val="8D6374"/>
+        <a:srgbClr val="5B9BD5"/>
       </a:accent5>
       <a:accent6>
-        <a:srgbClr val="9B7362"/>
+        <a:srgbClr val="70AD47"/>
       </a:accent6>
       <a:hlink>
-        <a:srgbClr val="67AABF"/>
+        <a:srgbClr val="0563C1"/>
       </a:hlink>
       <a:folHlink>
-        <a:srgbClr val="ABAFA5"/>
+        <a:srgbClr val="954F72"/>
       </a:folHlink>
     </a:clrScheme>
-    <a:fontScheme name="View">
+    <a:fontScheme name="Office">
       <a:majorFont>
-        <a:latin typeface="Century Schoolbook" panose="02040604050505020304"/>
+        <a:latin typeface="Calibri Light" panose="020F0302020204030204"/>
         <a:ea typeface=""/>
         <a:cs typeface=""/>
-        <a:font script="Jpan" typeface="ＭＳ ゴシック"/>
+        <a:font script="Jpan" typeface="游ゴシック Light"/>
         <a:font script="Hang" typeface="맑은 고딕"/>
-        <a:font script="Hans" typeface="宋体"/>
+        <a:font script="Hans" typeface="等线 Light"/>
         <a:font script="Hant" typeface="新細明體"/>
-        <a:font script="Arab" typeface="Tahoma"/>
-        <a:font script="Hebr" typeface="Gisha"/>
-        <a:font script="Thai" typeface="DilleniaUPC"/>
+        <a:font script="Arab" typeface="Times New Roman"/>
+        <a:font script="Hebr" typeface="Times New Roman"/>
+        <a:font script="Thai" typeface="Angsana New"/>
+        <a:font script="Ethi" typeface="Nyala"/>
+        <a:font script="Beng" typeface="Vrinda"/>
+        <a:font script="Gujr" typeface="Shruti"/>
+        <a:font script="Khmr" typeface="MoolBoran"/>
+        <a:font script="Knda" typeface="Tunga"/>
+        <a:font script="Guru" typeface="Raavi"/>
+        <a:font script="Cans" typeface="Euphemia"/>
+        <a:font script="Cher" typeface="Plantagenet Cherokee"/>
+        <a:font script="Yiii" typeface="Microsoft Yi Baiti"/>
+        <a:font script="Tibt" typeface="Microsoft Himalaya"/>
+        <a:font script="Thaa" typeface="MV Boli"/>
+        <a:font script="Deva" typeface="Mangal"/>
+        <a:font script="Telu" typeface="Gautami"/>
+        <a:font script="Taml" typeface="Latha"/>
+        <a:font script="Syrc" typeface="Estrangelo Edessa"/>
+        <a:font script="Orya" typeface="Kalinga"/>
+        <a:font script="Mlym" typeface="Kartika"/>
+        <a:font script="Laoo" typeface="DokChampa"/>
+        <a:font script="Sinh" typeface="Iskoola Pota"/>
+        <a:font script="Mong" typeface="Mongolian Baiti"/>
+        <a:font script="Viet" typeface="Times New Roman"/>
+        <a:font script="Uigh" typeface="Microsoft Uighur"/>
+        <a:font script="Geor" typeface="Sylfaen"/>
+        <a:font script="Armn" typeface="Arial"/>
+        <a:font script="Bugi" typeface="Leelawadee UI"/>
+        <a:font script="Bopo" typeface="Microsoft JhengHei"/>
+        <a:font script="Java" typeface="Javanese Text"/>
+        <a:font script="Lisu" typeface="Segoe UI"/>
+        <a:font script="Mymr" typeface="Myanmar Text"/>
+        <a:font script="Nkoo" typeface="Ebrima"/>
+        <a:font script="Olck" typeface="Nirmala UI"/>
+        <a:font script="Osma" typeface="Ebrima"/>
+        <a:font script="Phag" typeface="Phagspa"/>
+        <a:font script="Syrn" typeface="Estrangelo Edessa"/>
+        <a:font script="Syrj" typeface="Estrangelo Edessa"/>
+        <a:font script="Syre" typeface="Estrangelo Edessa"/>
+        <a:font script="Sora" typeface="Nirmala UI"/>
+        <a:font script="Tale" typeface="Microsoft Tai Le"/>
+        <a:font script="Talu" typeface="Microsoft New Tai Lue"/>
+        <a:font script="Tfng" typeface="Ebrima"/>
+      </a:majorFont>
+      <a:minorFont>
+        <a:latin typeface="Calibri" panose="020F0502020204030204"/>
+        <a:ea typeface=""/>
+        <a:cs typeface=""/>
+        <a:font script="Jpan" typeface="游ゴシック"/>
+        <a:font script="Hang" typeface="맑은 고딕"/>
+        <a:font script="Hans" typeface="等线"/>
+        <a:font script="Hant" typeface="新細明體"/>
+        <a:font script="Arab" typeface="Arial"/>
+        <a:font script="Hebr" typeface="Arial"/>
+        <a:font script="Thai" typeface="Cordia New"/>
         <a:font script="Ethi" typeface="Nyala"/>
         <a:font script="Beng" typeface="Vrinda"/>
         <a:font script="Gujr" typeface="Shruti"/>
@@ -4868,86 +5197,107 @@
         <a:font script="Laoo" typeface="DokChampa"/>
         <a:font script="Sinh" typeface="Iskoola Pota"/>
         <a:font script="Mong" typeface="Mongolian Baiti"/>
-        <a:font script="Viet" typeface="Tahoma"/>
+        <a:font script="Viet" typeface="Arial"/>
         <a:font script="Uigh" typeface="Microsoft Uighur"/>
         <a:font script="Geor" typeface="Sylfaen"/>
-      </a:majorFont>
-      <a:minorFont>
-        <a:latin typeface="Century Schoolbook" panose="02040604050505020304"/>
-        <a:ea typeface=""/>
-        <a:cs typeface=""/>
-        <a:font script="Jpan" typeface="ＭＳ ゴシック"/>
-        <a:font script="Hang" typeface="맑은 고딕"/>
-        <a:font script="Hans" typeface="宋体"/>
-        <a:font script="Hant" typeface="新細明體"/>
-        <a:font script="Arab" typeface="Tahoma"/>
-        <a:font script="Hebr" typeface="Gisha"/>
-        <a:font script="Thai" typeface="DilleniaUPC"/>
-        <a:font script="Ethi" typeface="Nyala"/>
-        <a:font script="Beng" typeface="Vrinda"/>
-        <a:font script="Gujr" typeface="Shruti"/>
-        <a:font script="Khmr" typeface="DaunPenh"/>
-        <a:font script="Knda" typeface="Tunga"/>
-        <a:font script="Guru" typeface="Raavi"/>
-        <a:font script="Cans" typeface="Euphemia"/>
-        <a:font script="Cher" typeface="Plantagenet Cherokee"/>
-        <a:font script="Yiii" typeface="Microsoft Yi Baiti"/>
-        <a:font script="Tibt" typeface="Microsoft Himalaya"/>
-        <a:font script="Thaa" typeface="MV Boli"/>
-        <a:font script="Deva" typeface="Mangal"/>
-        <a:font script="Telu" typeface="Gautami"/>
-        <a:font script="Taml" typeface="Latha"/>
-        <a:font script="Syrc" typeface="Estrangelo Edessa"/>
-        <a:font script="Orya" typeface="Kalinga"/>
-        <a:font script="Mlym" typeface="Kartika"/>
-        <a:font script="Laoo" typeface="DokChampa"/>
-        <a:font script="Sinh" typeface="Iskoola Pota"/>
-        <a:font script="Mong" typeface="Mongolian Baiti"/>
-        <a:font script="Viet" typeface="Verdana"/>
-        <a:font script="Uigh" typeface="Microsoft Uighur"/>
-        <a:font script="Geor" typeface="Sylfaen"/>
+        <a:font script="Armn" typeface="Arial"/>
+        <a:font script="Bugi" typeface="Leelawadee UI"/>
+        <a:font script="Bopo" typeface="Microsoft JhengHei"/>
+        <a:font script="Java" typeface="Javanese Text"/>
+        <a:font script="Lisu" typeface="Segoe UI"/>
+        <a:font script="Mymr" typeface="Myanmar Text"/>
+        <a:font script="Nkoo" typeface="Ebrima"/>
+        <a:font script="Olck" typeface="Nirmala UI"/>
+        <a:font script="Osma" typeface="Ebrima"/>
+        <a:font script="Phag" typeface="Phagspa"/>
+        <a:font script="Syrn" typeface="Estrangelo Edessa"/>
+        <a:font script="Syrj" typeface="Estrangelo Edessa"/>
+        <a:font script="Syre" typeface="Estrangelo Edessa"/>
+        <a:font script="Sora" typeface="Nirmala UI"/>
+        <a:font script="Tale" typeface="Microsoft Tai Le"/>
+        <a:font script="Talu" typeface="Microsoft New Tai Lue"/>
+        <a:font script="Tfng" typeface="Ebrima"/>
       </a:minorFont>
     </a:fontScheme>
-    <a:fmtScheme name="View">
+    <a:fmtScheme name="Office">
       <a:fillStyleLst>
         <a:solidFill>
           <a:schemeClr val="phClr"/>
         </a:solidFill>
-        <a:solidFill>
-          <a:schemeClr val="phClr">
-            <a:tint val="60000"/>
-            <a:satMod val="120000"/>
-          </a:schemeClr>
-        </a:solidFill>
-        <a:solidFill>
-          <a:schemeClr val="phClr">
-            <a:shade val="75000"/>
-            <a:satMod val="160000"/>
-          </a:schemeClr>
-        </a:solidFill>
+        <a:gradFill rotWithShape="1">
+          <a:gsLst>
+            <a:gs pos="0">
+              <a:schemeClr val="phClr">
+                <a:lumMod val="110000"/>
+                <a:satMod val="105000"/>
+                <a:tint val="67000"/>
+              </a:schemeClr>
+            </a:gs>
+            <a:gs pos="50000">
+              <a:schemeClr val="phClr">
+                <a:lumMod val="105000"/>
+                <a:satMod val="103000"/>
+                <a:tint val="73000"/>
+              </a:schemeClr>
+            </a:gs>
+            <a:gs pos="100000">
+              <a:schemeClr val="phClr">
+                <a:lumMod val="105000"/>
+                <a:satMod val="109000"/>
+                <a:tint val="81000"/>
+              </a:schemeClr>
+            </a:gs>
+          </a:gsLst>
+          <a:lin ang="5400000" scaled="0"/>
+        </a:gradFill>
+        <a:gradFill rotWithShape="1">
+          <a:gsLst>
+            <a:gs pos="0">
+              <a:schemeClr val="phClr">
+                <a:satMod val="103000"/>
+                <a:lumMod val="102000"/>
+                <a:tint val="94000"/>
+              </a:schemeClr>
+            </a:gs>
+            <a:gs pos="50000">
+              <a:schemeClr val="phClr">
+                <a:satMod val="110000"/>
+                <a:lumMod val="100000"/>
+                <a:shade val="100000"/>
+              </a:schemeClr>
+            </a:gs>
+            <a:gs pos="100000">
+              <a:schemeClr val="phClr">
+                <a:lumMod val="99000"/>
+                <a:satMod val="120000"/>
+                <a:shade val="78000"/>
+              </a:schemeClr>
+            </a:gs>
+          </a:gsLst>
+          <a:lin ang="5400000" scaled="0"/>
+        </a:gradFill>
       </a:fillStyleLst>
       <a:lnStyleLst>
-        <a:ln w="9525" cap="flat" cmpd="sng" algn="ctr">
+        <a:ln w="6350" cap="flat" cmpd="sng" algn="ctr">
           <a:solidFill>
             <a:schemeClr val="phClr"/>
           </a:solidFill>
           <a:prstDash val="solid"/>
+          <a:miter lim="800000"/>
         </a:ln>
-        <a:ln w="13970" cap="flat" cmpd="sng" algn="ctr">
+        <a:ln w="12700" cap="flat" cmpd="sng" algn="ctr">
           <a:solidFill>
             <a:schemeClr val="phClr"/>
           </a:solidFill>
           <a:prstDash val="solid"/>
+          <a:miter lim="800000"/>
         </a:ln>
-        <a:ln w="17145" cap="flat" cmpd="sng" algn="ctr">
+        <a:ln w="19050" cap="flat" cmpd="sng" algn="ctr">
           <a:solidFill>
-            <a:schemeClr val="phClr">
-              <a:shade val="95000"/>
-              <a:alpha val="95000"/>
-              <a:satMod val="150000"/>
-            </a:schemeClr>
+            <a:schemeClr val="phClr"/>
           </a:solidFill>
           <a:prstDash val="solid"/>
+          <a:miter lim="800000"/>
         </a:ln>
       </a:lnStyleLst>
       <a:effectStyleLst>
@@ -4955,52 +5305,16 @@
           <a:effectLst/>
         </a:effectStyle>
         <a:effectStyle>
+          <a:effectLst/>
+        </a:effectStyle>
+        <a:effectStyle>
           <a:effectLst>
-            <a:outerShdw blurRad="50800" dist="15240" dir="5400000" algn="tl" rotWithShape="0">
+            <a:outerShdw blurRad="57150" dist="19050" dir="5400000" algn="ctr" rotWithShape="0">
               <a:srgbClr val="000000">
-                <a:alpha val="75000"/>
+                <a:alpha val="63000"/>
               </a:srgbClr>
             </a:outerShdw>
           </a:effectLst>
-          <a:scene3d>
-            <a:camera prst="orthographicFront">
-              <a:rot lat="0" lon="0" rev="0"/>
-            </a:camera>
-            <a:lightRig rig="brightRoom" dir="tl"/>
-          </a:scene3d>
-          <a:sp3d contourW="9525" prstMaterial="flat">
-            <a:bevelT w="0" h="0" prst="coolSlant"/>
-            <a:contourClr>
-              <a:schemeClr val="phClr">
-                <a:shade val="35000"/>
-                <a:satMod val="130000"/>
-              </a:schemeClr>
-            </a:contourClr>
-          </a:sp3d>
-        </a:effectStyle>
-        <a:effectStyle>
-          <a:effectLst>
-            <a:outerShdw blurRad="76200" dist="25400" dir="5400000" algn="tl" rotWithShape="0">
-              <a:srgbClr val="000000">
-                <a:alpha val="55000"/>
-              </a:srgbClr>
-            </a:outerShdw>
-          </a:effectLst>
-          <a:scene3d>
-            <a:camera prst="orthographicFront">
-              <a:rot lat="0" lon="0" rev="0"/>
-            </a:camera>
-            <a:lightRig rig="brightRoom" dir="tl"/>
-          </a:scene3d>
-          <a:sp3d contourW="19050" prstMaterial="flat">
-            <a:bevelT w="0" h="0" prst="coolSlant"/>
-            <a:contourClr>
-              <a:schemeClr val="phClr">
-                <a:shade val="25000"/>
-                <a:satMod val="140000"/>
-              </a:schemeClr>
-            </a:contourClr>
-          </a:sp3d>
         </a:effectStyle>
       </a:effectStyleLst>
       <a:bgFillStyleLst>
@@ -5017,23 +5331,28 @@
           <a:gsLst>
             <a:gs pos="0">
               <a:schemeClr val="phClr">
-                <a:tint val="94000"/>
+                <a:tint val="93000"/>
+                <a:satMod val="150000"/>
                 <a:shade val="98000"/>
+                <a:lumMod val="102000"/>
+              </a:schemeClr>
+            </a:gs>
+            <a:gs pos="50000">
+              <a:schemeClr val="phClr">
+                <a:tint val="98000"/>
                 <a:satMod val="130000"/>
-                <a:lumMod val="102000"/>
+                <a:shade val="90000"/>
+                <a:lumMod val="103000"/>
               </a:schemeClr>
             </a:gs>
             <a:gs pos="100000">
               <a:schemeClr val="phClr">
-                <a:tint val="98000"/>
-                <a:shade val="78000"/>
-                <a:satMod val="140000"/>
+                <a:shade val="63000"/>
+                <a:satMod val="120000"/>
               </a:schemeClr>
             </a:gs>
           </a:gsLst>
-          <a:path path="circle">
-            <a:fillToRect l="100000" t="100000" r="100000" b="100000"/>
-          </a:path>
+          <a:lin ang="5400000" scaled="0"/>
         </a:gradFill>
       </a:bgFillStyleLst>
     </a:fmtScheme>
@@ -5042,7 +5361,7 @@
   <a:extraClrSchemeLst/>
   <a:extLst>
     <a:ext uri="{05A4C25C-085E-4340-85A3-A5531E510DB2}">
-      <thm15:themeFamily xmlns:thm15="http://schemas.microsoft.com/office/thememl/2012/main" name="View" id="{BA0EB5A6-F2D4-4F82-977B-64ADEE4A2A69}" vid="{3969A8A2-35DB-4E3B-8885-16FD20568674}"/>
+      <thm15:themeFamily xmlns:thm15="http://schemas.microsoft.com/office/thememl/2012/main" name="Office Theme" id="{62F939B6-93AF-4DB8-9C6B-D6C7DFDC589F}" vid="{4A3C46E8-61CC-4603-A589-7422A47A8E4A}"/>
     </a:ext>
   </a:extLst>
 </a:theme>

--- a/jester-collaborative-filtering.pptx
+++ b/jester-collaborative-filtering.pptx
@@ -5,7 +5,7 @@
     <p:sldMasterId id="2147484012" r:id="rId1"/>
   </p:sldMasterIdLst>
   <p:notesMasterIdLst>
-    <p:notesMasterId r:id="rId10"/>
+    <p:notesMasterId r:id="rId12"/>
   </p:notesMasterIdLst>
   <p:sldIdLst>
     <p:sldId id="256" r:id="rId2"/>
@@ -16,6 +16,8 @@
     <p:sldId id="262" r:id="rId7"/>
     <p:sldId id="263" r:id="rId8"/>
     <p:sldId id="264" r:id="rId9"/>
+    <p:sldId id="265" r:id="rId10"/>
+    <p:sldId id="266" r:id="rId11"/>
   </p:sldIdLst>
   <p:sldSz cx="12192000" cy="6858000"/>
   <p:notesSz cx="6858000" cy="9144000"/>
@@ -3931,6 +3933,224 @@
 </p:sld>
 </file>
 
+<file path=ppt/slides/slide10.xml><?xml version="1.0" encoding="utf-8"?>
+<p:sld xmlns:a="http://schemas.openxmlformats.org/drawingml/2006/main" xmlns:r="http://schemas.openxmlformats.org/officeDocument/2006/relationships" xmlns:p="http://schemas.openxmlformats.org/presentationml/2006/main">
+  <p:cSld>
+    <p:spTree>
+      <p:nvGrpSpPr>
+        <p:cNvPr id="1" name=""/>
+        <p:cNvGrpSpPr/>
+        <p:nvPr/>
+      </p:nvGrpSpPr>
+      <p:grpSpPr>
+        <a:xfrm>
+          <a:off x="0" y="0"/>
+          <a:ext cx="0" cy="0"/>
+          <a:chOff x="0" y="0"/>
+          <a:chExt cx="0" cy="0"/>
+        </a:xfrm>
+      </p:grpSpPr>
+      <p:sp>
+        <p:nvSpPr>
+          <p:cNvPr id="4" name="Rectangle 3"/>
+          <p:cNvSpPr/>
+          <p:nvPr/>
+        </p:nvSpPr>
+        <p:spPr>
+          <a:xfrm>
+            <a:off x="346364" y="2081428"/>
+            <a:ext cx="11249890" cy="4247317"/>
+          </a:xfrm>
+          <a:prstGeom prst="rect">
+            <a:avLst/>
+          </a:prstGeom>
+        </p:spPr>
+        <p:txBody>
+          <a:bodyPr wrap="square">
+            <a:spAutoFit/>
+          </a:bodyPr>
+          <a:lstStyle/>
+          <a:p>
+            <a:r>
+              <a:rPr lang="en-US" dirty="0"/>
+              <a:t>&gt; round(predict_ratings[[3]],3)</a:t>
+            </a:r>
+          </a:p>
+          <a:p>
+            <a:r>
+              <a:rPr lang="en-US" dirty="0"/>
+              <a:t>    1     2     3     4     9    10    22    24    25    30    33    34    37    44    46    51 </a:t>
+            </a:r>
+          </a:p>
+          <a:p>
+            <a:r>
+              <a:rPr lang="en-US" dirty="0"/>
+              <a:t>8.092 7.480 8.325 8.326 8.086 8.298 7.261 7.763 7.866 8.886 8.333 7.810 8.156 8.113 7.842 6.931 </a:t>
+            </a:r>
+          </a:p>
+          <a:p>
+            <a:r>
+              <a:rPr lang="en-US" dirty="0"/>
+              <a:t>   52    55    57    58    59    63    64    67    70    71    72    73    74    </a:t>
+            </a:r>
+            <a:r>
+              <a:rPr lang="en-US" dirty="0">
+                <a:highlight>
+                  <a:srgbClr val="FFFF00"/>
+                </a:highlight>
+              </a:rPr>
+              <a:t>75</a:t>
+            </a:r>
+            <a:r>
+              <a:rPr lang="en-US" dirty="0"/>
+              <a:t>    77    78 </a:t>
+            </a:r>
+          </a:p>
+          <a:p>
+            <a:r>
+              <a:rPr lang="en-US" dirty="0"/>
+              <a:t>7.291 8.434 5.261 7.782 7.987 7.410 8.141 8.648 8.409 8.156 8.833 8.657 8.803 </a:t>
+            </a:r>
+            <a:r>
+              <a:rPr lang="en-US" dirty="0">
+                <a:highlight>
+                  <a:srgbClr val="FFFF00"/>
+                </a:highlight>
+              </a:rPr>
+              <a:t>9.101</a:t>
+            </a:r>
+            <a:r>
+              <a:rPr lang="en-US" dirty="0"/>
+              <a:t> 8.602 8.608 </a:t>
+            </a:r>
+          </a:p>
+          <a:p>
+            <a:r>
+              <a:rPr lang="en-US" dirty="0"/>
+              <a:t>   79    81    82    83    84    85    86    87    88    89    91    92    93    95    96    97 </a:t>
+            </a:r>
+          </a:p>
+          <a:p>
+            <a:r>
+              <a:rPr lang="en-US" dirty="0"/>
+              <a:t>8.567 7.850 8.289 8.265 8.246 9.068 8.992 8.828 8.635 8.179 8.613 8.599 8.538 8.393 8.206 8.223 </a:t>
+            </a:r>
+          </a:p>
+          <a:p>
+            <a:r>
+              <a:rPr lang="en-US" dirty="0"/>
+              <a:t>   98    99   100 </a:t>
+            </a:r>
+          </a:p>
+          <a:p>
+            <a:r>
+              <a:rPr lang="en-US" dirty="0"/>
+              <a:t>7.869 8.201 7.239 </a:t>
+            </a:r>
+          </a:p>
+          <a:p>
+            <a:endParaRPr lang="en-US" dirty="0"/>
+          </a:p>
+          <a:p>
+            <a:r>
+              <a:rPr lang="en-US" dirty="0"/>
+              <a:t>&gt; </a:t>
+            </a:r>
+            <a:r>
+              <a:rPr lang="en-US" dirty="0" err="1"/>
+              <a:t>max_rating</a:t>
+            </a:r>
+            <a:r>
+              <a:rPr lang="en-US" dirty="0"/>
+              <a:t> &lt;- max(predict_ratings[[3]])</a:t>
+            </a:r>
+          </a:p>
+          <a:p>
+            <a:r>
+              <a:rPr lang="en-US" dirty="0"/>
+              <a:t>&gt; </a:t>
+            </a:r>
+            <a:r>
+              <a:rPr lang="en-US" dirty="0" err="1"/>
+              <a:t>max_rating</a:t>
+            </a:r>
+            <a:endParaRPr lang="en-US" dirty="0"/>
+          </a:p>
+          <a:p>
+            <a:r>
+              <a:rPr lang="en-US" dirty="0"/>
+              <a:t>[1] 9.101352</a:t>
+            </a:r>
+          </a:p>
+          <a:p>
+            <a:r>
+              <a:rPr lang="en-US" dirty="0"/>
+              <a:t>&gt; which(predict_ratings[[3]] == </a:t>
+            </a:r>
+            <a:r>
+              <a:rPr lang="en-US" dirty="0" err="1"/>
+              <a:t>max_rating</a:t>
+            </a:r>
+            <a:r>
+              <a:rPr lang="en-US" dirty="0"/>
+              <a:t>)</a:t>
+            </a:r>
+          </a:p>
+          <a:p>
+            <a:r>
+              <a:rPr lang="en-US" dirty="0"/>
+              <a:t>75 </a:t>
+            </a:r>
+            <a:endParaRPr lang="en-US" dirty="0"/>
+          </a:p>
+        </p:txBody>
+      </p:sp>
+      <p:sp>
+        <p:nvSpPr>
+          <p:cNvPr id="5" name="TextBox 4"/>
+          <p:cNvSpPr txBox="1"/>
+          <p:nvPr/>
+        </p:nvSpPr>
+        <p:spPr>
+          <a:xfrm>
+            <a:off x="346365" y="484909"/>
+            <a:ext cx="9601200" cy="954107"/>
+          </a:xfrm>
+          <a:prstGeom prst="rect">
+            <a:avLst/>
+          </a:prstGeom>
+          <a:noFill/>
+        </p:spPr>
+        <p:txBody>
+          <a:bodyPr wrap="square" rtlCol="0">
+            <a:spAutoFit/>
+          </a:bodyPr>
+          <a:lstStyle/>
+          <a:p>
+            <a:r>
+              <a:rPr lang="en-US" sz="2800" dirty="0"/>
+              <a:t>Example: For User #3, I will recommend Joke #75 to the user, since it has the highest predicted rating</a:t>
+            </a:r>
+            <a:r>
+              <a:rPr lang="en-US" dirty="0"/>
+              <a:t>.</a:t>
+            </a:r>
+          </a:p>
+        </p:txBody>
+      </p:sp>
+    </p:spTree>
+    <p:extLst>
+      <p:ext uri="{BB962C8B-B14F-4D97-AF65-F5344CB8AC3E}">
+        <p14:creationId xmlns:p14="http://schemas.microsoft.com/office/powerpoint/2010/main" val="2195249422"/>
+      </p:ext>
+    </p:extLst>
+  </p:cSld>
+  <p:clrMapOvr>
+    <a:masterClrMapping/>
+  </p:clrMapOvr>
+</p:sld>
+</file>
+
 <file path=ppt/slides/slide2.xml><?xml version="1.0" encoding="utf-8"?>
 <p:sld xmlns:a="http://schemas.openxmlformats.org/drawingml/2006/main" xmlns:r="http://schemas.openxmlformats.org/officeDocument/2006/relationships" xmlns:p="http://schemas.openxmlformats.org/presentationml/2006/main">
   <p:cSld>
@@ -4665,7 +4885,7 @@
           <a:graphicData uri="http://schemas.openxmlformats.org/presentationml/2006/ole">
             <mc:AlternateContent xmlns:mc="http://schemas.openxmlformats.org/markup-compatibility/2006">
               <mc:Choice xmlns:v="urn:schemas-microsoft-com:vml" Requires="v">
-                <p:oleObj spid="_x0000_s1033" name="Equation" r:id="rId6" imgW="2641320" imgH="431640" progId="Equation.3">
+                <p:oleObj spid="_x0000_s1038" name="Equation" r:id="rId6" imgW="2641320" imgH="431640" progId="Equation.3">
                   <p:embed/>
                 </p:oleObj>
               </mc:Choice>
@@ -4839,7 +5059,7 @@
           <a:graphicData uri="http://schemas.openxmlformats.org/presentationml/2006/ole">
             <mc:AlternateContent xmlns:mc="http://schemas.openxmlformats.org/markup-compatibility/2006">
               <mc:Choice xmlns:v="urn:schemas-microsoft-com:vml" Requires="v">
-                <p:oleObj spid="_x0000_s2059" name="Equation" r:id="rId4" imgW="114120" imgH="215640" progId="Equation.3">
+                <p:oleObj spid="_x0000_s2064" name="Equation" r:id="rId4" imgW="114120" imgH="215640" progId="Equation.3">
                   <p:embed/>
                 </p:oleObj>
               </mc:Choice>
@@ -5059,10 +5279,703 @@
           <a:chExt cx="0" cy="0"/>
         </a:xfrm>
       </p:grpSpPr>
+      <p:sp>
+        <p:nvSpPr>
+          <p:cNvPr id="6" name="TextBox 5"/>
+          <p:cNvSpPr txBox="1"/>
+          <p:nvPr/>
+        </p:nvSpPr>
+        <p:spPr>
+          <a:xfrm>
+            <a:off x="1034471" y="471053"/>
+            <a:ext cx="8127999" cy="1938992"/>
+          </a:xfrm>
+          <a:prstGeom prst="rect">
+            <a:avLst/>
+          </a:prstGeom>
+          <a:noFill/>
+        </p:spPr>
+        <p:txBody>
+          <a:bodyPr wrap="square" rtlCol="0">
+            <a:spAutoFit/>
+          </a:bodyPr>
+          <a:lstStyle/>
+          <a:p>
+            <a:r>
+              <a:rPr lang="en-US" sz="2400" u="sng" dirty="0"/>
+              <a:t>Weighted Average</a:t>
+            </a:r>
+          </a:p>
+          <a:p>
+            <a:endParaRPr lang="en-US" sz="2400" u="sng" dirty="0"/>
+          </a:p>
+          <a:p>
+            <a:r>
+              <a:rPr lang="en-US" sz="2400" dirty="0"/>
+              <a:t>Example:</a:t>
+            </a:r>
+          </a:p>
+          <a:p>
+            <a:r>
+              <a:rPr lang="en-US" sz="2400" dirty="0"/>
+              <a:t>A user has rated Joke B thru F, but has not rated Joke A. Predict this user’s rating for Joke A.</a:t>
+            </a:r>
+          </a:p>
+        </p:txBody>
+      </p:sp>
+      <p:sp>
+        <p:nvSpPr>
+          <p:cNvPr id="7" name="TextBox 6"/>
+          <p:cNvSpPr txBox="1"/>
+          <p:nvPr/>
+        </p:nvSpPr>
+        <p:spPr>
+          <a:xfrm>
+            <a:off x="855519" y="5327784"/>
+            <a:ext cx="5721927" cy="461665"/>
+          </a:xfrm>
+          <a:prstGeom prst="rect">
+            <a:avLst/>
+          </a:prstGeom>
+          <a:noFill/>
+        </p:spPr>
+        <p:txBody>
+          <a:bodyPr wrap="square" rtlCol="0">
+            <a:spAutoFit/>
+          </a:bodyPr>
+          <a:lstStyle/>
+          <a:p>
+            <a:r>
+              <a:rPr lang="en-US" sz="2400" dirty="0"/>
+              <a:t>Joke A rating prediction = 5.558 / 0.87 = 6.4</a:t>
+            </a:r>
+          </a:p>
+        </p:txBody>
+      </p:sp>
+      <p:graphicFrame>
+        <p:nvGraphicFramePr>
+          <p:cNvPr id="8" name="Table 7"/>
+          <p:cNvGraphicFramePr>
+            <a:graphicFrameLocks noGrp="1"/>
+          </p:cNvGraphicFramePr>
+          <p:nvPr>
+            <p:extLst>
+              <p:ext uri="{D42A27DB-BD31-4B8C-83A1-F6EECF244321}">
+                <p14:modId xmlns:p14="http://schemas.microsoft.com/office/powerpoint/2010/main" val="1128303004"/>
+              </p:ext>
+            </p:extLst>
+          </p:nvPr>
+        </p:nvGraphicFramePr>
+        <p:xfrm>
+          <a:off x="879764" y="2808720"/>
+          <a:ext cx="9441873" cy="2123497"/>
+        </p:xfrm>
+        <a:graphic>
+          <a:graphicData uri="http://schemas.openxmlformats.org/drawingml/2006/table">
+            <a:tbl>
+              <a:tblPr firstRow="1" bandRow="1">
+                <a:tableStyleId>{5940675A-B579-460E-94D1-54222C63F5DA}</a:tableStyleId>
+              </a:tblPr>
+              <a:tblGrid>
+                <a:gridCol w="3147291">
+                  <a:extLst>
+                    <a:ext uri="{9D8B030D-6E8A-4147-A177-3AD203B41FA5}">
+                      <a16:colId xmlns:a16="http://schemas.microsoft.com/office/drawing/2014/main" val="1186069382"/>
+                    </a:ext>
+                  </a:extLst>
+                </a:gridCol>
+                <a:gridCol w="3147291">
+                  <a:extLst>
+                    <a:ext uri="{9D8B030D-6E8A-4147-A177-3AD203B41FA5}">
+                      <a16:colId xmlns:a16="http://schemas.microsoft.com/office/drawing/2014/main" val="915706875"/>
+                    </a:ext>
+                  </a:extLst>
+                </a:gridCol>
+                <a:gridCol w="3147291">
+                  <a:extLst>
+                    <a:ext uri="{9D8B030D-6E8A-4147-A177-3AD203B41FA5}">
+                      <a16:colId xmlns:a16="http://schemas.microsoft.com/office/drawing/2014/main" val="727965813"/>
+                    </a:ext>
+                  </a:extLst>
+                </a:gridCol>
+              </a:tblGrid>
+              <a:tr h="350066">
+                <a:tc>
+                  <a:txBody>
+                    <a:bodyPr/>
+                    <a:lstStyle/>
+                    <a:p>
+                      <a:pPr algn="l" rtl="0" fontAlgn="ctr"/>
+                      <a:r>
+                        <a:rPr lang="pt-BR" sz="2200" u="none" strike="noStrike">
+                          <a:effectLst/>
+                        </a:rPr>
+                        <a:t>Sim(Joke A, Joke B) = 0.32</a:t>
+                      </a:r>
+                      <a:endParaRPr lang="pt-BR" sz="2200" b="0" i="0" u="none" strike="noStrike">
+                        <a:solidFill>
+                          <a:srgbClr val="000000"/>
+                        </a:solidFill>
+                        <a:effectLst/>
+                        <a:latin typeface="Calibri" panose="020F0502020204030204" pitchFamily="34" charset="0"/>
+                      </a:endParaRPr>
+                    </a:p>
+                  </a:txBody>
+                  <a:tcPr marL="8912" marR="8912" marT="8912" marB="0" anchor="ctr"/>
+                </a:tc>
+                <a:tc>
+                  <a:txBody>
+                    <a:bodyPr/>
+                    <a:lstStyle/>
+                    <a:p>
+                      <a:pPr algn="l" rtl="0" fontAlgn="ctr"/>
+                      <a:r>
+                        <a:rPr lang="en-US" sz="2200" u="none" strike="noStrike" dirty="0">
+                          <a:effectLst/>
+                        </a:rPr>
+                        <a:t> Joke B Rating = 8.2</a:t>
+                      </a:r>
+                      <a:endParaRPr lang="en-US" sz="2200" b="0" i="0" u="none" strike="noStrike" dirty="0">
+                        <a:solidFill>
+                          <a:srgbClr val="000000"/>
+                        </a:solidFill>
+                        <a:effectLst/>
+                        <a:latin typeface="Calibri" panose="020F0502020204030204" pitchFamily="34" charset="0"/>
+                      </a:endParaRPr>
+                    </a:p>
+                  </a:txBody>
+                  <a:tcPr marL="8912" marR="8912" marT="8912" marB="0" anchor="ctr"/>
+                </a:tc>
+                <a:tc>
+                  <a:txBody>
+                    <a:bodyPr/>
+                    <a:lstStyle/>
+                    <a:p>
+                      <a:pPr algn="l" rtl="0" fontAlgn="ctr"/>
+                      <a:r>
+                        <a:rPr lang="en-US" sz="2200" u="none" strike="noStrike" dirty="0">
+                          <a:effectLst/>
+                        </a:rPr>
+                        <a:t> 0.32x8.2 = 2.624</a:t>
+                      </a:r>
+                      <a:endParaRPr lang="en-US" sz="2200" b="0" i="0" u="none" strike="noStrike" dirty="0">
+                        <a:solidFill>
+                          <a:srgbClr val="000000"/>
+                        </a:solidFill>
+                        <a:effectLst/>
+                        <a:latin typeface="Calibri" panose="020F0502020204030204" pitchFamily="34" charset="0"/>
+                      </a:endParaRPr>
+                    </a:p>
+                  </a:txBody>
+                  <a:tcPr marL="8912" marR="8912" marT="8912" marB="0" anchor="ctr"/>
+                </a:tc>
+                <a:extLst>
+                  <a:ext uri="{0D108BD9-81ED-4DB2-BD59-A6C34878D82A}">
+                    <a16:rowId xmlns:a16="http://schemas.microsoft.com/office/drawing/2014/main" val="4271020152"/>
+                  </a:ext>
+                </a:extLst>
+              </a:tr>
+              <a:tr h="350066">
+                <a:tc>
+                  <a:txBody>
+                    <a:bodyPr/>
+                    <a:lstStyle/>
+                    <a:p>
+                      <a:pPr algn="l" rtl="0" fontAlgn="ctr"/>
+                      <a:r>
+                        <a:rPr lang="pt-BR" sz="2200" u="none" strike="noStrike">
+                          <a:effectLst/>
+                        </a:rPr>
+                        <a:t>Sim(Joke A, Joke C) = 0.21</a:t>
+                      </a:r>
+                      <a:endParaRPr lang="pt-BR" sz="2200" b="0" i="0" u="none" strike="noStrike">
+                        <a:solidFill>
+                          <a:srgbClr val="000000"/>
+                        </a:solidFill>
+                        <a:effectLst/>
+                        <a:latin typeface="Calibri" panose="020F0502020204030204" pitchFamily="34" charset="0"/>
+                      </a:endParaRPr>
+                    </a:p>
+                  </a:txBody>
+                  <a:tcPr marL="8912" marR="8912" marT="8912" marB="0" anchor="ctr"/>
+                </a:tc>
+                <a:tc>
+                  <a:txBody>
+                    <a:bodyPr/>
+                    <a:lstStyle/>
+                    <a:p>
+                      <a:pPr algn="l" rtl="0" fontAlgn="ctr"/>
+                      <a:r>
+                        <a:rPr lang="en-US" sz="2200" u="none" strike="noStrike" dirty="0">
+                          <a:effectLst/>
+                        </a:rPr>
+                        <a:t> Joke C Rating = 6.5</a:t>
+                      </a:r>
+                      <a:endParaRPr lang="en-US" sz="2200" b="0" i="0" u="none" strike="noStrike" dirty="0">
+                        <a:solidFill>
+                          <a:srgbClr val="000000"/>
+                        </a:solidFill>
+                        <a:effectLst/>
+                        <a:latin typeface="Calibri" panose="020F0502020204030204" pitchFamily="34" charset="0"/>
+                      </a:endParaRPr>
+                    </a:p>
+                  </a:txBody>
+                  <a:tcPr marL="8912" marR="8912" marT="8912" marB="0" anchor="ctr"/>
+                </a:tc>
+                <a:tc>
+                  <a:txBody>
+                    <a:bodyPr/>
+                    <a:lstStyle/>
+                    <a:p>
+                      <a:pPr algn="l" rtl="0" fontAlgn="ctr"/>
+                      <a:r>
+                        <a:rPr lang="en-US" sz="2200" u="none" strike="noStrike" dirty="0">
+                          <a:effectLst/>
+                        </a:rPr>
+                        <a:t> 0.21x6.5 = 1.365</a:t>
+                      </a:r>
+                      <a:endParaRPr lang="en-US" sz="2200" b="0" i="0" u="none" strike="noStrike" dirty="0">
+                        <a:solidFill>
+                          <a:srgbClr val="000000"/>
+                        </a:solidFill>
+                        <a:effectLst/>
+                        <a:latin typeface="Calibri" panose="020F0502020204030204" pitchFamily="34" charset="0"/>
+                      </a:endParaRPr>
+                    </a:p>
+                  </a:txBody>
+                  <a:tcPr marL="8912" marR="8912" marT="8912" marB="0" anchor="ctr"/>
+                </a:tc>
+                <a:extLst>
+                  <a:ext uri="{0D108BD9-81ED-4DB2-BD59-A6C34878D82A}">
+                    <a16:rowId xmlns:a16="http://schemas.microsoft.com/office/drawing/2014/main" val="95788725"/>
+                  </a:ext>
+                </a:extLst>
+              </a:tr>
+              <a:tr h="350066">
+                <a:tc>
+                  <a:txBody>
+                    <a:bodyPr/>
+                    <a:lstStyle/>
+                    <a:p>
+                      <a:pPr algn="l" rtl="0" fontAlgn="ctr"/>
+                      <a:r>
+                        <a:rPr lang="pt-BR" sz="2200" u="none" strike="noStrike">
+                          <a:effectLst/>
+                        </a:rPr>
+                        <a:t>Sim(Joke A, Joke D) = 0.16</a:t>
+                      </a:r>
+                      <a:endParaRPr lang="pt-BR" sz="2200" b="0" i="0" u="none" strike="noStrike">
+                        <a:solidFill>
+                          <a:srgbClr val="000000"/>
+                        </a:solidFill>
+                        <a:effectLst/>
+                        <a:latin typeface="Calibri" panose="020F0502020204030204" pitchFamily="34" charset="0"/>
+                      </a:endParaRPr>
+                    </a:p>
+                  </a:txBody>
+                  <a:tcPr marL="8912" marR="8912" marT="8912" marB="0" anchor="ctr"/>
+                </a:tc>
+                <a:tc>
+                  <a:txBody>
+                    <a:bodyPr/>
+                    <a:lstStyle/>
+                    <a:p>
+                      <a:pPr algn="l" rtl="0" fontAlgn="ctr"/>
+                      <a:r>
+                        <a:rPr lang="en-US" sz="2200" u="none" strike="noStrike" dirty="0">
+                          <a:effectLst/>
+                        </a:rPr>
+                        <a:t> Joke D Rating = 5.5</a:t>
+                      </a:r>
+                      <a:endParaRPr lang="en-US" sz="2200" b="0" i="0" u="none" strike="noStrike" dirty="0">
+                        <a:solidFill>
+                          <a:srgbClr val="000000"/>
+                        </a:solidFill>
+                        <a:effectLst/>
+                        <a:latin typeface="Calibri" panose="020F0502020204030204" pitchFamily="34" charset="0"/>
+                      </a:endParaRPr>
+                    </a:p>
+                  </a:txBody>
+                  <a:tcPr marL="8912" marR="8912" marT="8912" marB="0" anchor="ctr"/>
+                </a:tc>
+                <a:tc>
+                  <a:txBody>
+                    <a:bodyPr/>
+                    <a:lstStyle/>
+                    <a:p>
+                      <a:pPr algn="l" rtl="0" fontAlgn="ctr"/>
+                      <a:r>
+                        <a:rPr lang="en-US" sz="2200" u="none" strike="noStrike" dirty="0">
+                          <a:effectLst/>
+                        </a:rPr>
+                        <a:t> 0.16x5.5 = 0.88</a:t>
+                      </a:r>
+                      <a:endParaRPr lang="en-US" sz="2200" b="0" i="0" u="none" strike="noStrike" dirty="0">
+                        <a:solidFill>
+                          <a:srgbClr val="000000"/>
+                        </a:solidFill>
+                        <a:effectLst/>
+                        <a:latin typeface="Calibri" panose="020F0502020204030204" pitchFamily="34" charset="0"/>
+                      </a:endParaRPr>
+                    </a:p>
+                  </a:txBody>
+                  <a:tcPr marL="8912" marR="8912" marT="8912" marB="0" anchor="ctr"/>
+                </a:tc>
+                <a:extLst>
+                  <a:ext uri="{0D108BD9-81ED-4DB2-BD59-A6C34878D82A}">
+                    <a16:rowId xmlns:a16="http://schemas.microsoft.com/office/drawing/2014/main" val="1277601074"/>
+                  </a:ext>
+                </a:extLst>
+              </a:tr>
+              <a:tr h="350066">
+                <a:tc>
+                  <a:txBody>
+                    <a:bodyPr/>
+                    <a:lstStyle/>
+                    <a:p>
+                      <a:pPr algn="l" rtl="0" fontAlgn="ctr"/>
+                      <a:r>
+                        <a:rPr lang="pt-BR" sz="2200" u="none" strike="noStrike">
+                          <a:effectLst/>
+                        </a:rPr>
+                        <a:t>Sim(Joke A, Joke E) = 0.11</a:t>
+                      </a:r>
+                      <a:endParaRPr lang="pt-BR" sz="2200" b="0" i="0" u="none" strike="noStrike">
+                        <a:solidFill>
+                          <a:srgbClr val="000000"/>
+                        </a:solidFill>
+                        <a:effectLst/>
+                        <a:latin typeface="Calibri" panose="020F0502020204030204" pitchFamily="34" charset="0"/>
+                      </a:endParaRPr>
+                    </a:p>
+                  </a:txBody>
+                  <a:tcPr marL="8912" marR="8912" marT="8912" marB="0" anchor="ctr"/>
+                </a:tc>
+                <a:tc>
+                  <a:txBody>
+                    <a:bodyPr/>
+                    <a:lstStyle/>
+                    <a:p>
+                      <a:pPr algn="l" rtl="0" fontAlgn="ctr"/>
+                      <a:r>
+                        <a:rPr lang="en-US" sz="2200" u="none" strike="noStrike" dirty="0">
+                          <a:effectLst/>
+                        </a:rPr>
+                        <a:t> Joke E Rating = 9.0</a:t>
+                      </a:r>
+                      <a:endParaRPr lang="en-US" sz="2200" b="0" i="0" u="none" strike="noStrike" dirty="0">
+                        <a:solidFill>
+                          <a:srgbClr val="000000"/>
+                        </a:solidFill>
+                        <a:effectLst/>
+                        <a:latin typeface="Calibri" panose="020F0502020204030204" pitchFamily="34" charset="0"/>
+                      </a:endParaRPr>
+                    </a:p>
+                  </a:txBody>
+                  <a:tcPr marL="8912" marR="8912" marT="8912" marB="0" anchor="ctr"/>
+                </a:tc>
+                <a:tc>
+                  <a:txBody>
+                    <a:bodyPr/>
+                    <a:lstStyle/>
+                    <a:p>
+                      <a:pPr algn="l" rtl="0" fontAlgn="ctr"/>
+                      <a:r>
+                        <a:rPr lang="en-US" sz="2200" u="none" strike="noStrike" dirty="0">
+                          <a:effectLst/>
+                        </a:rPr>
+                        <a:t> 0.11x9.0 = 0.99</a:t>
+                      </a:r>
+                      <a:endParaRPr lang="en-US" sz="2200" b="0" i="0" u="none" strike="noStrike" dirty="0">
+                        <a:solidFill>
+                          <a:srgbClr val="000000"/>
+                        </a:solidFill>
+                        <a:effectLst/>
+                        <a:latin typeface="Calibri" panose="020F0502020204030204" pitchFamily="34" charset="0"/>
+                      </a:endParaRPr>
+                    </a:p>
+                  </a:txBody>
+                  <a:tcPr marL="8912" marR="8912" marT="8912" marB="0" anchor="ctr"/>
+                </a:tc>
+                <a:extLst>
+                  <a:ext uri="{0D108BD9-81ED-4DB2-BD59-A6C34878D82A}">
+                    <a16:rowId xmlns:a16="http://schemas.microsoft.com/office/drawing/2014/main" val="4175563822"/>
+                  </a:ext>
+                </a:extLst>
+              </a:tr>
+              <a:tr h="350066">
+                <a:tc>
+                  <a:txBody>
+                    <a:bodyPr/>
+                    <a:lstStyle/>
+                    <a:p>
+                      <a:pPr algn="l" rtl="0" fontAlgn="ctr"/>
+                      <a:r>
+                        <a:rPr lang="pt-BR" sz="2200" u="none" strike="noStrike">
+                          <a:effectLst/>
+                        </a:rPr>
+                        <a:t>Sim(Joke A, Joke F) = 0.07</a:t>
+                      </a:r>
+                      <a:endParaRPr lang="pt-BR" sz="2200" b="0" i="0" u="none" strike="noStrike">
+                        <a:solidFill>
+                          <a:srgbClr val="000000"/>
+                        </a:solidFill>
+                        <a:effectLst/>
+                        <a:latin typeface="Calibri" panose="020F0502020204030204" pitchFamily="34" charset="0"/>
+                      </a:endParaRPr>
+                    </a:p>
+                  </a:txBody>
+                  <a:tcPr marL="8912" marR="8912" marT="8912" marB="0" anchor="ctr"/>
+                </a:tc>
+                <a:tc>
+                  <a:txBody>
+                    <a:bodyPr/>
+                    <a:lstStyle/>
+                    <a:p>
+                      <a:pPr algn="l" rtl="0" fontAlgn="ctr"/>
+                      <a:r>
+                        <a:rPr lang="en-US" sz="2200" u="none" strike="noStrike" dirty="0">
+                          <a:effectLst/>
+                        </a:rPr>
+                        <a:t> Joke F Rating = -4.3</a:t>
+                      </a:r>
+                      <a:endParaRPr lang="en-US" sz="2200" b="0" i="0" u="none" strike="noStrike" dirty="0">
+                        <a:solidFill>
+                          <a:srgbClr val="000000"/>
+                        </a:solidFill>
+                        <a:effectLst/>
+                        <a:latin typeface="Calibri" panose="020F0502020204030204" pitchFamily="34" charset="0"/>
+                      </a:endParaRPr>
+                    </a:p>
+                  </a:txBody>
+                  <a:tcPr marL="8912" marR="8912" marT="8912" marB="0" anchor="ctr"/>
+                </a:tc>
+                <a:tc>
+                  <a:txBody>
+                    <a:bodyPr/>
+                    <a:lstStyle/>
+                    <a:p>
+                      <a:pPr algn="l" rtl="0" fontAlgn="ctr"/>
+                      <a:r>
+                        <a:rPr lang="en-US" sz="2200" u="none" strike="noStrike" dirty="0">
+                          <a:effectLst/>
+                        </a:rPr>
+                        <a:t> 0.07x-4.3 = -0.301</a:t>
+                      </a:r>
+                      <a:endParaRPr lang="en-US" sz="2200" b="0" i="0" u="none" strike="noStrike" dirty="0">
+                        <a:solidFill>
+                          <a:srgbClr val="000000"/>
+                        </a:solidFill>
+                        <a:effectLst/>
+                        <a:latin typeface="Calibri" panose="020F0502020204030204" pitchFamily="34" charset="0"/>
+                      </a:endParaRPr>
+                    </a:p>
+                  </a:txBody>
+                  <a:tcPr marL="8912" marR="8912" marT="8912" marB="0" anchor="ctr"/>
+                </a:tc>
+                <a:extLst>
+                  <a:ext uri="{0D108BD9-81ED-4DB2-BD59-A6C34878D82A}">
+                    <a16:rowId xmlns:a16="http://schemas.microsoft.com/office/drawing/2014/main" val="745913730"/>
+                  </a:ext>
+                </a:extLst>
+              </a:tr>
+              <a:tr h="373167">
+                <a:tc>
+                  <a:txBody>
+                    <a:bodyPr/>
+                    <a:lstStyle/>
+                    <a:p>
+                      <a:pPr algn="l" rtl="0" fontAlgn="ctr"/>
+                      <a:r>
+                        <a:rPr lang="en-US" sz="2200" u="none" strike="noStrike" dirty="0">
+                          <a:effectLst/>
+                        </a:rPr>
+                        <a:t>Sum = 0.87</a:t>
+                      </a:r>
+                      <a:endParaRPr lang="en-US" sz="2200" b="0" i="0" u="none" strike="noStrike" dirty="0">
+                        <a:solidFill>
+                          <a:srgbClr val="000000"/>
+                        </a:solidFill>
+                        <a:effectLst/>
+                        <a:latin typeface="Calibri" panose="020F0502020204030204" pitchFamily="34" charset="0"/>
+                      </a:endParaRPr>
+                    </a:p>
+                  </a:txBody>
+                  <a:tcPr marL="8912" marR="8912" marT="8912" marB="0" anchor="ctr"/>
+                </a:tc>
+                <a:tc>
+                  <a:txBody>
+                    <a:bodyPr/>
+                    <a:lstStyle/>
+                    <a:p>
+                      <a:pPr algn="l" fontAlgn="b"/>
+                      <a:r>
+                        <a:rPr lang="en-US" sz="1000" u="none" strike="noStrike">
+                          <a:effectLst/>
+                        </a:rPr>
+                        <a:t> </a:t>
+                      </a:r>
+                      <a:endParaRPr lang="en-US" sz="1000" b="0" i="0" u="none" strike="noStrike">
+                        <a:solidFill>
+                          <a:srgbClr val="000000"/>
+                        </a:solidFill>
+                        <a:effectLst/>
+                        <a:latin typeface="Calibri" panose="020F0502020204030204" pitchFamily="34" charset="0"/>
+                      </a:endParaRPr>
+                    </a:p>
+                  </a:txBody>
+                  <a:tcPr marL="8912" marR="8912" marT="8912" marB="0" anchor="b"/>
+                </a:tc>
+                <a:tc>
+                  <a:txBody>
+                    <a:bodyPr/>
+                    <a:lstStyle/>
+                    <a:p>
+                      <a:pPr algn="l" rtl="0" fontAlgn="ctr"/>
+                      <a:r>
+                        <a:rPr lang="en-US" sz="2200" u="none" strike="noStrike" dirty="0">
+                          <a:effectLst/>
+                        </a:rPr>
+                        <a:t>Sum = 5.558</a:t>
+                      </a:r>
+                      <a:endParaRPr lang="en-US" sz="2200" b="0" i="0" u="none" strike="noStrike" dirty="0">
+                        <a:solidFill>
+                          <a:srgbClr val="000000"/>
+                        </a:solidFill>
+                        <a:effectLst/>
+                        <a:latin typeface="Calibri" panose="020F0502020204030204" pitchFamily="34" charset="0"/>
+                      </a:endParaRPr>
+                    </a:p>
+                  </a:txBody>
+                  <a:tcPr marL="8912" marR="8912" marT="8912" marB="0" anchor="ctr"/>
+                </a:tc>
+                <a:extLst>
+                  <a:ext uri="{0D108BD9-81ED-4DB2-BD59-A6C34878D82A}">
+                    <a16:rowId xmlns:a16="http://schemas.microsoft.com/office/drawing/2014/main" val="1432128986"/>
+                  </a:ext>
+                </a:extLst>
+              </a:tr>
+            </a:tbl>
+          </a:graphicData>
+        </a:graphic>
+      </p:graphicFrame>
+      <p:sp>
+        <p:nvSpPr>
+          <p:cNvPr id="10" name="Rectangle 9"/>
+          <p:cNvSpPr/>
+          <p:nvPr/>
+        </p:nvSpPr>
+        <p:spPr>
+          <a:xfrm>
+            <a:off x="855519" y="6185016"/>
+            <a:ext cx="5474768" cy="369332"/>
+          </a:xfrm>
+          <a:prstGeom prst="rect">
+            <a:avLst/>
+          </a:prstGeom>
+        </p:spPr>
+        <p:txBody>
+          <a:bodyPr wrap="none">
+            <a:spAutoFit/>
+          </a:bodyPr>
+          <a:lstStyle/>
+          <a:p>
+            <a:r>
+              <a:rPr lang="en-US" dirty="0"/>
+              <a:t>Implementation: </a:t>
+            </a:r>
+            <a:r>
+              <a:rPr lang="en-US" dirty="0">
+                <a:hlinkClick r:id="rId2"/>
+              </a:rPr>
+              <a:t>http://rpubs.com/azureblue83/327856</a:t>
+            </a:r>
+            <a:endParaRPr lang="en-US" dirty="0"/>
+          </a:p>
+        </p:txBody>
+      </p:sp>
     </p:spTree>
     <p:extLst>
       <p:ext uri="{BB962C8B-B14F-4D97-AF65-F5344CB8AC3E}">
         <p14:creationId xmlns:p14="http://schemas.microsoft.com/office/powerpoint/2010/main" val="2931215967"/>
+      </p:ext>
+    </p:extLst>
+  </p:cSld>
+  <p:clrMapOvr>
+    <a:masterClrMapping/>
+  </p:clrMapOvr>
+</p:sld>
+</file>
+
+<file path=ppt/slides/slide9.xml><?xml version="1.0" encoding="utf-8"?>
+<p:sld xmlns:a="http://schemas.openxmlformats.org/drawingml/2006/main" xmlns:r="http://schemas.openxmlformats.org/officeDocument/2006/relationships" xmlns:p="http://schemas.openxmlformats.org/presentationml/2006/main">
+  <p:cSld>
+    <p:spTree>
+      <p:nvGrpSpPr>
+        <p:cNvPr id="1" name=""/>
+        <p:cNvGrpSpPr/>
+        <p:nvPr/>
+      </p:nvGrpSpPr>
+      <p:grpSpPr>
+        <a:xfrm>
+          <a:off x="0" y="0"/>
+          <a:ext cx="0" cy="0"/>
+          <a:chOff x="0" y="0"/>
+          <a:chExt cx="0" cy="0"/>
+        </a:xfrm>
+      </p:grpSpPr>
+      <p:pic>
+        <p:nvPicPr>
+          <p:cNvPr id="5" name="Picture 4"/>
+          <p:cNvPicPr>
+            <a:picLocks noChangeAspect="1"/>
+          </p:cNvPicPr>
+          <p:nvPr/>
+        </p:nvPicPr>
+        <p:blipFill>
+          <a:blip r:embed="rId2"/>
+          <a:stretch>
+            <a:fillRect/>
+          </a:stretch>
+        </p:blipFill>
+        <p:spPr>
+          <a:xfrm>
+            <a:off x="419099" y="169314"/>
+            <a:ext cx="8053140" cy="2810369"/>
+          </a:xfrm>
+          <a:prstGeom prst="rect">
+            <a:avLst/>
+          </a:prstGeom>
+        </p:spPr>
+      </p:pic>
+      <p:pic>
+        <p:nvPicPr>
+          <p:cNvPr id="6" name="Picture 5"/>
+          <p:cNvPicPr>
+            <a:picLocks noChangeAspect="1"/>
+          </p:cNvPicPr>
+          <p:nvPr/>
+        </p:nvPicPr>
+        <p:blipFill>
+          <a:blip r:embed="rId3"/>
+          <a:stretch>
+            <a:fillRect/>
+          </a:stretch>
+        </p:blipFill>
+        <p:spPr>
+          <a:xfrm>
+            <a:off x="419099" y="3247698"/>
+            <a:ext cx="11174650" cy="3074274"/>
+          </a:xfrm>
+          <a:prstGeom prst="rect">
+            <a:avLst/>
+          </a:prstGeom>
+        </p:spPr>
+      </p:pic>
+    </p:spTree>
+    <p:extLst>
+      <p:ext uri="{BB962C8B-B14F-4D97-AF65-F5344CB8AC3E}">
+        <p14:creationId xmlns:p14="http://schemas.microsoft.com/office/powerpoint/2010/main" val="3028914693"/>
       </p:ext>
     </p:extLst>
   </p:cSld>

--- a/jester-collaborative-filtering.pptx
+++ b/jester-collaborative-filtering.pptx
@@ -1026,7 +1026,6 @@
               <a:rPr lang="en-US"/>
               <a:t>Click to edit Master title style</a:t>
             </a:r>
-            <a:endParaRPr lang="en-US"/>
           </a:p>
         </p:txBody>
       </p:sp>
@@ -1091,7 +1090,6 @@
               <a:rPr lang="en-US"/>
               <a:t>Click to edit Master subtitle style</a:t>
             </a:r>
-            <a:endParaRPr lang="en-US"/>
           </a:p>
         </p:txBody>
       </p:sp>
@@ -1214,7 +1212,6 @@
               <a:rPr lang="en-US"/>
               <a:t>Click to edit Master title style</a:t>
             </a:r>
-            <a:endParaRPr lang="en-US"/>
           </a:p>
         </p:txBody>
       </p:sp>
@@ -1266,7 +1263,6 @@
               <a:rPr lang="en-US"/>
               <a:t>Fifth level</a:t>
             </a:r>
-            <a:endParaRPr lang="en-US"/>
           </a:p>
         </p:txBody>
       </p:sp>
@@ -1389,7 +1385,6 @@
               <a:rPr lang="en-US"/>
               <a:t>Click to edit Master title style</a:t>
             </a:r>
-            <a:endParaRPr lang="en-US"/>
           </a:p>
         </p:txBody>
       </p:sp>
@@ -1446,7 +1441,6 @@
               <a:rPr lang="en-US"/>
               <a:t>Fifth level</a:t>
             </a:r>
-            <a:endParaRPr lang="en-US"/>
           </a:p>
         </p:txBody>
       </p:sp>
@@ -1564,7 +1558,6 @@
               <a:rPr lang="en-US"/>
               <a:t>Click to edit Master title style</a:t>
             </a:r>
-            <a:endParaRPr lang="en-US"/>
           </a:p>
         </p:txBody>
       </p:sp>
@@ -1616,7 +1609,6 @@
               <a:rPr lang="en-US"/>
               <a:t>Fifth level</a:t>
             </a:r>
-            <a:endParaRPr lang="en-US"/>
           </a:p>
         </p:txBody>
       </p:sp>
@@ -1743,7 +1735,6 @@
               <a:rPr lang="en-US"/>
               <a:t>Click to edit Master title style</a:t>
             </a:r>
-            <a:endParaRPr lang="en-US"/>
           </a:p>
         </p:txBody>
       </p:sp>
@@ -1980,7 +1971,6 @@
               <a:rPr lang="en-US"/>
               <a:t>Click to edit Master title style</a:t>
             </a:r>
-            <a:endParaRPr lang="en-US"/>
           </a:p>
         </p:txBody>
       </p:sp>
@@ -2037,7 +2027,6 @@
               <a:rPr lang="en-US"/>
               <a:t>Fifth level</a:t>
             </a:r>
-            <a:endParaRPr lang="en-US"/>
           </a:p>
         </p:txBody>
       </p:sp>
@@ -2094,7 +2083,6 @@
               <a:rPr lang="en-US"/>
               <a:t>Fifth level</a:t>
             </a:r>
-            <a:endParaRPr lang="en-US"/>
           </a:p>
         </p:txBody>
       </p:sp>
@@ -2217,7 +2205,6 @@
               <a:rPr lang="en-US"/>
               <a:t>Click to edit Master title style</a:t>
             </a:r>
-            <a:endParaRPr lang="en-US"/>
           </a:p>
         </p:txBody>
       </p:sp>
@@ -2339,7 +2326,6 @@
               <a:rPr lang="en-US"/>
               <a:t>Fifth level</a:t>
             </a:r>
-            <a:endParaRPr lang="en-US"/>
           </a:p>
         </p:txBody>
       </p:sp>
@@ -2461,7 +2447,6 @@
               <a:rPr lang="en-US"/>
               <a:t>Fifth level</a:t>
             </a:r>
-            <a:endParaRPr lang="en-US"/>
           </a:p>
         </p:txBody>
       </p:sp>
@@ -2579,7 +2564,6 @@
               <a:rPr lang="en-US"/>
               <a:t>Click to edit Master title style</a:t>
             </a:r>
-            <a:endParaRPr lang="en-US"/>
           </a:p>
         </p:txBody>
       </p:sp>
@@ -2806,7 +2790,6 @@
               <a:rPr lang="en-US"/>
               <a:t>Click to edit Master title style</a:t>
             </a:r>
-            <a:endParaRPr lang="en-US"/>
           </a:p>
         </p:txBody>
       </p:sp>
@@ -2891,7 +2874,6 @@
               <a:rPr lang="en-US"/>
               <a:t>Fifth level</a:t>
             </a:r>
-            <a:endParaRPr lang="en-US"/>
           </a:p>
         </p:txBody>
       </p:sp>
@@ -3088,7 +3070,6 @@
               <a:rPr lang="en-US"/>
               <a:t>Click to edit Master title style</a:t>
             </a:r>
-            <a:endParaRPr lang="en-US"/>
           </a:p>
         </p:txBody>
       </p:sp>
@@ -3347,7 +3328,6 @@
               <a:rPr lang="en-US"/>
               <a:t>Click to edit Master title style</a:t>
             </a:r>
-            <a:endParaRPr lang="en-US"/>
           </a:p>
         </p:txBody>
       </p:sp>
@@ -3409,7 +3389,6 @@
               <a:rPr lang="en-US"/>
               <a:t>Fifth level</a:t>
             </a:r>
-            <a:endParaRPr lang="en-US"/>
           </a:p>
         </p:txBody>
       </p:sp>
@@ -4101,7 +4080,6 @@
               <a:rPr lang="en-US" dirty="0"/>
               <a:t>75 </a:t>
             </a:r>
-            <a:endParaRPr lang="en-US" dirty="0"/>
           </a:p>
         </p:txBody>
       </p:sp>
@@ -4597,6 +4575,59 @@
           </a:p>
         </p:txBody>
       </p:sp>
+      <p:sp>
+        <p:nvSpPr>
+          <p:cNvPr id="3" name="TextBox 2"/>
+          <p:cNvSpPr txBox="1"/>
+          <p:nvPr/>
+        </p:nvSpPr>
+        <p:spPr>
+          <a:xfrm>
+            <a:off x="148140" y="2611228"/>
+            <a:ext cx="1610786" cy="1477328"/>
+          </a:xfrm>
+          <a:prstGeom prst="rect">
+            <a:avLst/>
+          </a:prstGeom>
+          <a:noFill/>
+        </p:spPr>
+        <p:txBody>
+          <a:bodyPr wrap="square" rtlCol="0">
+            <a:spAutoFit/>
+          </a:bodyPr>
+          <a:lstStyle/>
+          <a:p>
+            <a:r>
+              <a:rPr lang="en-US" dirty="0"/>
+              <a:t>Example:</a:t>
+            </a:r>
+          </a:p>
+          <a:p>
+            <a:r>
+              <a:rPr lang="en-US" dirty="0"/>
+              <a:t>If I want to fill </a:t>
+            </a:r>
+          </a:p>
+          <a:p>
+            <a:r>
+              <a:rPr lang="en-US" dirty="0"/>
+              <a:t>the NA cell for</a:t>
+            </a:r>
+          </a:p>
+          <a:p>
+            <a:r>
+              <a:rPr lang="en-US" dirty="0"/>
+              <a:t>User #3, </a:t>
+            </a:r>
+          </a:p>
+          <a:p>
+            <a:r>
+              <a:rPr lang="en-US" dirty="0"/>
+              <a:t>Joke #4…</a:t>
+            </a:r>
+          </a:p>
+        </p:txBody>
+      </p:sp>
     </p:spTree>
     <p:extLst>
       <p:ext uri="{BB962C8B-B14F-4D97-AF65-F5344CB8AC3E}">
@@ -4885,7 +4916,7 @@
           <a:graphicData uri="http://schemas.openxmlformats.org/presentationml/2006/ole">
             <mc:AlternateContent xmlns:mc="http://schemas.openxmlformats.org/markup-compatibility/2006">
               <mc:Choice xmlns:v="urn:schemas-microsoft-com:vml" Requires="v">
-                <p:oleObj spid="_x0000_s1038" name="Equation" r:id="rId6" imgW="2641320" imgH="431640" progId="Equation.3">
+                <p:oleObj spid="_x0000_s1039" name="Equation" r:id="rId6" imgW="2641320" imgH="431640" progId="Equation.3">
                   <p:embed/>
                 </p:oleObj>
               </mc:Choice>
@@ -5059,7 +5090,7 @@
           <a:graphicData uri="http://schemas.openxmlformats.org/presentationml/2006/ole">
             <mc:AlternateContent xmlns:mc="http://schemas.openxmlformats.org/markup-compatibility/2006">
               <mc:Choice xmlns:v="urn:schemas-microsoft-com:vml" Requires="v">
-                <p:oleObj spid="_x0000_s2064" name="Equation" r:id="rId4" imgW="114120" imgH="215640" progId="Equation.3">
+                <p:oleObj spid="_x0000_s2065" name="Equation" r:id="rId4" imgW="114120" imgH="215640" progId="Equation.3">
                   <p:embed/>
                 </p:oleObj>
               </mc:Choice>

--- a/jester-collaborative-filtering.pptx
+++ b/jester-collaborative-filtering.pptx
@@ -2,10 +2,10 @@
 <file path=ppt/presentation.xml><?xml version="1.0" encoding="utf-8"?>
 <p:presentation xmlns:a="http://schemas.openxmlformats.org/drawingml/2006/main" xmlns:r="http://schemas.openxmlformats.org/officeDocument/2006/relationships" xmlns:p="http://schemas.openxmlformats.org/presentationml/2006/main" saveSubsetFonts="1">
   <p:sldMasterIdLst>
-    <p:sldMasterId id="2147484012" r:id="rId1"/>
+    <p:sldMasterId id="2147483934" r:id="rId1"/>
   </p:sldMasterIdLst>
   <p:notesMasterIdLst>
-    <p:notesMasterId r:id="rId12"/>
+    <p:notesMasterId r:id="rId7"/>
   </p:notesMasterIdLst>
   <p:sldIdLst>
     <p:sldId id="256" r:id="rId2"/>
@@ -13,11 +13,6 @@
     <p:sldId id="259" r:id="rId4"/>
     <p:sldId id="260" r:id="rId5"/>
     <p:sldId id="261" r:id="rId6"/>
-    <p:sldId id="262" r:id="rId7"/>
-    <p:sldId id="263" r:id="rId8"/>
-    <p:sldId id="264" r:id="rId9"/>
-    <p:sldId id="265" r:id="rId10"/>
-    <p:sldId id="266" r:id="rId11"/>
   </p:sldIdLst>
   <p:sldSz cx="12192000" cy="6858000"/>
   <p:notesSz cx="6858000" cy="9144000"/>
@@ -25,7 +20,7 @@
     <a:defPPr>
       <a:defRPr lang="en-US"/>
     </a:defPPr>
-    <a:lvl1pPr marL="0" algn="l" defTabSz="914400" rtl="0" eaLnBrk="1" latinLnBrk="0" hangingPunct="1">
+    <a:lvl1pPr marL="0" algn="l" defTabSz="457200" rtl="0" eaLnBrk="1" latinLnBrk="0" hangingPunct="1">
       <a:defRPr sz="1800" kern="1200">
         <a:solidFill>
           <a:schemeClr val="tx1"/>
@@ -35,7 +30,7 @@
         <a:cs typeface="+mn-cs"/>
       </a:defRPr>
     </a:lvl1pPr>
-    <a:lvl2pPr marL="457200" algn="l" defTabSz="914400" rtl="0" eaLnBrk="1" latinLnBrk="0" hangingPunct="1">
+    <a:lvl2pPr marL="457200" algn="l" defTabSz="457200" rtl="0" eaLnBrk="1" latinLnBrk="0" hangingPunct="1">
       <a:defRPr sz="1800" kern="1200">
         <a:solidFill>
           <a:schemeClr val="tx1"/>
@@ -45,7 +40,7 @@
         <a:cs typeface="+mn-cs"/>
       </a:defRPr>
     </a:lvl2pPr>
-    <a:lvl3pPr marL="914400" algn="l" defTabSz="914400" rtl="0" eaLnBrk="1" latinLnBrk="0" hangingPunct="1">
+    <a:lvl3pPr marL="914400" algn="l" defTabSz="457200" rtl="0" eaLnBrk="1" latinLnBrk="0" hangingPunct="1">
       <a:defRPr sz="1800" kern="1200">
         <a:solidFill>
           <a:schemeClr val="tx1"/>
@@ -55,7 +50,7 @@
         <a:cs typeface="+mn-cs"/>
       </a:defRPr>
     </a:lvl3pPr>
-    <a:lvl4pPr marL="1371600" algn="l" defTabSz="914400" rtl="0" eaLnBrk="1" latinLnBrk="0" hangingPunct="1">
+    <a:lvl4pPr marL="1371600" algn="l" defTabSz="457200" rtl="0" eaLnBrk="1" latinLnBrk="0" hangingPunct="1">
       <a:defRPr sz="1800" kern="1200">
         <a:solidFill>
           <a:schemeClr val="tx1"/>
@@ -65,7 +60,7 @@
         <a:cs typeface="+mn-cs"/>
       </a:defRPr>
     </a:lvl4pPr>
-    <a:lvl5pPr marL="1828800" algn="l" defTabSz="914400" rtl="0" eaLnBrk="1" latinLnBrk="0" hangingPunct="1">
+    <a:lvl5pPr marL="1828800" algn="l" defTabSz="457200" rtl="0" eaLnBrk="1" latinLnBrk="0" hangingPunct="1">
       <a:defRPr sz="1800" kern="1200">
         <a:solidFill>
           <a:schemeClr val="tx1"/>
@@ -75,7 +70,7 @@
         <a:cs typeface="+mn-cs"/>
       </a:defRPr>
     </a:lvl5pPr>
-    <a:lvl6pPr marL="2286000" algn="l" defTabSz="914400" rtl="0" eaLnBrk="1" latinLnBrk="0" hangingPunct="1">
+    <a:lvl6pPr marL="2286000" algn="l" defTabSz="457200" rtl="0" eaLnBrk="1" latinLnBrk="0" hangingPunct="1">
       <a:defRPr sz="1800" kern="1200">
         <a:solidFill>
           <a:schemeClr val="tx1"/>
@@ -85,7 +80,7 @@
         <a:cs typeface="+mn-cs"/>
       </a:defRPr>
     </a:lvl6pPr>
-    <a:lvl7pPr marL="2743200" algn="l" defTabSz="914400" rtl="0" eaLnBrk="1" latinLnBrk="0" hangingPunct="1">
+    <a:lvl7pPr marL="2743200" algn="l" defTabSz="457200" rtl="0" eaLnBrk="1" latinLnBrk="0" hangingPunct="1">
       <a:defRPr sz="1800" kern="1200">
         <a:solidFill>
           <a:schemeClr val="tx1"/>
@@ -95,7 +90,7 @@
         <a:cs typeface="+mn-cs"/>
       </a:defRPr>
     </a:lvl7pPr>
-    <a:lvl8pPr marL="3200400" algn="l" defTabSz="914400" rtl="0" eaLnBrk="1" latinLnBrk="0" hangingPunct="1">
+    <a:lvl8pPr marL="3200400" algn="l" defTabSz="457200" rtl="0" eaLnBrk="1" latinLnBrk="0" hangingPunct="1">
       <a:defRPr sz="1800" kern="1200">
         <a:solidFill>
           <a:schemeClr val="tx1"/>
@@ -105,7 +100,7 @@
         <a:cs typeface="+mn-cs"/>
       </a:defRPr>
     </a:lvl8pPr>
-    <a:lvl9pPr marL="3657600" algn="l" defTabSz="914400" rtl="0" eaLnBrk="1" latinLnBrk="0" hangingPunct="1">
+    <a:lvl9pPr marL="3657600" algn="l" defTabSz="457200" rtl="0" eaLnBrk="1" latinLnBrk="0" hangingPunct="1">
       <a:defRPr sz="1800" kern="1200">
         <a:solidFill>
           <a:schemeClr val="tx1"/>
@@ -210,7 +205,7 @@
           <a:p>
             <a:fld id="{1A7DC3F7-73FA-46F2-AE6F-622310857EE1}" type="datetimeFigureOut">
               <a:rPr lang="en-US" smtClean="0"/>
-              <a:t>11/8/2017</a:t>
+              <a:t>11/7/2017</a:t>
             </a:fld>
             <a:endParaRPr lang="en-US"/>
           </a:p>
@@ -813,9 +808,19 @@
 </p:notes>
 </file>
 
-<file path=ppt/notesSlides/notesSlide5.xml><?xml version="1.0" encoding="utf-8"?>
-<p:notes xmlns:a="http://schemas.openxmlformats.org/drawingml/2006/main" xmlns:r="http://schemas.openxmlformats.org/officeDocument/2006/relationships" xmlns:p="http://schemas.openxmlformats.org/presentationml/2006/main">
-  <p:cSld>
+<file path=ppt/slideLayouts/slideLayout1.xml><?xml version="1.0" encoding="utf-8"?>
+<p:sldLayout xmlns:a="http://schemas.openxmlformats.org/drawingml/2006/main" xmlns:r="http://schemas.openxmlformats.org/officeDocument/2006/relationships" xmlns:p="http://schemas.openxmlformats.org/presentationml/2006/main" showMasterSp="0" type="title" preserve="1">
+  <p:cSld name="Title Slide">
+    <p:bg>
+      <p:bgPr>
+        <a:solidFill>
+          <a:schemeClr val="bg2">
+            <a:lumMod val="75000"/>
+          </a:schemeClr>
+        </a:solidFill>
+        <a:effectLst/>
+      </p:bgPr>
+    </p:bg>
     <p:spTree>
       <p:nvGrpSpPr>
         <p:cNvPr id="1" name=""/>
@@ -832,323 +837,204 @@
       </p:grpSpPr>
       <p:sp>
         <p:nvSpPr>
-          <p:cNvPr id="2" name="Slide Image Placeholder 1"/>
-          <p:cNvSpPr>
-            <a:spLocks noGrp="1" noRot="1" noChangeAspect="1"/>
-          </p:cNvSpPr>
-          <p:nvPr>
-            <p:ph type="sldImg"/>
+          <p:cNvPr id="2" name="Title 1"/>
+          <p:cNvSpPr>
+            <a:spLocks noGrp="1"/>
+          </p:cNvSpPr>
+          <p:nvPr>
+            <p:ph type="ctrTitle"/>
+          </p:nvPr>
+        </p:nvSpPr>
+        <p:spPr>
+          <a:xfrm>
+            <a:off x="1261872" y="758952"/>
+            <a:ext cx="9418320" cy="4041648"/>
+          </a:xfrm>
+        </p:spPr>
+        <p:txBody>
+          <a:bodyPr anchor="b">
+            <a:normAutofit/>
+          </a:bodyPr>
+          <a:lstStyle>
+            <a:lvl1pPr algn="l">
+              <a:lnSpc>
+                <a:spcPct val="85000"/>
+              </a:lnSpc>
+              <a:defRPr sz="7200" baseline="0">
+                <a:solidFill>
+                  <a:schemeClr val="tx1"/>
+                </a:solidFill>
+              </a:defRPr>
+            </a:lvl1pPr>
+          </a:lstStyle>
+          <a:p>
+            <a:r>
+              <a:rPr lang="en-US"/>
+              <a:t>Click to edit Master title style</a:t>
+            </a:r>
+            <a:endParaRPr lang="en-US" dirty="0"/>
+          </a:p>
+        </p:txBody>
+      </p:sp>
+      <p:sp>
+        <p:nvSpPr>
+          <p:cNvPr id="3" name="Subtitle 2"/>
+          <p:cNvSpPr>
+            <a:spLocks noGrp="1"/>
+          </p:cNvSpPr>
+          <p:nvPr>
+            <p:ph type="subTitle" idx="1"/>
+          </p:nvPr>
+        </p:nvSpPr>
+        <p:spPr>
+          <a:xfrm>
+            <a:off x="1261872" y="4800600"/>
+            <a:ext cx="9418320" cy="1691640"/>
+          </a:xfrm>
+        </p:spPr>
+        <p:txBody>
+          <a:bodyPr>
+            <a:normAutofit/>
+          </a:bodyPr>
+          <a:lstStyle>
+            <a:lvl1pPr marL="0" indent="0" algn="l">
+              <a:buNone/>
+              <a:defRPr sz="2200" baseline="0">
+                <a:solidFill>
+                  <a:schemeClr val="tx1">
+                    <a:lumMod val="75000"/>
+                  </a:schemeClr>
+                </a:solidFill>
+              </a:defRPr>
+            </a:lvl1pPr>
+            <a:lvl2pPr marL="457200" indent="0" algn="ctr">
+              <a:buNone/>
+              <a:defRPr sz="2200"/>
+            </a:lvl2pPr>
+            <a:lvl3pPr marL="914400" indent="0" algn="ctr">
+              <a:buNone/>
+              <a:defRPr sz="2200"/>
+            </a:lvl3pPr>
+            <a:lvl4pPr marL="1371600" indent="0" algn="ctr">
+              <a:buNone/>
+              <a:defRPr sz="2000"/>
+            </a:lvl4pPr>
+            <a:lvl5pPr marL="1828800" indent="0" algn="ctr">
+              <a:buNone/>
+              <a:defRPr sz="2000"/>
+            </a:lvl5pPr>
+            <a:lvl6pPr marL="2286000" indent="0" algn="ctr">
+              <a:buNone/>
+              <a:defRPr sz="2000"/>
+            </a:lvl6pPr>
+            <a:lvl7pPr marL="2743200" indent="0" algn="ctr">
+              <a:buNone/>
+              <a:defRPr sz="2000"/>
+            </a:lvl7pPr>
+            <a:lvl8pPr marL="3200400" indent="0" algn="ctr">
+              <a:buNone/>
+              <a:defRPr sz="2000"/>
+            </a:lvl8pPr>
+            <a:lvl9pPr marL="3657600" indent="0" algn="ctr">
+              <a:buNone/>
+              <a:defRPr sz="2000"/>
+            </a:lvl9pPr>
+          </a:lstStyle>
+          <a:p>
+            <a:r>
+              <a:rPr lang="en-US"/>
+              <a:t>Click to edit Master subtitle style</a:t>
+            </a:r>
+            <a:endParaRPr lang="en-US" dirty="0"/>
+          </a:p>
+        </p:txBody>
+      </p:sp>
+      <p:sp>
+        <p:nvSpPr>
+          <p:cNvPr id="4" name="Date Placeholder 3"/>
+          <p:cNvSpPr>
+            <a:spLocks noGrp="1"/>
+          </p:cNvSpPr>
+          <p:nvPr>
+            <p:ph type="dt" sz="half" idx="10"/>
           </p:nvPr>
         </p:nvSpPr>
         <p:spPr/>
-      </p:sp>
-      <p:sp>
-        <p:nvSpPr>
-          <p:cNvPr id="3" name="Notes Placeholder 2"/>
-          <p:cNvSpPr>
-            <a:spLocks noGrp="1"/>
-          </p:cNvSpPr>
-          <p:nvPr>
-            <p:ph type="body" idx="1"/>
-          </p:nvPr>
-        </p:nvSpPr>
-        <p:spPr/>
         <p:txBody>
           <a:bodyPr/>
-          <a:lstStyle/>
-          <a:p>
-            <a:endParaRPr lang="en-US" dirty="0"/>
-          </a:p>
-        </p:txBody>
-      </p:sp>
-      <p:sp>
-        <p:nvSpPr>
-          <p:cNvPr id="4" name="Slide Number Placeholder 3"/>
-          <p:cNvSpPr>
-            <a:spLocks noGrp="1"/>
-          </p:cNvSpPr>
-          <p:nvPr>
-            <p:ph type="sldNum" sz="quarter" idx="10"/>
-          </p:nvPr>
-        </p:nvSpPr>
-        <p:spPr/>
-        <p:txBody>
-          <a:bodyPr/>
-          <a:lstStyle/>
-          <a:p>
-            <a:fld id="{07A1D322-52CC-4A39-9BCC-4466E15DE6CE}" type="slidenum">
+          <a:lstStyle>
+            <a:lvl1pPr>
+              <a:defRPr>
+                <a:solidFill>
+                  <a:schemeClr val="tx1">
+                    <a:lumMod val="50000"/>
+                  </a:schemeClr>
+                </a:solidFill>
+              </a:defRPr>
+            </a:lvl1pPr>
+          </a:lstStyle>
+          <a:p>
+            <a:fld id="{2EA7DAC2-4AA6-4857-A112-92745547B70E}" type="datetimeFigureOut">
               <a:rPr lang="en-US" smtClean="0"/>
-              <a:t>6</a:t>
+              <a:t>11/7/2017</a:t>
             </a:fld>
             <a:endParaRPr lang="en-US"/>
           </a:p>
         </p:txBody>
       </p:sp>
-    </p:spTree>
-    <p:extLst>
-      <p:ext uri="{BB962C8B-B14F-4D97-AF65-F5344CB8AC3E}">
-        <p14:creationId xmlns:p14="http://schemas.microsoft.com/office/powerpoint/2010/main" val="1085934630"/>
-      </p:ext>
-    </p:extLst>
-  </p:cSld>
-  <p:clrMapOvr>
-    <a:masterClrMapping/>
-  </p:clrMapOvr>
-</p:notes>
-</file>
-
-<file path=ppt/notesSlides/notesSlide6.xml><?xml version="1.0" encoding="utf-8"?>
-<p:notes xmlns:a="http://schemas.openxmlformats.org/drawingml/2006/main" xmlns:r="http://schemas.openxmlformats.org/officeDocument/2006/relationships" xmlns:p="http://schemas.openxmlformats.org/presentationml/2006/main">
-  <p:cSld>
-    <p:spTree>
-      <p:nvGrpSpPr>
-        <p:cNvPr id="1" name=""/>
-        <p:cNvGrpSpPr/>
-        <p:nvPr/>
-      </p:nvGrpSpPr>
-      <p:grpSpPr>
-        <a:xfrm>
-          <a:off x="0" y="0"/>
-          <a:ext cx="0" cy="0"/>
-          <a:chOff x="0" y="0"/>
-          <a:chExt cx="0" cy="0"/>
-        </a:xfrm>
-      </p:grpSpPr>
-      <p:sp>
-        <p:nvSpPr>
-          <p:cNvPr id="2" name="Slide Image Placeholder 1"/>
-          <p:cNvSpPr>
-            <a:spLocks noGrp="1" noRot="1" noChangeAspect="1"/>
-          </p:cNvSpPr>
-          <p:nvPr>
-            <p:ph type="sldImg"/>
+      <p:sp>
+        <p:nvSpPr>
+          <p:cNvPr id="5" name="Footer Placeholder 4"/>
+          <p:cNvSpPr>
+            <a:spLocks noGrp="1"/>
+          </p:cNvSpPr>
+          <p:nvPr>
+            <p:ph type="ftr" sz="quarter" idx="11"/>
           </p:nvPr>
         </p:nvSpPr>
         <p:spPr/>
-      </p:sp>
-      <p:sp>
-        <p:nvSpPr>
-          <p:cNvPr id="3" name="Notes Placeholder 2"/>
-          <p:cNvSpPr>
-            <a:spLocks noGrp="1"/>
-          </p:cNvSpPr>
-          <p:nvPr>
-            <p:ph type="body" idx="1"/>
-          </p:nvPr>
-        </p:nvSpPr>
-        <p:spPr/>
         <p:txBody>
           <a:bodyPr/>
-          <a:lstStyle/>
-          <a:p>
-            <a:endParaRPr lang="en-US" dirty="0"/>
-          </a:p>
-        </p:txBody>
-      </p:sp>
-      <p:sp>
-        <p:nvSpPr>
-          <p:cNvPr id="4" name="Slide Number Placeholder 3"/>
-          <p:cNvSpPr>
-            <a:spLocks noGrp="1"/>
-          </p:cNvSpPr>
-          <p:nvPr>
-            <p:ph type="sldNum" sz="quarter" idx="10"/>
-          </p:nvPr>
-        </p:nvSpPr>
-        <p:spPr/>
-        <p:txBody>
-          <a:bodyPr/>
-          <a:lstStyle/>
-          <a:p>
-            <a:fld id="{07A1D322-52CC-4A39-9BCC-4466E15DE6CE}" type="slidenum">
-              <a:rPr lang="en-US" smtClean="0"/>
-              <a:t>7</a:t>
-            </a:fld>
-            <a:endParaRPr lang="en-US"/>
-          </a:p>
-        </p:txBody>
-      </p:sp>
-    </p:spTree>
-    <p:extLst>
-      <p:ext uri="{BB962C8B-B14F-4D97-AF65-F5344CB8AC3E}">
-        <p14:creationId xmlns:p14="http://schemas.microsoft.com/office/powerpoint/2010/main" val="1440024064"/>
-      </p:ext>
-    </p:extLst>
-  </p:cSld>
-  <p:clrMapOvr>
-    <a:masterClrMapping/>
-  </p:clrMapOvr>
-</p:notes>
-</file>
-
-<file path=ppt/slideLayouts/slideLayout1.xml><?xml version="1.0" encoding="utf-8"?>
-<p:sldLayout xmlns:a="http://schemas.openxmlformats.org/drawingml/2006/main" xmlns:r="http://schemas.openxmlformats.org/officeDocument/2006/relationships" xmlns:p="http://schemas.openxmlformats.org/presentationml/2006/main" type="title" preserve="1">
-  <p:cSld name="Title Slide">
-    <p:spTree>
-      <p:nvGrpSpPr>
-        <p:cNvPr id="1" name=""/>
-        <p:cNvGrpSpPr/>
-        <p:nvPr/>
-      </p:nvGrpSpPr>
-      <p:grpSpPr>
-        <a:xfrm>
-          <a:off x="0" y="0"/>
-          <a:ext cx="0" cy="0"/>
-          <a:chOff x="0" y="0"/>
-          <a:chExt cx="0" cy="0"/>
-        </a:xfrm>
-      </p:grpSpPr>
-      <p:sp>
-        <p:nvSpPr>
-          <p:cNvPr id="2" name="Title 1"/>
-          <p:cNvSpPr>
-            <a:spLocks noGrp="1"/>
-          </p:cNvSpPr>
-          <p:nvPr>
-            <p:ph type="ctrTitle"/>
-          </p:nvPr>
-        </p:nvSpPr>
-        <p:spPr>
-          <a:xfrm>
-            <a:off x="1524000" y="1122363"/>
-            <a:ext cx="9144000" cy="2387600"/>
-          </a:xfrm>
-        </p:spPr>
-        <p:txBody>
-          <a:bodyPr anchor="b"/>
           <a:lstStyle>
-            <a:lvl1pPr algn="ctr">
-              <a:defRPr sz="6000"/>
+            <a:lvl1pPr>
+              <a:defRPr>
+                <a:solidFill>
+                  <a:schemeClr val="tx1">
+                    <a:lumMod val="65000"/>
+                  </a:schemeClr>
+                </a:solidFill>
+              </a:defRPr>
             </a:lvl1pPr>
           </a:lstStyle>
           <a:p>
-            <a:r>
-              <a:rPr lang="en-US"/>
-              <a:t>Click to edit Master title style</a:t>
-            </a:r>
-          </a:p>
-        </p:txBody>
-      </p:sp>
-      <p:sp>
-        <p:nvSpPr>
-          <p:cNvPr id="3" name="Subtitle 2"/>
-          <p:cNvSpPr>
-            <a:spLocks noGrp="1"/>
-          </p:cNvSpPr>
-          <p:nvPr>
-            <p:ph type="subTitle" idx="1"/>
-          </p:nvPr>
-        </p:nvSpPr>
-        <p:spPr>
-          <a:xfrm>
-            <a:off x="1524000" y="3602038"/>
-            <a:ext cx="9144000" cy="1655762"/>
-          </a:xfrm>
-        </p:spPr>
+            <a:endParaRPr lang="en-US"/>
+          </a:p>
+        </p:txBody>
+      </p:sp>
+      <p:sp>
+        <p:nvSpPr>
+          <p:cNvPr id="6" name="Slide Number Placeholder 5"/>
+          <p:cNvSpPr>
+            <a:spLocks noGrp="1"/>
+          </p:cNvSpPr>
+          <p:nvPr>
+            <p:ph type="sldNum" sz="quarter" idx="12"/>
+          </p:nvPr>
+        </p:nvSpPr>
+        <p:spPr/>
         <p:txBody>
           <a:bodyPr/>
           <a:lstStyle>
-            <a:lvl1pPr marL="0" indent="0" algn="ctr">
-              <a:buNone/>
-              <a:defRPr sz="2400"/>
+            <a:lvl1pPr>
+              <a:defRPr>
+                <a:solidFill>
+                  <a:schemeClr val="tx1">
+                    <a:lumMod val="65000"/>
+                  </a:schemeClr>
+                </a:solidFill>
+              </a:defRPr>
             </a:lvl1pPr>
-            <a:lvl2pPr marL="457200" indent="0" algn="ctr">
-              <a:buNone/>
-              <a:defRPr sz="2000"/>
-            </a:lvl2pPr>
-            <a:lvl3pPr marL="914400" indent="0" algn="ctr">
-              <a:buNone/>
-              <a:defRPr sz="1800"/>
-            </a:lvl3pPr>
-            <a:lvl4pPr marL="1371600" indent="0" algn="ctr">
-              <a:buNone/>
-              <a:defRPr sz="1600"/>
-            </a:lvl4pPr>
-            <a:lvl5pPr marL="1828800" indent="0" algn="ctr">
-              <a:buNone/>
-              <a:defRPr sz="1600"/>
-            </a:lvl5pPr>
-            <a:lvl6pPr marL="2286000" indent="0" algn="ctr">
-              <a:buNone/>
-              <a:defRPr sz="1600"/>
-            </a:lvl6pPr>
-            <a:lvl7pPr marL="2743200" indent="0" algn="ctr">
-              <a:buNone/>
-              <a:defRPr sz="1600"/>
-            </a:lvl7pPr>
-            <a:lvl8pPr marL="3200400" indent="0" algn="ctr">
-              <a:buNone/>
-              <a:defRPr sz="1600"/>
-            </a:lvl8pPr>
-            <a:lvl9pPr marL="3657600" indent="0" algn="ctr">
-              <a:buNone/>
-              <a:defRPr sz="1600"/>
-            </a:lvl9pPr>
           </a:lstStyle>
-          <a:p>
-            <a:r>
-              <a:rPr lang="en-US"/>
-              <a:t>Click to edit Master subtitle style</a:t>
-            </a:r>
-          </a:p>
-        </p:txBody>
-      </p:sp>
-      <p:sp>
-        <p:nvSpPr>
-          <p:cNvPr id="4" name="Date Placeholder 3"/>
-          <p:cNvSpPr>
-            <a:spLocks noGrp="1"/>
-          </p:cNvSpPr>
-          <p:nvPr>
-            <p:ph type="dt" sz="half" idx="10"/>
-          </p:nvPr>
-        </p:nvSpPr>
-        <p:spPr/>
-        <p:txBody>
-          <a:bodyPr/>
-          <a:lstStyle/>
-          <a:p>
-            <a:fld id="{2EA7DAC2-4AA6-4857-A112-92745547B70E}" type="datetimeFigureOut">
-              <a:rPr lang="en-US" smtClean="0"/>
-              <a:t>11/8/2017</a:t>
-            </a:fld>
-            <a:endParaRPr lang="en-US"/>
-          </a:p>
-        </p:txBody>
-      </p:sp>
-      <p:sp>
-        <p:nvSpPr>
-          <p:cNvPr id="5" name="Footer Placeholder 4"/>
-          <p:cNvSpPr>
-            <a:spLocks noGrp="1"/>
-          </p:cNvSpPr>
-          <p:nvPr>
-            <p:ph type="ftr" sz="quarter" idx="11"/>
-          </p:nvPr>
-        </p:nvSpPr>
-        <p:spPr/>
-        <p:txBody>
-          <a:bodyPr/>
-          <a:lstStyle/>
-          <a:p>
-            <a:endParaRPr lang="en-US"/>
-          </a:p>
-        </p:txBody>
-      </p:sp>
-      <p:sp>
-        <p:nvSpPr>
-          <p:cNvPr id="6" name="Slide Number Placeholder 5"/>
-          <p:cNvSpPr>
-            <a:spLocks noGrp="1"/>
-          </p:cNvSpPr>
-          <p:nvPr>
-            <p:ph type="sldNum" sz="quarter" idx="12"/>
-          </p:nvPr>
-        </p:nvSpPr>
-        <p:spPr/>
-        <p:txBody>
-          <a:bodyPr/>
-          <a:lstStyle/>
           <a:p>
             <a:fld id="{E1B4457D-915B-42C3-952B-85B2FCA8E66E}" type="slidenum">
               <a:rPr lang="en-US" smtClean="0"/>
@@ -1158,15 +1044,53 @@
           </a:p>
         </p:txBody>
       </p:sp>
+      <p:sp>
+        <p:nvSpPr>
+          <p:cNvPr id="7" name="Rectangle 6"/>
+          <p:cNvSpPr/>
+          <p:nvPr/>
+        </p:nvSpPr>
+        <p:spPr>
+          <a:xfrm>
+            <a:off x="0" y="0"/>
+            <a:ext cx="457200" cy="6858000"/>
+          </a:xfrm>
+          <a:prstGeom prst="rect">
+            <a:avLst/>
+          </a:prstGeom>
+          <a:solidFill>
+            <a:schemeClr val="accent1"/>
+          </a:solidFill>
+          <a:ln>
+            <a:noFill/>
+          </a:ln>
+        </p:spPr>
+        <p:style>
+          <a:lnRef idx="2">
+            <a:schemeClr val="accent1">
+              <a:shade val="50000"/>
+            </a:schemeClr>
+          </a:lnRef>
+          <a:fillRef idx="1">
+            <a:schemeClr val="accent1"/>
+          </a:fillRef>
+          <a:effectRef idx="0">
+            <a:schemeClr val="accent1"/>
+          </a:effectRef>
+          <a:fontRef idx="minor">
+            <a:schemeClr val="lt1"/>
+          </a:fontRef>
+        </p:style>
+      </p:sp>
     </p:spTree>
     <p:extLst>
       <p:ext uri="{BB962C8B-B14F-4D97-AF65-F5344CB8AC3E}">
-        <p14:creationId xmlns:p14="http://schemas.microsoft.com/office/powerpoint/2010/main" val="983880802"/>
+        <p14:creationId xmlns:p14="http://schemas.microsoft.com/office/powerpoint/2010/main" val="2051271344"/>
       </p:ext>
     </p:extLst>
   </p:cSld>
   <p:clrMapOvr>
-    <a:masterClrMapping/>
+    <a:overrideClrMapping bg1="dk1" tx1="lt1" bg2="dk2" tx2="lt2" accent1="accent1" accent2="accent2" accent3="accent3" accent4="accent4" accent5="accent5" accent6="accent6" hlink="hlink" folHlink="folHlink"/>
   </p:clrMapOvr>
   <p:extLst>
     <p:ext uri="{DCECCB84-F9BA-43D5-87BE-67443E8EF086}">
@@ -1212,6 +1136,7 @@
               <a:rPr lang="en-US"/>
               <a:t>Click to edit Master title style</a:t>
             </a:r>
+            <a:endParaRPr lang="en-US" dirty="0"/>
           </a:p>
         </p:txBody>
       </p:sp>
@@ -1263,6 +1188,7 @@
               <a:rPr lang="en-US"/>
               <a:t>Fifth level</a:t>
             </a:r>
+            <a:endParaRPr lang="en-US" dirty="0"/>
           </a:p>
         </p:txBody>
       </p:sp>
@@ -1283,7 +1209,7 @@
           <a:p>
             <a:fld id="{2EA7DAC2-4AA6-4857-A112-92745547B70E}" type="datetimeFigureOut">
               <a:rPr lang="en-US" smtClean="0"/>
-              <a:t>11/8/2017</a:t>
+              <a:t>11/7/2017</a:t>
             </a:fld>
             <a:endParaRPr lang="en-US"/>
           </a:p>
@@ -1334,7 +1260,7 @@
     </p:spTree>
     <p:extLst>
       <p:ext uri="{BB962C8B-B14F-4D97-AF65-F5344CB8AC3E}">
-        <p14:creationId xmlns:p14="http://schemas.microsoft.com/office/powerpoint/2010/main" val="2268693261"/>
+        <p14:creationId xmlns:p14="http://schemas.microsoft.com/office/powerpoint/2010/main" val="2304723800"/>
       </p:ext>
     </p:extLst>
   </p:cSld>
@@ -1373,8 +1299,8 @@
         </p:nvSpPr>
         <p:spPr>
           <a:xfrm>
-            <a:off x="8724900" y="365125"/>
-            <a:ext cx="2628900" cy="5811838"/>
+            <a:off x="8648700" y="381000"/>
+            <a:ext cx="2476500" cy="5897562"/>
           </a:xfrm>
         </p:spPr>
         <p:txBody>
@@ -1385,6 +1311,7 @@
               <a:rPr lang="en-US"/>
               <a:t>Click to edit Master title style</a:t>
             </a:r>
+            <a:endParaRPr lang="en-US" dirty="0"/>
           </a:p>
         </p:txBody>
       </p:sp>
@@ -1400,8 +1327,8 @@
         </p:nvSpPr>
         <p:spPr>
           <a:xfrm>
-            <a:off x="838200" y="365125"/>
-            <a:ext cx="7734300" cy="5811838"/>
+            <a:off x="762000" y="381000"/>
+            <a:ext cx="7734300" cy="5897562"/>
           </a:xfrm>
         </p:spPr>
         <p:txBody>
@@ -1441,6 +1368,7 @@
               <a:rPr lang="en-US"/>
               <a:t>Fifth level</a:t>
             </a:r>
+            <a:endParaRPr lang="en-US" dirty="0"/>
           </a:p>
         </p:txBody>
       </p:sp>
@@ -1461,7 +1389,7 @@
           <a:p>
             <a:fld id="{2EA7DAC2-4AA6-4857-A112-92745547B70E}" type="datetimeFigureOut">
               <a:rPr lang="en-US" smtClean="0"/>
-              <a:t>11/8/2017</a:t>
+              <a:t>11/7/2017</a:t>
             </a:fld>
             <a:endParaRPr lang="en-US"/>
           </a:p>
@@ -1512,7 +1440,7 @@
     </p:spTree>
     <p:extLst>
       <p:ext uri="{BB962C8B-B14F-4D97-AF65-F5344CB8AC3E}">
-        <p14:creationId xmlns:p14="http://schemas.microsoft.com/office/powerpoint/2010/main" val="2664553696"/>
+        <p14:creationId xmlns:p14="http://schemas.microsoft.com/office/powerpoint/2010/main" val="3588734451"/>
       </p:ext>
     </p:extLst>
   </p:cSld>
@@ -1558,6 +1486,7 @@
               <a:rPr lang="en-US"/>
               <a:t>Click to edit Master title style</a:t>
             </a:r>
+            <a:endParaRPr lang="en-US" dirty="0"/>
           </a:p>
         </p:txBody>
       </p:sp>
@@ -1609,6 +1538,7 @@
               <a:rPr lang="en-US"/>
               <a:t>Fifth level</a:t>
             </a:r>
+            <a:endParaRPr lang="en-US" dirty="0"/>
           </a:p>
         </p:txBody>
       </p:sp>
@@ -1629,7 +1559,7 @@
           <a:p>
             <a:fld id="{2EA7DAC2-4AA6-4857-A112-92745547B70E}" type="datetimeFigureOut">
               <a:rPr lang="en-US" smtClean="0"/>
-              <a:t>11/8/2017</a:t>
+              <a:t>11/7/2017</a:t>
             </a:fld>
             <a:endParaRPr lang="en-US"/>
           </a:p>
@@ -1680,7 +1610,7 @@
     </p:spTree>
     <p:extLst>
       <p:ext uri="{BB962C8B-B14F-4D97-AF65-F5344CB8AC3E}">
-        <p14:creationId xmlns:p14="http://schemas.microsoft.com/office/powerpoint/2010/main" val="3149349454"/>
+        <p14:creationId xmlns:p14="http://schemas.microsoft.com/office/powerpoint/2010/main" val="4264050417"/>
       </p:ext>
     </p:extLst>
   </p:cSld>
@@ -1719,15 +1649,20 @@
         </p:nvSpPr>
         <p:spPr>
           <a:xfrm>
-            <a:off x="831850" y="1709738"/>
-            <a:ext cx="10515600" cy="2852737"/>
+            <a:off x="1261872" y="758952"/>
+            <a:ext cx="9418320" cy="4041648"/>
           </a:xfrm>
         </p:spPr>
         <p:txBody>
-          <a:bodyPr anchor="b"/>
+          <a:bodyPr anchor="b">
+            <a:normAutofit/>
+          </a:bodyPr>
           <a:lstStyle>
             <a:lvl1pPr>
-              <a:defRPr sz="6000"/>
+              <a:lnSpc>
+                <a:spcPct val="85000"/>
+              </a:lnSpc>
+              <a:defRPr sz="7200" b="0"/>
             </a:lvl1pPr>
           </a:lstStyle>
           <a:p>
@@ -1735,6 +1670,7 @@
               <a:rPr lang="en-US"/>
               <a:t>Click to edit Master title style</a:t>
             </a:r>
+            <a:endParaRPr lang="en-US" dirty="0"/>
           </a:p>
         </p:txBody>
       </p:sp>
@@ -1750,26 +1686,29 @@
         </p:nvSpPr>
         <p:spPr>
           <a:xfrm>
-            <a:off x="831850" y="4589463"/>
-            <a:ext cx="10515600" cy="1500187"/>
+            <a:off x="1261872" y="4800600"/>
+            <a:ext cx="9418320" cy="1691640"/>
           </a:xfrm>
         </p:spPr>
         <p:txBody>
-          <a:bodyPr/>
+          <a:bodyPr anchor="t">
+            <a:normAutofit/>
+          </a:bodyPr>
           <a:lstStyle>
             <a:lvl1pPr marL="0" indent="0">
               <a:buNone/>
-              <a:defRPr sz="2400">
+              <a:defRPr sz="2200">
                 <a:solidFill>
                   <a:schemeClr val="tx1">
-                    <a:tint val="75000"/>
+                    <a:lumMod val="65000"/>
+                    <a:lumOff val="35000"/>
                   </a:schemeClr>
                 </a:solidFill>
               </a:defRPr>
             </a:lvl1pPr>
             <a:lvl2pPr marL="457200" indent="0">
               <a:buNone/>
-              <a:defRPr sz="2000">
+              <a:defRPr sz="1800">
                 <a:solidFill>
                   <a:schemeClr val="tx1">
                     <a:tint val="75000"/>
@@ -1779,7 +1718,7 @@
             </a:lvl2pPr>
             <a:lvl3pPr marL="914400" indent="0">
               <a:buNone/>
-              <a:defRPr sz="1800">
+              <a:defRPr sz="1600">
                 <a:solidFill>
                   <a:schemeClr val="tx1">
                     <a:tint val="75000"/>
@@ -1789,7 +1728,7 @@
             </a:lvl3pPr>
             <a:lvl4pPr marL="1371600" indent="0">
               <a:buNone/>
-              <a:defRPr sz="1600">
+              <a:defRPr sz="1400">
                 <a:solidFill>
                   <a:schemeClr val="tx1">
                     <a:tint val="75000"/>
@@ -1799,7 +1738,7 @@
             </a:lvl4pPr>
             <a:lvl5pPr marL="1828800" indent="0">
               <a:buNone/>
-              <a:defRPr sz="1600">
+              <a:defRPr sz="1400">
                 <a:solidFill>
                   <a:schemeClr val="tx1">
                     <a:tint val="75000"/>
@@ -1809,7 +1748,7 @@
             </a:lvl5pPr>
             <a:lvl6pPr marL="2286000" indent="0">
               <a:buNone/>
-              <a:defRPr sz="1600">
+              <a:defRPr sz="1400">
                 <a:solidFill>
                   <a:schemeClr val="tx1">
                     <a:tint val="75000"/>
@@ -1819,7 +1758,7 @@
             </a:lvl6pPr>
             <a:lvl7pPr marL="2743200" indent="0">
               <a:buNone/>
-              <a:defRPr sz="1600">
+              <a:defRPr sz="1400">
                 <a:solidFill>
                   <a:schemeClr val="tx1">
                     <a:tint val="75000"/>
@@ -1829,7 +1768,7 @@
             </a:lvl7pPr>
             <a:lvl8pPr marL="3200400" indent="0">
               <a:buNone/>
-              <a:defRPr sz="1600">
+              <a:defRPr sz="1400">
                 <a:solidFill>
                   <a:schemeClr val="tx1">
                     <a:tint val="75000"/>
@@ -1839,7 +1778,7 @@
             </a:lvl8pPr>
             <a:lvl9pPr marL="3657600" indent="0">
               <a:buNone/>
-              <a:defRPr sz="1600">
+              <a:defRPr sz="1400">
                 <a:solidFill>
                   <a:schemeClr val="tx1">
                     <a:tint val="75000"/>
@@ -1874,7 +1813,7 @@
           <a:p>
             <a:fld id="{2EA7DAC2-4AA6-4857-A112-92745547B70E}" type="datetimeFigureOut">
               <a:rPr lang="en-US" smtClean="0"/>
-              <a:t>11/8/2017</a:t>
+              <a:t>11/7/2017</a:t>
             </a:fld>
             <a:endParaRPr lang="en-US"/>
           </a:p>
@@ -1922,10 +1861,48 @@
           </a:p>
         </p:txBody>
       </p:sp>
+      <p:sp>
+        <p:nvSpPr>
+          <p:cNvPr id="7" name="Rectangle 6"/>
+          <p:cNvSpPr/>
+          <p:nvPr/>
+        </p:nvSpPr>
+        <p:spPr>
+          <a:xfrm>
+            <a:off x="0" y="0"/>
+            <a:ext cx="457200" cy="6858000"/>
+          </a:xfrm>
+          <a:prstGeom prst="rect">
+            <a:avLst/>
+          </a:prstGeom>
+          <a:solidFill>
+            <a:schemeClr val="accent1"/>
+          </a:solidFill>
+          <a:ln>
+            <a:noFill/>
+          </a:ln>
+        </p:spPr>
+        <p:style>
+          <a:lnRef idx="2">
+            <a:schemeClr val="accent1">
+              <a:shade val="50000"/>
+            </a:schemeClr>
+          </a:lnRef>
+          <a:fillRef idx="1">
+            <a:schemeClr val="accent1"/>
+          </a:fillRef>
+          <a:effectRef idx="0">
+            <a:schemeClr val="accent1"/>
+          </a:effectRef>
+          <a:fontRef idx="minor">
+            <a:schemeClr val="lt1"/>
+          </a:fontRef>
+        </p:style>
+      </p:sp>
     </p:spTree>
     <p:extLst>
       <p:ext uri="{BB962C8B-B14F-4D97-AF65-F5344CB8AC3E}">
-        <p14:creationId xmlns:p14="http://schemas.microsoft.com/office/powerpoint/2010/main" val="2847497915"/>
+        <p14:creationId xmlns:p14="http://schemas.microsoft.com/office/powerpoint/2010/main" val="2648293873"/>
       </p:ext>
     </p:extLst>
   </p:cSld>
@@ -1971,6 +1948,7 @@
               <a:rPr lang="en-US"/>
               <a:t>Click to edit Master title style</a:t>
             </a:r>
+            <a:endParaRPr lang="en-US" dirty="0"/>
           </a:p>
         </p:txBody>
       </p:sp>
@@ -1986,13 +1964,41 @@
         </p:nvSpPr>
         <p:spPr>
           <a:xfrm>
-            <a:off x="838200" y="1825625"/>
-            <a:ext cx="5181600" cy="4351338"/>
+            <a:off x="1261872" y="1828800"/>
+            <a:ext cx="4480560" cy="4351337"/>
           </a:xfrm>
         </p:spPr>
         <p:txBody>
           <a:bodyPr/>
-          <a:lstStyle/>
+          <a:lstStyle>
+            <a:lvl1pPr>
+              <a:defRPr sz="1800"/>
+            </a:lvl1pPr>
+            <a:lvl2pPr>
+              <a:defRPr sz="1600"/>
+            </a:lvl2pPr>
+            <a:lvl3pPr>
+              <a:defRPr sz="1400"/>
+            </a:lvl3pPr>
+            <a:lvl4pPr>
+              <a:defRPr sz="1400"/>
+            </a:lvl4pPr>
+            <a:lvl5pPr>
+              <a:defRPr sz="1400"/>
+            </a:lvl5pPr>
+            <a:lvl6pPr>
+              <a:defRPr sz="1400"/>
+            </a:lvl6pPr>
+            <a:lvl7pPr>
+              <a:defRPr sz="1400"/>
+            </a:lvl7pPr>
+            <a:lvl8pPr>
+              <a:defRPr sz="1400"/>
+            </a:lvl8pPr>
+            <a:lvl9pPr>
+              <a:defRPr sz="1400"/>
+            </a:lvl9pPr>
+          </a:lstStyle>
           <a:p>
             <a:pPr lvl="0"/>
             <a:r>
@@ -2027,6 +2033,7 @@
               <a:rPr lang="en-US"/>
               <a:t>Fifth level</a:t>
             </a:r>
+            <a:endParaRPr lang="en-US" dirty="0"/>
           </a:p>
         </p:txBody>
       </p:sp>
@@ -2042,13 +2049,41 @@
         </p:nvSpPr>
         <p:spPr>
           <a:xfrm>
-            <a:off x="6172200" y="1825625"/>
-            <a:ext cx="5181600" cy="4351338"/>
+            <a:off x="6126480" y="1828800"/>
+            <a:ext cx="4480560" cy="4351337"/>
           </a:xfrm>
         </p:spPr>
         <p:txBody>
           <a:bodyPr/>
-          <a:lstStyle/>
+          <a:lstStyle>
+            <a:lvl1pPr>
+              <a:defRPr sz="1800"/>
+            </a:lvl1pPr>
+            <a:lvl2pPr>
+              <a:defRPr sz="1600"/>
+            </a:lvl2pPr>
+            <a:lvl3pPr>
+              <a:defRPr sz="1400"/>
+            </a:lvl3pPr>
+            <a:lvl4pPr>
+              <a:defRPr sz="1400"/>
+            </a:lvl4pPr>
+            <a:lvl5pPr>
+              <a:defRPr sz="1400"/>
+            </a:lvl5pPr>
+            <a:lvl6pPr>
+              <a:defRPr sz="1400"/>
+            </a:lvl6pPr>
+            <a:lvl7pPr>
+              <a:defRPr sz="1400"/>
+            </a:lvl7pPr>
+            <a:lvl8pPr>
+              <a:defRPr sz="1400"/>
+            </a:lvl8pPr>
+            <a:lvl9pPr>
+              <a:defRPr sz="1400"/>
+            </a:lvl9pPr>
+          </a:lstStyle>
           <a:p>
             <a:pPr lvl="0"/>
             <a:r>
@@ -2083,6 +2118,7 @@
               <a:rPr lang="en-US"/>
               <a:t>Fifth level</a:t>
             </a:r>
+            <a:endParaRPr lang="en-US" dirty="0"/>
           </a:p>
         </p:txBody>
       </p:sp>
@@ -2103,7 +2139,7 @@
           <a:p>
             <a:fld id="{2EA7DAC2-4AA6-4857-A112-92745547B70E}" type="datetimeFigureOut">
               <a:rPr lang="en-US" smtClean="0"/>
-              <a:t>11/8/2017</a:t>
+              <a:t>11/7/2017</a:t>
             </a:fld>
             <a:endParaRPr lang="en-US"/>
           </a:p>
@@ -2154,7 +2190,7 @@
     </p:spTree>
     <p:extLst>
       <p:ext uri="{BB962C8B-B14F-4D97-AF65-F5344CB8AC3E}">
-        <p14:creationId xmlns:p14="http://schemas.microsoft.com/office/powerpoint/2010/main" val="3258591841"/>
+        <p14:creationId xmlns:p14="http://schemas.microsoft.com/office/powerpoint/2010/main" val="3188640412"/>
       </p:ext>
     </p:extLst>
   </p:cSld>
@@ -2183,53 +2219,58 @@
       </p:grpSpPr>
       <p:sp>
         <p:nvSpPr>
-          <p:cNvPr id="2" name="Title 1"/>
+          <p:cNvPr id="10" name="Title 9"/>
           <p:cNvSpPr>
             <a:spLocks noGrp="1"/>
           </p:cNvSpPr>
           <p:nvPr>
             <p:ph type="title"/>
+          </p:nvPr>
+        </p:nvSpPr>
+        <p:spPr/>
+        <p:txBody>
+          <a:bodyPr/>
+          <a:lstStyle/>
+          <a:p>
+            <a:r>
+              <a:rPr lang="en-US"/>
+              <a:t>Click to edit Master title style</a:t>
+            </a:r>
+            <a:endParaRPr lang="en-US" dirty="0"/>
+          </a:p>
+        </p:txBody>
+      </p:sp>
+      <p:sp>
+        <p:nvSpPr>
+          <p:cNvPr id="3" name="Text Placeholder 2"/>
+          <p:cNvSpPr>
+            <a:spLocks noGrp="1"/>
+          </p:cNvSpPr>
+          <p:nvPr>
+            <p:ph type="body" idx="1"/>
           </p:nvPr>
         </p:nvSpPr>
         <p:spPr>
           <a:xfrm>
-            <a:off x="839788" y="365125"/>
-            <a:ext cx="10515600" cy="1325563"/>
+            <a:off x="1261872" y="1713655"/>
+            <a:ext cx="4480560" cy="731520"/>
           </a:xfrm>
         </p:spPr>
         <p:txBody>
-          <a:bodyPr/>
-          <a:lstStyle/>
-          <a:p>
-            <a:r>
-              <a:rPr lang="en-US"/>
-              <a:t>Click to edit Master title style</a:t>
-            </a:r>
-          </a:p>
-        </p:txBody>
-      </p:sp>
-      <p:sp>
-        <p:nvSpPr>
-          <p:cNvPr id="3" name="Text Placeholder 2"/>
-          <p:cNvSpPr>
-            <a:spLocks noGrp="1"/>
-          </p:cNvSpPr>
-          <p:nvPr>
-            <p:ph type="body" idx="1"/>
-          </p:nvPr>
-        </p:nvSpPr>
-        <p:spPr>
-          <a:xfrm>
-            <a:off x="839788" y="1681163"/>
-            <a:ext cx="5157787" cy="823912"/>
-          </a:xfrm>
-        </p:spPr>
-        <p:txBody>
-          <a:bodyPr anchor="b"/>
+          <a:bodyPr anchor="b">
+            <a:normAutofit/>
+          </a:bodyPr>
           <a:lstStyle>
             <a:lvl1pPr marL="0" indent="0">
-              <a:buNone/>
-              <a:defRPr sz="2400" b="1"/>
+              <a:spcBef>
+                <a:spcPts val="0"/>
+              </a:spcBef>
+              <a:buNone/>
+              <a:defRPr sz="2000" b="0">
+                <a:solidFill>
+                  <a:schemeClr val="tx2"/>
+                </a:solidFill>
+              </a:defRPr>
             </a:lvl1pPr>
             <a:lvl2pPr marL="457200" indent="0">
               <a:buNone/>
@@ -2285,13 +2326,41 @@
         </p:nvSpPr>
         <p:spPr>
           <a:xfrm>
-            <a:off x="839788" y="2505075"/>
-            <a:ext cx="5157787" cy="3684588"/>
+            <a:off x="1261872" y="2507550"/>
+            <a:ext cx="4480560" cy="3664650"/>
           </a:xfrm>
         </p:spPr>
         <p:txBody>
           <a:bodyPr/>
-          <a:lstStyle/>
+          <a:lstStyle>
+            <a:lvl1pPr>
+              <a:defRPr sz="1800"/>
+            </a:lvl1pPr>
+            <a:lvl2pPr>
+              <a:defRPr sz="1600"/>
+            </a:lvl2pPr>
+            <a:lvl3pPr>
+              <a:defRPr sz="1400"/>
+            </a:lvl3pPr>
+            <a:lvl4pPr>
+              <a:defRPr sz="1400"/>
+            </a:lvl4pPr>
+            <a:lvl5pPr>
+              <a:defRPr sz="1400"/>
+            </a:lvl5pPr>
+            <a:lvl6pPr>
+              <a:defRPr sz="1400"/>
+            </a:lvl6pPr>
+            <a:lvl7pPr>
+              <a:defRPr sz="1400"/>
+            </a:lvl7pPr>
+            <a:lvl8pPr>
+              <a:defRPr sz="1400"/>
+            </a:lvl8pPr>
+            <a:lvl9pPr>
+              <a:defRPr sz="1400"/>
+            </a:lvl9pPr>
+          </a:lstStyle>
           <a:p>
             <a:pPr lvl="0"/>
             <a:r>
@@ -2326,6 +2395,7 @@
               <a:rPr lang="en-US"/>
               <a:t>Fifth level</a:t>
             </a:r>
+            <a:endParaRPr lang="en-US" dirty="0"/>
           </a:p>
         </p:txBody>
       </p:sp>
@@ -2341,16 +2411,31 @@
         </p:nvSpPr>
         <p:spPr>
           <a:xfrm>
-            <a:off x="6172200" y="1681163"/>
-            <a:ext cx="5183188" cy="823912"/>
+            <a:off x="6126480" y="1713655"/>
+            <a:ext cx="4480560" cy="731520"/>
           </a:xfrm>
         </p:spPr>
         <p:txBody>
-          <a:bodyPr anchor="b"/>
+          <a:bodyPr anchor="b">
+            <a:normAutofit/>
+          </a:bodyPr>
           <a:lstStyle>
             <a:lvl1pPr marL="0" indent="0">
-              <a:buNone/>
-              <a:defRPr sz="2400" b="1"/>
+              <a:lnSpc>
+                <a:spcPct val="95000"/>
+              </a:lnSpc>
+              <a:spcBef>
+                <a:spcPts val="0"/>
+              </a:spcBef>
+              <a:buNone/>
+              <a:defRPr lang="en-US" sz="2000" b="0" kern="1200" dirty="0">
+                <a:solidFill>
+                  <a:schemeClr val="tx2"/>
+                </a:solidFill>
+                <a:latin typeface="+mn-lt"/>
+                <a:ea typeface="+mn-ea"/>
+                <a:cs typeface="+mn-cs"/>
+              </a:defRPr>
             </a:lvl1pPr>
             <a:lvl2pPr marL="457200" indent="0">
               <a:buNone/>
@@ -2386,7 +2471,16 @@
             </a:lvl9pPr>
           </a:lstStyle>
           <a:p>
-            <a:pPr lvl="0"/>
+            <a:pPr marL="0" lvl="0" indent="0" algn="l" defTabSz="914400" rtl="0" eaLnBrk="1" latinLnBrk="0" hangingPunct="1">
+              <a:lnSpc>
+                <a:spcPct val="90000"/>
+              </a:lnSpc>
+              <a:spcBef>
+                <a:spcPts val="2000"/>
+              </a:spcBef>
+              <a:buFontTx/>
+              <a:buNone/>
+            </a:pPr>
             <a:r>
               <a:rPr lang="en-US"/>
               <a:t>Edit Master text styles</a:t>
@@ -2406,13 +2500,41 @@
         </p:nvSpPr>
         <p:spPr>
           <a:xfrm>
-            <a:off x="6172200" y="2505075"/>
-            <a:ext cx="5183188" cy="3684588"/>
+            <a:off x="6126480" y="2507550"/>
+            <a:ext cx="4480560" cy="3664650"/>
           </a:xfrm>
         </p:spPr>
         <p:txBody>
           <a:bodyPr/>
-          <a:lstStyle/>
+          <a:lstStyle>
+            <a:lvl1pPr>
+              <a:defRPr sz="1800"/>
+            </a:lvl1pPr>
+            <a:lvl2pPr>
+              <a:defRPr sz="1600"/>
+            </a:lvl2pPr>
+            <a:lvl3pPr>
+              <a:defRPr sz="1400"/>
+            </a:lvl3pPr>
+            <a:lvl4pPr>
+              <a:defRPr sz="1400"/>
+            </a:lvl4pPr>
+            <a:lvl5pPr>
+              <a:defRPr sz="1400"/>
+            </a:lvl5pPr>
+            <a:lvl6pPr>
+              <a:defRPr sz="1400"/>
+            </a:lvl6pPr>
+            <a:lvl7pPr>
+              <a:defRPr sz="1400"/>
+            </a:lvl7pPr>
+            <a:lvl8pPr>
+              <a:defRPr sz="1400"/>
+            </a:lvl8pPr>
+            <a:lvl9pPr>
+              <a:defRPr sz="1400"/>
+            </a:lvl9pPr>
+          </a:lstStyle>
           <a:p>
             <a:pPr lvl="0"/>
             <a:r>
@@ -2447,6 +2569,7 @@
               <a:rPr lang="en-US"/>
               <a:t>Fifth level</a:t>
             </a:r>
+            <a:endParaRPr lang="en-US" dirty="0"/>
           </a:p>
         </p:txBody>
       </p:sp>
@@ -2467,7 +2590,7 @@
           <a:p>
             <a:fld id="{2EA7DAC2-4AA6-4857-A112-92745547B70E}" type="datetimeFigureOut">
               <a:rPr lang="en-US" smtClean="0"/>
-              <a:t>11/8/2017</a:t>
+              <a:t>11/7/2017</a:t>
             </a:fld>
             <a:endParaRPr lang="en-US"/>
           </a:p>
@@ -2518,7 +2641,7 @@
     </p:spTree>
     <p:extLst>
       <p:ext uri="{BB962C8B-B14F-4D97-AF65-F5344CB8AC3E}">
-        <p14:creationId xmlns:p14="http://schemas.microsoft.com/office/powerpoint/2010/main" val="2431239318"/>
+        <p14:creationId xmlns:p14="http://schemas.microsoft.com/office/powerpoint/2010/main" val="2206471336"/>
       </p:ext>
     </p:extLst>
   </p:cSld>
@@ -2547,7 +2670,7 @@
       </p:grpSpPr>
       <p:sp>
         <p:nvSpPr>
-          <p:cNvPr id="2" name="Title 1"/>
+          <p:cNvPr id="6" name="Title 5"/>
           <p:cNvSpPr>
             <a:spLocks noGrp="1"/>
           </p:cNvSpPr>
@@ -2564,6 +2687,7 @@
               <a:rPr lang="en-US"/>
               <a:t>Click to edit Master title style</a:t>
             </a:r>
+            <a:endParaRPr lang="en-US" dirty="0"/>
           </a:p>
         </p:txBody>
       </p:sp>
@@ -2584,7 +2708,7 @@
           <a:p>
             <a:fld id="{2EA7DAC2-4AA6-4857-A112-92745547B70E}" type="datetimeFigureOut">
               <a:rPr lang="en-US" smtClean="0"/>
-              <a:t>11/8/2017</a:t>
+              <a:t>11/7/2017</a:t>
             </a:fld>
             <a:endParaRPr lang="en-US"/>
           </a:p>
@@ -2635,7 +2759,7 @@
     </p:spTree>
     <p:extLst>
       <p:ext uri="{BB962C8B-B14F-4D97-AF65-F5344CB8AC3E}">
-        <p14:creationId xmlns:p14="http://schemas.microsoft.com/office/powerpoint/2010/main" val="274193280"/>
+        <p14:creationId xmlns:p14="http://schemas.microsoft.com/office/powerpoint/2010/main" val="526862390"/>
       </p:ext>
     </p:extLst>
   </p:cSld>
@@ -2679,7 +2803,7 @@
           <a:p>
             <a:fld id="{2EA7DAC2-4AA6-4857-A112-92745547B70E}" type="datetimeFigureOut">
               <a:rPr lang="en-US" smtClean="0"/>
-              <a:t>11/8/2017</a:t>
+              <a:t>11/7/2017</a:t>
             </a:fld>
             <a:endParaRPr lang="en-US"/>
           </a:p>
@@ -2730,7 +2854,7 @@
     </p:spTree>
     <p:extLst>
       <p:ext uri="{BB962C8B-B14F-4D97-AF65-F5344CB8AC3E}">
-        <p14:creationId xmlns:p14="http://schemas.microsoft.com/office/powerpoint/2010/main" val="743244676"/>
+        <p14:creationId xmlns:p14="http://schemas.microsoft.com/office/powerpoint/2010/main" val="3680137614"/>
       </p:ext>
     </p:extLst>
   </p:cSld>
@@ -2774,15 +2898,17 @@
         </p:nvSpPr>
         <p:spPr>
           <a:xfrm>
-            <a:off x="839788" y="457200"/>
-            <a:ext cx="3932237" cy="1600200"/>
+            <a:off x="841248" y="457200"/>
+            <a:ext cx="3200400" cy="1600197"/>
           </a:xfrm>
         </p:spPr>
         <p:txBody>
-          <a:bodyPr anchor="b"/>
+          <a:bodyPr anchor="b">
+            <a:normAutofit/>
+          </a:bodyPr>
           <a:lstStyle>
             <a:lvl1pPr>
-              <a:defRPr sz="3200"/>
+              <a:defRPr sz="3200" b="0" baseline="0"/>
             </a:lvl1pPr>
           </a:lstStyle>
           <a:p>
@@ -2790,6 +2916,7 @@
               <a:rPr lang="en-US"/>
               <a:t>Click to edit Master title style</a:t>
             </a:r>
+            <a:endParaRPr lang="en-US" dirty="0"/>
           </a:p>
         </p:txBody>
       </p:sp>
@@ -2805,39 +2932,39 @@
         </p:nvSpPr>
         <p:spPr>
           <a:xfrm>
-            <a:off x="5183188" y="987425"/>
-            <a:ext cx="6172200" cy="4873625"/>
+            <a:off x="4504267" y="685800"/>
+            <a:ext cx="6079066" cy="5486400"/>
           </a:xfrm>
         </p:spPr>
         <p:txBody>
           <a:bodyPr/>
           <a:lstStyle>
             <a:lvl1pPr>
-              <a:defRPr sz="3200"/>
+              <a:defRPr sz="2000"/>
             </a:lvl1pPr>
             <a:lvl2pPr>
-              <a:defRPr sz="2800"/>
+              <a:defRPr sz="1800"/>
             </a:lvl2pPr>
             <a:lvl3pPr>
-              <a:defRPr sz="2400"/>
+              <a:defRPr sz="1600"/>
             </a:lvl3pPr>
             <a:lvl4pPr>
-              <a:defRPr sz="2000"/>
+              <a:defRPr sz="1400"/>
             </a:lvl4pPr>
             <a:lvl5pPr>
-              <a:defRPr sz="2000"/>
+              <a:defRPr sz="1400"/>
             </a:lvl5pPr>
             <a:lvl6pPr>
-              <a:defRPr sz="2000"/>
+              <a:defRPr sz="1400"/>
             </a:lvl6pPr>
             <a:lvl7pPr>
-              <a:defRPr sz="2000"/>
+              <a:defRPr sz="1400"/>
             </a:lvl7pPr>
             <a:lvl8pPr>
-              <a:defRPr sz="2000"/>
+              <a:defRPr sz="1400"/>
             </a:lvl8pPr>
             <a:lvl9pPr>
-              <a:defRPr sz="2000"/>
+              <a:defRPr sz="1400"/>
             </a:lvl9pPr>
           </a:lstStyle>
           <a:p>
@@ -2874,6 +3001,7 @@
               <a:rPr lang="en-US"/>
               <a:t>Fifth level</a:t>
             </a:r>
+            <a:endParaRPr lang="en-US" dirty="0"/>
           </a:p>
         </p:txBody>
       </p:sp>
@@ -2889,48 +3017,56 @@
         </p:nvSpPr>
         <p:spPr>
           <a:xfrm>
-            <a:off x="839788" y="2057400"/>
-            <a:ext cx="3932237" cy="3811588"/>
+            <a:off x="841248" y="2099734"/>
+            <a:ext cx="3200400" cy="3810001"/>
           </a:xfrm>
         </p:spPr>
         <p:txBody>
-          <a:bodyPr/>
+          <a:bodyPr>
+            <a:normAutofit/>
+          </a:bodyPr>
           <a:lstStyle>
             <a:lvl1pPr marL="0" indent="0">
-              <a:buNone/>
-              <a:defRPr sz="1600"/>
+              <a:lnSpc>
+                <a:spcPct val="114000"/>
+              </a:lnSpc>
+              <a:spcBef>
+                <a:spcPts val="800"/>
+              </a:spcBef>
+              <a:buNone/>
+              <a:defRPr sz="1300"/>
             </a:lvl1pPr>
             <a:lvl2pPr marL="457200" indent="0">
               <a:buNone/>
-              <a:defRPr sz="1400"/>
+              <a:defRPr sz="1200"/>
             </a:lvl2pPr>
             <a:lvl3pPr marL="914400" indent="0">
               <a:buNone/>
-              <a:defRPr sz="1200"/>
+              <a:defRPr sz="1000"/>
             </a:lvl3pPr>
             <a:lvl4pPr marL="1371600" indent="0">
               <a:buNone/>
-              <a:defRPr sz="1000"/>
+              <a:defRPr sz="900"/>
             </a:lvl4pPr>
             <a:lvl5pPr marL="1828800" indent="0">
               <a:buNone/>
-              <a:defRPr sz="1000"/>
+              <a:defRPr sz="900"/>
             </a:lvl5pPr>
             <a:lvl6pPr marL="2286000" indent="0">
               <a:buNone/>
-              <a:defRPr sz="1000"/>
+              <a:defRPr sz="900"/>
             </a:lvl6pPr>
             <a:lvl7pPr marL="2743200" indent="0">
               <a:buNone/>
-              <a:defRPr sz="1000"/>
+              <a:defRPr sz="900"/>
             </a:lvl7pPr>
             <a:lvl8pPr marL="3200400" indent="0">
               <a:buNone/>
-              <a:defRPr sz="1000"/>
+              <a:defRPr sz="900"/>
             </a:lvl8pPr>
             <a:lvl9pPr marL="3657600" indent="0">
               <a:buNone/>
-              <a:defRPr sz="1000"/>
+              <a:defRPr sz="900"/>
             </a:lvl9pPr>
           </a:lstStyle>
           <a:p>
@@ -2959,7 +3095,7 @@
           <a:p>
             <a:fld id="{2EA7DAC2-4AA6-4857-A112-92745547B70E}" type="datetimeFigureOut">
               <a:rPr lang="en-US" smtClean="0"/>
-              <a:t>11/8/2017</a:t>
+              <a:t>11/7/2017</a:t>
             </a:fld>
             <a:endParaRPr lang="en-US"/>
           </a:p>
@@ -3010,7 +3146,7 @@
     </p:spTree>
     <p:extLst>
       <p:ext uri="{BB962C8B-B14F-4D97-AF65-F5344CB8AC3E}">
-        <p14:creationId xmlns:p14="http://schemas.microsoft.com/office/powerpoint/2010/main" val="2070168663"/>
+        <p14:creationId xmlns:p14="http://schemas.microsoft.com/office/powerpoint/2010/main" val="1329416120"/>
       </p:ext>
     </p:extLst>
   </p:cSld>
@@ -3044,25 +3180,69 @@
       </p:grpSpPr>
       <p:sp>
         <p:nvSpPr>
-          <p:cNvPr id="2" name="Title 1"/>
-          <p:cNvSpPr>
-            <a:spLocks noGrp="1"/>
-          </p:cNvSpPr>
-          <p:nvPr>
-            <p:ph type="title"/>
-          </p:nvPr>
+          <p:cNvPr id="8" name="Rectangle 7"/>
+          <p:cNvSpPr/>
+          <p:nvPr/>
         </p:nvSpPr>
         <p:spPr>
           <a:xfrm>
-            <a:off x="839788" y="457200"/>
-            <a:ext cx="3932237" cy="1600200"/>
+            <a:off x="0" y="5105400"/>
+            <a:ext cx="11292840" cy="1752600"/>
+          </a:xfrm>
+          <a:prstGeom prst="rect">
+            <a:avLst/>
+          </a:prstGeom>
+          <a:solidFill>
+            <a:srgbClr val="000000"/>
+          </a:solidFill>
+          <a:ln>
+            <a:noFill/>
+          </a:ln>
+        </p:spPr>
+        <p:style>
+          <a:lnRef idx="2">
+            <a:schemeClr val="accent1">
+              <a:shade val="50000"/>
+            </a:schemeClr>
+          </a:lnRef>
+          <a:fillRef idx="1">
+            <a:schemeClr val="accent1"/>
+          </a:fillRef>
+          <a:effectRef idx="0">
+            <a:schemeClr val="accent1"/>
+          </a:effectRef>
+          <a:fontRef idx="minor">
+            <a:schemeClr val="lt1"/>
+          </a:fontRef>
+        </p:style>
+      </p:sp>
+      <p:sp>
+        <p:nvSpPr>
+          <p:cNvPr id="2" name="Title 1"/>
+          <p:cNvSpPr>
+            <a:spLocks noGrp="1"/>
+          </p:cNvSpPr>
+          <p:nvPr>
+            <p:ph type="title"/>
+          </p:nvPr>
+        </p:nvSpPr>
+        <p:spPr>
+          <a:xfrm>
+            <a:off x="914400" y="5257800"/>
+            <a:ext cx="9982200" cy="914400"/>
           </a:xfrm>
         </p:spPr>
         <p:txBody>
-          <a:bodyPr anchor="b"/>
+          <a:bodyPr anchor="b">
+            <a:normAutofit/>
+          </a:bodyPr>
           <a:lstStyle>
             <a:lvl1pPr>
-              <a:defRPr sz="3200"/>
+              <a:defRPr sz="2800" b="0">
+                <a:solidFill>
+                  <a:schemeClr val="bg1"/>
+                </a:solidFill>
+              </a:defRPr>
             </a:lvl1pPr>
           </a:lstStyle>
           <a:p>
@@ -3070,6 +3250,7 @@
               <a:rPr lang="en-US"/>
               <a:t>Click to edit Master title style</a:t>
             </a:r>
+            <a:endParaRPr lang="en-US" dirty="0"/>
           </a:p>
         </p:txBody>
       </p:sp>
@@ -3077,7 +3258,7 @@
         <p:nvSpPr>
           <p:cNvPr id="3" name="Picture Placeholder 2"/>
           <p:cNvSpPr>
-            <a:spLocks noGrp="1"/>
+            <a:spLocks noGrp="1" noChangeAspect="1"/>
           </p:cNvSpPr>
           <p:nvPr>
             <p:ph type="pic" idx="1"/>
@@ -3085,16 +3266,23 @@
         </p:nvSpPr>
         <p:spPr>
           <a:xfrm>
-            <a:off x="5183188" y="987425"/>
-            <a:ext cx="6172200" cy="4873625"/>
+            <a:off x="0" y="0"/>
+            <a:ext cx="11292840" cy="5128923"/>
           </a:xfrm>
+          <a:solidFill>
+            <a:schemeClr val="accent1"/>
+          </a:solidFill>
         </p:spPr>
         <p:txBody>
-          <a:bodyPr/>
+          <a:bodyPr anchor="t"/>
           <a:lstStyle>
             <a:lvl1pPr marL="0" indent="0">
               <a:buNone/>
-              <a:defRPr sz="3200"/>
+              <a:defRPr sz="3200">
+                <a:solidFill>
+                  <a:schemeClr val="bg1"/>
+                </a:solidFill>
+              </a:defRPr>
             </a:lvl1pPr>
             <a:lvl2pPr marL="457200" indent="0">
               <a:buNone/>
@@ -3130,7 +3318,11 @@
             </a:lvl9pPr>
           </a:lstStyle>
           <a:p>
-            <a:endParaRPr lang="en-US"/>
+            <a:r>
+              <a:rPr lang="en-US"/>
+              <a:t>Click icon to add picture</a:t>
+            </a:r>
+            <a:endParaRPr lang="en-US" dirty="0"/>
           </a:p>
         </p:txBody>
       </p:sp>
@@ -3146,48 +3338,62 @@
         </p:nvSpPr>
         <p:spPr>
           <a:xfrm>
-            <a:off x="839788" y="2057400"/>
-            <a:ext cx="3932237" cy="3811588"/>
+            <a:off x="914400" y="6108589"/>
+            <a:ext cx="9982200" cy="597011"/>
           </a:xfrm>
         </p:spPr>
         <p:txBody>
-          <a:bodyPr/>
+          <a:bodyPr>
+            <a:normAutofit/>
+          </a:bodyPr>
           <a:lstStyle>
             <a:lvl1pPr marL="0" indent="0">
-              <a:buNone/>
-              <a:defRPr sz="1600"/>
+              <a:lnSpc>
+                <a:spcPct val="100000"/>
+              </a:lnSpc>
+              <a:spcBef>
+                <a:spcPts val="800"/>
+              </a:spcBef>
+              <a:buNone/>
+              <a:defRPr sz="1300">
+                <a:solidFill>
+                  <a:schemeClr val="bg1">
+                    <a:lumMod val="85000"/>
+                  </a:schemeClr>
+                </a:solidFill>
+              </a:defRPr>
             </a:lvl1pPr>
             <a:lvl2pPr marL="457200" indent="0">
               <a:buNone/>
-              <a:defRPr sz="1400"/>
+              <a:defRPr sz="1200"/>
             </a:lvl2pPr>
             <a:lvl3pPr marL="914400" indent="0">
               <a:buNone/>
-              <a:defRPr sz="1200"/>
+              <a:defRPr sz="1000"/>
             </a:lvl3pPr>
             <a:lvl4pPr marL="1371600" indent="0">
               <a:buNone/>
-              <a:defRPr sz="1000"/>
+              <a:defRPr sz="900"/>
             </a:lvl4pPr>
             <a:lvl5pPr marL="1828800" indent="0">
               <a:buNone/>
-              <a:defRPr sz="1000"/>
+              <a:defRPr sz="900"/>
             </a:lvl5pPr>
             <a:lvl6pPr marL="2286000" indent="0">
               <a:buNone/>
-              <a:defRPr sz="1000"/>
+              <a:defRPr sz="900"/>
             </a:lvl6pPr>
             <a:lvl7pPr marL="2743200" indent="0">
               <a:buNone/>
-              <a:defRPr sz="1000"/>
+              <a:defRPr sz="900"/>
             </a:lvl7pPr>
             <a:lvl8pPr marL="3200400" indent="0">
               <a:buNone/>
-              <a:defRPr sz="1000"/>
+              <a:defRPr sz="900"/>
             </a:lvl8pPr>
             <a:lvl9pPr marL="3657600" indent="0">
               <a:buNone/>
-              <a:defRPr sz="1000"/>
+              <a:defRPr sz="900"/>
             </a:lvl9pPr>
           </a:lstStyle>
           <a:p>
@@ -3216,7 +3422,7 @@
           <a:p>
             <a:fld id="{2EA7DAC2-4AA6-4857-A112-92745547B70E}" type="datetimeFigureOut">
               <a:rPr lang="en-US" smtClean="0"/>
-              <a:t>11/8/2017</a:t>
+              <a:t>11/7/2017</a:t>
             </a:fld>
             <a:endParaRPr lang="en-US"/>
           </a:p>
@@ -3267,7 +3473,7 @@
     </p:spTree>
     <p:extLst>
       <p:ext uri="{BB962C8B-B14F-4D97-AF65-F5344CB8AC3E}">
-        <p14:creationId xmlns:p14="http://schemas.microsoft.com/office/powerpoint/2010/main" val="4183295863"/>
+        <p14:creationId xmlns:p14="http://schemas.microsoft.com/office/powerpoint/2010/main" val="3431734245"/>
       </p:ext>
     </p:extLst>
   </p:cSld>
@@ -3301,25 +3507,65 @@
       </p:grpSpPr>
       <p:sp>
         <p:nvSpPr>
-          <p:cNvPr id="2" name="Title Placeholder 1"/>
-          <p:cNvSpPr>
-            <a:spLocks noGrp="1"/>
-          </p:cNvSpPr>
-          <p:nvPr>
-            <p:ph type="title"/>
-          </p:nvPr>
+          <p:cNvPr id="7" name="Rectangle 6"/>
+          <p:cNvSpPr/>
+          <p:nvPr/>
         </p:nvSpPr>
         <p:spPr>
           <a:xfrm>
-            <a:off x="838200" y="365125"/>
-            <a:ext cx="10515600" cy="1325563"/>
+            <a:off x="11292840" y="0"/>
+            <a:ext cx="914400" cy="6858000"/>
+          </a:xfrm>
+          <a:prstGeom prst="rect">
+            <a:avLst/>
+          </a:prstGeom>
+          <a:solidFill>
+            <a:schemeClr val="tx2">
+              <a:lumMod val="75000"/>
+            </a:schemeClr>
+          </a:solidFill>
+          <a:ln>
+            <a:noFill/>
+          </a:ln>
+        </p:spPr>
+        <p:style>
+          <a:lnRef idx="2">
+            <a:schemeClr val="accent1">
+              <a:shade val="50000"/>
+            </a:schemeClr>
+          </a:lnRef>
+          <a:fillRef idx="1">
+            <a:schemeClr val="accent1"/>
+          </a:fillRef>
+          <a:effectRef idx="0">
+            <a:schemeClr val="accent1"/>
+          </a:effectRef>
+          <a:fontRef idx="minor">
+            <a:schemeClr val="lt1"/>
+          </a:fontRef>
+        </p:style>
+      </p:sp>
+      <p:sp>
+        <p:nvSpPr>
+          <p:cNvPr id="2" name="Title Placeholder 1"/>
+          <p:cNvSpPr>
+            <a:spLocks noGrp="1"/>
+          </p:cNvSpPr>
+          <p:nvPr>
+            <p:ph type="title"/>
+          </p:nvPr>
+        </p:nvSpPr>
+        <p:spPr>
+          <a:xfrm>
+            <a:off x="1261872" y="365760"/>
+            <a:ext cx="9692640" cy="1325562"/>
           </a:xfrm>
           <a:prstGeom prst="rect">
             <a:avLst/>
           </a:prstGeom>
         </p:spPr>
         <p:txBody>
-          <a:bodyPr vert="horz" lIns="91440" tIns="45720" rIns="91440" bIns="45720" rtlCol="0" anchor="ctr">
+          <a:bodyPr vert="horz" lIns="91440" tIns="45720" rIns="91440" bIns="45720" rtlCol="0" anchor="b">
             <a:normAutofit/>
           </a:bodyPr>
           <a:lstStyle/>
@@ -3328,6 +3574,7 @@
               <a:rPr lang="en-US"/>
               <a:t>Click to edit Master title style</a:t>
             </a:r>
+            <a:endParaRPr lang="en-US" dirty="0"/>
           </a:p>
         </p:txBody>
       </p:sp>
@@ -3343,8 +3590,8 @@
         </p:nvSpPr>
         <p:spPr>
           <a:xfrm>
-            <a:off x="838200" y="1825625"/>
-            <a:ext cx="10515600" cy="4351338"/>
+            <a:off x="1261872" y="1828800"/>
+            <a:ext cx="8595360" cy="4351337"/>
           </a:xfrm>
           <a:prstGeom prst="rect">
             <a:avLst/>
@@ -3389,6 +3636,7 @@
               <a:rPr lang="en-US"/>
               <a:t>Fifth level</a:t>
             </a:r>
+            <a:endParaRPr lang="en-US" dirty="0"/>
           </a:p>
         </p:txBody>
       </p:sp>
@@ -3403,9 +3651,9 @@
           </p:nvPr>
         </p:nvSpPr>
         <p:spPr>
-          <a:xfrm>
-            <a:off x="838200" y="6356350"/>
-            <a:ext cx="2743200" cy="365125"/>
+          <a:xfrm rot="16200000">
+            <a:off x="10797542" y="998537"/>
+            <a:ext cx="1904999" cy="365125"/>
           </a:xfrm>
           <a:prstGeom prst="rect">
             <a:avLst/>
@@ -3414,11 +3662,12 @@
         <p:txBody>
           <a:bodyPr vert="horz" lIns="91440" tIns="45720" rIns="91440" bIns="45720" rtlCol="0" anchor="ctr"/>
           <a:lstStyle>
-            <a:lvl1pPr algn="l">
-              <a:defRPr sz="1200">
+            <a:lvl1pPr algn="r">
+              <a:defRPr sz="1050" b="0">
                 <a:solidFill>
-                  <a:schemeClr val="tx1">
-                    <a:tint val="75000"/>
+                  <a:schemeClr val="tx2">
+                    <a:lumMod val="20000"/>
+                    <a:lumOff val="80000"/>
                   </a:schemeClr>
                 </a:solidFill>
               </a:defRPr>
@@ -3427,7 +3676,7 @@
           <a:p>
             <a:fld id="{2EA7DAC2-4AA6-4857-A112-92745547B70E}" type="datetimeFigureOut">
               <a:rPr lang="en-US" smtClean="0"/>
-              <a:t>11/8/2017</a:t>
+              <a:t>11/7/2017</a:t>
             </a:fld>
             <a:endParaRPr lang="en-US"/>
           </a:p>
@@ -3444,9 +3693,9 @@
           </p:nvPr>
         </p:nvSpPr>
         <p:spPr>
-          <a:xfrm>
-            <a:off x="4038600" y="6356350"/>
-            <a:ext cx="4114800" cy="365125"/>
+          <a:xfrm rot="16200000">
+            <a:off x="9959341" y="4046537"/>
+            <a:ext cx="3581400" cy="365125"/>
           </a:xfrm>
           <a:prstGeom prst="rect">
             <a:avLst/>
@@ -3455,11 +3704,12 @@
         <p:txBody>
           <a:bodyPr vert="horz" lIns="91440" tIns="45720" rIns="91440" bIns="45720" rtlCol="0" anchor="ctr"/>
           <a:lstStyle>
-            <a:lvl1pPr algn="ctr">
-              <a:defRPr sz="1200">
+            <a:lvl1pPr algn="l">
+              <a:defRPr sz="1050">
                 <a:solidFill>
-                  <a:schemeClr val="tx1">
-                    <a:tint val="75000"/>
+                  <a:schemeClr val="tx2">
+                    <a:lumMod val="20000"/>
+                    <a:lumOff val="80000"/>
                   </a:schemeClr>
                 </a:solidFill>
               </a:defRPr>
@@ -3482,21 +3732,24 @@
         </p:nvSpPr>
         <p:spPr>
           <a:xfrm>
-            <a:off x="8610600" y="6356350"/>
-            <a:ext cx="2743200" cy="365125"/>
+            <a:off x="11292840" y="6172200"/>
+            <a:ext cx="914400" cy="593725"/>
           </a:xfrm>
           <a:prstGeom prst="rect">
             <a:avLst/>
           </a:prstGeom>
         </p:spPr>
         <p:txBody>
-          <a:bodyPr vert="horz" lIns="91440" tIns="45720" rIns="91440" bIns="45720" rtlCol="0" anchor="ctr"/>
+          <a:bodyPr vert="horz" lIns="45720" tIns="45720" rIns="45720" bIns="45720" rtlCol="0" anchor="ctr">
+            <a:normAutofit/>
+          </a:bodyPr>
           <a:lstStyle>
-            <a:lvl1pPr algn="r">
-              <a:defRPr sz="1200">
+            <a:lvl1pPr algn="ctr">
+              <a:defRPr sz="3600">
                 <a:solidFill>
-                  <a:schemeClr val="tx1">
-                    <a:tint val="75000"/>
+                  <a:schemeClr val="tx2">
+                    <a:lumMod val="60000"/>
+                    <a:lumOff val="40000"/>
                   </a:schemeClr>
                 </a:solidFill>
               </a:defRPr>
@@ -3514,23 +3767,23 @@
     </p:spTree>
     <p:extLst>
       <p:ext uri="{BB962C8B-B14F-4D97-AF65-F5344CB8AC3E}">
-        <p14:creationId xmlns:p14="http://schemas.microsoft.com/office/powerpoint/2010/main" val="3991564674"/>
+        <p14:creationId xmlns:p14="http://schemas.microsoft.com/office/powerpoint/2010/main" val="4218374699"/>
       </p:ext>
     </p:extLst>
   </p:cSld>
   <p:clrMap bg1="lt1" tx1="dk1" bg2="lt2" tx2="dk2" accent1="accent1" accent2="accent2" accent3="accent3" accent4="accent4" accent5="accent5" accent6="accent6" hlink="hlink" folHlink="folHlink"/>
   <p:sldLayoutIdLst>
-    <p:sldLayoutId id="2147484013" r:id="rId1"/>
-    <p:sldLayoutId id="2147484014" r:id="rId2"/>
-    <p:sldLayoutId id="2147484015" r:id="rId3"/>
-    <p:sldLayoutId id="2147484016" r:id="rId4"/>
-    <p:sldLayoutId id="2147484017" r:id="rId5"/>
-    <p:sldLayoutId id="2147484018" r:id="rId6"/>
-    <p:sldLayoutId id="2147484019" r:id="rId7"/>
-    <p:sldLayoutId id="2147484020" r:id="rId8"/>
-    <p:sldLayoutId id="2147484021" r:id="rId9"/>
-    <p:sldLayoutId id="2147484022" r:id="rId10"/>
-    <p:sldLayoutId id="2147484023" r:id="rId11"/>
+    <p:sldLayoutId id="2147483935" r:id="rId1"/>
+    <p:sldLayoutId id="2147483936" r:id="rId2"/>
+    <p:sldLayoutId id="2147483937" r:id="rId3"/>
+    <p:sldLayoutId id="2147483938" r:id="rId4"/>
+    <p:sldLayoutId id="2147483939" r:id="rId5"/>
+    <p:sldLayoutId id="2147483940" r:id="rId6"/>
+    <p:sldLayoutId id="2147483941" r:id="rId7"/>
+    <p:sldLayoutId id="2147483942" r:id="rId8"/>
+    <p:sldLayoutId id="2147483943" r:id="rId9"/>
+    <p:sldLayoutId id="2147483944" r:id="rId10"/>
+    <p:sldLayoutId id="2147483945" r:id="rId11"/>
   </p:sldLayoutIdLst>
   <p:txStyles>
     <p:titleStyle>
@@ -3542,7 +3795,7 @@
           <a:spcPct val="0"/>
         </a:spcBef>
         <a:buNone/>
-        <a:defRPr sz="4400" kern="1200">
+        <a:defRPr sz="4400" kern="1200" spc="-50" baseline="0">
           <a:solidFill>
             <a:schemeClr val="tx1"/>
           </a:solidFill>
@@ -3553,16 +3806,23 @@
       </a:lvl1pPr>
     </p:titleStyle>
     <p:bodyStyle>
-      <a:lvl1pPr marL="228600" indent="-228600" algn="l" defTabSz="914400" rtl="0" eaLnBrk="1" latinLnBrk="0" hangingPunct="1">
+      <a:lvl1pPr marL="182880" indent="-182880" algn="l" defTabSz="914400" rtl="0" eaLnBrk="1" latinLnBrk="0" hangingPunct="1">
         <a:lnSpc>
-          <a:spcPct val="90000"/>
+          <a:spcPct val="95000"/>
         </a:lnSpc>
         <a:spcBef>
-          <a:spcPts val="1000"/>
+          <a:spcPts val="1400"/>
         </a:spcBef>
-        <a:buFont typeface="Arial" panose="020B0604020202020204" pitchFamily="34" charset="0"/>
+        <a:spcAft>
+          <a:spcPts val="200"/>
+        </a:spcAft>
+        <a:buClr>
+          <a:schemeClr val="accent1"/>
+        </a:buClr>
+        <a:buSzPct val="80000"/>
+        <a:buFont typeface="Arial" pitchFamily="34" charset="0"/>
         <a:buChar char="•"/>
-        <a:defRPr sz="2800" kern="1200">
+        <a:defRPr sz="1800" kern="1200" spc="10" baseline="0">
           <a:solidFill>
             <a:schemeClr val="tx1"/>
           </a:solidFill>
@@ -3571,144 +3831,216 @@
           <a:cs typeface="+mn-cs"/>
         </a:defRPr>
       </a:lvl1pPr>
-      <a:lvl2pPr marL="685800" indent="-228600" algn="l" defTabSz="914400" rtl="0" eaLnBrk="1" latinLnBrk="0" hangingPunct="1">
+      <a:lvl2pPr marL="457200" indent="-182880" algn="l" defTabSz="914400" rtl="0" eaLnBrk="1" latinLnBrk="0" hangingPunct="1">
         <a:lnSpc>
           <a:spcPct val="90000"/>
         </a:lnSpc>
         <a:spcBef>
-          <a:spcPts val="500"/>
+          <a:spcPts val="300"/>
         </a:spcBef>
-        <a:buFont typeface="Arial" panose="020B0604020202020204" pitchFamily="34" charset="0"/>
-        <a:buChar char="•"/>
-        <a:defRPr sz="2400" kern="1200">
+        <a:spcAft>
+          <a:spcPts val="300"/>
+        </a:spcAft>
+        <a:buClr>
+          <a:schemeClr val="accent1"/>
+        </a:buClr>
+        <a:buFont typeface="Wingdings 2" pitchFamily="18" charset="2"/>
+        <a:buChar char=""/>
+        <a:defRPr sz="1600" kern="1200">
           <a:solidFill>
-            <a:schemeClr val="tx1"/>
+            <a:schemeClr val="tx1">
+              <a:lumMod val="85000"/>
+              <a:lumOff val="15000"/>
+            </a:schemeClr>
           </a:solidFill>
           <a:latin typeface="+mn-lt"/>
           <a:ea typeface="+mn-ea"/>
           <a:cs typeface="+mn-cs"/>
         </a:defRPr>
       </a:lvl2pPr>
-      <a:lvl3pPr marL="1143000" indent="-228600" algn="l" defTabSz="914400" rtl="0" eaLnBrk="1" latinLnBrk="0" hangingPunct="1">
+      <a:lvl3pPr marL="731520" indent="-182880" algn="l" defTabSz="914400" rtl="0" eaLnBrk="1" latinLnBrk="0" hangingPunct="1">
         <a:lnSpc>
           <a:spcPct val="90000"/>
         </a:lnSpc>
         <a:spcBef>
-          <a:spcPts val="500"/>
+          <a:spcPts val="300"/>
         </a:spcBef>
-        <a:buFont typeface="Arial" panose="020B0604020202020204" pitchFamily="34" charset="0"/>
-        <a:buChar char="•"/>
-        <a:defRPr sz="2000" kern="1200">
+        <a:spcAft>
+          <a:spcPts val="300"/>
+        </a:spcAft>
+        <a:buClr>
+          <a:schemeClr val="accent1"/>
+        </a:buClr>
+        <a:buFont typeface="Wingdings 2" pitchFamily="18" charset="2"/>
+        <a:buChar char=""/>
+        <a:defRPr sz="1400" kern="1200">
           <a:solidFill>
-            <a:schemeClr val="tx1"/>
+            <a:schemeClr val="tx1">
+              <a:lumMod val="85000"/>
+              <a:lumOff val="15000"/>
+            </a:schemeClr>
           </a:solidFill>
           <a:latin typeface="+mn-lt"/>
           <a:ea typeface="+mn-ea"/>
           <a:cs typeface="+mn-cs"/>
         </a:defRPr>
       </a:lvl3pPr>
-      <a:lvl4pPr marL="1600200" indent="-228600" algn="l" defTabSz="914400" rtl="0" eaLnBrk="1" latinLnBrk="0" hangingPunct="1">
+      <a:lvl4pPr marL="1005840" indent="-182880" algn="l" defTabSz="914400" rtl="0" eaLnBrk="1" latinLnBrk="0" hangingPunct="1">
         <a:lnSpc>
           <a:spcPct val="90000"/>
         </a:lnSpc>
         <a:spcBef>
-          <a:spcPts val="500"/>
+          <a:spcPts val="300"/>
         </a:spcBef>
-        <a:buFont typeface="Arial" panose="020B0604020202020204" pitchFamily="34" charset="0"/>
-        <a:buChar char="•"/>
-        <a:defRPr sz="1800" kern="1200">
+        <a:spcAft>
+          <a:spcPts val="300"/>
+        </a:spcAft>
+        <a:buClr>
+          <a:schemeClr val="accent1"/>
+        </a:buClr>
+        <a:buFont typeface="Wingdings 2" pitchFamily="18" charset="2"/>
+        <a:buChar char=""/>
+        <a:defRPr sz="1400" kern="1200">
           <a:solidFill>
-            <a:schemeClr val="tx1"/>
+            <a:schemeClr val="tx1">
+              <a:lumMod val="85000"/>
+              <a:lumOff val="15000"/>
+            </a:schemeClr>
           </a:solidFill>
           <a:latin typeface="+mn-lt"/>
           <a:ea typeface="+mn-ea"/>
           <a:cs typeface="+mn-cs"/>
         </a:defRPr>
       </a:lvl4pPr>
-      <a:lvl5pPr marL="2057400" indent="-228600" algn="l" defTabSz="914400" rtl="0" eaLnBrk="1" latinLnBrk="0" hangingPunct="1">
+      <a:lvl5pPr marL="1280160" indent="-182880" algn="l" defTabSz="914400" rtl="0" eaLnBrk="1" latinLnBrk="0" hangingPunct="1">
         <a:lnSpc>
           <a:spcPct val="90000"/>
         </a:lnSpc>
         <a:spcBef>
-          <a:spcPts val="500"/>
+          <a:spcPts val="300"/>
         </a:spcBef>
-        <a:buFont typeface="Arial" panose="020B0604020202020204" pitchFamily="34" charset="0"/>
-        <a:buChar char="•"/>
-        <a:defRPr sz="1800" kern="1200">
+        <a:spcAft>
+          <a:spcPts val="300"/>
+        </a:spcAft>
+        <a:buClr>
+          <a:schemeClr val="accent1"/>
+        </a:buClr>
+        <a:buFont typeface="Wingdings 2" pitchFamily="18" charset="2"/>
+        <a:buChar char=""/>
+        <a:defRPr sz="1400" kern="1200">
           <a:solidFill>
-            <a:schemeClr val="tx1"/>
+            <a:schemeClr val="tx1">
+              <a:lumMod val="85000"/>
+              <a:lumOff val="15000"/>
+            </a:schemeClr>
           </a:solidFill>
           <a:latin typeface="+mn-lt"/>
           <a:ea typeface="+mn-ea"/>
           <a:cs typeface="+mn-cs"/>
         </a:defRPr>
       </a:lvl5pPr>
-      <a:lvl6pPr marL="2514600" indent="-228600" algn="l" defTabSz="914400" rtl="0" eaLnBrk="1" latinLnBrk="0" hangingPunct="1">
+      <a:lvl6pPr marL="1600000" indent="-228600" algn="l" defTabSz="914400" rtl="0" eaLnBrk="1" latinLnBrk="0" hangingPunct="1">
         <a:lnSpc>
           <a:spcPct val="90000"/>
         </a:lnSpc>
         <a:spcBef>
-          <a:spcPts val="500"/>
+          <a:spcPts val="300"/>
         </a:spcBef>
-        <a:buFont typeface="Arial" panose="020B0604020202020204" pitchFamily="34" charset="0"/>
-        <a:buChar char="•"/>
-        <a:defRPr sz="1800" kern="1200">
+        <a:spcAft>
+          <a:spcPts val="300"/>
+        </a:spcAft>
+        <a:buClr>
+          <a:schemeClr val="accent1"/>
+        </a:buClr>
+        <a:buFont typeface="Wingdings 2" pitchFamily="18" charset="2"/>
+        <a:buChar char=""/>
+        <a:defRPr sz="1400" kern="1200">
           <a:solidFill>
-            <a:schemeClr val="tx1"/>
+            <a:schemeClr val="tx1">
+              <a:lumMod val="85000"/>
+              <a:lumOff val="15000"/>
+            </a:schemeClr>
           </a:solidFill>
           <a:latin typeface="+mn-lt"/>
           <a:ea typeface="+mn-ea"/>
           <a:cs typeface="+mn-cs"/>
         </a:defRPr>
       </a:lvl6pPr>
-      <a:lvl7pPr marL="2971800" indent="-228600" algn="l" defTabSz="914400" rtl="0" eaLnBrk="1" latinLnBrk="0" hangingPunct="1">
+      <a:lvl7pPr marL="1900000" indent="-228600" algn="l" defTabSz="914400" rtl="0" eaLnBrk="1" latinLnBrk="0" hangingPunct="1">
         <a:lnSpc>
           <a:spcPct val="90000"/>
         </a:lnSpc>
         <a:spcBef>
-          <a:spcPts val="500"/>
+          <a:spcPts val="300"/>
         </a:spcBef>
-        <a:buFont typeface="Arial" panose="020B0604020202020204" pitchFamily="34" charset="0"/>
-        <a:buChar char="•"/>
-        <a:defRPr sz="1800" kern="1200">
+        <a:spcAft>
+          <a:spcPts val="300"/>
+        </a:spcAft>
+        <a:buClr>
+          <a:schemeClr val="accent1"/>
+        </a:buClr>
+        <a:buFont typeface="Wingdings 2" pitchFamily="18" charset="2"/>
+        <a:buChar char=""/>
+        <a:defRPr sz="1400" kern="1200">
           <a:solidFill>
-            <a:schemeClr val="tx1"/>
+            <a:schemeClr val="tx1">
+              <a:lumMod val="85000"/>
+              <a:lumOff val="15000"/>
+            </a:schemeClr>
           </a:solidFill>
           <a:latin typeface="+mn-lt"/>
           <a:ea typeface="+mn-ea"/>
           <a:cs typeface="+mn-cs"/>
         </a:defRPr>
       </a:lvl7pPr>
-      <a:lvl8pPr marL="3429000" indent="-228600" algn="l" defTabSz="914400" rtl="0" eaLnBrk="1" latinLnBrk="0" hangingPunct="1">
+      <a:lvl8pPr marL="2200000" indent="-228600" algn="l" defTabSz="914400" rtl="0" eaLnBrk="1" latinLnBrk="0" hangingPunct="1">
         <a:lnSpc>
           <a:spcPct val="90000"/>
         </a:lnSpc>
         <a:spcBef>
-          <a:spcPts val="500"/>
+          <a:spcPts val="300"/>
         </a:spcBef>
-        <a:buFont typeface="Arial" panose="020B0604020202020204" pitchFamily="34" charset="0"/>
-        <a:buChar char="•"/>
-        <a:defRPr sz="1800" kern="1200">
+        <a:spcAft>
+          <a:spcPts val="300"/>
+        </a:spcAft>
+        <a:buClr>
+          <a:schemeClr val="accent1"/>
+        </a:buClr>
+        <a:buFont typeface="Wingdings 2" pitchFamily="18" charset="2"/>
+        <a:buChar char=""/>
+        <a:defRPr sz="1400" kern="1200">
           <a:solidFill>
-            <a:schemeClr val="tx1"/>
+            <a:schemeClr val="tx1">
+              <a:lumMod val="85000"/>
+              <a:lumOff val="15000"/>
+            </a:schemeClr>
           </a:solidFill>
           <a:latin typeface="+mn-lt"/>
           <a:ea typeface="+mn-ea"/>
           <a:cs typeface="+mn-cs"/>
         </a:defRPr>
       </a:lvl8pPr>
-      <a:lvl9pPr marL="3886200" indent="-228600" algn="l" defTabSz="914400" rtl="0" eaLnBrk="1" latinLnBrk="0" hangingPunct="1">
+      <a:lvl9pPr marL="2500000" indent="-228600" algn="l" defTabSz="914400" rtl="0" eaLnBrk="1" latinLnBrk="0" hangingPunct="1">
         <a:lnSpc>
           <a:spcPct val="90000"/>
         </a:lnSpc>
         <a:spcBef>
-          <a:spcPts val="500"/>
+          <a:spcPts val="300"/>
         </a:spcBef>
-        <a:buFont typeface="Arial" panose="020B0604020202020204" pitchFamily="34" charset="0"/>
-        <a:buChar char="•"/>
-        <a:defRPr sz="1800" kern="1200">
+        <a:spcAft>
+          <a:spcPts val="300"/>
+        </a:spcAft>
+        <a:buClr>
+          <a:schemeClr val="accent1"/>
+        </a:buClr>
+        <a:buFont typeface="Wingdings 2" pitchFamily="18" charset="2"/>
+        <a:buChar char=""/>
+        <a:defRPr sz="1400" kern="1200">
           <a:solidFill>
-            <a:schemeClr val="tx1"/>
+            <a:schemeClr val="tx1">
+              <a:lumMod val="85000"/>
+              <a:lumOff val="15000"/>
+            </a:schemeClr>
           </a:solidFill>
           <a:latin typeface="+mn-lt"/>
           <a:ea typeface="+mn-ea"/>
@@ -3849,8 +4181,8 @@
         </p:nvSpPr>
         <p:spPr>
           <a:xfrm>
-            <a:off x="1611763" y="83127"/>
-            <a:ext cx="9649326" cy="4049017"/>
+            <a:off x="1576137" y="0"/>
+            <a:ext cx="9649326" cy="4535905"/>
           </a:xfrm>
         </p:spPr>
         <p:txBody>
@@ -3903,223 +4235,6 @@
     <p:extLst>
       <p:ext uri="{BB962C8B-B14F-4D97-AF65-F5344CB8AC3E}">
         <p14:creationId xmlns:p14="http://schemas.microsoft.com/office/powerpoint/2010/main" val="688091078"/>
-      </p:ext>
-    </p:extLst>
-  </p:cSld>
-  <p:clrMapOvr>
-    <a:masterClrMapping/>
-  </p:clrMapOvr>
-</p:sld>
-</file>
-
-<file path=ppt/slides/slide10.xml><?xml version="1.0" encoding="utf-8"?>
-<p:sld xmlns:a="http://schemas.openxmlformats.org/drawingml/2006/main" xmlns:r="http://schemas.openxmlformats.org/officeDocument/2006/relationships" xmlns:p="http://schemas.openxmlformats.org/presentationml/2006/main">
-  <p:cSld>
-    <p:spTree>
-      <p:nvGrpSpPr>
-        <p:cNvPr id="1" name=""/>
-        <p:cNvGrpSpPr/>
-        <p:nvPr/>
-      </p:nvGrpSpPr>
-      <p:grpSpPr>
-        <a:xfrm>
-          <a:off x="0" y="0"/>
-          <a:ext cx="0" cy="0"/>
-          <a:chOff x="0" y="0"/>
-          <a:chExt cx="0" cy="0"/>
-        </a:xfrm>
-      </p:grpSpPr>
-      <p:sp>
-        <p:nvSpPr>
-          <p:cNvPr id="4" name="Rectangle 3"/>
-          <p:cNvSpPr/>
-          <p:nvPr/>
-        </p:nvSpPr>
-        <p:spPr>
-          <a:xfrm>
-            <a:off x="346364" y="2081428"/>
-            <a:ext cx="11249890" cy="4247317"/>
-          </a:xfrm>
-          <a:prstGeom prst="rect">
-            <a:avLst/>
-          </a:prstGeom>
-        </p:spPr>
-        <p:txBody>
-          <a:bodyPr wrap="square">
-            <a:spAutoFit/>
-          </a:bodyPr>
-          <a:lstStyle/>
-          <a:p>
-            <a:r>
-              <a:rPr lang="en-US" dirty="0"/>
-              <a:t>&gt; round(predict_ratings[[3]],3)</a:t>
-            </a:r>
-          </a:p>
-          <a:p>
-            <a:r>
-              <a:rPr lang="en-US" dirty="0"/>
-              <a:t>    1     2     3     4     9    10    22    24    25    30    33    34    37    44    46    51 </a:t>
-            </a:r>
-          </a:p>
-          <a:p>
-            <a:r>
-              <a:rPr lang="en-US" dirty="0"/>
-              <a:t>8.092 7.480 8.325 8.326 8.086 8.298 7.261 7.763 7.866 8.886 8.333 7.810 8.156 8.113 7.842 6.931 </a:t>
-            </a:r>
-          </a:p>
-          <a:p>
-            <a:r>
-              <a:rPr lang="en-US" dirty="0"/>
-              <a:t>   52    55    57    58    59    63    64    67    70    71    72    73    74    </a:t>
-            </a:r>
-            <a:r>
-              <a:rPr lang="en-US" dirty="0">
-                <a:highlight>
-                  <a:srgbClr val="FFFF00"/>
-                </a:highlight>
-              </a:rPr>
-              <a:t>75</a:t>
-            </a:r>
-            <a:r>
-              <a:rPr lang="en-US" dirty="0"/>
-              <a:t>    77    78 </a:t>
-            </a:r>
-          </a:p>
-          <a:p>
-            <a:r>
-              <a:rPr lang="en-US" dirty="0"/>
-              <a:t>7.291 8.434 5.261 7.782 7.987 7.410 8.141 8.648 8.409 8.156 8.833 8.657 8.803 </a:t>
-            </a:r>
-            <a:r>
-              <a:rPr lang="en-US" dirty="0">
-                <a:highlight>
-                  <a:srgbClr val="FFFF00"/>
-                </a:highlight>
-              </a:rPr>
-              <a:t>9.101</a:t>
-            </a:r>
-            <a:r>
-              <a:rPr lang="en-US" dirty="0"/>
-              <a:t> 8.602 8.608 </a:t>
-            </a:r>
-          </a:p>
-          <a:p>
-            <a:r>
-              <a:rPr lang="en-US" dirty="0"/>
-              <a:t>   79    81    82    83    84    85    86    87    88    89    91    92    93    95    96    97 </a:t>
-            </a:r>
-          </a:p>
-          <a:p>
-            <a:r>
-              <a:rPr lang="en-US" dirty="0"/>
-              <a:t>8.567 7.850 8.289 8.265 8.246 9.068 8.992 8.828 8.635 8.179 8.613 8.599 8.538 8.393 8.206 8.223 </a:t>
-            </a:r>
-          </a:p>
-          <a:p>
-            <a:r>
-              <a:rPr lang="en-US" dirty="0"/>
-              <a:t>   98    99   100 </a:t>
-            </a:r>
-          </a:p>
-          <a:p>
-            <a:r>
-              <a:rPr lang="en-US" dirty="0"/>
-              <a:t>7.869 8.201 7.239 </a:t>
-            </a:r>
-          </a:p>
-          <a:p>
-            <a:endParaRPr lang="en-US" dirty="0"/>
-          </a:p>
-          <a:p>
-            <a:r>
-              <a:rPr lang="en-US" dirty="0"/>
-              <a:t>&gt; </a:t>
-            </a:r>
-            <a:r>
-              <a:rPr lang="en-US" dirty="0" err="1"/>
-              <a:t>max_rating</a:t>
-            </a:r>
-            <a:r>
-              <a:rPr lang="en-US" dirty="0"/>
-              <a:t> &lt;- max(predict_ratings[[3]])</a:t>
-            </a:r>
-          </a:p>
-          <a:p>
-            <a:r>
-              <a:rPr lang="en-US" dirty="0"/>
-              <a:t>&gt; </a:t>
-            </a:r>
-            <a:r>
-              <a:rPr lang="en-US" dirty="0" err="1"/>
-              <a:t>max_rating</a:t>
-            </a:r>
-            <a:endParaRPr lang="en-US" dirty="0"/>
-          </a:p>
-          <a:p>
-            <a:r>
-              <a:rPr lang="en-US" dirty="0"/>
-              <a:t>[1] 9.101352</a:t>
-            </a:r>
-          </a:p>
-          <a:p>
-            <a:r>
-              <a:rPr lang="en-US" dirty="0"/>
-              <a:t>&gt; which(predict_ratings[[3]] == </a:t>
-            </a:r>
-            <a:r>
-              <a:rPr lang="en-US" dirty="0" err="1"/>
-              <a:t>max_rating</a:t>
-            </a:r>
-            <a:r>
-              <a:rPr lang="en-US" dirty="0"/>
-              <a:t>)</a:t>
-            </a:r>
-          </a:p>
-          <a:p>
-            <a:r>
-              <a:rPr lang="en-US" dirty="0"/>
-              <a:t>75 </a:t>
-            </a:r>
-          </a:p>
-        </p:txBody>
-      </p:sp>
-      <p:sp>
-        <p:nvSpPr>
-          <p:cNvPr id="5" name="TextBox 4"/>
-          <p:cNvSpPr txBox="1"/>
-          <p:nvPr/>
-        </p:nvSpPr>
-        <p:spPr>
-          <a:xfrm>
-            <a:off x="346365" y="484909"/>
-            <a:ext cx="9601200" cy="954107"/>
-          </a:xfrm>
-          <a:prstGeom prst="rect">
-            <a:avLst/>
-          </a:prstGeom>
-          <a:noFill/>
-        </p:spPr>
-        <p:txBody>
-          <a:bodyPr wrap="square" rtlCol="0">
-            <a:spAutoFit/>
-          </a:bodyPr>
-          <a:lstStyle/>
-          <a:p>
-            <a:r>
-              <a:rPr lang="en-US" sz="2800" dirty="0"/>
-              <a:t>Example: For User #3, I will recommend Joke #75 to the user, since it has the highest predicted rating</a:t>
-            </a:r>
-            <a:r>
-              <a:rPr lang="en-US" dirty="0"/>
-              <a:t>.</a:t>
-            </a:r>
-          </a:p>
-        </p:txBody>
-      </p:sp>
-    </p:spTree>
-    <p:extLst>
-      <p:ext uri="{BB962C8B-B14F-4D97-AF65-F5344CB8AC3E}">
-        <p14:creationId xmlns:p14="http://schemas.microsoft.com/office/powerpoint/2010/main" val="2195249422"/>
       </p:ext>
     </p:extLst>
   </p:cSld>
@@ -4293,7 +4408,7 @@
         <p:spPr/>
         <p:txBody>
           <a:bodyPr>
-            <a:normAutofit fontScale="90000"/>
+            <a:normAutofit/>
           </a:bodyPr>
           <a:lstStyle/>
           <a:p>
@@ -4575,59 +4690,6 @@
           </a:p>
         </p:txBody>
       </p:sp>
-      <p:sp>
-        <p:nvSpPr>
-          <p:cNvPr id="3" name="TextBox 2"/>
-          <p:cNvSpPr txBox="1"/>
-          <p:nvPr/>
-        </p:nvSpPr>
-        <p:spPr>
-          <a:xfrm>
-            <a:off x="148140" y="2611228"/>
-            <a:ext cx="1610786" cy="1477328"/>
-          </a:xfrm>
-          <a:prstGeom prst="rect">
-            <a:avLst/>
-          </a:prstGeom>
-          <a:noFill/>
-        </p:spPr>
-        <p:txBody>
-          <a:bodyPr wrap="square" rtlCol="0">
-            <a:spAutoFit/>
-          </a:bodyPr>
-          <a:lstStyle/>
-          <a:p>
-            <a:r>
-              <a:rPr lang="en-US" dirty="0"/>
-              <a:t>Example:</a:t>
-            </a:r>
-          </a:p>
-          <a:p>
-            <a:r>
-              <a:rPr lang="en-US" dirty="0"/>
-              <a:t>If I want to fill </a:t>
-            </a:r>
-          </a:p>
-          <a:p>
-            <a:r>
-              <a:rPr lang="en-US" dirty="0"/>
-              <a:t>the NA cell for</a:t>
-            </a:r>
-          </a:p>
-          <a:p>
-            <a:r>
-              <a:rPr lang="en-US" dirty="0"/>
-              <a:t>User #3, </a:t>
-            </a:r>
-          </a:p>
-          <a:p>
-            <a:r>
-              <a:rPr lang="en-US" dirty="0"/>
-              <a:t>Joke #4…</a:t>
-            </a:r>
-          </a:p>
-        </p:txBody>
-      </p:sp>
     </p:spTree>
     <p:extLst>
       <p:ext uri="{BB962C8B-B14F-4D97-AF65-F5344CB8AC3E}">
@@ -4658,30 +4720,6 @@
           <a:chExt cx="0" cy="0"/>
         </a:xfrm>
       </p:grpSpPr>
-      <p:pic>
-        <p:nvPicPr>
-          <p:cNvPr id="4" name="Picture 3"/>
-          <p:cNvPicPr>
-            <a:picLocks noChangeAspect="1"/>
-          </p:cNvPicPr>
-          <p:nvPr/>
-        </p:nvPicPr>
-        <p:blipFill>
-          <a:blip r:embed="rId3"/>
-          <a:stretch>
-            <a:fillRect/>
-          </a:stretch>
-        </p:blipFill>
-        <p:spPr>
-          <a:xfrm>
-            <a:off x="697991" y="1028885"/>
-            <a:ext cx="11131057" cy="5193785"/>
-          </a:xfrm>
-          <a:prstGeom prst="rect">
-            <a:avLst/>
-          </a:prstGeom>
-        </p:spPr>
-      </p:pic>
       <p:sp>
         <p:nvSpPr>
           <p:cNvPr id="2" name="Title 1"/>
@@ -4695,7 +4733,7 @@
         <p:spPr/>
         <p:txBody>
           <a:bodyPr>
-            <a:normAutofit fontScale="90000"/>
+            <a:normAutofit/>
           </a:bodyPr>
           <a:lstStyle/>
           <a:p>
@@ -4723,8 +4761,8 @@
         </p:nvSpPr>
         <p:spPr>
           <a:xfrm>
-            <a:off x="697990" y="389620"/>
-            <a:ext cx="10773574" cy="369332"/>
+            <a:off x="2391508" y="2433711"/>
+            <a:ext cx="4139275" cy="369332"/>
           </a:xfrm>
           <a:prstGeom prst="rect">
             <a:avLst/>
@@ -4732,14 +4770,14 @@
           <a:noFill/>
         </p:spPr>
         <p:txBody>
-          <a:bodyPr wrap="square" rtlCol="0">
+          <a:bodyPr wrap="none" rtlCol="0">
             <a:spAutoFit/>
           </a:bodyPr>
           <a:lstStyle/>
           <a:p>
             <a:r>
               <a:rPr lang="en-US" dirty="0"/>
-              <a:t>For the similarity function, I used the cosine similarity. Below is the definition from Wikipedia.</a:t>
+              <a:t>http://rpubs.com/azureblue83/327856</a:t>
             </a:r>
           </a:p>
         </p:txBody>
@@ -4757,1370 +4795,59 @@
 </p:sld>
 </file>
 
-<file path=ppt/slides/slide6.xml><?xml version="1.0" encoding="utf-8"?>
-<p:sld xmlns:a="http://schemas.openxmlformats.org/drawingml/2006/main" xmlns:r="http://schemas.openxmlformats.org/officeDocument/2006/relationships" xmlns:p="http://schemas.openxmlformats.org/presentationml/2006/main">
-  <p:cSld>
-    <p:spTree>
-      <p:nvGrpSpPr>
-        <p:cNvPr id="1" name=""/>
-        <p:cNvGrpSpPr/>
-        <p:nvPr/>
-      </p:nvGrpSpPr>
-      <p:grpSpPr>
-        <a:xfrm>
-          <a:off x="0" y="0"/>
-          <a:ext cx="0" cy="0"/>
-          <a:chOff x="0" y="0"/>
-          <a:chExt cx="0" cy="0"/>
-        </a:xfrm>
-      </p:grpSpPr>
-      <p:sp>
-        <p:nvSpPr>
-          <p:cNvPr id="3" name="TextBox 2">
-            <a:extLst>
-              <a:ext uri="{FF2B5EF4-FFF2-40B4-BE49-F238E27FC236}">
-                <a16:creationId xmlns:a16="http://schemas.microsoft.com/office/drawing/2014/main" id="{C68A1FD4-14A6-4546-A45D-4F1568120E16}"/>
-              </a:ext>
-            </a:extLst>
-          </p:cNvPr>
-          <p:cNvSpPr txBox="1"/>
-          <p:nvPr/>
-        </p:nvSpPr>
-        <p:spPr>
-          <a:xfrm>
-            <a:off x="635279" y="373617"/>
-            <a:ext cx="3687339" cy="369332"/>
-          </a:xfrm>
-          <a:prstGeom prst="rect">
-            <a:avLst/>
-          </a:prstGeom>
-          <a:noFill/>
-        </p:spPr>
-        <p:txBody>
-          <a:bodyPr wrap="square" rtlCol="0">
-            <a:spAutoFit/>
-          </a:bodyPr>
-          <a:lstStyle/>
-          <a:p>
-            <a:r>
-              <a:rPr lang="en-US" dirty="0"/>
-              <a:t>Image from </a:t>
-            </a:r>
-            <a:r>
-              <a:rPr lang="en-US" dirty="0">
-                <a:hlinkClick r:id="rId4"/>
-              </a:rPr>
-              <a:t>techinpink.com</a:t>
-            </a:r>
-            <a:endParaRPr lang="en-US" dirty="0"/>
-          </a:p>
-        </p:txBody>
-      </p:sp>
-      <p:pic>
-        <p:nvPicPr>
-          <p:cNvPr id="1026" name="Picture 2" descr="cosine"/>
-          <p:cNvPicPr>
-            <a:picLocks noChangeAspect="1" noChangeArrowheads="1"/>
-          </p:cNvPicPr>
-          <p:nvPr/>
-        </p:nvPicPr>
-        <p:blipFill>
-          <a:blip r:embed="rId5">
-            <a:extLst>
-              <a:ext uri="{28A0092B-C50C-407E-A947-70E740481C1C}">
-                <a14:useLocalDpi xmlns:a14="http://schemas.microsoft.com/office/drawing/2010/main" val="0"/>
-              </a:ext>
-            </a:extLst>
-          </a:blip>
-          <a:srcRect/>
-          <a:stretch>
-            <a:fillRect/>
-          </a:stretch>
-        </p:blipFill>
-        <p:spPr bwMode="auto">
-          <a:xfrm>
-            <a:off x="251693" y="898573"/>
-            <a:ext cx="5096162" cy="3911688"/>
-          </a:xfrm>
-          <a:prstGeom prst="rect">
-            <a:avLst/>
-          </a:prstGeom>
-          <a:noFill/>
-          <a:extLst>
-            <a:ext uri="{909E8E84-426E-40DD-AFC4-6F175D3DCCD1}">
-              <a14:hiddenFill xmlns:a14="http://schemas.microsoft.com/office/drawing/2010/main">
-                <a:solidFill>
-                  <a:srgbClr val="FFFFFF"/>
-                </a:solidFill>
-              </a14:hiddenFill>
-            </a:ext>
-          </a:extLst>
-        </p:spPr>
-      </p:pic>
-      <p:sp>
-        <p:nvSpPr>
-          <p:cNvPr id="8" name="TextBox 7">
-            <a:extLst/>
-          </p:cNvPr>
-          <p:cNvSpPr txBox="1"/>
-          <p:nvPr/>
-        </p:nvSpPr>
-        <p:spPr>
-          <a:xfrm>
-            <a:off x="635279" y="4876727"/>
-            <a:ext cx="2703006" cy="830997"/>
-          </a:xfrm>
-          <a:prstGeom prst="rect">
-            <a:avLst/>
-          </a:prstGeom>
-          <a:noFill/>
-        </p:spPr>
-        <p:txBody>
-          <a:bodyPr wrap="square" rtlCol="0">
-            <a:spAutoFit/>
-          </a:bodyPr>
-          <a:lstStyle/>
-          <a:p>
-            <a:r>
-              <a:rPr lang="en-US" sz="2400" dirty="0"/>
-              <a:t>Tigress = (7.5, 2.5)</a:t>
-            </a:r>
-          </a:p>
-          <a:p>
-            <a:r>
-              <a:rPr lang="en-US" sz="2400" dirty="0"/>
-              <a:t>Panda = (4, 10)</a:t>
-            </a:r>
-          </a:p>
-        </p:txBody>
-      </p:sp>
-      <p:graphicFrame>
-        <p:nvGraphicFramePr>
-          <p:cNvPr id="10" name="Object 9"/>
-          <p:cNvGraphicFramePr>
-            <a:graphicFrameLocks noChangeAspect="1"/>
-          </p:cNvGraphicFramePr>
-          <p:nvPr>
-            <p:extLst>
-              <p:ext uri="{D42A27DB-BD31-4B8C-83A1-F6EECF244321}">
-                <p14:modId xmlns:p14="http://schemas.microsoft.com/office/powerpoint/2010/main" val="2575873015"/>
-              </p:ext>
-            </p:extLst>
-          </p:nvPr>
-        </p:nvGraphicFramePr>
-        <p:xfrm>
-          <a:off x="635279" y="5862164"/>
-          <a:ext cx="4416302" cy="711271"/>
-        </p:xfrm>
-        <a:graphic>
-          <a:graphicData uri="http://schemas.openxmlformats.org/presentationml/2006/ole">
-            <mc:AlternateContent xmlns:mc="http://schemas.openxmlformats.org/markup-compatibility/2006">
-              <mc:Choice xmlns:v="urn:schemas-microsoft-com:vml" Requires="v">
-                <p:oleObj spid="_x0000_s1039" name="Equation" r:id="rId6" imgW="2641320" imgH="431640" progId="Equation.3">
-                  <p:embed/>
-                </p:oleObj>
-              </mc:Choice>
-              <mc:Fallback>
-                <p:oleObj name="Equation" r:id="rId6" imgW="2641320" imgH="431640" progId="Equation.3">
-                  <p:embed/>
-                  <p:pic>
-                    <p:nvPicPr>
-                      <p:cNvPr id="6" name="Object 5"/>
-                      <p:cNvPicPr/>
-                      <p:nvPr/>
-                    </p:nvPicPr>
-                    <p:blipFill>
-                      <a:blip r:embed="rId7"/>
-                      <a:stretch>
-                        <a:fillRect/>
-                      </a:stretch>
-                    </p:blipFill>
-                    <p:spPr>
-                      <a:xfrm>
-                        <a:off x="635279" y="5862164"/>
-                        <a:ext cx="4416302" cy="711271"/>
-                      </a:xfrm>
-                      <a:prstGeom prst="rect">
-                        <a:avLst/>
-                      </a:prstGeom>
-                    </p:spPr>
-                  </p:pic>
-                </p:oleObj>
-              </mc:Fallback>
-            </mc:AlternateContent>
-          </a:graphicData>
-        </a:graphic>
-      </p:graphicFrame>
-      <p:sp>
-        <p:nvSpPr>
-          <p:cNvPr id="11" name="TextBox 10"/>
-          <p:cNvSpPr txBox="1"/>
-          <p:nvPr/>
-        </p:nvSpPr>
-        <p:spPr>
-          <a:xfrm>
-            <a:off x="6609071" y="742949"/>
-            <a:ext cx="3671756" cy="461665"/>
-          </a:xfrm>
-          <a:prstGeom prst="rect">
-            <a:avLst/>
-          </a:prstGeom>
-          <a:noFill/>
-        </p:spPr>
-        <p:txBody>
-          <a:bodyPr wrap="square" rtlCol="0">
-            <a:spAutoFit/>
-          </a:bodyPr>
-          <a:lstStyle/>
-          <a:p>
-            <a:r>
-              <a:rPr lang="en-US" sz="2400" dirty="0"/>
-              <a:t>Centered Cosine Similarity:</a:t>
-            </a:r>
-          </a:p>
-        </p:txBody>
-      </p:sp>
-      <p:pic>
-        <p:nvPicPr>
-          <p:cNvPr id="12" name="Picture 11"/>
-          <p:cNvPicPr>
-            <a:picLocks noChangeAspect="1"/>
-          </p:cNvPicPr>
-          <p:nvPr/>
-        </p:nvPicPr>
-        <p:blipFill>
-          <a:blip r:embed="rId8"/>
-          <a:stretch>
-            <a:fillRect/>
-          </a:stretch>
-        </p:blipFill>
-        <p:spPr>
-          <a:xfrm>
-            <a:off x="6200704" y="1362665"/>
-            <a:ext cx="5811187" cy="2036399"/>
-          </a:xfrm>
-          <a:prstGeom prst="rect">
-            <a:avLst/>
-          </a:prstGeom>
-        </p:spPr>
-      </p:pic>
-      <p:sp>
-        <p:nvSpPr>
-          <p:cNvPr id="13" name="Rectangle 12"/>
-          <p:cNvSpPr/>
-          <p:nvPr/>
-        </p:nvSpPr>
-        <p:spPr>
-          <a:xfrm>
-            <a:off x="6342315" y="3615395"/>
-            <a:ext cx="5527964" cy="2246769"/>
-          </a:xfrm>
-          <a:prstGeom prst="rect">
-            <a:avLst/>
-          </a:prstGeom>
-        </p:spPr>
-        <p:txBody>
-          <a:bodyPr wrap="square">
-            <a:spAutoFit/>
-          </a:bodyPr>
-          <a:lstStyle/>
-          <a:p>
-            <a:r>
-              <a:rPr lang="en-US" sz="2800" dirty="0"/>
-              <a:t>What is “centered cosine similarity”? </a:t>
-            </a:r>
-          </a:p>
-          <a:p>
-            <a:r>
-              <a:rPr lang="en-US" sz="2800" dirty="0"/>
-              <a:t>There is another name for it: Pearson Correlation. It is a value between -1 and 1 to measure the linearity of two variables.</a:t>
-            </a:r>
-          </a:p>
-        </p:txBody>
-      </p:sp>
-    </p:spTree>
-    <p:extLst>
-      <p:ext uri="{BB962C8B-B14F-4D97-AF65-F5344CB8AC3E}">
-        <p14:creationId xmlns:p14="http://schemas.microsoft.com/office/powerpoint/2010/main" val="1675807989"/>
-      </p:ext>
-    </p:extLst>
-  </p:cSld>
-  <p:clrMapOvr>
-    <a:masterClrMapping/>
-  </p:clrMapOvr>
-</p:sld>
-</file>
-
-<file path=ppt/slides/slide7.xml><?xml version="1.0" encoding="utf-8"?>
-<p:sld xmlns:a="http://schemas.openxmlformats.org/drawingml/2006/main" xmlns:r="http://schemas.openxmlformats.org/officeDocument/2006/relationships" xmlns:p="http://schemas.openxmlformats.org/presentationml/2006/main">
-  <p:cSld>
-    <p:spTree>
-      <p:nvGrpSpPr>
-        <p:cNvPr id="1" name=""/>
-        <p:cNvGrpSpPr/>
-        <p:nvPr/>
-      </p:nvGrpSpPr>
-      <p:grpSpPr>
-        <a:xfrm>
-          <a:off x="0" y="0"/>
-          <a:ext cx="0" cy="0"/>
-          <a:chOff x="0" y="0"/>
-          <a:chExt cx="0" cy="0"/>
-        </a:xfrm>
-      </p:grpSpPr>
-      <p:graphicFrame>
-        <p:nvGraphicFramePr>
-          <p:cNvPr id="10" name="Object 9"/>
-          <p:cNvGraphicFramePr>
-            <a:graphicFrameLocks noChangeAspect="1"/>
-          </p:cNvGraphicFramePr>
-          <p:nvPr>
-            <p:extLst>
-              <p:ext uri="{D42A27DB-BD31-4B8C-83A1-F6EECF244321}">
-                <p14:modId xmlns:p14="http://schemas.microsoft.com/office/powerpoint/2010/main" val="4051737583"/>
-              </p:ext>
-            </p:extLst>
-          </p:nvPr>
-        </p:nvGraphicFramePr>
-        <p:xfrm>
-          <a:off x="6038850" y="3319463"/>
-          <a:ext cx="114300" cy="215900"/>
-        </p:xfrm>
-        <a:graphic>
-          <a:graphicData uri="http://schemas.openxmlformats.org/presentationml/2006/ole">
-            <mc:AlternateContent xmlns:mc="http://schemas.openxmlformats.org/markup-compatibility/2006">
-              <mc:Choice xmlns:v="urn:schemas-microsoft-com:vml" Requires="v">
-                <p:oleObj spid="_x0000_s2065" name="Equation" r:id="rId4" imgW="114120" imgH="215640" progId="Equation.3">
-                  <p:embed/>
-                </p:oleObj>
-              </mc:Choice>
-              <mc:Fallback>
-                <p:oleObj name="Equation" r:id="rId4" imgW="114120" imgH="215640" progId="Equation.3">
-                  <p:embed/>
-                  <p:pic>
-                    <p:nvPicPr>
-                      <p:cNvPr id="0" name=""/>
-                      <p:cNvPicPr/>
-                      <p:nvPr/>
-                    </p:nvPicPr>
-                    <p:blipFill>
-                      <a:blip r:embed="rId5"/>
-                      <a:stretch>
-                        <a:fillRect/>
-                      </a:stretch>
-                    </p:blipFill>
-                    <p:spPr>
-                      <a:xfrm>
-                        <a:off x="6038850" y="3319463"/>
-                        <a:ext cx="114300" cy="215900"/>
-                      </a:xfrm>
-                      <a:prstGeom prst="rect">
-                        <a:avLst/>
-                      </a:prstGeom>
-                    </p:spPr>
-                  </p:pic>
-                </p:oleObj>
-              </mc:Fallback>
-            </mc:AlternateContent>
-          </a:graphicData>
-        </a:graphic>
-      </p:graphicFrame>
-      <p:sp>
-        <p:nvSpPr>
-          <p:cNvPr id="11" name="TextBox 10"/>
-          <p:cNvSpPr txBox="1"/>
-          <p:nvPr/>
-        </p:nvSpPr>
-        <p:spPr>
-          <a:xfrm>
-            <a:off x="828859" y="59320"/>
-            <a:ext cx="9741724" cy="1754326"/>
-          </a:xfrm>
-          <a:prstGeom prst="rect">
-            <a:avLst/>
-          </a:prstGeom>
-          <a:noFill/>
-        </p:spPr>
-        <p:txBody>
-          <a:bodyPr wrap="square" rtlCol="0">
-            <a:spAutoFit/>
-          </a:bodyPr>
-          <a:lstStyle/>
-          <a:p>
-            <a:r>
-              <a:rPr lang="en-US" dirty="0"/>
-              <a:t>&gt; plot(jester[,1],jester[,2], </a:t>
-            </a:r>
-            <a:r>
-              <a:rPr lang="en-US" dirty="0" err="1"/>
-              <a:t>xlab</a:t>
-            </a:r>
-            <a:r>
-              <a:rPr lang="en-US" dirty="0"/>
-              <a:t>="Joke #1 Ratings", </a:t>
-            </a:r>
-            <a:r>
-              <a:rPr lang="en-US" dirty="0" err="1"/>
-              <a:t>ylab</a:t>
-            </a:r>
-            <a:r>
-              <a:rPr lang="en-US" dirty="0"/>
-              <a:t>="Joke #2 Ratings")</a:t>
-            </a:r>
-          </a:p>
-          <a:p>
-            <a:r>
-              <a:rPr lang="en-US" dirty="0"/>
-              <a:t>&gt; sim(jester[,1],jester[,2])</a:t>
-            </a:r>
-          </a:p>
-          <a:p>
-            <a:r>
-              <a:rPr lang="en-US" dirty="0"/>
-              <a:t>[1] </a:t>
-            </a:r>
-            <a:r>
-              <a:rPr lang="en-US" dirty="0">
-                <a:highlight>
-                  <a:srgbClr val="FFFF00"/>
-                </a:highlight>
-              </a:rPr>
-              <a:t>0.3629353</a:t>
-            </a:r>
-          </a:p>
-          <a:p>
-            <a:r>
-              <a:rPr lang="en-US" dirty="0"/>
-              <a:t>&gt; plot(jester[,8],jester[,98], </a:t>
-            </a:r>
-            <a:r>
-              <a:rPr lang="en-US" dirty="0" err="1"/>
-              <a:t>xlab</a:t>
-            </a:r>
-            <a:r>
-              <a:rPr lang="en-US" dirty="0"/>
-              <a:t>="Joke #8 Ratings", </a:t>
-            </a:r>
-            <a:r>
-              <a:rPr lang="en-US" dirty="0" err="1"/>
-              <a:t>ylab</a:t>
-            </a:r>
-            <a:r>
-              <a:rPr lang="en-US" dirty="0"/>
-              <a:t>="Joke #98 Ratings")</a:t>
-            </a:r>
-          </a:p>
-          <a:p>
-            <a:r>
-              <a:rPr lang="en-US" dirty="0"/>
-              <a:t>&gt; sim(jester[,8],jester[,98])</a:t>
-            </a:r>
-          </a:p>
-          <a:p>
-            <a:r>
-              <a:rPr lang="en-US" dirty="0"/>
-              <a:t>[1] </a:t>
-            </a:r>
-            <a:r>
-              <a:rPr lang="en-US" dirty="0">
-                <a:highlight>
-                  <a:srgbClr val="FFFF00"/>
-                </a:highlight>
-              </a:rPr>
-              <a:t>-0.003671474</a:t>
-            </a:r>
-          </a:p>
-        </p:txBody>
-      </p:sp>
-      <p:pic>
-        <p:nvPicPr>
-          <p:cNvPr id="12" name="Picture 11"/>
-          <p:cNvPicPr>
-            <a:picLocks noChangeAspect="1"/>
-          </p:cNvPicPr>
-          <p:nvPr/>
-        </p:nvPicPr>
-        <p:blipFill>
-          <a:blip r:embed="rId6"/>
-          <a:stretch>
-            <a:fillRect/>
-          </a:stretch>
-        </p:blipFill>
-        <p:spPr>
-          <a:xfrm>
-            <a:off x="219693" y="1896775"/>
-            <a:ext cx="5335980" cy="4876265"/>
-          </a:xfrm>
-          <a:prstGeom prst="rect">
-            <a:avLst/>
-          </a:prstGeom>
-        </p:spPr>
-      </p:pic>
-      <p:pic>
-        <p:nvPicPr>
-          <p:cNvPr id="13" name="Picture 12"/>
-          <p:cNvPicPr>
-            <a:picLocks noChangeAspect="1"/>
-          </p:cNvPicPr>
-          <p:nvPr/>
-        </p:nvPicPr>
-        <p:blipFill>
-          <a:blip r:embed="rId7"/>
-          <a:stretch>
-            <a:fillRect/>
-          </a:stretch>
-        </p:blipFill>
-        <p:spPr>
-          <a:xfrm>
-            <a:off x="6263125" y="1966051"/>
-            <a:ext cx="5291566" cy="4913010"/>
-          </a:xfrm>
-          <a:prstGeom prst="rect">
-            <a:avLst/>
-          </a:prstGeom>
-        </p:spPr>
-      </p:pic>
-    </p:spTree>
-    <p:extLst>
-      <p:ext uri="{BB962C8B-B14F-4D97-AF65-F5344CB8AC3E}">
-        <p14:creationId xmlns:p14="http://schemas.microsoft.com/office/powerpoint/2010/main" val="546014010"/>
-      </p:ext>
-    </p:extLst>
-  </p:cSld>
-  <p:clrMapOvr>
-    <a:masterClrMapping/>
-  </p:clrMapOvr>
-</p:sld>
-</file>
-
-<file path=ppt/slides/slide8.xml><?xml version="1.0" encoding="utf-8"?>
-<p:sld xmlns:a="http://schemas.openxmlformats.org/drawingml/2006/main" xmlns:r="http://schemas.openxmlformats.org/officeDocument/2006/relationships" xmlns:p="http://schemas.openxmlformats.org/presentationml/2006/main">
-  <p:cSld>
-    <p:spTree>
-      <p:nvGrpSpPr>
-        <p:cNvPr id="1" name=""/>
-        <p:cNvGrpSpPr/>
-        <p:nvPr/>
-      </p:nvGrpSpPr>
-      <p:grpSpPr>
-        <a:xfrm>
-          <a:off x="0" y="0"/>
-          <a:ext cx="0" cy="0"/>
-          <a:chOff x="0" y="0"/>
-          <a:chExt cx="0" cy="0"/>
-        </a:xfrm>
-      </p:grpSpPr>
-      <p:sp>
-        <p:nvSpPr>
-          <p:cNvPr id="6" name="TextBox 5"/>
-          <p:cNvSpPr txBox="1"/>
-          <p:nvPr/>
-        </p:nvSpPr>
-        <p:spPr>
-          <a:xfrm>
-            <a:off x="1034471" y="471053"/>
-            <a:ext cx="8127999" cy="1938992"/>
-          </a:xfrm>
-          <a:prstGeom prst="rect">
-            <a:avLst/>
-          </a:prstGeom>
-          <a:noFill/>
-        </p:spPr>
-        <p:txBody>
-          <a:bodyPr wrap="square" rtlCol="0">
-            <a:spAutoFit/>
-          </a:bodyPr>
-          <a:lstStyle/>
-          <a:p>
-            <a:r>
-              <a:rPr lang="en-US" sz="2400" u="sng" dirty="0"/>
-              <a:t>Weighted Average</a:t>
-            </a:r>
-          </a:p>
-          <a:p>
-            <a:endParaRPr lang="en-US" sz="2400" u="sng" dirty="0"/>
-          </a:p>
-          <a:p>
-            <a:r>
-              <a:rPr lang="en-US" sz="2400" dirty="0"/>
-              <a:t>Example:</a:t>
-            </a:r>
-          </a:p>
-          <a:p>
-            <a:r>
-              <a:rPr lang="en-US" sz="2400" dirty="0"/>
-              <a:t>A user has rated Joke B thru F, but has not rated Joke A. Predict this user’s rating for Joke A.</a:t>
-            </a:r>
-          </a:p>
-        </p:txBody>
-      </p:sp>
-      <p:sp>
-        <p:nvSpPr>
-          <p:cNvPr id="7" name="TextBox 6"/>
-          <p:cNvSpPr txBox="1"/>
-          <p:nvPr/>
-        </p:nvSpPr>
-        <p:spPr>
-          <a:xfrm>
-            <a:off x="855519" y="5327784"/>
-            <a:ext cx="5721927" cy="461665"/>
-          </a:xfrm>
-          <a:prstGeom prst="rect">
-            <a:avLst/>
-          </a:prstGeom>
-          <a:noFill/>
-        </p:spPr>
-        <p:txBody>
-          <a:bodyPr wrap="square" rtlCol="0">
-            <a:spAutoFit/>
-          </a:bodyPr>
-          <a:lstStyle/>
-          <a:p>
-            <a:r>
-              <a:rPr lang="en-US" sz="2400" dirty="0"/>
-              <a:t>Joke A rating prediction = 5.558 / 0.87 = 6.4</a:t>
-            </a:r>
-          </a:p>
-        </p:txBody>
-      </p:sp>
-      <p:graphicFrame>
-        <p:nvGraphicFramePr>
-          <p:cNvPr id="8" name="Table 7"/>
-          <p:cNvGraphicFramePr>
-            <a:graphicFrameLocks noGrp="1"/>
-          </p:cNvGraphicFramePr>
-          <p:nvPr>
-            <p:extLst>
-              <p:ext uri="{D42A27DB-BD31-4B8C-83A1-F6EECF244321}">
-                <p14:modId xmlns:p14="http://schemas.microsoft.com/office/powerpoint/2010/main" val="1128303004"/>
-              </p:ext>
-            </p:extLst>
-          </p:nvPr>
-        </p:nvGraphicFramePr>
-        <p:xfrm>
-          <a:off x="879764" y="2808720"/>
-          <a:ext cx="9441873" cy="2123497"/>
-        </p:xfrm>
-        <a:graphic>
-          <a:graphicData uri="http://schemas.openxmlformats.org/drawingml/2006/table">
-            <a:tbl>
-              <a:tblPr firstRow="1" bandRow="1">
-                <a:tableStyleId>{5940675A-B579-460E-94D1-54222C63F5DA}</a:tableStyleId>
-              </a:tblPr>
-              <a:tblGrid>
-                <a:gridCol w="3147291">
-                  <a:extLst>
-                    <a:ext uri="{9D8B030D-6E8A-4147-A177-3AD203B41FA5}">
-                      <a16:colId xmlns:a16="http://schemas.microsoft.com/office/drawing/2014/main" val="1186069382"/>
-                    </a:ext>
-                  </a:extLst>
-                </a:gridCol>
-                <a:gridCol w="3147291">
-                  <a:extLst>
-                    <a:ext uri="{9D8B030D-6E8A-4147-A177-3AD203B41FA5}">
-                      <a16:colId xmlns:a16="http://schemas.microsoft.com/office/drawing/2014/main" val="915706875"/>
-                    </a:ext>
-                  </a:extLst>
-                </a:gridCol>
-                <a:gridCol w="3147291">
-                  <a:extLst>
-                    <a:ext uri="{9D8B030D-6E8A-4147-A177-3AD203B41FA5}">
-                      <a16:colId xmlns:a16="http://schemas.microsoft.com/office/drawing/2014/main" val="727965813"/>
-                    </a:ext>
-                  </a:extLst>
-                </a:gridCol>
-              </a:tblGrid>
-              <a:tr h="350066">
-                <a:tc>
-                  <a:txBody>
-                    <a:bodyPr/>
-                    <a:lstStyle/>
-                    <a:p>
-                      <a:pPr algn="l" rtl="0" fontAlgn="ctr"/>
-                      <a:r>
-                        <a:rPr lang="pt-BR" sz="2200" u="none" strike="noStrike">
-                          <a:effectLst/>
-                        </a:rPr>
-                        <a:t>Sim(Joke A, Joke B) = 0.32</a:t>
-                      </a:r>
-                      <a:endParaRPr lang="pt-BR" sz="2200" b="0" i="0" u="none" strike="noStrike">
-                        <a:solidFill>
-                          <a:srgbClr val="000000"/>
-                        </a:solidFill>
-                        <a:effectLst/>
-                        <a:latin typeface="Calibri" panose="020F0502020204030204" pitchFamily="34" charset="0"/>
-                      </a:endParaRPr>
-                    </a:p>
-                  </a:txBody>
-                  <a:tcPr marL="8912" marR="8912" marT="8912" marB="0" anchor="ctr"/>
-                </a:tc>
-                <a:tc>
-                  <a:txBody>
-                    <a:bodyPr/>
-                    <a:lstStyle/>
-                    <a:p>
-                      <a:pPr algn="l" rtl="0" fontAlgn="ctr"/>
-                      <a:r>
-                        <a:rPr lang="en-US" sz="2200" u="none" strike="noStrike" dirty="0">
-                          <a:effectLst/>
-                        </a:rPr>
-                        <a:t> Joke B Rating = 8.2</a:t>
-                      </a:r>
-                      <a:endParaRPr lang="en-US" sz="2200" b="0" i="0" u="none" strike="noStrike" dirty="0">
-                        <a:solidFill>
-                          <a:srgbClr val="000000"/>
-                        </a:solidFill>
-                        <a:effectLst/>
-                        <a:latin typeface="Calibri" panose="020F0502020204030204" pitchFamily="34" charset="0"/>
-                      </a:endParaRPr>
-                    </a:p>
-                  </a:txBody>
-                  <a:tcPr marL="8912" marR="8912" marT="8912" marB="0" anchor="ctr"/>
-                </a:tc>
-                <a:tc>
-                  <a:txBody>
-                    <a:bodyPr/>
-                    <a:lstStyle/>
-                    <a:p>
-                      <a:pPr algn="l" rtl="0" fontAlgn="ctr"/>
-                      <a:r>
-                        <a:rPr lang="en-US" sz="2200" u="none" strike="noStrike" dirty="0">
-                          <a:effectLst/>
-                        </a:rPr>
-                        <a:t> 0.32x8.2 = 2.624</a:t>
-                      </a:r>
-                      <a:endParaRPr lang="en-US" sz="2200" b="0" i="0" u="none" strike="noStrike" dirty="0">
-                        <a:solidFill>
-                          <a:srgbClr val="000000"/>
-                        </a:solidFill>
-                        <a:effectLst/>
-                        <a:latin typeface="Calibri" panose="020F0502020204030204" pitchFamily="34" charset="0"/>
-                      </a:endParaRPr>
-                    </a:p>
-                  </a:txBody>
-                  <a:tcPr marL="8912" marR="8912" marT="8912" marB="0" anchor="ctr"/>
-                </a:tc>
-                <a:extLst>
-                  <a:ext uri="{0D108BD9-81ED-4DB2-BD59-A6C34878D82A}">
-                    <a16:rowId xmlns:a16="http://schemas.microsoft.com/office/drawing/2014/main" val="4271020152"/>
-                  </a:ext>
-                </a:extLst>
-              </a:tr>
-              <a:tr h="350066">
-                <a:tc>
-                  <a:txBody>
-                    <a:bodyPr/>
-                    <a:lstStyle/>
-                    <a:p>
-                      <a:pPr algn="l" rtl="0" fontAlgn="ctr"/>
-                      <a:r>
-                        <a:rPr lang="pt-BR" sz="2200" u="none" strike="noStrike">
-                          <a:effectLst/>
-                        </a:rPr>
-                        <a:t>Sim(Joke A, Joke C) = 0.21</a:t>
-                      </a:r>
-                      <a:endParaRPr lang="pt-BR" sz="2200" b="0" i="0" u="none" strike="noStrike">
-                        <a:solidFill>
-                          <a:srgbClr val="000000"/>
-                        </a:solidFill>
-                        <a:effectLst/>
-                        <a:latin typeface="Calibri" panose="020F0502020204030204" pitchFamily="34" charset="0"/>
-                      </a:endParaRPr>
-                    </a:p>
-                  </a:txBody>
-                  <a:tcPr marL="8912" marR="8912" marT="8912" marB="0" anchor="ctr"/>
-                </a:tc>
-                <a:tc>
-                  <a:txBody>
-                    <a:bodyPr/>
-                    <a:lstStyle/>
-                    <a:p>
-                      <a:pPr algn="l" rtl="0" fontAlgn="ctr"/>
-                      <a:r>
-                        <a:rPr lang="en-US" sz="2200" u="none" strike="noStrike" dirty="0">
-                          <a:effectLst/>
-                        </a:rPr>
-                        <a:t> Joke C Rating = 6.5</a:t>
-                      </a:r>
-                      <a:endParaRPr lang="en-US" sz="2200" b="0" i="0" u="none" strike="noStrike" dirty="0">
-                        <a:solidFill>
-                          <a:srgbClr val="000000"/>
-                        </a:solidFill>
-                        <a:effectLst/>
-                        <a:latin typeface="Calibri" panose="020F0502020204030204" pitchFamily="34" charset="0"/>
-                      </a:endParaRPr>
-                    </a:p>
-                  </a:txBody>
-                  <a:tcPr marL="8912" marR="8912" marT="8912" marB="0" anchor="ctr"/>
-                </a:tc>
-                <a:tc>
-                  <a:txBody>
-                    <a:bodyPr/>
-                    <a:lstStyle/>
-                    <a:p>
-                      <a:pPr algn="l" rtl="0" fontAlgn="ctr"/>
-                      <a:r>
-                        <a:rPr lang="en-US" sz="2200" u="none" strike="noStrike" dirty="0">
-                          <a:effectLst/>
-                        </a:rPr>
-                        <a:t> 0.21x6.5 = 1.365</a:t>
-                      </a:r>
-                      <a:endParaRPr lang="en-US" sz="2200" b="0" i="0" u="none" strike="noStrike" dirty="0">
-                        <a:solidFill>
-                          <a:srgbClr val="000000"/>
-                        </a:solidFill>
-                        <a:effectLst/>
-                        <a:latin typeface="Calibri" panose="020F0502020204030204" pitchFamily="34" charset="0"/>
-                      </a:endParaRPr>
-                    </a:p>
-                  </a:txBody>
-                  <a:tcPr marL="8912" marR="8912" marT="8912" marB="0" anchor="ctr"/>
-                </a:tc>
-                <a:extLst>
-                  <a:ext uri="{0D108BD9-81ED-4DB2-BD59-A6C34878D82A}">
-                    <a16:rowId xmlns:a16="http://schemas.microsoft.com/office/drawing/2014/main" val="95788725"/>
-                  </a:ext>
-                </a:extLst>
-              </a:tr>
-              <a:tr h="350066">
-                <a:tc>
-                  <a:txBody>
-                    <a:bodyPr/>
-                    <a:lstStyle/>
-                    <a:p>
-                      <a:pPr algn="l" rtl="0" fontAlgn="ctr"/>
-                      <a:r>
-                        <a:rPr lang="pt-BR" sz="2200" u="none" strike="noStrike">
-                          <a:effectLst/>
-                        </a:rPr>
-                        <a:t>Sim(Joke A, Joke D) = 0.16</a:t>
-                      </a:r>
-                      <a:endParaRPr lang="pt-BR" sz="2200" b="0" i="0" u="none" strike="noStrike">
-                        <a:solidFill>
-                          <a:srgbClr val="000000"/>
-                        </a:solidFill>
-                        <a:effectLst/>
-                        <a:latin typeface="Calibri" panose="020F0502020204030204" pitchFamily="34" charset="0"/>
-                      </a:endParaRPr>
-                    </a:p>
-                  </a:txBody>
-                  <a:tcPr marL="8912" marR="8912" marT="8912" marB="0" anchor="ctr"/>
-                </a:tc>
-                <a:tc>
-                  <a:txBody>
-                    <a:bodyPr/>
-                    <a:lstStyle/>
-                    <a:p>
-                      <a:pPr algn="l" rtl="0" fontAlgn="ctr"/>
-                      <a:r>
-                        <a:rPr lang="en-US" sz="2200" u="none" strike="noStrike" dirty="0">
-                          <a:effectLst/>
-                        </a:rPr>
-                        <a:t> Joke D Rating = 5.5</a:t>
-                      </a:r>
-                      <a:endParaRPr lang="en-US" sz="2200" b="0" i="0" u="none" strike="noStrike" dirty="0">
-                        <a:solidFill>
-                          <a:srgbClr val="000000"/>
-                        </a:solidFill>
-                        <a:effectLst/>
-                        <a:latin typeface="Calibri" panose="020F0502020204030204" pitchFamily="34" charset="0"/>
-                      </a:endParaRPr>
-                    </a:p>
-                  </a:txBody>
-                  <a:tcPr marL="8912" marR="8912" marT="8912" marB="0" anchor="ctr"/>
-                </a:tc>
-                <a:tc>
-                  <a:txBody>
-                    <a:bodyPr/>
-                    <a:lstStyle/>
-                    <a:p>
-                      <a:pPr algn="l" rtl="0" fontAlgn="ctr"/>
-                      <a:r>
-                        <a:rPr lang="en-US" sz="2200" u="none" strike="noStrike" dirty="0">
-                          <a:effectLst/>
-                        </a:rPr>
-                        <a:t> 0.16x5.5 = 0.88</a:t>
-                      </a:r>
-                      <a:endParaRPr lang="en-US" sz="2200" b="0" i="0" u="none" strike="noStrike" dirty="0">
-                        <a:solidFill>
-                          <a:srgbClr val="000000"/>
-                        </a:solidFill>
-                        <a:effectLst/>
-                        <a:latin typeface="Calibri" panose="020F0502020204030204" pitchFamily="34" charset="0"/>
-                      </a:endParaRPr>
-                    </a:p>
-                  </a:txBody>
-                  <a:tcPr marL="8912" marR="8912" marT="8912" marB="0" anchor="ctr"/>
-                </a:tc>
-                <a:extLst>
-                  <a:ext uri="{0D108BD9-81ED-4DB2-BD59-A6C34878D82A}">
-                    <a16:rowId xmlns:a16="http://schemas.microsoft.com/office/drawing/2014/main" val="1277601074"/>
-                  </a:ext>
-                </a:extLst>
-              </a:tr>
-              <a:tr h="350066">
-                <a:tc>
-                  <a:txBody>
-                    <a:bodyPr/>
-                    <a:lstStyle/>
-                    <a:p>
-                      <a:pPr algn="l" rtl="0" fontAlgn="ctr"/>
-                      <a:r>
-                        <a:rPr lang="pt-BR" sz="2200" u="none" strike="noStrike">
-                          <a:effectLst/>
-                        </a:rPr>
-                        <a:t>Sim(Joke A, Joke E) = 0.11</a:t>
-                      </a:r>
-                      <a:endParaRPr lang="pt-BR" sz="2200" b="0" i="0" u="none" strike="noStrike">
-                        <a:solidFill>
-                          <a:srgbClr val="000000"/>
-                        </a:solidFill>
-                        <a:effectLst/>
-                        <a:latin typeface="Calibri" panose="020F0502020204030204" pitchFamily="34" charset="0"/>
-                      </a:endParaRPr>
-                    </a:p>
-                  </a:txBody>
-                  <a:tcPr marL="8912" marR="8912" marT="8912" marB="0" anchor="ctr"/>
-                </a:tc>
-                <a:tc>
-                  <a:txBody>
-                    <a:bodyPr/>
-                    <a:lstStyle/>
-                    <a:p>
-                      <a:pPr algn="l" rtl="0" fontAlgn="ctr"/>
-                      <a:r>
-                        <a:rPr lang="en-US" sz="2200" u="none" strike="noStrike" dirty="0">
-                          <a:effectLst/>
-                        </a:rPr>
-                        <a:t> Joke E Rating = 9.0</a:t>
-                      </a:r>
-                      <a:endParaRPr lang="en-US" sz="2200" b="0" i="0" u="none" strike="noStrike" dirty="0">
-                        <a:solidFill>
-                          <a:srgbClr val="000000"/>
-                        </a:solidFill>
-                        <a:effectLst/>
-                        <a:latin typeface="Calibri" panose="020F0502020204030204" pitchFamily="34" charset="0"/>
-                      </a:endParaRPr>
-                    </a:p>
-                  </a:txBody>
-                  <a:tcPr marL="8912" marR="8912" marT="8912" marB="0" anchor="ctr"/>
-                </a:tc>
-                <a:tc>
-                  <a:txBody>
-                    <a:bodyPr/>
-                    <a:lstStyle/>
-                    <a:p>
-                      <a:pPr algn="l" rtl="0" fontAlgn="ctr"/>
-                      <a:r>
-                        <a:rPr lang="en-US" sz="2200" u="none" strike="noStrike" dirty="0">
-                          <a:effectLst/>
-                        </a:rPr>
-                        <a:t> 0.11x9.0 = 0.99</a:t>
-                      </a:r>
-                      <a:endParaRPr lang="en-US" sz="2200" b="0" i="0" u="none" strike="noStrike" dirty="0">
-                        <a:solidFill>
-                          <a:srgbClr val="000000"/>
-                        </a:solidFill>
-                        <a:effectLst/>
-                        <a:latin typeface="Calibri" panose="020F0502020204030204" pitchFamily="34" charset="0"/>
-                      </a:endParaRPr>
-                    </a:p>
-                  </a:txBody>
-                  <a:tcPr marL="8912" marR="8912" marT="8912" marB="0" anchor="ctr"/>
-                </a:tc>
-                <a:extLst>
-                  <a:ext uri="{0D108BD9-81ED-4DB2-BD59-A6C34878D82A}">
-                    <a16:rowId xmlns:a16="http://schemas.microsoft.com/office/drawing/2014/main" val="4175563822"/>
-                  </a:ext>
-                </a:extLst>
-              </a:tr>
-              <a:tr h="350066">
-                <a:tc>
-                  <a:txBody>
-                    <a:bodyPr/>
-                    <a:lstStyle/>
-                    <a:p>
-                      <a:pPr algn="l" rtl="0" fontAlgn="ctr"/>
-                      <a:r>
-                        <a:rPr lang="pt-BR" sz="2200" u="none" strike="noStrike">
-                          <a:effectLst/>
-                        </a:rPr>
-                        <a:t>Sim(Joke A, Joke F) = 0.07</a:t>
-                      </a:r>
-                      <a:endParaRPr lang="pt-BR" sz="2200" b="0" i="0" u="none" strike="noStrike">
-                        <a:solidFill>
-                          <a:srgbClr val="000000"/>
-                        </a:solidFill>
-                        <a:effectLst/>
-                        <a:latin typeface="Calibri" panose="020F0502020204030204" pitchFamily="34" charset="0"/>
-                      </a:endParaRPr>
-                    </a:p>
-                  </a:txBody>
-                  <a:tcPr marL="8912" marR="8912" marT="8912" marB="0" anchor="ctr"/>
-                </a:tc>
-                <a:tc>
-                  <a:txBody>
-                    <a:bodyPr/>
-                    <a:lstStyle/>
-                    <a:p>
-                      <a:pPr algn="l" rtl="0" fontAlgn="ctr"/>
-                      <a:r>
-                        <a:rPr lang="en-US" sz="2200" u="none" strike="noStrike" dirty="0">
-                          <a:effectLst/>
-                        </a:rPr>
-                        <a:t> Joke F Rating = -4.3</a:t>
-                      </a:r>
-                      <a:endParaRPr lang="en-US" sz="2200" b="0" i="0" u="none" strike="noStrike" dirty="0">
-                        <a:solidFill>
-                          <a:srgbClr val="000000"/>
-                        </a:solidFill>
-                        <a:effectLst/>
-                        <a:latin typeface="Calibri" panose="020F0502020204030204" pitchFamily="34" charset="0"/>
-                      </a:endParaRPr>
-                    </a:p>
-                  </a:txBody>
-                  <a:tcPr marL="8912" marR="8912" marT="8912" marB="0" anchor="ctr"/>
-                </a:tc>
-                <a:tc>
-                  <a:txBody>
-                    <a:bodyPr/>
-                    <a:lstStyle/>
-                    <a:p>
-                      <a:pPr algn="l" rtl="0" fontAlgn="ctr"/>
-                      <a:r>
-                        <a:rPr lang="en-US" sz="2200" u="none" strike="noStrike" dirty="0">
-                          <a:effectLst/>
-                        </a:rPr>
-                        <a:t> 0.07x-4.3 = -0.301</a:t>
-                      </a:r>
-                      <a:endParaRPr lang="en-US" sz="2200" b="0" i="0" u="none" strike="noStrike" dirty="0">
-                        <a:solidFill>
-                          <a:srgbClr val="000000"/>
-                        </a:solidFill>
-                        <a:effectLst/>
-                        <a:latin typeface="Calibri" panose="020F0502020204030204" pitchFamily="34" charset="0"/>
-                      </a:endParaRPr>
-                    </a:p>
-                  </a:txBody>
-                  <a:tcPr marL="8912" marR="8912" marT="8912" marB="0" anchor="ctr"/>
-                </a:tc>
-                <a:extLst>
-                  <a:ext uri="{0D108BD9-81ED-4DB2-BD59-A6C34878D82A}">
-                    <a16:rowId xmlns:a16="http://schemas.microsoft.com/office/drawing/2014/main" val="745913730"/>
-                  </a:ext>
-                </a:extLst>
-              </a:tr>
-              <a:tr h="373167">
-                <a:tc>
-                  <a:txBody>
-                    <a:bodyPr/>
-                    <a:lstStyle/>
-                    <a:p>
-                      <a:pPr algn="l" rtl="0" fontAlgn="ctr"/>
-                      <a:r>
-                        <a:rPr lang="en-US" sz="2200" u="none" strike="noStrike" dirty="0">
-                          <a:effectLst/>
-                        </a:rPr>
-                        <a:t>Sum = 0.87</a:t>
-                      </a:r>
-                      <a:endParaRPr lang="en-US" sz="2200" b="0" i="0" u="none" strike="noStrike" dirty="0">
-                        <a:solidFill>
-                          <a:srgbClr val="000000"/>
-                        </a:solidFill>
-                        <a:effectLst/>
-                        <a:latin typeface="Calibri" panose="020F0502020204030204" pitchFamily="34" charset="0"/>
-                      </a:endParaRPr>
-                    </a:p>
-                  </a:txBody>
-                  <a:tcPr marL="8912" marR="8912" marT="8912" marB="0" anchor="ctr"/>
-                </a:tc>
-                <a:tc>
-                  <a:txBody>
-                    <a:bodyPr/>
-                    <a:lstStyle/>
-                    <a:p>
-                      <a:pPr algn="l" fontAlgn="b"/>
-                      <a:r>
-                        <a:rPr lang="en-US" sz="1000" u="none" strike="noStrike">
-                          <a:effectLst/>
-                        </a:rPr>
-                        <a:t> </a:t>
-                      </a:r>
-                      <a:endParaRPr lang="en-US" sz="1000" b="0" i="0" u="none" strike="noStrike">
-                        <a:solidFill>
-                          <a:srgbClr val="000000"/>
-                        </a:solidFill>
-                        <a:effectLst/>
-                        <a:latin typeface="Calibri" panose="020F0502020204030204" pitchFamily="34" charset="0"/>
-                      </a:endParaRPr>
-                    </a:p>
-                  </a:txBody>
-                  <a:tcPr marL="8912" marR="8912" marT="8912" marB="0" anchor="b"/>
-                </a:tc>
-                <a:tc>
-                  <a:txBody>
-                    <a:bodyPr/>
-                    <a:lstStyle/>
-                    <a:p>
-                      <a:pPr algn="l" rtl="0" fontAlgn="ctr"/>
-                      <a:r>
-                        <a:rPr lang="en-US" sz="2200" u="none" strike="noStrike" dirty="0">
-                          <a:effectLst/>
-                        </a:rPr>
-                        <a:t>Sum = 5.558</a:t>
-                      </a:r>
-                      <a:endParaRPr lang="en-US" sz="2200" b="0" i="0" u="none" strike="noStrike" dirty="0">
-                        <a:solidFill>
-                          <a:srgbClr val="000000"/>
-                        </a:solidFill>
-                        <a:effectLst/>
-                        <a:latin typeface="Calibri" panose="020F0502020204030204" pitchFamily="34" charset="0"/>
-                      </a:endParaRPr>
-                    </a:p>
-                  </a:txBody>
-                  <a:tcPr marL="8912" marR="8912" marT="8912" marB="0" anchor="ctr"/>
-                </a:tc>
-                <a:extLst>
-                  <a:ext uri="{0D108BD9-81ED-4DB2-BD59-A6C34878D82A}">
-                    <a16:rowId xmlns:a16="http://schemas.microsoft.com/office/drawing/2014/main" val="1432128986"/>
-                  </a:ext>
-                </a:extLst>
-              </a:tr>
-            </a:tbl>
-          </a:graphicData>
-        </a:graphic>
-      </p:graphicFrame>
-      <p:sp>
-        <p:nvSpPr>
-          <p:cNvPr id="10" name="Rectangle 9"/>
-          <p:cNvSpPr/>
-          <p:nvPr/>
-        </p:nvSpPr>
-        <p:spPr>
-          <a:xfrm>
-            <a:off x="855519" y="6185016"/>
-            <a:ext cx="5474768" cy="369332"/>
-          </a:xfrm>
-          <a:prstGeom prst="rect">
-            <a:avLst/>
-          </a:prstGeom>
-        </p:spPr>
-        <p:txBody>
-          <a:bodyPr wrap="none">
-            <a:spAutoFit/>
-          </a:bodyPr>
-          <a:lstStyle/>
-          <a:p>
-            <a:r>
-              <a:rPr lang="en-US" dirty="0"/>
-              <a:t>Implementation: </a:t>
-            </a:r>
-            <a:r>
-              <a:rPr lang="en-US" dirty="0">
-                <a:hlinkClick r:id="rId2"/>
-              </a:rPr>
-              <a:t>http://rpubs.com/azureblue83/327856</a:t>
-            </a:r>
-            <a:endParaRPr lang="en-US" dirty="0"/>
-          </a:p>
-        </p:txBody>
-      </p:sp>
-    </p:spTree>
-    <p:extLst>
-      <p:ext uri="{BB962C8B-B14F-4D97-AF65-F5344CB8AC3E}">
-        <p14:creationId xmlns:p14="http://schemas.microsoft.com/office/powerpoint/2010/main" val="2931215967"/>
-      </p:ext>
-    </p:extLst>
-  </p:cSld>
-  <p:clrMapOvr>
-    <a:masterClrMapping/>
-  </p:clrMapOvr>
-</p:sld>
-</file>
-
-<file path=ppt/slides/slide9.xml><?xml version="1.0" encoding="utf-8"?>
-<p:sld xmlns:a="http://schemas.openxmlformats.org/drawingml/2006/main" xmlns:r="http://schemas.openxmlformats.org/officeDocument/2006/relationships" xmlns:p="http://schemas.openxmlformats.org/presentationml/2006/main">
-  <p:cSld>
-    <p:spTree>
-      <p:nvGrpSpPr>
-        <p:cNvPr id="1" name=""/>
-        <p:cNvGrpSpPr/>
-        <p:nvPr/>
-      </p:nvGrpSpPr>
-      <p:grpSpPr>
-        <a:xfrm>
-          <a:off x="0" y="0"/>
-          <a:ext cx="0" cy="0"/>
-          <a:chOff x="0" y="0"/>
-          <a:chExt cx="0" cy="0"/>
-        </a:xfrm>
-      </p:grpSpPr>
-      <p:pic>
-        <p:nvPicPr>
-          <p:cNvPr id="5" name="Picture 4"/>
-          <p:cNvPicPr>
-            <a:picLocks noChangeAspect="1"/>
-          </p:cNvPicPr>
-          <p:nvPr/>
-        </p:nvPicPr>
-        <p:blipFill>
-          <a:blip r:embed="rId2"/>
-          <a:stretch>
-            <a:fillRect/>
-          </a:stretch>
-        </p:blipFill>
-        <p:spPr>
-          <a:xfrm>
-            <a:off x="419099" y="169314"/>
-            <a:ext cx="8053140" cy="2810369"/>
-          </a:xfrm>
-          <a:prstGeom prst="rect">
-            <a:avLst/>
-          </a:prstGeom>
-        </p:spPr>
-      </p:pic>
-      <p:pic>
-        <p:nvPicPr>
-          <p:cNvPr id="6" name="Picture 5"/>
-          <p:cNvPicPr>
-            <a:picLocks noChangeAspect="1"/>
-          </p:cNvPicPr>
-          <p:nvPr/>
-        </p:nvPicPr>
-        <p:blipFill>
-          <a:blip r:embed="rId3"/>
-          <a:stretch>
-            <a:fillRect/>
-          </a:stretch>
-        </p:blipFill>
-        <p:spPr>
-          <a:xfrm>
-            <a:off x="419099" y="3247698"/>
-            <a:ext cx="11174650" cy="3074274"/>
-          </a:xfrm>
-          <a:prstGeom prst="rect">
-            <a:avLst/>
-          </a:prstGeom>
-        </p:spPr>
-      </p:pic>
-    </p:spTree>
-    <p:extLst>
-      <p:ext uri="{BB962C8B-B14F-4D97-AF65-F5344CB8AC3E}">
-        <p14:creationId xmlns:p14="http://schemas.microsoft.com/office/powerpoint/2010/main" val="3028914693"/>
-      </p:ext>
-    </p:extLst>
-  </p:cSld>
-  <p:clrMapOvr>
-    <a:masterClrMapping/>
-  </p:clrMapOvr>
-</p:sld>
-</file>
-
 <file path=ppt/theme/theme1.xml><?xml version="1.0" encoding="utf-8"?>
-<a:theme xmlns:a="http://schemas.openxmlformats.org/drawingml/2006/main" name="Office Theme">
+<a:theme xmlns:a="http://schemas.openxmlformats.org/drawingml/2006/main" name="View">
   <a:themeElements>
-    <a:clrScheme name="Office">
+    <a:clrScheme name="View">
       <a:dk1>
-        <a:sysClr val="windowText" lastClr="000000"/>
+        <a:srgbClr val="000000"/>
       </a:dk1>
       <a:lt1>
-        <a:sysClr val="window" lastClr="FFFFFF"/>
+        <a:srgbClr val="FFFFFF"/>
       </a:lt1>
       <a:dk2>
-        <a:srgbClr val="44546A"/>
+        <a:srgbClr val="46464A"/>
       </a:dk2>
       <a:lt2>
-        <a:srgbClr val="E7E6E6"/>
+        <a:srgbClr val="D6D3CC"/>
       </a:lt2>
       <a:accent1>
-        <a:srgbClr val="4472C4"/>
+        <a:srgbClr val="6F6F74"/>
       </a:accent1>
       <a:accent2>
-        <a:srgbClr val="ED7D31"/>
+        <a:srgbClr val="92A9B9"/>
       </a:accent2>
       <a:accent3>
-        <a:srgbClr val="A5A5A5"/>
+        <a:srgbClr val="A7B789"/>
       </a:accent3>
       <a:accent4>
-        <a:srgbClr val="FFC000"/>
+        <a:srgbClr val="B9A489"/>
       </a:accent4>
       <a:accent5>
-        <a:srgbClr val="5B9BD5"/>
+        <a:srgbClr val="8D6374"/>
       </a:accent5>
       <a:accent6>
-        <a:srgbClr val="70AD47"/>
+        <a:srgbClr val="9B7362"/>
       </a:accent6>
       <a:hlink>
-        <a:srgbClr val="0563C1"/>
+        <a:srgbClr val="67AABF"/>
       </a:hlink>
       <a:folHlink>
-        <a:srgbClr val="954F72"/>
+        <a:srgbClr val="ABAFA5"/>
       </a:folHlink>
     </a:clrScheme>
-    <a:fontScheme name="Office">
+    <a:fontScheme name="View">
       <a:majorFont>
-        <a:latin typeface="Calibri Light" panose="020F0302020204030204"/>
+        <a:latin typeface="Century Schoolbook" panose="02040604050505020304"/>
         <a:ea typeface=""/>
         <a:cs typeface=""/>
-        <a:font script="Jpan" typeface="游ゴシック Light"/>
+        <a:font script="Jpan" typeface="ＭＳ ゴシック"/>
         <a:font script="Hang" typeface="맑은 고딕"/>
-        <a:font script="Hans" typeface="等线 Light"/>
+        <a:font script="Hans" typeface="宋体"/>
         <a:font script="Hant" typeface="新細明體"/>
-        <a:font script="Arab" typeface="Times New Roman"/>
-        <a:font script="Hebr" typeface="Times New Roman"/>
-        <a:font script="Thai" typeface="Angsana New"/>
-        <a:font script="Ethi" typeface="Nyala"/>
-        <a:font script="Beng" typeface="Vrinda"/>
-        <a:font script="Gujr" typeface="Shruti"/>
-        <a:font script="Khmr" typeface="MoolBoran"/>
-        <a:font script="Knda" typeface="Tunga"/>
-        <a:font script="Guru" typeface="Raavi"/>
-        <a:font script="Cans" typeface="Euphemia"/>
-        <a:font script="Cher" typeface="Plantagenet Cherokee"/>
-        <a:font script="Yiii" typeface="Microsoft Yi Baiti"/>
-        <a:font script="Tibt" typeface="Microsoft Himalaya"/>
-        <a:font script="Thaa" typeface="MV Boli"/>
-        <a:font script="Deva" typeface="Mangal"/>
-        <a:font script="Telu" typeface="Gautami"/>
-        <a:font script="Taml" typeface="Latha"/>
-        <a:font script="Syrc" typeface="Estrangelo Edessa"/>
-        <a:font script="Orya" typeface="Kalinga"/>
-        <a:font script="Mlym" typeface="Kartika"/>
-        <a:font script="Laoo" typeface="DokChampa"/>
-        <a:font script="Sinh" typeface="Iskoola Pota"/>
-        <a:font script="Mong" typeface="Mongolian Baiti"/>
-        <a:font script="Viet" typeface="Times New Roman"/>
-        <a:font script="Uigh" typeface="Microsoft Uighur"/>
-        <a:font script="Geor" typeface="Sylfaen"/>
-        <a:font script="Armn" typeface="Arial"/>
-        <a:font script="Bugi" typeface="Leelawadee UI"/>
-        <a:font script="Bopo" typeface="Microsoft JhengHei"/>
-        <a:font script="Java" typeface="Javanese Text"/>
-        <a:font script="Lisu" typeface="Segoe UI"/>
-        <a:font script="Mymr" typeface="Myanmar Text"/>
-        <a:font script="Nkoo" typeface="Ebrima"/>
-        <a:font script="Olck" typeface="Nirmala UI"/>
-        <a:font script="Osma" typeface="Ebrima"/>
-        <a:font script="Phag" typeface="Phagspa"/>
-        <a:font script="Syrn" typeface="Estrangelo Edessa"/>
-        <a:font script="Syrj" typeface="Estrangelo Edessa"/>
-        <a:font script="Syre" typeface="Estrangelo Edessa"/>
-        <a:font script="Sora" typeface="Nirmala UI"/>
-        <a:font script="Tale" typeface="Microsoft Tai Le"/>
-        <a:font script="Talu" typeface="Microsoft New Tai Lue"/>
-        <a:font script="Tfng" typeface="Ebrima"/>
-      </a:majorFont>
-      <a:minorFont>
-        <a:latin typeface="Calibri" panose="020F0502020204030204"/>
-        <a:ea typeface=""/>
-        <a:cs typeface=""/>
-        <a:font script="Jpan" typeface="游ゴシック"/>
-        <a:font script="Hang" typeface="맑은 고딕"/>
-        <a:font script="Hans" typeface="等线"/>
-        <a:font script="Hant" typeface="新細明體"/>
-        <a:font script="Arab" typeface="Arial"/>
-        <a:font script="Hebr" typeface="Arial"/>
-        <a:font script="Thai" typeface="Cordia New"/>
+        <a:font script="Arab" typeface="Tahoma"/>
+        <a:font script="Hebr" typeface="Gisha"/>
+        <a:font script="Thai" typeface="DilleniaUPC"/>
         <a:font script="Ethi" typeface="Nyala"/>
         <a:font script="Beng" typeface="Vrinda"/>
         <a:font script="Gujr" typeface="Shruti"/>
@@ -6141,107 +4868,86 @@
         <a:font script="Laoo" typeface="DokChampa"/>
         <a:font script="Sinh" typeface="Iskoola Pota"/>
         <a:font script="Mong" typeface="Mongolian Baiti"/>
-        <a:font script="Viet" typeface="Arial"/>
+        <a:font script="Viet" typeface="Tahoma"/>
         <a:font script="Uigh" typeface="Microsoft Uighur"/>
         <a:font script="Geor" typeface="Sylfaen"/>
-        <a:font script="Armn" typeface="Arial"/>
-        <a:font script="Bugi" typeface="Leelawadee UI"/>
-        <a:font script="Bopo" typeface="Microsoft JhengHei"/>
-        <a:font script="Java" typeface="Javanese Text"/>
-        <a:font script="Lisu" typeface="Segoe UI"/>
-        <a:font script="Mymr" typeface="Myanmar Text"/>
-        <a:font script="Nkoo" typeface="Ebrima"/>
-        <a:font script="Olck" typeface="Nirmala UI"/>
-        <a:font script="Osma" typeface="Ebrima"/>
-        <a:font script="Phag" typeface="Phagspa"/>
-        <a:font script="Syrn" typeface="Estrangelo Edessa"/>
-        <a:font script="Syrj" typeface="Estrangelo Edessa"/>
-        <a:font script="Syre" typeface="Estrangelo Edessa"/>
-        <a:font script="Sora" typeface="Nirmala UI"/>
-        <a:font script="Tale" typeface="Microsoft Tai Le"/>
-        <a:font script="Talu" typeface="Microsoft New Tai Lue"/>
-        <a:font script="Tfng" typeface="Ebrima"/>
+      </a:majorFont>
+      <a:minorFont>
+        <a:latin typeface="Century Schoolbook" panose="02040604050505020304"/>
+        <a:ea typeface=""/>
+        <a:cs typeface=""/>
+        <a:font script="Jpan" typeface="ＭＳ ゴシック"/>
+        <a:font script="Hang" typeface="맑은 고딕"/>
+        <a:font script="Hans" typeface="宋体"/>
+        <a:font script="Hant" typeface="新細明體"/>
+        <a:font script="Arab" typeface="Tahoma"/>
+        <a:font script="Hebr" typeface="Gisha"/>
+        <a:font script="Thai" typeface="DilleniaUPC"/>
+        <a:font script="Ethi" typeface="Nyala"/>
+        <a:font script="Beng" typeface="Vrinda"/>
+        <a:font script="Gujr" typeface="Shruti"/>
+        <a:font script="Khmr" typeface="DaunPenh"/>
+        <a:font script="Knda" typeface="Tunga"/>
+        <a:font script="Guru" typeface="Raavi"/>
+        <a:font script="Cans" typeface="Euphemia"/>
+        <a:font script="Cher" typeface="Plantagenet Cherokee"/>
+        <a:font script="Yiii" typeface="Microsoft Yi Baiti"/>
+        <a:font script="Tibt" typeface="Microsoft Himalaya"/>
+        <a:font script="Thaa" typeface="MV Boli"/>
+        <a:font script="Deva" typeface="Mangal"/>
+        <a:font script="Telu" typeface="Gautami"/>
+        <a:font script="Taml" typeface="Latha"/>
+        <a:font script="Syrc" typeface="Estrangelo Edessa"/>
+        <a:font script="Orya" typeface="Kalinga"/>
+        <a:font script="Mlym" typeface="Kartika"/>
+        <a:font script="Laoo" typeface="DokChampa"/>
+        <a:font script="Sinh" typeface="Iskoola Pota"/>
+        <a:font script="Mong" typeface="Mongolian Baiti"/>
+        <a:font script="Viet" typeface="Verdana"/>
+        <a:font script="Uigh" typeface="Microsoft Uighur"/>
+        <a:font script="Geor" typeface="Sylfaen"/>
       </a:minorFont>
     </a:fontScheme>
-    <a:fmtScheme name="Office">
+    <a:fmtScheme name="View">
       <a:fillStyleLst>
         <a:solidFill>
           <a:schemeClr val="phClr"/>
         </a:solidFill>
-        <a:gradFill rotWithShape="1">
-          <a:gsLst>
-            <a:gs pos="0">
-              <a:schemeClr val="phClr">
-                <a:lumMod val="110000"/>
-                <a:satMod val="105000"/>
-                <a:tint val="67000"/>
-              </a:schemeClr>
-            </a:gs>
-            <a:gs pos="50000">
-              <a:schemeClr val="phClr">
-                <a:lumMod val="105000"/>
-                <a:satMod val="103000"/>
-                <a:tint val="73000"/>
-              </a:schemeClr>
-            </a:gs>
-            <a:gs pos="100000">
-              <a:schemeClr val="phClr">
-                <a:lumMod val="105000"/>
-                <a:satMod val="109000"/>
-                <a:tint val="81000"/>
-              </a:schemeClr>
-            </a:gs>
-          </a:gsLst>
-          <a:lin ang="5400000" scaled="0"/>
-        </a:gradFill>
-        <a:gradFill rotWithShape="1">
-          <a:gsLst>
-            <a:gs pos="0">
-              <a:schemeClr val="phClr">
-                <a:satMod val="103000"/>
-                <a:lumMod val="102000"/>
-                <a:tint val="94000"/>
-              </a:schemeClr>
-            </a:gs>
-            <a:gs pos="50000">
-              <a:schemeClr val="phClr">
-                <a:satMod val="110000"/>
-                <a:lumMod val="100000"/>
-                <a:shade val="100000"/>
-              </a:schemeClr>
-            </a:gs>
-            <a:gs pos="100000">
-              <a:schemeClr val="phClr">
-                <a:lumMod val="99000"/>
-                <a:satMod val="120000"/>
-                <a:shade val="78000"/>
-              </a:schemeClr>
-            </a:gs>
-          </a:gsLst>
-          <a:lin ang="5400000" scaled="0"/>
-        </a:gradFill>
+        <a:solidFill>
+          <a:schemeClr val="phClr">
+            <a:tint val="60000"/>
+            <a:satMod val="120000"/>
+          </a:schemeClr>
+        </a:solidFill>
+        <a:solidFill>
+          <a:schemeClr val="phClr">
+            <a:shade val="75000"/>
+            <a:satMod val="160000"/>
+          </a:schemeClr>
+        </a:solidFill>
       </a:fillStyleLst>
       <a:lnStyleLst>
-        <a:ln w="6350" cap="flat" cmpd="sng" algn="ctr">
+        <a:ln w="9525" cap="flat" cmpd="sng" algn="ctr">
           <a:solidFill>
             <a:schemeClr val="phClr"/>
           </a:solidFill>
           <a:prstDash val="solid"/>
-          <a:miter lim="800000"/>
         </a:ln>
-        <a:ln w="12700" cap="flat" cmpd="sng" algn="ctr">
+        <a:ln w="13970" cap="flat" cmpd="sng" algn="ctr">
           <a:solidFill>
             <a:schemeClr val="phClr"/>
           </a:solidFill>
           <a:prstDash val="solid"/>
-          <a:miter lim="800000"/>
         </a:ln>
-        <a:ln w="19050" cap="flat" cmpd="sng" algn="ctr">
+        <a:ln w="17145" cap="flat" cmpd="sng" algn="ctr">
           <a:solidFill>
-            <a:schemeClr val="phClr"/>
+            <a:schemeClr val="phClr">
+              <a:shade val="95000"/>
+              <a:alpha val="95000"/>
+              <a:satMod val="150000"/>
+            </a:schemeClr>
           </a:solidFill>
           <a:prstDash val="solid"/>
-          <a:miter lim="800000"/>
         </a:ln>
       </a:lnStyleLst>
       <a:effectStyleLst>
@@ -6249,16 +4955,52 @@
           <a:effectLst/>
         </a:effectStyle>
         <a:effectStyle>
-          <a:effectLst/>
+          <a:effectLst>
+            <a:outerShdw blurRad="50800" dist="15240" dir="5400000" algn="tl" rotWithShape="0">
+              <a:srgbClr val="000000">
+                <a:alpha val="75000"/>
+              </a:srgbClr>
+            </a:outerShdw>
+          </a:effectLst>
+          <a:scene3d>
+            <a:camera prst="orthographicFront">
+              <a:rot lat="0" lon="0" rev="0"/>
+            </a:camera>
+            <a:lightRig rig="brightRoom" dir="tl"/>
+          </a:scene3d>
+          <a:sp3d contourW="9525" prstMaterial="flat">
+            <a:bevelT w="0" h="0" prst="coolSlant"/>
+            <a:contourClr>
+              <a:schemeClr val="phClr">
+                <a:shade val="35000"/>
+                <a:satMod val="130000"/>
+              </a:schemeClr>
+            </a:contourClr>
+          </a:sp3d>
         </a:effectStyle>
         <a:effectStyle>
           <a:effectLst>
-            <a:outerShdw blurRad="57150" dist="19050" dir="5400000" algn="ctr" rotWithShape="0">
+            <a:outerShdw blurRad="76200" dist="25400" dir="5400000" algn="tl" rotWithShape="0">
               <a:srgbClr val="000000">
-                <a:alpha val="63000"/>
+                <a:alpha val="55000"/>
               </a:srgbClr>
             </a:outerShdw>
           </a:effectLst>
+          <a:scene3d>
+            <a:camera prst="orthographicFront">
+              <a:rot lat="0" lon="0" rev="0"/>
+            </a:camera>
+            <a:lightRig rig="brightRoom" dir="tl"/>
+          </a:scene3d>
+          <a:sp3d contourW="19050" prstMaterial="flat">
+            <a:bevelT w="0" h="0" prst="coolSlant"/>
+            <a:contourClr>
+              <a:schemeClr val="phClr">
+                <a:shade val="25000"/>
+                <a:satMod val="140000"/>
+              </a:schemeClr>
+            </a:contourClr>
+          </a:sp3d>
         </a:effectStyle>
       </a:effectStyleLst>
       <a:bgFillStyleLst>
@@ -6275,28 +5017,23 @@
           <a:gsLst>
             <a:gs pos="0">
               <a:schemeClr val="phClr">
-                <a:tint val="93000"/>
-                <a:satMod val="150000"/>
+                <a:tint val="94000"/>
                 <a:shade val="98000"/>
+                <a:satMod val="130000"/>
                 <a:lumMod val="102000"/>
-              </a:schemeClr>
-            </a:gs>
-            <a:gs pos="50000">
-              <a:schemeClr val="phClr">
-                <a:tint val="98000"/>
-                <a:satMod val="130000"/>
-                <a:shade val="90000"/>
-                <a:lumMod val="103000"/>
               </a:schemeClr>
             </a:gs>
             <a:gs pos="100000">
               <a:schemeClr val="phClr">
-                <a:shade val="63000"/>
-                <a:satMod val="120000"/>
+                <a:tint val="98000"/>
+                <a:shade val="78000"/>
+                <a:satMod val="140000"/>
               </a:schemeClr>
             </a:gs>
           </a:gsLst>
-          <a:lin ang="5400000" scaled="0"/>
+          <a:path path="circle">
+            <a:fillToRect l="100000" t="100000" r="100000" b="100000"/>
+          </a:path>
         </a:gradFill>
       </a:bgFillStyleLst>
     </a:fmtScheme>
@@ -6305,7 +5042,7 @@
   <a:extraClrSchemeLst/>
   <a:extLst>
     <a:ext uri="{05A4C25C-085E-4340-85A3-A5531E510DB2}">
-      <thm15:themeFamily xmlns:thm15="http://schemas.microsoft.com/office/thememl/2012/main" name="Office Theme" id="{62F939B6-93AF-4DB8-9C6B-D6C7DFDC589F}" vid="{4A3C46E8-61CC-4603-A589-7422A47A8E4A}"/>
+      <thm15:themeFamily xmlns:thm15="http://schemas.microsoft.com/office/thememl/2012/main" name="View" id="{BA0EB5A6-F2D4-4F82-977B-64ADEE4A2A69}" vid="{3969A8A2-35DB-4E3B-8885-16FD20568674}"/>
     </a:ext>
   </a:extLst>
 </a:theme>

--- a/jester-collaborative-filtering.pptx
+++ b/jester-collaborative-filtering.pptx
@@ -2,10 +2,10 @@
 <file path=ppt/presentation.xml><?xml version="1.0" encoding="utf-8"?>
 <p:presentation xmlns:a="http://schemas.openxmlformats.org/drawingml/2006/main" xmlns:r="http://schemas.openxmlformats.org/officeDocument/2006/relationships" xmlns:p="http://schemas.openxmlformats.org/presentationml/2006/main" saveSubsetFonts="1">
   <p:sldMasterIdLst>
-    <p:sldMasterId id="2147483934" r:id="rId1"/>
+    <p:sldMasterId id="2147484012" r:id="rId1"/>
   </p:sldMasterIdLst>
   <p:notesMasterIdLst>
-    <p:notesMasterId r:id="rId7"/>
+    <p:notesMasterId r:id="rId12"/>
   </p:notesMasterIdLst>
   <p:sldIdLst>
     <p:sldId id="256" r:id="rId2"/>
@@ -13,6 +13,11 @@
     <p:sldId id="259" r:id="rId4"/>
     <p:sldId id="260" r:id="rId5"/>
     <p:sldId id="261" r:id="rId6"/>
+    <p:sldId id="262" r:id="rId7"/>
+    <p:sldId id="263" r:id="rId8"/>
+    <p:sldId id="264" r:id="rId9"/>
+    <p:sldId id="265" r:id="rId10"/>
+    <p:sldId id="266" r:id="rId11"/>
   </p:sldIdLst>
   <p:sldSz cx="12192000" cy="6858000"/>
   <p:notesSz cx="6858000" cy="9144000"/>
@@ -20,7 +25,7 @@
     <a:defPPr>
       <a:defRPr lang="en-US"/>
     </a:defPPr>
-    <a:lvl1pPr marL="0" algn="l" defTabSz="457200" rtl="0" eaLnBrk="1" latinLnBrk="0" hangingPunct="1">
+    <a:lvl1pPr marL="0" algn="l" defTabSz="914400" rtl="0" eaLnBrk="1" latinLnBrk="0" hangingPunct="1">
       <a:defRPr sz="1800" kern="1200">
         <a:solidFill>
           <a:schemeClr val="tx1"/>
@@ -30,7 +35,7 @@
         <a:cs typeface="+mn-cs"/>
       </a:defRPr>
     </a:lvl1pPr>
-    <a:lvl2pPr marL="457200" algn="l" defTabSz="457200" rtl="0" eaLnBrk="1" latinLnBrk="0" hangingPunct="1">
+    <a:lvl2pPr marL="457200" algn="l" defTabSz="914400" rtl="0" eaLnBrk="1" latinLnBrk="0" hangingPunct="1">
       <a:defRPr sz="1800" kern="1200">
         <a:solidFill>
           <a:schemeClr val="tx1"/>
@@ -40,7 +45,7 @@
         <a:cs typeface="+mn-cs"/>
       </a:defRPr>
     </a:lvl2pPr>
-    <a:lvl3pPr marL="914400" algn="l" defTabSz="457200" rtl="0" eaLnBrk="1" latinLnBrk="0" hangingPunct="1">
+    <a:lvl3pPr marL="914400" algn="l" defTabSz="914400" rtl="0" eaLnBrk="1" latinLnBrk="0" hangingPunct="1">
       <a:defRPr sz="1800" kern="1200">
         <a:solidFill>
           <a:schemeClr val="tx1"/>
@@ -50,7 +55,7 @@
         <a:cs typeface="+mn-cs"/>
       </a:defRPr>
     </a:lvl3pPr>
-    <a:lvl4pPr marL="1371600" algn="l" defTabSz="457200" rtl="0" eaLnBrk="1" latinLnBrk="0" hangingPunct="1">
+    <a:lvl4pPr marL="1371600" algn="l" defTabSz="914400" rtl="0" eaLnBrk="1" latinLnBrk="0" hangingPunct="1">
       <a:defRPr sz="1800" kern="1200">
         <a:solidFill>
           <a:schemeClr val="tx1"/>
@@ -60,7 +65,7 @@
         <a:cs typeface="+mn-cs"/>
       </a:defRPr>
     </a:lvl4pPr>
-    <a:lvl5pPr marL="1828800" algn="l" defTabSz="457200" rtl="0" eaLnBrk="1" latinLnBrk="0" hangingPunct="1">
+    <a:lvl5pPr marL="1828800" algn="l" defTabSz="914400" rtl="0" eaLnBrk="1" latinLnBrk="0" hangingPunct="1">
       <a:defRPr sz="1800" kern="1200">
         <a:solidFill>
           <a:schemeClr val="tx1"/>
@@ -70,7 +75,7 @@
         <a:cs typeface="+mn-cs"/>
       </a:defRPr>
     </a:lvl5pPr>
-    <a:lvl6pPr marL="2286000" algn="l" defTabSz="457200" rtl="0" eaLnBrk="1" latinLnBrk="0" hangingPunct="1">
+    <a:lvl6pPr marL="2286000" algn="l" defTabSz="914400" rtl="0" eaLnBrk="1" latinLnBrk="0" hangingPunct="1">
       <a:defRPr sz="1800" kern="1200">
         <a:solidFill>
           <a:schemeClr val="tx1"/>
@@ -80,7 +85,7 @@
         <a:cs typeface="+mn-cs"/>
       </a:defRPr>
     </a:lvl6pPr>
-    <a:lvl7pPr marL="2743200" algn="l" defTabSz="457200" rtl="0" eaLnBrk="1" latinLnBrk="0" hangingPunct="1">
+    <a:lvl7pPr marL="2743200" algn="l" defTabSz="914400" rtl="0" eaLnBrk="1" latinLnBrk="0" hangingPunct="1">
       <a:defRPr sz="1800" kern="1200">
         <a:solidFill>
           <a:schemeClr val="tx1"/>
@@ -90,7 +95,7 @@
         <a:cs typeface="+mn-cs"/>
       </a:defRPr>
     </a:lvl7pPr>
-    <a:lvl8pPr marL="3200400" algn="l" defTabSz="457200" rtl="0" eaLnBrk="1" latinLnBrk="0" hangingPunct="1">
+    <a:lvl8pPr marL="3200400" algn="l" defTabSz="914400" rtl="0" eaLnBrk="1" latinLnBrk="0" hangingPunct="1">
       <a:defRPr sz="1800" kern="1200">
         <a:solidFill>
           <a:schemeClr val="tx1"/>
@@ -100,7 +105,7 @@
         <a:cs typeface="+mn-cs"/>
       </a:defRPr>
     </a:lvl8pPr>
-    <a:lvl9pPr marL="3657600" algn="l" defTabSz="457200" rtl="0" eaLnBrk="1" latinLnBrk="0" hangingPunct="1">
+    <a:lvl9pPr marL="3657600" algn="l" defTabSz="914400" rtl="0" eaLnBrk="1" latinLnBrk="0" hangingPunct="1">
       <a:defRPr sz="1800" kern="1200">
         <a:solidFill>
           <a:schemeClr val="tx1"/>
@@ -205,7 +210,7 @@
           <a:p>
             <a:fld id="{1A7DC3F7-73FA-46F2-AE6F-622310857EE1}" type="datetimeFigureOut">
               <a:rPr lang="en-US" smtClean="0"/>
-              <a:t>11/7/2017</a:t>
+              <a:t>11/9/2017</a:t>
             </a:fld>
             <a:endParaRPr lang="en-US"/>
           </a:p>
@@ -808,19 +813,9 @@
 </p:notes>
 </file>
 
-<file path=ppt/slideLayouts/slideLayout1.xml><?xml version="1.0" encoding="utf-8"?>
-<p:sldLayout xmlns:a="http://schemas.openxmlformats.org/drawingml/2006/main" xmlns:r="http://schemas.openxmlformats.org/officeDocument/2006/relationships" xmlns:p="http://schemas.openxmlformats.org/presentationml/2006/main" showMasterSp="0" type="title" preserve="1">
-  <p:cSld name="Title Slide">
-    <p:bg>
-      <p:bgPr>
-        <a:solidFill>
-          <a:schemeClr val="bg2">
-            <a:lumMod val="75000"/>
-          </a:schemeClr>
-        </a:solidFill>
-        <a:effectLst/>
-      </p:bgPr>
-    </p:bg>
+<file path=ppt/notesSlides/notesSlide5.xml><?xml version="1.0" encoding="utf-8"?>
+<p:notes xmlns:a="http://schemas.openxmlformats.org/drawingml/2006/main" xmlns:r="http://schemas.openxmlformats.org/officeDocument/2006/relationships" xmlns:p="http://schemas.openxmlformats.org/presentationml/2006/main">
+  <p:cSld>
     <p:spTree>
       <p:nvGrpSpPr>
         <p:cNvPr id="1" name=""/>
@@ -837,6 +832,174 @@
       </p:grpSpPr>
       <p:sp>
         <p:nvSpPr>
+          <p:cNvPr id="2" name="Slide Image Placeholder 1"/>
+          <p:cNvSpPr>
+            <a:spLocks noGrp="1" noRot="1" noChangeAspect="1"/>
+          </p:cNvSpPr>
+          <p:nvPr>
+            <p:ph type="sldImg"/>
+          </p:nvPr>
+        </p:nvSpPr>
+        <p:spPr/>
+      </p:sp>
+      <p:sp>
+        <p:nvSpPr>
+          <p:cNvPr id="3" name="Notes Placeholder 2"/>
+          <p:cNvSpPr>
+            <a:spLocks noGrp="1"/>
+          </p:cNvSpPr>
+          <p:nvPr>
+            <p:ph type="body" idx="1"/>
+          </p:nvPr>
+        </p:nvSpPr>
+        <p:spPr/>
+        <p:txBody>
+          <a:bodyPr/>
+          <a:lstStyle/>
+          <a:p>
+            <a:endParaRPr lang="en-US" dirty="0"/>
+          </a:p>
+        </p:txBody>
+      </p:sp>
+      <p:sp>
+        <p:nvSpPr>
+          <p:cNvPr id="4" name="Slide Number Placeholder 3"/>
+          <p:cNvSpPr>
+            <a:spLocks noGrp="1"/>
+          </p:cNvSpPr>
+          <p:nvPr>
+            <p:ph type="sldNum" sz="quarter" idx="10"/>
+          </p:nvPr>
+        </p:nvSpPr>
+        <p:spPr/>
+        <p:txBody>
+          <a:bodyPr/>
+          <a:lstStyle/>
+          <a:p>
+            <a:fld id="{07A1D322-52CC-4A39-9BCC-4466E15DE6CE}" type="slidenum">
+              <a:rPr lang="en-US" smtClean="0"/>
+              <a:t>6</a:t>
+            </a:fld>
+            <a:endParaRPr lang="en-US"/>
+          </a:p>
+        </p:txBody>
+      </p:sp>
+    </p:spTree>
+    <p:extLst>
+      <p:ext uri="{BB962C8B-B14F-4D97-AF65-F5344CB8AC3E}">
+        <p14:creationId xmlns:p14="http://schemas.microsoft.com/office/powerpoint/2010/main" val="1085934630"/>
+      </p:ext>
+    </p:extLst>
+  </p:cSld>
+  <p:clrMapOvr>
+    <a:masterClrMapping/>
+  </p:clrMapOvr>
+</p:notes>
+</file>
+
+<file path=ppt/notesSlides/notesSlide6.xml><?xml version="1.0" encoding="utf-8"?>
+<p:notes xmlns:a="http://schemas.openxmlformats.org/drawingml/2006/main" xmlns:r="http://schemas.openxmlformats.org/officeDocument/2006/relationships" xmlns:p="http://schemas.openxmlformats.org/presentationml/2006/main">
+  <p:cSld>
+    <p:spTree>
+      <p:nvGrpSpPr>
+        <p:cNvPr id="1" name=""/>
+        <p:cNvGrpSpPr/>
+        <p:nvPr/>
+      </p:nvGrpSpPr>
+      <p:grpSpPr>
+        <a:xfrm>
+          <a:off x="0" y="0"/>
+          <a:ext cx="0" cy="0"/>
+          <a:chOff x="0" y="0"/>
+          <a:chExt cx="0" cy="0"/>
+        </a:xfrm>
+      </p:grpSpPr>
+      <p:sp>
+        <p:nvSpPr>
+          <p:cNvPr id="2" name="Slide Image Placeholder 1"/>
+          <p:cNvSpPr>
+            <a:spLocks noGrp="1" noRot="1" noChangeAspect="1"/>
+          </p:cNvSpPr>
+          <p:nvPr>
+            <p:ph type="sldImg"/>
+          </p:nvPr>
+        </p:nvSpPr>
+        <p:spPr/>
+      </p:sp>
+      <p:sp>
+        <p:nvSpPr>
+          <p:cNvPr id="3" name="Notes Placeholder 2"/>
+          <p:cNvSpPr>
+            <a:spLocks noGrp="1"/>
+          </p:cNvSpPr>
+          <p:nvPr>
+            <p:ph type="body" idx="1"/>
+          </p:nvPr>
+        </p:nvSpPr>
+        <p:spPr/>
+        <p:txBody>
+          <a:bodyPr/>
+          <a:lstStyle/>
+          <a:p>
+            <a:endParaRPr lang="en-US" dirty="0"/>
+          </a:p>
+        </p:txBody>
+      </p:sp>
+      <p:sp>
+        <p:nvSpPr>
+          <p:cNvPr id="4" name="Slide Number Placeholder 3"/>
+          <p:cNvSpPr>
+            <a:spLocks noGrp="1"/>
+          </p:cNvSpPr>
+          <p:nvPr>
+            <p:ph type="sldNum" sz="quarter" idx="10"/>
+          </p:nvPr>
+        </p:nvSpPr>
+        <p:spPr/>
+        <p:txBody>
+          <a:bodyPr/>
+          <a:lstStyle/>
+          <a:p>
+            <a:fld id="{07A1D322-52CC-4A39-9BCC-4466E15DE6CE}" type="slidenum">
+              <a:rPr lang="en-US" smtClean="0"/>
+              <a:t>7</a:t>
+            </a:fld>
+            <a:endParaRPr lang="en-US"/>
+          </a:p>
+        </p:txBody>
+      </p:sp>
+    </p:spTree>
+    <p:extLst>
+      <p:ext uri="{BB962C8B-B14F-4D97-AF65-F5344CB8AC3E}">
+        <p14:creationId xmlns:p14="http://schemas.microsoft.com/office/powerpoint/2010/main" val="1440024064"/>
+      </p:ext>
+    </p:extLst>
+  </p:cSld>
+  <p:clrMapOvr>
+    <a:masterClrMapping/>
+  </p:clrMapOvr>
+</p:notes>
+</file>
+
+<file path=ppt/slideLayouts/slideLayout1.xml><?xml version="1.0" encoding="utf-8"?>
+<p:sldLayout xmlns:a="http://schemas.openxmlformats.org/drawingml/2006/main" xmlns:r="http://schemas.openxmlformats.org/officeDocument/2006/relationships" xmlns:p="http://schemas.openxmlformats.org/presentationml/2006/main" type="title" preserve="1">
+  <p:cSld name="Title Slide">
+    <p:spTree>
+      <p:nvGrpSpPr>
+        <p:cNvPr id="1" name=""/>
+        <p:cNvGrpSpPr/>
+        <p:nvPr/>
+      </p:nvGrpSpPr>
+      <p:grpSpPr>
+        <a:xfrm>
+          <a:off x="0" y="0"/>
+          <a:ext cx="0" cy="0"/>
+          <a:chOff x="0" y="0"/>
+          <a:chExt cx="0" cy="0"/>
+        </a:xfrm>
+      </p:grpSpPr>
+      <p:sp>
+        <p:nvSpPr>
           <p:cNvPr id="2" name="Title 1"/>
           <p:cNvSpPr>
             <a:spLocks noGrp="1"/>
@@ -847,24 +1010,15 @@
         </p:nvSpPr>
         <p:spPr>
           <a:xfrm>
-            <a:off x="1261872" y="758952"/>
-            <a:ext cx="9418320" cy="4041648"/>
+            <a:off x="1524000" y="1122363"/>
+            <a:ext cx="9144000" cy="2387600"/>
           </a:xfrm>
         </p:spPr>
         <p:txBody>
-          <a:bodyPr anchor="b">
-            <a:normAutofit/>
-          </a:bodyPr>
+          <a:bodyPr anchor="b"/>
           <a:lstStyle>
-            <a:lvl1pPr algn="l">
-              <a:lnSpc>
-                <a:spcPct val="85000"/>
-              </a:lnSpc>
-              <a:defRPr sz="7200" baseline="0">
-                <a:solidFill>
-                  <a:schemeClr val="tx1"/>
-                </a:solidFill>
-              </a:defRPr>
+            <a:lvl1pPr algn="ctr">
+              <a:defRPr sz="6000"/>
             </a:lvl1pPr>
           </a:lstStyle>
           <a:p>
@@ -872,7 +1026,6 @@
               <a:rPr lang="en-US"/>
               <a:t>Click to edit Master title style</a:t>
             </a:r>
-            <a:endParaRPr lang="en-US" dirty="0"/>
           </a:p>
         </p:txBody>
       </p:sp>
@@ -888,56 +1041,48 @@
         </p:nvSpPr>
         <p:spPr>
           <a:xfrm>
-            <a:off x="1261872" y="4800600"/>
-            <a:ext cx="9418320" cy="1691640"/>
+            <a:off x="1524000" y="3602038"/>
+            <a:ext cx="9144000" cy="1655762"/>
           </a:xfrm>
         </p:spPr>
         <p:txBody>
-          <a:bodyPr>
-            <a:normAutofit/>
-          </a:bodyPr>
+          <a:bodyPr/>
           <a:lstStyle>
-            <a:lvl1pPr marL="0" indent="0" algn="l">
+            <a:lvl1pPr marL="0" indent="0" algn="ctr">
               <a:buNone/>
-              <a:defRPr sz="2200" baseline="0">
-                <a:solidFill>
-                  <a:schemeClr val="tx1">
-                    <a:lumMod val="75000"/>
-                  </a:schemeClr>
-                </a:solidFill>
-              </a:defRPr>
+              <a:defRPr sz="2400"/>
             </a:lvl1pPr>
             <a:lvl2pPr marL="457200" indent="0" algn="ctr">
               <a:buNone/>
-              <a:defRPr sz="2200"/>
+              <a:defRPr sz="2000"/>
             </a:lvl2pPr>
             <a:lvl3pPr marL="914400" indent="0" algn="ctr">
               <a:buNone/>
-              <a:defRPr sz="2200"/>
+              <a:defRPr sz="1800"/>
             </a:lvl3pPr>
             <a:lvl4pPr marL="1371600" indent="0" algn="ctr">
               <a:buNone/>
-              <a:defRPr sz="2000"/>
+              <a:defRPr sz="1600"/>
             </a:lvl4pPr>
             <a:lvl5pPr marL="1828800" indent="0" algn="ctr">
               <a:buNone/>
-              <a:defRPr sz="2000"/>
+              <a:defRPr sz="1600"/>
             </a:lvl5pPr>
             <a:lvl6pPr marL="2286000" indent="0" algn="ctr">
               <a:buNone/>
-              <a:defRPr sz="2000"/>
+              <a:defRPr sz="1600"/>
             </a:lvl6pPr>
             <a:lvl7pPr marL="2743200" indent="0" algn="ctr">
               <a:buNone/>
-              <a:defRPr sz="2000"/>
+              <a:defRPr sz="1600"/>
             </a:lvl7pPr>
             <a:lvl8pPr marL="3200400" indent="0" algn="ctr">
               <a:buNone/>
-              <a:defRPr sz="2000"/>
+              <a:defRPr sz="1600"/>
             </a:lvl8pPr>
             <a:lvl9pPr marL="3657600" indent="0" algn="ctr">
               <a:buNone/>
-              <a:defRPr sz="2000"/>
+              <a:defRPr sz="1600"/>
             </a:lvl9pPr>
           </a:lstStyle>
           <a:p>
@@ -945,7 +1090,6 @@
               <a:rPr lang="en-US"/>
               <a:t>Click to edit Master subtitle style</a:t>
             </a:r>
-            <a:endParaRPr lang="en-US" dirty="0"/>
           </a:p>
         </p:txBody>
       </p:sp>
@@ -962,21 +1106,11 @@
         <p:spPr/>
         <p:txBody>
           <a:bodyPr/>
-          <a:lstStyle>
-            <a:lvl1pPr>
-              <a:defRPr>
-                <a:solidFill>
-                  <a:schemeClr val="tx1">
-                    <a:lumMod val="50000"/>
-                  </a:schemeClr>
-                </a:solidFill>
-              </a:defRPr>
-            </a:lvl1pPr>
-          </a:lstStyle>
+          <a:lstStyle/>
           <a:p>
             <a:fld id="{2EA7DAC2-4AA6-4857-A112-92745547B70E}" type="datetimeFigureOut">
               <a:rPr lang="en-US" smtClean="0"/>
-              <a:t>11/7/2017</a:t>
+              <a:t>11/9/2017</a:t>
             </a:fld>
             <a:endParaRPr lang="en-US"/>
           </a:p>
@@ -995,17 +1129,7 @@
         <p:spPr/>
         <p:txBody>
           <a:bodyPr/>
-          <a:lstStyle>
-            <a:lvl1pPr>
-              <a:defRPr>
-                <a:solidFill>
-                  <a:schemeClr val="tx1">
-                    <a:lumMod val="65000"/>
-                  </a:schemeClr>
-                </a:solidFill>
-              </a:defRPr>
-            </a:lvl1pPr>
-          </a:lstStyle>
+          <a:lstStyle/>
           <a:p>
             <a:endParaRPr lang="en-US"/>
           </a:p>
@@ -1024,17 +1148,7 @@
         <p:spPr/>
         <p:txBody>
           <a:bodyPr/>
-          <a:lstStyle>
-            <a:lvl1pPr>
-              <a:defRPr>
-                <a:solidFill>
-                  <a:schemeClr val="tx1">
-                    <a:lumMod val="65000"/>
-                  </a:schemeClr>
-                </a:solidFill>
-              </a:defRPr>
-            </a:lvl1pPr>
-          </a:lstStyle>
+          <a:lstStyle/>
           <a:p>
             <a:fld id="{E1B4457D-915B-42C3-952B-85B2FCA8E66E}" type="slidenum">
               <a:rPr lang="en-US" smtClean="0"/>
@@ -1044,53 +1158,15 @@
           </a:p>
         </p:txBody>
       </p:sp>
-      <p:sp>
-        <p:nvSpPr>
-          <p:cNvPr id="7" name="Rectangle 6"/>
-          <p:cNvSpPr/>
-          <p:nvPr/>
-        </p:nvSpPr>
-        <p:spPr>
-          <a:xfrm>
-            <a:off x="0" y="0"/>
-            <a:ext cx="457200" cy="6858000"/>
-          </a:xfrm>
-          <a:prstGeom prst="rect">
-            <a:avLst/>
-          </a:prstGeom>
-          <a:solidFill>
-            <a:schemeClr val="accent1"/>
-          </a:solidFill>
-          <a:ln>
-            <a:noFill/>
-          </a:ln>
-        </p:spPr>
-        <p:style>
-          <a:lnRef idx="2">
-            <a:schemeClr val="accent1">
-              <a:shade val="50000"/>
-            </a:schemeClr>
-          </a:lnRef>
-          <a:fillRef idx="1">
-            <a:schemeClr val="accent1"/>
-          </a:fillRef>
-          <a:effectRef idx="0">
-            <a:schemeClr val="accent1"/>
-          </a:effectRef>
-          <a:fontRef idx="minor">
-            <a:schemeClr val="lt1"/>
-          </a:fontRef>
-        </p:style>
-      </p:sp>
     </p:spTree>
     <p:extLst>
       <p:ext uri="{BB962C8B-B14F-4D97-AF65-F5344CB8AC3E}">
-        <p14:creationId xmlns:p14="http://schemas.microsoft.com/office/powerpoint/2010/main" val="2051271344"/>
+        <p14:creationId xmlns:p14="http://schemas.microsoft.com/office/powerpoint/2010/main" val="983880802"/>
       </p:ext>
     </p:extLst>
   </p:cSld>
   <p:clrMapOvr>
-    <a:overrideClrMapping bg1="dk1" tx1="lt1" bg2="dk2" tx2="lt2" accent1="accent1" accent2="accent2" accent3="accent3" accent4="accent4" accent5="accent5" accent6="accent6" hlink="hlink" folHlink="folHlink"/>
+    <a:masterClrMapping/>
   </p:clrMapOvr>
   <p:extLst>
     <p:ext uri="{DCECCB84-F9BA-43D5-87BE-67443E8EF086}">
@@ -1136,7 +1212,6 @@
               <a:rPr lang="en-US"/>
               <a:t>Click to edit Master title style</a:t>
             </a:r>
-            <a:endParaRPr lang="en-US" dirty="0"/>
           </a:p>
         </p:txBody>
       </p:sp>
@@ -1188,7 +1263,6 @@
               <a:rPr lang="en-US"/>
               <a:t>Fifth level</a:t>
             </a:r>
-            <a:endParaRPr lang="en-US" dirty="0"/>
           </a:p>
         </p:txBody>
       </p:sp>
@@ -1209,7 +1283,7 @@
           <a:p>
             <a:fld id="{2EA7DAC2-4AA6-4857-A112-92745547B70E}" type="datetimeFigureOut">
               <a:rPr lang="en-US" smtClean="0"/>
-              <a:t>11/7/2017</a:t>
+              <a:t>11/9/2017</a:t>
             </a:fld>
             <a:endParaRPr lang="en-US"/>
           </a:p>
@@ -1260,7 +1334,7 @@
     </p:spTree>
     <p:extLst>
       <p:ext uri="{BB962C8B-B14F-4D97-AF65-F5344CB8AC3E}">
-        <p14:creationId xmlns:p14="http://schemas.microsoft.com/office/powerpoint/2010/main" val="2304723800"/>
+        <p14:creationId xmlns:p14="http://schemas.microsoft.com/office/powerpoint/2010/main" val="2268693261"/>
       </p:ext>
     </p:extLst>
   </p:cSld>
@@ -1299,8 +1373,8 @@
         </p:nvSpPr>
         <p:spPr>
           <a:xfrm>
-            <a:off x="8648700" y="381000"/>
-            <a:ext cx="2476500" cy="5897562"/>
+            <a:off x="8724900" y="365125"/>
+            <a:ext cx="2628900" cy="5811838"/>
           </a:xfrm>
         </p:spPr>
         <p:txBody>
@@ -1311,7 +1385,6 @@
               <a:rPr lang="en-US"/>
               <a:t>Click to edit Master title style</a:t>
             </a:r>
-            <a:endParaRPr lang="en-US" dirty="0"/>
           </a:p>
         </p:txBody>
       </p:sp>
@@ -1327,8 +1400,8 @@
         </p:nvSpPr>
         <p:spPr>
           <a:xfrm>
-            <a:off x="762000" y="381000"/>
-            <a:ext cx="7734300" cy="5897562"/>
+            <a:off x="838200" y="365125"/>
+            <a:ext cx="7734300" cy="5811838"/>
           </a:xfrm>
         </p:spPr>
         <p:txBody>
@@ -1368,7 +1441,6 @@
               <a:rPr lang="en-US"/>
               <a:t>Fifth level</a:t>
             </a:r>
-            <a:endParaRPr lang="en-US" dirty="0"/>
           </a:p>
         </p:txBody>
       </p:sp>
@@ -1389,7 +1461,7 @@
           <a:p>
             <a:fld id="{2EA7DAC2-4AA6-4857-A112-92745547B70E}" type="datetimeFigureOut">
               <a:rPr lang="en-US" smtClean="0"/>
-              <a:t>11/7/2017</a:t>
+              <a:t>11/9/2017</a:t>
             </a:fld>
             <a:endParaRPr lang="en-US"/>
           </a:p>
@@ -1440,7 +1512,7 @@
     </p:spTree>
     <p:extLst>
       <p:ext uri="{BB962C8B-B14F-4D97-AF65-F5344CB8AC3E}">
-        <p14:creationId xmlns:p14="http://schemas.microsoft.com/office/powerpoint/2010/main" val="3588734451"/>
+        <p14:creationId xmlns:p14="http://schemas.microsoft.com/office/powerpoint/2010/main" val="2664553696"/>
       </p:ext>
     </p:extLst>
   </p:cSld>
@@ -1486,7 +1558,6 @@
               <a:rPr lang="en-US"/>
               <a:t>Click to edit Master title style</a:t>
             </a:r>
-            <a:endParaRPr lang="en-US" dirty="0"/>
           </a:p>
         </p:txBody>
       </p:sp>
@@ -1538,7 +1609,6 @@
               <a:rPr lang="en-US"/>
               <a:t>Fifth level</a:t>
             </a:r>
-            <a:endParaRPr lang="en-US" dirty="0"/>
           </a:p>
         </p:txBody>
       </p:sp>
@@ -1559,7 +1629,7 @@
           <a:p>
             <a:fld id="{2EA7DAC2-4AA6-4857-A112-92745547B70E}" type="datetimeFigureOut">
               <a:rPr lang="en-US" smtClean="0"/>
-              <a:t>11/7/2017</a:t>
+              <a:t>11/9/2017</a:t>
             </a:fld>
             <a:endParaRPr lang="en-US"/>
           </a:p>
@@ -1610,7 +1680,7 @@
     </p:spTree>
     <p:extLst>
       <p:ext uri="{BB962C8B-B14F-4D97-AF65-F5344CB8AC3E}">
-        <p14:creationId xmlns:p14="http://schemas.microsoft.com/office/powerpoint/2010/main" val="4264050417"/>
+        <p14:creationId xmlns:p14="http://schemas.microsoft.com/office/powerpoint/2010/main" val="3149349454"/>
       </p:ext>
     </p:extLst>
   </p:cSld>
@@ -1649,20 +1719,15 @@
         </p:nvSpPr>
         <p:spPr>
           <a:xfrm>
-            <a:off x="1261872" y="758952"/>
-            <a:ext cx="9418320" cy="4041648"/>
+            <a:off x="831850" y="1709738"/>
+            <a:ext cx="10515600" cy="2852737"/>
           </a:xfrm>
         </p:spPr>
         <p:txBody>
-          <a:bodyPr anchor="b">
-            <a:normAutofit/>
-          </a:bodyPr>
+          <a:bodyPr anchor="b"/>
           <a:lstStyle>
             <a:lvl1pPr>
-              <a:lnSpc>
-                <a:spcPct val="85000"/>
-              </a:lnSpc>
-              <a:defRPr sz="7200" b="0"/>
+              <a:defRPr sz="6000"/>
             </a:lvl1pPr>
           </a:lstStyle>
           <a:p>
@@ -1670,7 +1735,6 @@
               <a:rPr lang="en-US"/>
               <a:t>Click to edit Master title style</a:t>
             </a:r>
-            <a:endParaRPr lang="en-US" dirty="0"/>
           </a:p>
         </p:txBody>
       </p:sp>
@@ -1686,29 +1750,26 @@
         </p:nvSpPr>
         <p:spPr>
           <a:xfrm>
-            <a:off x="1261872" y="4800600"/>
-            <a:ext cx="9418320" cy="1691640"/>
+            <a:off x="831850" y="4589463"/>
+            <a:ext cx="10515600" cy="1500187"/>
           </a:xfrm>
         </p:spPr>
         <p:txBody>
-          <a:bodyPr anchor="t">
-            <a:normAutofit/>
-          </a:bodyPr>
+          <a:bodyPr/>
           <a:lstStyle>
             <a:lvl1pPr marL="0" indent="0">
               <a:buNone/>
-              <a:defRPr sz="2200">
+              <a:defRPr sz="2400">
                 <a:solidFill>
                   <a:schemeClr val="tx1">
-                    <a:lumMod val="65000"/>
-                    <a:lumOff val="35000"/>
+                    <a:tint val="75000"/>
                   </a:schemeClr>
                 </a:solidFill>
               </a:defRPr>
             </a:lvl1pPr>
             <a:lvl2pPr marL="457200" indent="0">
               <a:buNone/>
-              <a:defRPr sz="1800">
+              <a:defRPr sz="2000">
                 <a:solidFill>
                   <a:schemeClr val="tx1">
                     <a:tint val="75000"/>
@@ -1718,7 +1779,7 @@
             </a:lvl2pPr>
             <a:lvl3pPr marL="914400" indent="0">
               <a:buNone/>
-              <a:defRPr sz="1600">
+              <a:defRPr sz="1800">
                 <a:solidFill>
                   <a:schemeClr val="tx1">
                     <a:tint val="75000"/>
@@ -1728,7 +1789,7 @@
             </a:lvl3pPr>
             <a:lvl4pPr marL="1371600" indent="0">
               <a:buNone/>
-              <a:defRPr sz="1400">
+              <a:defRPr sz="1600">
                 <a:solidFill>
                   <a:schemeClr val="tx1">
                     <a:tint val="75000"/>
@@ -1738,7 +1799,7 @@
             </a:lvl4pPr>
             <a:lvl5pPr marL="1828800" indent="0">
               <a:buNone/>
-              <a:defRPr sz="1400">
+              <a:defRPr sz="1600">
                 <a:solidFill>
                   <a:schemeClr val="tx1">
                     <a:tint val="75000"/>
@@ -1748,7 +1809,7 @@
             </a:lvl5pPr>
             <a:lvl6pPr marL="2286000" indent="0">
               <a:buNone/>
-              <a:defRPr sz="1400">
+              <a:defRPr sz="1600">
                 <a:solidFill>
                   <a:schemeClr val="tx1">
                     <a:tint val="75000"/>
@@ -1758,7 +1819,7 @@
             </a:lvl6pPr>
             <a:lvl7pPr marL="2743200" indent="0">
               <a:buNone/>
-              <a:defRPr sz="1400">
+              <a:defRPr sz="1600">
                 <a:solidFill>
                   <a:schemeClr val="tx1">
                     <a:tint val="75000"/>
@@ -1768,7 +1829,7 @@
             </a:lvl7pPr>
             <a:lvl8pPr marL="3200400" indent="0">
               <a:buNone/>
-              <a:defRPr sz="1400">
+              <a:defRPr sz="1600">
                 <a:solidFill>
                   <a:schemeClr val="tx1">
                     <a:tint val="75000"/>
@@ -1778,7 +1839,7 @@
             </a:lvl8pPr>
             <a:lvl9pPr marL="3657600" indent="0">
               <a:buNone/>
-              <a:defRPr sz="1400">
+              <a:defRPr sz="1600">
                 <a:solidFill>
                   <a:schemeClr val="tx1">
                     <a:tint val="75000"/>
@@ -1813,7 +1874,7 @@
           <a:p>
             <a:fld id="{2EA7DAC2-4AA6-4857-A112-92745547B70E}" type="datetimeFigureOut">
               <a:rPr lang="en-US" smtClean="0"/>
-              <a:t>11/7/2017</a:t>
+              <a:t>11/9/2017</a:t>
             </a:fld>
             <a:endParaRPr lang="en-US"/>
           </a:p>
@@ -1861,48 +1922,10 @@
           </a:p>
         </p:txBody>
       </p:sp>
-      <p:sp>
-        <p:nvSpPr>
-          <p:cNvPr id="7" name="Rectangle 6"/>
-          <p:cNvSpPr/>
-          <p:nvPr/>
-        </p:nvSpPr>
-        <p:spPr>
-          <a:xfrm>
-            <a:off x="0" y="0"/>
-            <a:ext cx="457200" cy="6858000"/>
-          </a:xfrm>
-          <a:prstGeom prst="rect">
-            <a:avLst/>
-          </a:prstGeom>
-          <a:solidFill>
-            <a:schemeClr val="accent1"/>
-          </a:solidFill>
-          <a:ln>
-            <a:noFill/>
-          </a:ln>
-        </p:spPr>
-        <p:style>
-          <a:lnRef idx="2">
-            <a:schemeClr val="accent1">
-              <a:shade val="50000"/>
-            </a:schemeClr>
-          </a:lnRef>
-          <a:fillRef idx="1">
-            <a:schemeClr val="accent1"/>
-          </a:fillRef>
-          <a:effectRef idx="0">
-            <a:schemeClr val="accent1"/>
-          </a:effectRef>
-          <a:fontRef idx="minor">
-            <a:schemeClr val="lt1"/>
-          </a:fontRef>
-        </p:style>
-      </p:sp>
     </p:spTree>
     <p:extLst>
       <p:ext uri="{BB962C8B-B14F-4D97-AF65-F5344CB8AC3E}">
-        <p14:creationId xmlns:p14="http://schemas.microsoft.com/office/powerpoint/2010/main" val="2648293873"/>
+        <p14:creationId xmlns:p14="http://schemas.microsoft.com/office/powerpoint/2010/main" val="2847497915"/>
       </p:ext>
     </p:extLst>
   </p:cSld>
@@ -1948,7 +1971,6 @@
               <a:rPr lang="en-US"/>
               <a:t>Click to edit Master title style</a:t>
             </a:r>
-            <a:endParaRPr lang="en-US" dirty="0"/>
           </a:p>
         </p:txBody>
       </p:sp>
@@ -1964,41 +1986,13 @@
         </p:nvSpPr>
         <p:spPr>
           <a:xfrm>
-            <a:off x="1261872" y="1828800"/>
-            <a:ext cx="4480560" cy="4351337"/>
+            <a:off x="838200" y="1825625"/>
+            <a:ext cx="5181600" cy="4351338"/>
           </a:xfrm>
         </p:spPr>
         <p:txBody>
           <a:bodyPr/>
-          <a:lstStyle>
-            <a:lvl1pPr>
-              <a:defRPr sz="1800"/>
-            </a:lvl1pPr>
-            <a:lvl2pPr>
-              <a:defRPr sz="1600"/>
-            </a:lvl2pPr>
-            <a:lvl3pPr>
-              <a:defRPr sz="1400"/>
-            </a:lvl3pPr>
-            <a:lvl4pPr>
-              <a:defRPr sz="1400"/>
-            </a:lvl4pPr>
-            <a:lvl5pPr>
-              <a:defRPr sz="1400"/>
-            </a:lvl5pPr>
-            <a:lvl6pPr>
-              <a:defRPr sz="1400"/>
-            </a:lvl6pPr>
-            <a:lvl7pPr>
-              <a:defRPr sz="1400"/>
-            </a:lvl7pPr>
-            <a:lvl8pPr>
-              <a:defRPr sz="1400"/>
-            </a:lvl8pPr>
-            <a:lvl9pPr>
-              <a:defRPr sz="1400"/>
-            </a:lvl9pPr>
-          </a:lstStyle>
+          <a:lstStyle/>
           <a:p>
             <a:pPr lvl="0"/>
             <a:r>
@@ -2033,7 +2027,6 @@
               <a:rPr lang="en-US"/>
               <a:t>Fifth level</a:t>
             </a:r>
-            <a:endParaRPr lang="en-US" dirty="0"/>
           </a:p>
         </p:txBody>
       </p:sp>
@@ -2049,41 +2042,13 @@
         </p:nvSpPr>
         <p:spPr>
           <a:xfrm>
-            <a:off x="6126480" y="1828800"/>
-            <a:ext cx="4480560" cy="4351337"/>
+            <a:off x="6172200" y="1825625"/>
+            <a:ext cx="5181600" cy="4351338"/>
           </a:xfrm>
         </p:spPr>
         <p:txBody>
           <a:bodyPr/>
-          <a:lstStyle>
-            <a:lvl1pPr>
-              <a:defRPr sz="1800"/>
-            </a:lvl1pPr>
-            <a:lvl2pPr>
-              <a:defRPr sz="1600"/>
-            </a:lvl2pPr>
-            <a:lvl3pPr>
-              <a:defRPr sz="1400"/>
-            </a:lvl3pPr>
-            <a:lvl4pPr>
-              <a:defRPr sz="1400"/>
-            </a:lvl4pPr>
-            <a:lvl5pPr>
-              <a:defRPr sz="1400"/>
-            </a:lvl5pPr>
-            <a:lvl6pPr>
-              <a:defRPr sz="1400"/>
-            </a:lvl6pPr>
-            <a:lvl7pPr>
-              <a:defRPr sz="1400"/>
-            </a:lvl7pPr>
-            <a:lvl8pPr>
-              <a:defRPr sz="1400"/>
-            </a:lvl8pPr>
-            <a:lvl9pPr>
-              <a:defRPr sz="1400"/>
-            </a:lvl9pPr>
-          </a:lstStyle>
+          <a:lstStyle/>
           <a:p>
             <a:pPr lvl="0"/>
             <a:r>
@@ -2118,7 +2083,6 @@
               <a:rPr lang="en-US"/>
               <a:t>Fifth level</a:t>
             </a:r>
-            <a:endParaRPr lang="en-US" dirty="0"/>
           </a:p>
         </p:txBody>
       </p:sp>
@@ -2139,7 +2103,7 @@
           <a:p>
             <a:fld id="{2EA7DAC2-4AA6-4857-A112-92745547B70E}" type="datetimeFigureOut">
               <a:rPr lang="en-US" smtClean="0"/>
-              <a:t>11/7/2017</a:t>
+              <a:t>11/9/2017</a:t>
             </a:fld>
             <a:endParaRPr lang="en-US"/>
           </a:p>
@@ -2190,7 +2154,7 @@
     </p:spTree>
     <p:extLst>
       <p:ext uri="{BB962C8B-B14F-4D97-AF65-F5344CB8AC3E}">
-        <p14:creationId xmlns:p14="http://schemas.microsoft.com/office/powerpoint/2010/main" val="3188640412"/>
+        <p14:creationId xmlns:p14="http://schemas.microsoft.com/office/powerpoint/2010/main" val="3258591841"/>
       </p:ext>
     </p:extLst>
   </p:cSld>
@@ -2219,7 +2183,7 @@
       </p:grpSpPr>
       <p:sp>
         <p:nvSpPr>
-          <p:cNvPr id="10" name="Title 9"/>
+          <p:cNvPr id="2" name="Title 1"/>
           <p:cNvSpPr>
             <a:spLocks noGrp="1"/>
           </p:cNvSpPr>
@@ -2227,7 +2191,12 @@
             <p:ph type="title"/>
           </p:nvPr>
         </p:nvSpPr>
-        <p:spPr/>
+        <p:spPr>
+          <a:xfrm>
+            <a:off x="839788" y="365125"/>
+            <a:ext cx="10515600" cy="1325563"/>
+          </a:xfrm>
+        </p:spPr>
         <p:txBody>
           <a:bodyPr/>
           <a:lstStyle/>
@@ -2236,7 +2205,6 @@
               <a:rPr lang="en-US"/>
               <a:t>Click to edit Master title style</a:t>
             </a:r>
-            <a:endParaRPr lang="en-US" dirty="0"/>
           </a:p>
         </p:txBody>
       </p:sp>
@@ -2252,25 +2220,16 @@
         </p:nvSpPr>
         <p:spPr>
           <a:xfrm>
-            <a:off x="1261872" y="1713655"/>
-            <a:ext cx="4480560" cy="731520"/>
+            <a:off x="839788" y="1681163"/>
+            <a:ext cx="5157787" cy="823912"/>
           </a:xfrm>
         </p:spPr>
         <p:txBody>
-          <a:bodyPr anchor="b">
-            <a:normAutofit/>
-          </a:bodyPr>
+          <a:bodyPr anchor="b"/>
           <a:lstStyle>
             <a:lvl1pPr marL="0" indent="0">
-              <a:spcBef>
-                <a:spcPts val="0"/>
-              </a:spcBef>
               <a:buNone/>
-              <a:defRPr sz="2000" b="0">
-                <a:solidFill>
-                  <a:schemeClr val="tx2"/>
-                </a:solidFill>
-              </a:defRPr>
+              <a:defRPr sz="2400" b="1"/>
             </a:lvl1pPr>
             <a:lvl2pPr marL="457200" indent="0">
               <a:buNone/>
@@ -2326,41 +2285,13 @@
         </p:nvSpPr>
         <p:spPr>
           <a:xfrm>
-            <a:off x="1261872" y="2507550"/>
-            <a:ext cx="4480560" cy="3664650"/>
+            <a:off x="839788" y="2505075"/>
+            <a:ext cx="5157787" cy="3684588"/>
           </a:xfrm>
         </p:spPr>
         <p:txBody>
           <a:bodyPr/>
-          <a:lstStyle>
-            <a:lvl1pPr>
-              <a:defRPr sz="1800"/>
-            </a:lvl1pPr>
-            <a:lvl2pPr>
-              <a:defRPr sz="1600"/>
-            </a:lvl2pPr>
-            <a:lvl3pPr>
-              <a:defRPr sz="1400"/>
-            </a:lvl3pPr>
-            <a:lvl4pPr>
-              <a:defRPr sz="1400"/>
-            </a:lvl4pPr>
-            <a:lvl5pPr>
-              <a:defRPr sz="1400"/>
-            </a:lvl5pPr>
-            <a:lvl6pPr>
-              <a:defRPr sz="1400"/>
-            </a:lvl6pPr>
-            <a:lvl7pPr>
-              <a:defRPr sz="1400"/>
-            </a:lvl7pPr>
-            <a:lvl8pPr>
-              <a:defRPr sz="1400"/>
-            </a:lvl8pPr>
-            <a:lvl9pPr>
-              <a:defRPr sz="1400"/>
-            </a:lvl9pPr>
-          </a:lstStyle>
+          <a:lstStyle/>
           <a:p>
             <a:pPr lvl="0"/>
             <a:r>
@@ -2395,7 +2326,6 @@
               <a:rPr lang="en-US"/>
               <a:t>Fifth level</a:t>
             </a:r>
-            <a:endParaRPr lang="en-US" dirty="0"/>
           </a:p>
         </p:txBody>
       </p:sp>
@@ -2411,31 +2341,16 @@
         </p:nvSpPr>
         <p:spPr>
           <a:xfrm>
-            <a:off x="6126480" y="1713655"/>
-            <a:ext cx="4480560" cy="731520"/>
+            <a:off x="6172200" y="1681163"/>
+            <a:ext cx="5183188" cy="823912"/>
           </a:xfrm>
         </p:spPr>
         <p:txBody>
-          <a:bodyPr anchor="b">
-            <a:normAutofit/>
-          </a:bodyPr>
+          <a:bodyPr anchor="b"/>
           <a:lstStyle>
             <a:lvl1pPr marL="0" indent="0">
-              <a:lnSpc>
-                <a:spcPct val="95000"/>
-              </a:lnSpc>
-              <a:spcBef>
-                <a:spcPts val="0"/>
-              </a:spcBef>
               <a:buNone/>
-              <a:defRPr lang="en-US" sz="2000" b="0" kern="1200" dirty="0">
-                <a:solidFill>
-                  <a:schemeClr val="tx2"/>
-                </a:solidFill>
-                <a:latin typeface="+mn-lt"/>
-                <a:ea typeface="+mn-ea"/>
-                <a:cs typeface="+mn-cs"/>
-              </a:defRPr>
+              <a:defRPr sz="2400" b="1"/>
             </a:lvl1pPr>
             <a:lvl2pPr marL="457200" indent="0">
               <a:buNone/>
@@ -2471,16 +2386,7 @@
             </a:lvl9pPr>
           </a:lstStyle>
           <a:p>
-            <a:pPr marL="0" lvl="0" indent="0" algn="l" defTabSz="914400" rtl="0" eaLnBrk="1" latinLnBrk="0" hangingPunct="1">
-              <a:lnSpc>
-                <a:spcPct val="90000"/>
-              </a:lnSpc>
-              <a:spcBef>
-                <a:spcPts val="2000"/>
-              </a:spcBef>
-              <a:buFontTx/>
-              <a:buNone/>
-            </a:pPr>
+            <a:pPr lvl="0"/>
             <a:r>
               <a:rPr lang="en-US"/>
               <a:t>Edit Master text styles</a:t>
@@ -2500,41 +2406,13 @@
         </p:nvSpPr>
         <p:spPr>
           <a:xfrm>
-            <a:off x="6126480" y="2507550"/>
-            <a:ext cx="4480560" cy="3664650"/>
+            <a:off x="6172200" y="2505075"/>
+            <a:ext cx="5183188" cy="3684588"/>
           </a:xfrm>
         </p:spPr>
         <p:txBody>
           <a:bodyPr/>
-          <a:lstStyle>
-            <a:lvl1pPr>
-              <a:defRPr sz="1800"/>
-            </a:lvl1pPr>
-            <a:lvl2pPr>
-              <a:defRPr sz="1600"/>
-            </a:lvl2pPr>
-            <a:lvl3pPr>
-              <a:defRPr sz="1400"/>
-            </a:lvl3pPr>
-            <a:lvl4pPr>
-              <a:defRPr sz="1400"/>
-            </a:lvl4pPr>
-            <a:lvl5pPr>
-              <a:defRPr sz="1400"/>
-            </a:lvl5pPr>
-            <a:lvl6pPr>
-              <a:defRPr sz="1400"/>
-            </a:lvl6pPr>
-            <a:lvl7pPr>
-              <a:defRPr sz="1400"/>
-            </a:lvl7pPr>
-            <a:lvl8pPr>
-              <a:defRPr sz="1400"/>
-            </a:lvl8pPr>
-            <a:lvl9pPr>
-              <a:defRPr sz="1400"/>
-            </a:lvl9pPr>
-          </a:lstStyle>
+          <a:lstStyle/>
           <a:p>
             <a:pPr lvl="0"/>
             <a:r>
@@ -2569,7 +2447,6 @@
               <a:rPr lang="en-US"/>
               <a:t>Fifth level</a:t>
             </a:r>
-            <a:endParaRPr lang="en-US" dirty="0"/>
           </a:p>
         </p:txBody>
       </p:sp>
@@ -2590,7 +2467,7 @@
           <a:p>
             <a:fld id="{2EA7DAC2-4AA6-4857-A112-92745547B70E}" type="datetimeFigureOut">
               <a:rPr lang="en-US" smtClean="0"/>
-              <a:t>11/7/2017</a:t>
+              <a:t>11/9/2017</a:t>
             </a:fld>
             <a:endParaRPr lang="en-US"/>
           </a:p>
@@ -2641,7 +2518,7 @@
     </p:spTree>
     <p:extLst>
       <p:ext uri="{BB962C8B-B14F-4D97-AF65-F5344CB8AC3E}">
-        <p14:creationId xmlns:p14="http://schemas.microsoft.com/office/powerpoint/2010/main" val="2206471336"/>
+        <p14:creationId xmlns:p14="http://schemas.microsoft.com/office/powerpoint/2010/main" val="2431239318"/>
       </p:ext>
     </p:extLst>
   </p:cSld>
@@ -2670,7 +2547,7 @@
       </p:grpSpPr>
       <p:sp>
         <p:nvSpPr>
-          <p:cNvPr id="6" name="Title 5"/>
+          <p:cNvPr id="2" name="Title 1"/>
           <p:cNvSpPr>
             <a:spLocks noGrp="1"/>
           </p:cNvSpPr>
@@ -2687,7 +2564,6 @@
               <a:rPr lang="en-US"/>
               <a:t>Click to edit Master title style</a:t>
             </a:r>
-            <a:endParaRPr lang="en-US" dirty="0"/>
           </a:p>
         </p:txBody>
       </p:sp>
@@ -2708,7 +2584,7 @@
           <a:p>
             <a:fld id="{2EA7DAC2-4AA6-4857-A112-92745547B70E}" type="datetimeFigureOut">
               <a:rPr lang="en-US" smtClean="0"/>
-              <a:t>11/7/2017</a:t>
+              <a:t>11/9/2017</a:t>
             </a:fld>
             <a:endParaRPr lang="en-US"/>
           </a:p>
@@ -2759,7 +2635,7 @@
     </p:spTree>
     <p:extLst>
       <p:ext uri="{BB962C8B-B14F-4D97-AF65-F5344CB8AC3E}">
-        <p14:creationId xmlns:p14="http://schemas.microsoft.com/office/powerpoint/2010/main" val="526862390"/>
+        <p14:creationId xmlns:p14="http://schemas.microsoft.com/office/powerpoint/2010/main" val="274193280"/>
       </p:ext>
     </p:extLst>
   </p:cSld>
@@ -2803,7 +2679,7 @@
           <a:p>
             <a:fld id="{2EA7DAC2-4AA6-4857-A112-92745547B70E}" type="datetimeFigureOut">
               <a:rPr lang="en-US" smtClean="0"/>
-              <a:t>11/7/2017</a:t>
+              <a:t>11/9/2017</a:t>
             </a:fld>
             <a:endParaRPr lang="en-US"/>
           </a:p>
@@ -2854,7 +2730,7 @@
     </p:spTree>
     <p:extLst>
       <p:ext uri="{BB962C8B-B14F-4D97-AF65-F5344CB8AC3E}">
-        <p14:creationId xmlns:p14="http://schemas.microsoft.com/office/powerpoint/2010/main" val="3680137614"/>
+        <p14:creationId xmlns:p14="http://schemas.microsoft.com/office/powerpoint/2010/main" val="743244676"/>
       </p:ext>
     </p:extLst>
   </p:cSld>
@@ -2898,17 +2774,15 @@
         </p:nvSpPr>
         <p:spPr>
           <a:xfrm>
-            <a:off x="841248" y="457200"/>
-            <a:ext cx="3200400" cy="1600197"/>
+            <a:off x="839788" y="457200"/>
+            <a:ext cx="3932237" cy="1600200"/>
           </a:xfrm>
         </p:spPr>
         <p:txBody>
-          <a:bodyPr anchor="b">
-            <a:normAutofit/>
-          </a:bodyPr>
+          <a:bodyPr anchor="b"/>
           <a:lstStyle>
             <a:lvl1pPr>
-              <a:defRPr sz="3200" b="0" baseline="0"/>
+              <a:defRPr sz="3200"/>
             </a:lvl1pPr>
           </a:lstStyle>
           <a:p>
@@ -2916,7 +2790,6 @@
               <a:rPr lang="en-US"/>
               <a:t>Click to edit Master title style</a:t>
             </a:r>
-            <a:endParaRPr lang="en-US" dirty="0"/>
           </a:p>
         </p:txBody>
       </p:sp>
@@ -2932,39 +2805,39 @@
         </p:nvSpPr>
         <p:spPr>
           <a:xfrm>
-            <a:off x="4504267" y="685800"/>
-            <a:ext cx="6079066" cy="5486400"/>
+            <a:off x="5183188" y="987425"/>
+            <a:ext cx="6172200" cy="4873625"/>
           </a:xfrm>
         </p:spPr>
         <p:txBody>
           <a:bodyPr/>
           <a:lstStyle>
             <a:lvl1pPr>
-              <a:defRPr sz="2000"/>
+              <a:defRPr sz="3200"/>
             </a:lvl1pPr>
             <a:lvl2pPr>
-              <a:defRPr sz="1800"/>
+              <a:defRPr sz="2800"/>
             </a:lvl2pPr>
             <a:lvl3pPr>
-              <a:defRPr sz="1600"/>
+              <a:defRPr sz="2400"/>
             </a:lvl3pPr>
             <a:lvl4pPr>
-              <a:defRPr sz="1400"/>
+              <a:defRPr sz="2000"/>
             </a:lvl4pPr>
             <a:lvl5pPr>
-              <a:defRPr sz="1400"/>
+              <a:defRPr sz="2000"/>
             </a:lvl5pPr>
             <a:lvl6pPr>
-              <a:defRPr sz="1400"/>
+              <a:defRPr sz="2000"/>
             </a:lvl6pPr>
             <a:lvl7pPr>
-              <a:defRPr sz="1400"/>
+              <a:defRPr sz="2000"/>
             </a:lvl7pPr>
             <a:lvl8pPr>
-              <a:defRPr sz="1400"/>
+              <a:defRPr sz="2000"/>
             </a:lvl8pPr>
             <a:lvl9pPr>
-              <a:defRPr sz="1400"/>
+              <a:defRPr sz="2000"/>
             </a:lvl9pPr>
           </a:lstStyle>
           <a:p>
@@ -3001,7 +2874,6 @@
               <a:rPr lang="en-US"/>
               <a:t>Fifth level</a:t>
             </a:r>
-            <a:endParaRPr lang="en-US" dirty="0"/>
           </a:p>
         </p:txBody>
       </p:sp>
@@ -3017,56 +2889,48 @@
         </p:nvSpPr>
         <p:spPr>
           <a:xfrm>
-            <a:off x="841248" y="2099734"/>
-            <a:ext cx="3200400" cy="3810001"/>
+            <a:off x="839788" y="2057400"/>
+            <a:ext cx="3932237" cy="3811588"/>
           </a:xfrm>
         </p:spPr>
         <p:txBody>
-          <a:bodyPr>
-            <a:normAutofit/>
-          </a:bodyPr>
+          <a:bodyPr/>
           <a:lstStyle>
             <a:lvl1pPr marL="0" indent="0">
-              <a:lnSpc>
-                <a:spcPct val="114000"/>
-              </a:lnSpc>
-              <a:spcBef>
-                <a:spcPts val="800"/>
-              </a:spcBef>
               <a:buNone/>
-              <a:defRPr sz="1300"/>
+              <a:defRPr sz="1600"/>
             </a:lvl1pPr>
             <a:lvl2pPr marL="457200" indent="0">
               <a:buNone/>
-              <a:defRPr sz="1200"/>
+              <a:defRPr sz="1400"/>
             </a:lvl2pPr>
             <a:lvl3pPr marL="914400" indent="0">
               <a:buNone/>
-              <a:defRPr sz="1000"/>
+              <a:defRPr sz="1200"/>
             </a:lvl3pPr>
             <a:lvl4pPr marL="1371600" indent="0">
               <a:buNone/>
-              <a:defRPr sz="900"/>
+              <a:defRPr sz="1000"/>
             </a:lvl4pPr>
             <a:lvl5pPr marL="1828800" indent="0">
               <a:buNone/>
-              <a:defRPr sz="900"/>
+              <a:defRPr sz="1000"/>
             </a:lvl5pPr>
             <a:lvl6pPr marL="2286000" indent="0">
               <a:buNone/>
-              <a:defRPr sz="900"/>
+              <a:defRPr sz="1000"/>
             </a:lvl6pPr>
             <a:lvl7pPr marL="2743200" indent="0">
               <a:buNone/>
-              <a:defRPr sz="900"/>
+              <a:defRPr sz="1000"/>
             </a:lvl7pPr>
             <a:lvl8pPr marL="3200400" indent="0">
               <a:buNone/>
-              <a:defRPr sz="900"/>
+              <a:defRPr sz="1000"/>
             </a:lvl8pPr>
             <a:lvl9pPr marL="3657600" indent="0">
               <a:buNone/>
-              <a:defRPr sz="900"/>
+              <a:defRPr sz="1000"/>
             </a:lvl9pPr>
           </a:lstStyle>
           <a:p>
@@ -3095,7 +2959,7 @@
           <a:p>
             <a:fld id="{2EA7DAC2-4AA6-4857-A112-92745547B70E}" type="datetimeFigureOut">
               <a:rPr lang="en-US" smtClean="0"/>
-              <a:t>11/7/2017</a:t>
+              <a:t>11/9/2017</a:t>
             </a:fld>
             <a:endParaRPr lang="en-US"/>
           </a:p>
@@ -3146,7 +3010,7 @@
     </p:spTree>
     <p:extLst>
       <p:ext uri="{BB962C8B-B14F-4D97-AF65-F5344CB8AC3E}">
-        <p14:creationId xmlns:p14="http://schemas.microsoft.com/office/powerpoint/2010/main" val="1329416120"/>
+        <p14:creationId xmlns:p14="http://schemas.microsoft.com/office/powerpoint/2010/main" val="2070168663"/>
       </p:ext>
     </p:extLst>
   </p:cSld>
@@ -3180,109 +3044,57 @@
       </p:grpSpPr>
       <p:sp>
         <p:nvSpPr>
-          <p:cNvPr id="8" name="Rectangle 7"/>
-          <p:cNvSpPr/>
-          <p:nvPr/>
+          <p:cNvPr id="2" name="Title 1"/>
+          <p:cNvSpPr>
+            <a:spLocks noGrp="1"/>
+          </p:cNvSpPr>
+          <p:nvPr>
+            <p:ph type="title"/>
+          </p:nvPr>
         </p:nvSpPr>
         <p:spPr>
           <a:xfrm>
-            <a:off x="0" y="5105400"/>
-            <a:ext cx="11292840" cy="1752600"/>
+            <a:off x="839788" y="457200"/>
+            <a:ext cx="3932237" cy="1600200"/>
           </a:xfrm>
-          <a:prstGeom prst="rect">
-            <a:avLst/>
-          </a:prstGeom>
-          <a:solidFill>
-            <a:srgbClr val="000000"/>
-          </a:solidFill>
-          <a:ln>
-            <a:noFill/>
-          </a:ln>
         </p:spPr>
-        <p:style>
-          <a:lnRef idx="2">
-            <a:schemeClr val="accent1">
-              <a:shade val="50000"/>
-            </a:schemeClr>
-          </a:lnRef>
-          <a:fillRef idx="1">
-            <a:schemeClr val="accent1"/>
-          </a:fillRef>
-          <a:effectRef idx="0">
-            <a:schemeClr val="accent1"/>
-          </a:effectRef>
-          <a:fontRef idx="minor">
-            <a:schemeClr val="lt1"/>
-          </a:fontRef>
-        </p:style>
-      </p:sp>
-      <p:sp>
-        <p:nvSpPr>
-          <p:cNvPr id="2" name="Title 1"/>
-          <p:cNvSpPr>
-            <a:spLocks noGrp="1"/>
-          </p:cNvSpPr>
-          <p:nvPr>
-            <p:ph type="title"/>
+        <p:txBody>
+          <a:bodyPr anchor="b"/>
+          <a:lstStyle>
+            <a:lvl1pPr>
+              <a:defRPr sz="3200"/>
+            </a:lvl1pPr>
+          </a:lstStyle>
+          <a:p>
+            <a:r>
+              <a:rPr lang="en-US"/>
+              <a:t>Click to edit Master title style</a:t>
+            </a:r>
+          </a:p>
+        </p:txBody>
+      </p:sp>
+      <p:sp>
+        <p:nvSpPr>
+          <p:cNvPr id="3" name="Picture Placeholder 2"/>
+          <p:cNvSpPr>
+            <a:spLocks noGrp="1"/>
+          </p:cNvSpPr>
+          <p:nvPr>
+            <p:ph type="pic" idx="1"/>
           </p:nvPr>
         </p:nvSpPr>
         <p:spPr>
           <a:xfrm>
-            <a:off x="914400" y="5257800"/>
-            <a:ext cx="9982200" cy="914400"/>
+            <a:off x="5183188" y="987425"/>
+            <a:ext cx="6172200" cy="4873625"/>
           </a:xfrm>
         </p:spPr>
         <p:txBody>
-          <a:bodyPr anchor="b">
-            <a:normAutofit/>
-          </a:bodyPr>
-          <a:lstStyle>
-            <a:lvl1pPr>
-              <a:defRPr sz="2800" b="0">
-                <a:solidFill>
-                  <a:schemeClr val="bg1"/>
-                </a:solidFill>
-              </a:defRPr>
-            </a:lvl1pPr>
-          </a:lstStyle>
-          <a:p>
-            <a:r>
-              <a:rPr lang="en-US"/>
-              <a:t>Click to edit Master title style</a:t>
-            </a:r>
-            <a:endParaRPr lang="en-US" dirty="0"/>
-          </a:p>
-        </p:txBody>
-      </p:sp>
-      <p:sp>
-        <p:nvSpPr>
-          <p:cNvPr id="3" name="Picture Placeholder 2"/>
-          <p:cNvSpPr>
-            <a:spLocks noGrp="1" noChangeAspect="1"/>
-          </p:cNvSpPr>
-          <p:nvPr>
-            <p:ph type="pic" idx="1"/>
-          </p:nvPr>
-        </p:nvSpPr>
-        <p:spPr>
-          <a:xfrm>
-            <a:off x="0" y="0"/>
-            <a:ext cx="11292840" cy="5128923"/>
-          </a:xfrm>
-          <a:solidFill>
-            <a:schemeClr val="accent1"/>
-          </a:solidFill>
-        </p:spPr>
-        <p:txBody>
-          <a:bodyPr anchor="t"/>
+          <a:bodyPr/>
           <a:lstStyle>
             <a:lvl1pPr marL="0" indent="0">
               <a:buNone/>
-              <a:defRPr sz="3200">
-                <a:solidFill>
-                  <a:schemeClr val="bg1"/>
-                </a:solidFill>
-              </a:defRPr>
+              <a:defRPr sz="3200"/>
             </a:lvl1pPr>
             <a:lvl2pPr marL="457200" indent="0">
               <a:buNone/>
@@ -3318,11 +3130,7 @@
             </a:lvl9pPr>
           </a:lstStyle>
           <a:p>
-            <a:r>
-              <a:rPr lang="en-US"/>
-              <a:t>Click icon to add picture</a:t>
-            </a:r>
-            <a:endParaRPr lang="en-US" dirty="0"/>
+            <a:endParaRPr lang="en-US"/>
           </a:p>
         </p:txBody>
       </p:sp>
@@ -3338,62 +3146,48 @@
         </p:nvSpPr>
         <p:spPr>
           <a:xfrm>
-            <a:off x="914400" y="6108589"/>
-            <a:ext cx="9982200" cy="597011"/>
+            <a:off x="839788" y="2057400"/>
+            <a:ext cx="3932237" cy="3811588"/>
           </a:xfrm>
         </p:spPr>
         <p:txBody>
-          <a:bodyPr>
-            <a:normAutofit/>
-          </a:bodyPr>
+          <a:bodyPr/>
           <a:lstStyle>
             <a:lvl1pPr marL="0" indent="0">
-              <a:lnSpc>
-                <a:spcPct val="100000"/>
-              </a:lnSpc>
-              <a:spcBef>
-                <a:spcPts val="800"/>
-              </a:spcBef>
               <a:buNone/>
-              <a:defRPr sz="1300">
-                <a:solidFill>
-                  <a:schemeClr val="bg1">
-                    <a:lumMod val="85000"/>
-                  </a:schemeClr>
-                </a:solidFill>
-              </a:defRPr>
+              <a:defRPr sz="1600"/>
             </a:lvl1pPr>
             <a:lvl2pPr marL="457200" indent="0">
               <a:buNone/>
-              <a:defRPr sz="1200"/>
+              <a:defRPr sz="1400"/>
             </a:lvl2pPr>
             <a:lvl3pPr marL="914400" indent="0">
               <a:buNone/>
-              <a:defRPr sz="1000"/>
+              <a:defRPr sz="1200"/>
             </a:lvl3pPr>
             <a:lvl4pPr marL="1371600" indent="0">
               <a:buNone/>
-              <a:defRPr sz="900"/>
+              <a:defRPr sz="1000"/>
             </a:lvl4pPr>
             <a:lvl5pPr marL="1828800" indent="0">
               <a:buNone/>
-              <a:defRPr sz="900"/>
+              <a:defRPr sz="1000"/>
             </a:lvl5pPr>
             <a:lvl6pPr marL="2286000" indent="0">
               <a:buNone/>
-              <a:defRPr sz="900"/>
+              <a:defRPr sz="1000"/>
             </a:lvl6pPr>
             <a:lvl7pPr marL="2743200" indent="0">
               <a:buNone/>
-              <a:defRPr sz="900"/>
+              <a:defRPr sz="1000"/>
             </a:lvl7pPr>
             <a:lvl8pPr marL="3200400" indent="0">
               <a:buNone/>
-              <a:defRPr sz="900"/>
+              <a:defRPr sz="1000"/>
             </a:lvl8pPr>
             <a:lvl9pPr marL="3657600" indent="0">
               <a:buNone/>
-              <a:defRPr sz="900"/>
+              <a:defRPr sz="1000"/>
             </a:lvl9pPr>
           </a:lstStyle>
           <a:p>
@@ -3422,7 +3216,7 @@
           <a:p>
             <a:fld id="{2EA7DAC2-4AA6-4857-A112-92745547B70E}" type="datetimeFigureOut">
               <a:rPr lang="en-US" smtClean="0"/>
-              <a:t>11/7/2017</a:t>
+              <a:t>11/9/2017</a:t>
             </a:fld>
             <a:endParaRPr lang="en-US"/>
           </a:p>
@@ -3473,7 +3267,7 @@
     </p:spTree>
     <p:extLst>
       <p:ext uri="{BB962C8B-B14F-4D97-AF65-F5344CB8AC3E}">
-        <p14:creationId xmlns:p14="http://schemas.microsoft.com/office/powerpoint/2010/main" val="3431734245"/>
+        <p14:creationId xmlns:p14="http://schemas.microsoft.com/office/powerpoint/2010/main" val="4183295863"/>
       </p:ext>
     </p:extLst>
   </p:cSld>
@@ -3507,65 +3301,25 @@
       </p:grpSpPr>
       <p:sp>
         <p:nvSpPr>
-          <p:cNvPr id="7" name="Rectangle 6"/>
-          <p:cNvSpPr/>
-          <p:nvPr/>
+          <p:cNvPr id="2" name="Title Placeholder 1"/>
+          <p:cNvSpPr>
+            <a:spLocks noGrp="1"/>
+          </p:cNvSpPr>
+          <p:nvPr>
+            <p:ph type="title"/>
+          </p:nvPr>
         </p:nvSpPr>
         <p:spPr>
           <a:xfrm>
-            <a:off x="11292840" y="0"/>
-            <a:ext cx="914400" cy="6858000"/>
-          </a:xfrm>
-          <a:prstGeom prst="rect">
-            <a:avLst/>
-          </a:prstGeom>
-          <a:solidFill>
-            <a:schemeClr val="tx2">
-              <a:lumMod val="75000"/>
-            </a:schemeClr>
-          </a:solidFill>
-          <a:ln>
-            <a:noFill/>
-          </a:ln>
-        </p:spPr>
-        <p:style>
-          <a:lnRef idx="2">
-            <a:schemeClr val="accent1">
-              <a:shade val="50000"/>
-            </a:schemeClr>
-          </a:lnRef>
-          <a:fillRef idx="1">
-            <a:schemeClr val="accent1"/>
-          </a:fillRef>
-          <a:effectRef idx="0">
-            <a:schemeClr val="accent1"/>
-          </a:effectRef>
-          <a:fontRef idx="minor">
-            <a:schemeClr val="lt1"/>
-          </a:fontRef>
-        </p:style>
-      </p:sp>
-      <p:sp>
-        <p:nvSpPr>
-          <p:cNvPr id="2" name="Title Placeholder 1"/>
-          <p:cNvSpPr>
-            <a:spLocks noGrp="1"/>
-          </p:cNvSpPr>
-          <p:nvPr>
-            <p:ph type="title"/>
-          </p:nvPr>
-        </p:nvSpPr>
-        <p:spPr>
-          <a:xfrm>
-            <a:off x="1261872" y="365760"/>
-            <a:ext cx="9692640" cy="1325562"/>
+            <a:off x="838200" y="365125"/>
+            <a:ext cx="10515600" cy="1325563"/>
           </a:xfrm>
           <a:prstGeom prst="rect">
             <a:avLst/>
           </a:prstGeom>
         </p:spPr>
         <p:txBody>
-          <a:bodyPr vert="horz" lIns="91440" tIns="45720" rIns="91440" bIns="45720" rtlCol="0" anchor="b">
+          <a:bodyPr vert="horz" lIns="91440" tIns="45720" rIns="91440" bIns="45720" rtlCol="0" anchor="ctr">
             <a:normAutofit/>
           </a:bodyPr>
           <a:lstStyle/>
@@ -3574,7 +3328,6 @@
               <a:rPr lang="en-US"/>
               <a:t>Click to edit Master title style</a:t>
             </a:r>
-            <a:endParaRPr lang="en-US" dirty="0"/>
           </a:p>
         </p:txBody>
       </p:sp>
@@ -3590,8 +3343,8 @@
         </p:nvSpPr>
         <p:spPr>
           <a:xfrm>
-            <a:off x="1261872" y="1828800"/>
-            <a:ext cx="8595360" cy="4351337"/>
+            <a:off x="838200" y="1825625"/>
+            <a:ext cx="10515600" cy="4351338"/>
           </a:xfrm>
           <a:prstGeom prst="rect">
             <a:avLst/>
@@ -3636,7 +3389,6 @@
               <a:rPr lang="en-US"/>
               <a:t>Fifth level</a:t>
             </a:r>
-            <a:endParaRPr lang="en-US" dirty="0"/>
           </a:p>
         </p:txBody>
       </p:sp>
@@ -3651,9 +3403,9 @@
           </p:nvPr>
         </p:nvSpPr>
         <p:spPr>
-          <a:xfrm rot="16200000">
-            <a:off x="10797542" y="998537"/>
-            <a:ext cx="1904999" cy="365125"/>
+          <a:xfrm>
+            <a:off x="838200" y="6356350"/>
+            <a:ext cx="2743200" cy="365125"/>
           </a:xfrm>
           <a:prstGeom prst="rect">
             <a:avLst/>
@@ -3662,12 +3414,11 @@
         <p:txBody>
           <a:bodyPr vert="horz" lIns="91440" tIns="45720" rIns="91440" bIns="45720" rtlCol="0" anchor="ctr"/>
           <a:lstStyle>
-            <a:lvl1pPr algn="r">
-              <a:defRPr sz="1050" b="0">
+            <a:lvl1pPr algn="l">
+              <a:defRPr sz="1200">
                 <a:solidFill>
-                  <a:schemeClr val="tx2">
-                    <a:lumMod val="20000"/>
-                    <a:lumOff val="80000"/>
+                  <a:schemeClr val="tx1">
+                    <a:tint val="75000"/>
                   </a:schemeClr>
                 </a:solidFill>
               </a:defRPr>
@@ -3676,7 +3427,7 @@
           <a:p>
             <a:fld id="{2EA7DAC2-4AA6-4857-A112-92745547B70E}" type="datetimeFigureOut">
               <a:rPr lang="en-US" smtClean="0"/>
-              <a:t>11/7/2017</a:t>
+              <a:t>11/9/2017</a:t>
             </a:fld>
             <a:endParaRPr lang="en-US"/>
           </a:p>
@@ -3693,9 +3444,9 @@
           </p:nvPr>
         </p:nvSpPr>
         <p:spPr>
-          <a:xfrm rot="16200000">
-            <a:off x="9959341" y="4046537"/>
-            <a:ext cx="3581400" cy="365125"/>
+          <a:xfrm>
+            <a:off x="4038600" y="6356350"/>
+            <a:ext cx="4114800" cy="365125"/>
           </a:xfrm>
           <a:prstGeom prst="rect">
             <a:avLst/>
@@ -3704,12 +3455,11 @@
         <p:txBody>
           <a:bodyPr vert="horz" lIns="91440" tIns="45720" rIns="91440" bIns="45720" rtlCol="0" anchor="ctr"/>
           <a:lstStyle>
-            <a:lvl1pPr algn="l">
-              <a:defRPr sz="1050">
+            <a:lvl1pPr algn="ctr">
+              <a:defRPr sz="1200">
                 <a:solidFill>
-                  <a:schemeClr val="tx2">
-                    <a:lumMod val="20000"/>
-                    <a:lumOff val="80000"/>
+                  <a:schemeClr val="tx1">
+                    <a:tint val="75000"/>
                   </a:schemeClr>
                 </a:solidFill>
               </a:defRPr>
@@ -3732,24 +3482,21 @@
         </p:nvSpPr>
         <p:spPr>
           <a:xfrm>
-            <a:off x="11292840" y="6172200"/>
-            <a:ext cx="914400" cy="593725"/>
+            <a:off x="8610600" y="6356350"/>
+            <a:ext cx="2743200" cy="365125"/>
           </a:xfrm>
           <a:prstGeom prst="rect">
             <a:avLst/>
           </a:prstGeom>
         </p:spPr>
         <p:txBody>
-          <a:bodyPr vert="horz" lIns="45720" tIns="45720" rIns="45720" bIns="45720" rtlCol="0" anchor="ctr">
-            <a:normAutofit/>
-          </a:bodyPr>
+          <a:bodyPr vert="horz" lIns="91440" tIns="45720" rIns="91440" bIns="45720" rtlCol="0" anchor="ctr"/>
           <a:lstStyle>
-            <a:lvl1pPr algn="ctr">
-              <a:defRPr sz="3600">
+            <a:lvl1pPr algn="r">
+              <a:defRPr sz="1200">
                 <a:solidFill>
-                  <a:schemeClr val="tx2">
-                    <a:lumMod val="60000"/>
-                    <a:lumOff val="40000"/>
+                  <a:schemeClr val="tx1">
+                    <a:tint val="75000"/>
                   </a:schemeClr>
                 </a:solidFill>
               </a:defRPr>
@@ -3767,23 +3514,23 @@
     </p:spTree>
     <p:extLst>
       <p:ext uri="{BB962C8B-B14F-4D97-AF65-F5344CB8AC3E}">
-        <p14:creationId xmlns:p14="http://schemas.microsoft.com/office/powerpoint/2010/main" val="4218374699"/>
+        <p14:creationId xmlns:p14="http://schemas.microsoft.com/office/powerpoint/2010/main" val="3991564674"/>
       </p:ext>
     </p:extLst>
   </p:cSld>
   <p:clrMap bg1="lt1" tx1="dk1" bg2="lt2" tx2="dk2" accent1="accent1" accent2="accent2" accent3="accent3" accent4="accent4" accent5="accent5" accent6="accent6" hlink="hlink" folHlink="folHlink"/>
   <p:sldLayoutIdLst>
-    <p:sldLayoutId id="2147483935" r:id="rId1"/>
-    <p:sldLayoutId id="2147483936" r:id="rId2"/>
-    <p:sldLayoutId id="2147483937" r:id="rId3"/>
-    <p:sldLayoutId id="2147483938" r:id="rId4"/>
-    <p:sldLayoutId id="2147483939" r:id="rId5"/>
-    <p:sldLayoutId id="2147483940" r:id="rId6"/>
-    <p:sldLayoutId id="2147483941" r:id="rId7"/>
-    <p:sldLayoutId id="2147483942" r:id="rId8"/>
-    <p:sldLayoutId id="2147483943" r:id="rId9"/>
-    <p:sldLayoutId id="2147483944" r:id="rId10"/>
-    <p:sldLayoutId id="2147483945" r:id="rId11"/>
+    <p:sldLayoutId id="2147484013" r:id="rId1"/>
+    <p:sldLayoutId id="2147484014" r:id="rId2"/>
+    <p:sldLayoutId id="2147484015" r:id="rId3"/>
+    <p:sldLayoutId id="2147484016" r:id="rId4"/>
+    <p:sldLayoutId id="2147484017" r:id="rId5"/>
+    <p:sldLayoutId id="2147484018" r:id="rId6"/>
+    <p:sldLayoutId id="2147484019" r:id="rId7"/>
+    <p:sldLayoutId id="2147484020" r:id="rId8"/>
+    <p:sldLayoutId id="2147484021" r:id="rId9"/>
+    <p:sldLayoutId id="2147484022" r:id="rId10"/>
+    <p:sldLayoutId id="2147484023" r:id="rId11"/>
   </p:sldLayoutIdLst>
   <p:txStyles>
     <p:titleStyle>
@@ -3795,7 +3542,7 @@
           <a:spcPct val="0"/>
         </a:spcBef>
         <a:buNone/>
-        <a:defRPr sz="4400" kern="1200" spc="-50" baseline="0">
+        <a:defRPr sz="4400" kern="1200">
           <a:solidFill>
             <a:schemeClr val="tx1"/>
           </a:solidFill>
@@ -3806,23 +3553,16 @@
       </a:lvl1pPr>
     </p:titleStyle>
     <p:bodyStyle>
-      <a:lvl1pPr marL="182880" indent="-182880" algn="l" defTabSz="914400" rtl="0" eaLnBrk="1" latinLnBrk="0" hangingPunct="1">
+      <a:lvl1pPr marL="228600" indent="-228600" algn="l" defTabSz="914400" rtl="0" eaLnBrk="1" latinLnBrk="0" hangingPunct="1">
         <a:lnSpc>
-          <a:spcPct val="95000"/>
+          <a:spcPct val="90000"/>
         </a:lnSpc>
         <a:spcBef>
-          <a:spcPts val="1400"/>
+          <a:spcPts val="1000"/>
         </a:spcBef>
-        <a:spcAft>
-          <a:spcPts val="200"/>
-        </a:spcAft>
-        <a:buClr>
-          <a:schemeClr val="accent1"/>
-        </a:buClr>
-        <a:buSzPct val="80000"/>
-        <a:buFont typeface="Arial" pitchFamily="34" charset="0"/>
+        <a:buFont typeface="Arial" panose="020B0604020202020204" pitchFamily="34" charset="0"/>
         <a:buChar char="•"/>
-        <a:defRPr sz="1800" kern="1200" spc="10" baseline="0">
+        <a:defRPr sz="2800" kern="1200">
           <a:solidFill>
             <a:schemeClr val="tx1"/>
           </a:solidFill>
@@ -3831,216 +3571,144 @@
           <a:cs typeface="+mn-cs"/>
         </a:defRPr>
       </a:lvl1pPr>
-      <a:lvl2pPr marL="457200" indent="-182880" algn="l" defTabSz="914400" rtl="0" eaLnBrk="1" latinLnBrk="0" hangingPunct="1">
+      <a:lvl2pPr marL="685800" indent="-228600" algn="l" defTabSz="914400" rtl="0" eaLnBrk="1" latinLnBrk="0" hangingPunct="1">
         <a:lnSpc>
           <a:spcPct val="90000"/>
         </a:lnSpc>
         <a:spcBef>
-          <a:spcPts val="300"/>
+          <a:spcPts val="500"/>
         </a:spcBef>
-        <a:spcAft>
-          <a:spcPts val="300"/>
-        </a:spcAft>
-        <a:buClr>
-          <a:schemeClr val="accent1"/>
-        </a:buClr>
-        <a:buFont typeface="Wingdings 2" pitchFamily="18" charset="2"/>
-        <a:buChar char=""/>
-        <a:defRPr sz="1600" kern="1200">
+        <a:buFont typeface="Arial" panose="020B0604020202020204" pitchFamily="34" charset="0"/>
+        <a:buChar char="•"/>
+        <a:defRPr sz="2400" kern="1200">
           <a:solidFill>
-            <a:schemeClr val="tx1">
-              <a:lumMod val="85000"/>
-              <a:lumOff val="15000"/>
-            </a:schemeClr>
+            <a:schemeClr val="tx1"/>
           </a:solidFill>
           <a:latin typeface="+mn-lt"/>
           <a:ea typeface="+mn-ea"/>
           <a:cs typeface="+mn-cs"/>
         </a:defRPr>
       </a:lvl2pPr>
-      <a:lvl3pPr marL="731520" indent="-182880" algn="l" defTabSz="914400" rtl="0" eaLnBrk="1" latinLnBrk="0" hangingPunct="1">
+      <a:lvl3pPr marL="1143000" indent="-228600" algn="l" defTabSz="914400" rtl="0" eaLnBrk="1" latinLnBrk="0" hangingPunct="1">
         <a:lnSpc>
           <a:spcPct val="90000"/>
         </a:lnSpc>
         <a:spcBef>
-          <a:spcPts val="300"/>
+          <a:spcPts val="500"/>
         </a:spcBef>
-        <a:spcAft>
-          <a:spcPts val="300"/>
-        </a:spcAft>
-        <a:buClr>
-          <a:schemeClr val="accent1"/>
-        </a:buClr>
-        <a:buFont typeface="Wingdings 2" pitchFamily="18" charset="2"/>
-        <a:buChar char=""/>
-        <a:defRPr sz="1400" kern="1200">
+        <a:buFont typeface="Arial" panose="020B0604020202020204" pitchFamily="34" charset="0"/>
+        <a:buChar char="•"/>
+        <a:defRPr sz="2000" kern="1200">
           <a:solidFill>
-            <a:schemeClr val="tx1">
-              <a:lumMod val="85000"/>
-              <a:lumOff val="15000"/>
-            </a:schemeClr>
+            <a:schemeClr val="tx1"/>
           </a:solidFill>
           <a:latin typeface="+mn-lt"/>
           <a:ea typeface="+mn-ea"/>
           <a:cs typeface="+mn-cs"/>
         </a:defRPr>
       </a:lvl3pPr>
-      <a:lvl4pPr marL="1005840" indent="-182880" algn="l" defTabSz="914400" rtl="0" eaLnBrk="1" latinLnBrk="0" hangingPunct="1">
+      <a:lvl4pPr marL="1600200" indent="-228600" algn="l" defTabSz="914400" rtl="0" eaLnBrk="1" latinLnBrk="0" hangingPunct="1">
         <a:lnSpc>
           <a:spcPct val="90000"/>
         </a:lnSpc>
         <a:spcBef>
-          <a:spcPts val="300"/>
+          <a:spcPts val="500"/>
         </a:spcBef>
-        <a:spcAft>
-          <a:spcPts val="300"/>
-        </a:spcAft>
-        <a:buClr>
-          <a:schemeClr val="accent1"/>
-        </a:buClr>
-        <a:buFont typeface="Wingdings 2" pitchFamily="18" charset="2"/>
-        <a:buChar char=""/>
-        <a:defRPr sz="1400" kern="1200">
+        <a:buFont typeface="Arial" panose="020B0604020202020204" pitchFamily="34" charset="0"/>
+        <a:buChar char="•"/>
+        <a:defRPr sz="1800" kern="1200">
           <a:solidFill>
-            <a:schemeClr val="tx1">
-              <a:lumMod val="85000"/>
-              <a:lumOff val="15000"/>
-            </a:schemeClr>
+            <a:schemeClr val="tx1"/>
           </a:solidFill>
           <a:latin typeface="+mn-lt"/>
           <a:ea typeface="+mn-ea"/>
           <a:cs typeface="+mn-cs"/>
         </a:defRPr>
       </a:lvl4pPr>
-      <a:lvl5pPr marL="1280160" indent="-182880" algn="l" defTabSz="914400" rtl="0" eaLnBrk="1" latinLnBrk="0" hangingPunct="1">
+      <a:lvl5pPr marL="2057400" indent="-228600" algn="l" defTabSz="914400" rtl="0" eaLnBrk="1" latinLnBrk="0" hangingPunct="1">
         <a:lnSpc>
           <a:spcPct val="90000"/>
         </a:lnSpc>
         <a:spcBef>
-          <a:spcPts val="300"/>
+          <a:spcPts val="500"/>
         </a:spcBef>
-        <a:spcAft>
-          <a:spcPts val="300"/>
-        </a:spcAft>
-        <a:buClr>
-          <a:schemeClr val="accent1"/>
-        </a:buClr>
-        <a:buFont typeface="Wingdings 2" pitchFamily="18" charset="2"/>
-        <a:buChar char=""/>
-        <a:defRPr sz="1400" kern="1200">
+        <a:buFont typeface="Arial" panose="020B0604020202020204" pitchFamily="34" charset="0"/>
+        <a:buChar char="•"/>
+        <a:defRPr sz="1800" kern="1200">
           <a:solidFill>
-            <a:schemeClr val="tx1">
-              <a:lumMod val="85000"/>
-              <a:lumOff val="15000"/>
-            </a:schemeClr>
+            <a:schemeClr val="tx1"/>
           </a:solidFill>
           <a:latin typeface="+mn-lt"/>
           <a:ea typeface="+mn-ea"/>
           <a:cs typeface="+mn-cs"/>
         </a:defRPr>
       </a:lvl5pPr>
-      <a:lvl6pPr marL="1600000" indent="-228600" algn="l" defTabSz="914400" rtl="0" eaLnBrk="1" latinLnBrk="0" hangingPunct="1">
+      <a:lvl6pPr marL="2514600" indent="-228600" algn="l" defTabSz="914400" rtl="0" eaLnBrk="1" latinLnBrk="0" hangingPunct="1">
         <a:lnSpc>
           <a:spcPct val="90000"/>
         </a:lnSpc>
         <a:spcBef>
-          <a:spcPts val="300"/>
+          <a:spcPts val="500"/>
         </a:spcBef>
-        <a:spcAft>
-          <a:spcPts val="300"/>
-        </a:spcAft>
-        <a:buClr>
-          <a:schemeClr val="accent1"/>
-        </a:buClr>
-        <a:buFont typeface="Wingdings 2" pitchFamily="18" charset="2"/>
-        <a:buChar char=""/>
-        <a:defRPr sz="1400" kern="1200">
+        <a:buFont typeface="Arial" panose="020B0604020202020204" pitchFamily="34" charset="0"/>
+        <a:buChar char="•"/>
+        <a:defRPr sz="1800" kern="1200">
           <a:solidFill>
-            <a:schemeClr val="tx1">
-              <a:lumMod val="85000"/>
-              <a:lumOff val="15000"/>
-            </a:schemeClr>
+            <a:schemeClr val="tx1"/>
           </a:solidFill>
           <a:latin typeface="+mn-lt"/>
           <a:ea typeface="+mn-ea"/>
           <a:cs typeface="+mn-cs"/>
         </a:defRPr>
       </a:lvl6pPr>
-      <a:lvl7pPr marL="1900000" indent="-228600" algn="l" defTabSz="914400" rtl="0" eaLnBrk="1" latinLnBrk="0" hangingPunct="1">
+      <a:lvl7pPr marL="2971800" indent="-228600" algn="l" defTabSz="914400" rtl="0" eaLnBrk="1" latinLnBrk="0" hangingPunct="1">
         <a:lnSpc>
           <a:spcPct val="90000"/>
         </a:lnSpc>
         <a:spcBef>
-          <a:spcPts val="300"/>
+          <a:spcPts val="500"/>
         </a:spcBef>
-        <a:spcAft>
-          <a:spcPts val="300"/>
-        </a:spcAft>
-        <a:buClr>
-          <a:schemeClr val="accent1"/>
-        </a:buClr>
-        <a:buFont typeface="Wingdings 2" pitchFamily="18" charset="2"/>
-        <a:buChar char=""/>
-        <a:defRPr sz="1400" kern="1200">
+        <a:buFont typeface="Arial" panose="020B0604020202020204" pitchFamily="34" charset="0"/>
+        <a:buChar char="•"/>
+        <a:defRPr sz="1800" kern="1200">
           <a:solidFill>
-            <a:schemeClr val="tx1">
-              <a:lumMod val="85000"/>
-              <a:lumOff val="15000"/>
-            </a:schemeClr>
+            <a:schemeClr val="tx1"/>
           </a:solidFill>
           <a:latin typeface="+mn-lt"/>
           <a:ea typeface="+mn-ea"/>
           <a:cs typeface="+mn-cs"/>
         </a:defRPr>
       </a:lvl7pPr>
-      <a:lvl8pPr marL="2200000" indent="-228600" algn="l" defTabSz="914400" rtl="0" eaLnBrk="1" latinLnBrk="0" hangingPunct="1">
+      <a:lvl8pPr marL="3429000" indent="-228600" algn="l" defTabSz="914400" rtl="0" eaLnBrk="1" latinLnBrk="0" hangingPunct="1">
         <a:lnSpc>
           <a:spcPct val="90000"/>
         </a:lnSpc>
         <a:spcBef>
-          <a:spcPts val="300"/>
+          <a:spcPts val="500"/>
         </a:spcBef>
-        <a:spcAft>
-          <a:spcPts val="300"/>
-        </a:spcAft>
-        <a:buClr>
-          <a:schemeClr val="accent1"/>
-        </a:buClr>
-        <a:buFont typeface="Wingdings 2" pitchFamily="18" charset="2"/>
-        <a:buChar char=""/>
-        <a:defRPr sz="1400" kern="1200">
+        <a:buFont typeface="Arial" panose="020B0604020202020204" pitchFamily="34" charset="0"/>
+        <a:buChar char="•"/>
+        <a:defRPr sz="1800" kern="1200">
           <a:solidFill>
-            <a:schemeClr val="tx1">
-              <a:lumMod val="85000"/>
-              <a:lumOff val="15000"/>
-            </a:schemeClr>
+            <a:schemeClr val="tx1"/>
           </a:solidFill>
           <a:latin typeface="+mn-lt"/>
           <a:ea typeface="+mn-ea"/>
           <a:cs typeface="+mn-cs"/>
         </a:defRPr>
       </a:lvl8pPr>
-      <a:lvl9pPr marL="2500000" indent="-228600" algn="l" defTabSz="914400" rtl="0" eaLnBrk="1" latinLnBrk="0" hangingPunct="1">
+      <a:lvl9pPr marL="3886200" indent="-228600" algn="l" defTabSz="914400" rtl="0" eaLnBrk="1" latinLnBrk="0" hangingPunct="1">
         <a:lnSpc>
           <a:spcPct val="90000"/>
         </a:lnSpc>
         <a:spcBef>
-          <a:spcPts val="300"/>
+          <a:spcPts val="500"/>
         </a:spcBef>
-        <a:spcAft>
-          <a:spcPts val="300"/>
-        </a:spcAft>
-        <a:buClr>
-          <a:schemeClr val="accent1"/>
-        </a:buClr>
-        <a:buFont typeface="Wingdings 2" pitchFamily="18" charset="2"/>
-        <a:buChar char=""/>
-        <a:defRPr sz="1400" kern="1200">
+        <a:buFont typeface="Arial" panose="020B0604020202020204" pitchFamily="34" charset="0"/>
+        <a:buChar char="•"/>
+        <a:defRPr sz="1800" kern="1200">
           <a:solidFill>
-            <a:schemeClr val="tx1">
-              <a:lumMod val="85000"/>
-              <a:lumOff val="15000"/>
-            </a:schemeClr>
+            <a:schemeClr val="tx1"/>
           </a:solidFill>
           <a:latin typeface="+mn-lt"/>
           <a:ea typeface="+mn-ea"/>
@@ -4181,8 +3849,8 @@
         </p:nvSpPr>
         <p:spPr>
           <a:xfrm>
-            <a:off x="1576137" y="0"/>
-            <a:ext cx="9649326" cy="4535905"/>
+            <a:off x="1611763" y="83127"/>
+            <a:ext cx="9649326" cy="4049017"/>
           </a:xfrm>
         </p:spPr>
         <p:txBody>
@@ -4235,6 +3903,223 @@
     <p:extLst>
       <p:ext uri="{BB962C8B-B14F-4D97-AF65-F5344CB8AC3E}">
         <p14:creationId xmlns:p14="http://schemas.microsoft.com/office/powerpoint/2010/main" val="688091078"/>
+      </p:ext>
+    </p:extLst>
+  </p:cSld>
+  <p:clrMapOvr>
+    <a:masterClrMapping/>
+  </p:clrMapOvr>
+</p:sld>
+</file>
+
+<file path=ppt/slides/slide10.xml><?xml version="1.0" encoding="utf-8"?>
+<p:sld xmlns:a="http://schemas.openxmlformats.org/drawingml/2006/main" xmlns:r="http://schemas.openxmlformats.org/officeDocument/2006/relationships" xmlns:p="http://schemas.openxmlformats.org/presentationml/2006/main">
+  <p:cSld>
+    <p:spTree>
+      <p:nvGrpSpPr>
+        <p:cNvPr id="1" name=""/>
+        <p:cNvGrpSpPr/>
+        <p:nvPr/>
+      </p:nvGrpSpPr>
+      <p:grpSpPr>
+        <a:xfrm>
+          <a:off x="0" y="0"/>
+          <a:ext cx="0" cy="0"/>
+          <a:chOff x="0" y="0"/>
+          <a:chExt cx="0" cy="0"/>
+        </a:xfrm>
+      </p:grpSpPr>
+      <p:sp>
+        <p:nvSpPr>
+          <p:cNvPr id="4" name="Rectangle 3"/>
+          <p:cNvSpPr/>
+          <p:nvPr/>
+        </p:nvSpPr>
+        <p:spPr>
+          <a:xfrm>
+            <a:off x="346364" y="2081428"/>
+            <a:ext cx="11249890" cy="4247317"/>
+          </a:xfrm>
+          <a:prstGeom prst="rect">
+            <a:avLst/>
+          </a:prstGeom>
+        </p:spPr>
+        <p:txBody>
+          <a:bodyPr wrap="square">
+            <a:spAutoFit/>
+          </a:bodyPr>
+          <a:lstStyle/>
+          <a:p>
+            <a:r>
+              <a:rPr lang="en-US" dirty="0"/>
+              <a:t>&gt; round(predict_ratings[[3]],3)</a:t>
+            </a:r>
+          </a:p>
+          <a:p>
+            <a:r>
+              <a:rPr lang="en-US" dirty="0"/>
+              <a:t>    1     2     3     4     9    10    22    24    25    30    33    34    37    44    46    51 </a:t>
+            </a:r>
+          </a:p>
+          <a:p>
+            <a:r>
+              <a:rPr lang="en-US" dirty="0"/>
+              <a:t>8.092 7.480 8.325 8.326 8.086 8.298 7.261 7.763 7.866 8.886 8.333 7.810 8.156 8.113 7.842 6.931 </a:t>
+            </a:r>
+          </a:p>
+          <a:p>
+            <a:r>
+              <a:rPr lang="en-US" dirty="0"/>
+              <a:t>   52    55    57    58    59    63    64    67    70    71    72    73    74    </a:t>
+            </a:r>
+            <a:r>
+              <a:rPr lang="en-US" dirty="0">
+                <a:highlight>
+                  <a:srgbClr val="FFFF00"/>
+                </a:highlight>
+              </a:rPr>
+              <a:t>75</a:t>
+            </a:r>
+            <a:r>
+              <a:rPr lang="en-US" dirty="0"/>
+              <a:t>    77    78 </a:t>
+            </a:r>
+          </a:p>
+          <a:p>
+            <a:r>
+              <a:rPr lang="en-US" dirty="0"/>
+              <a:t>7.291 8.434 5.261 7.782 7.987 7.410 8.141 8.648 8.409 8.156 8.833 8.657 8.803 </a:t>
+            </a:r>
+            <a:r>
+              <a:rPr lang="en-US" dirty="0">
+                <a:highlight>
+                  <a:srgbClr val="FFFF00"/>
+                </a:highlight>
+              </a:rPr>
+              <a:t>9.101</a:t>
+            </a:r>
+            <a:r>
+              <a:rPr lang="en-US" dirty="0"/>
+              <a:t> 8.602 8.608 </a:t>
+            </a:r>
+          </a:p>
+          <a:p>
+            <a:r>
+              <a:rPr lang="en-US" dirty="0"/>
+              <a:t>   79    81    82    83    84    85    86    87    88    89    91    92    93    95    96    97 </a:t>
+            </a:r>
+          </a:p>
+          <a:p>
+            <a:r>
+              <a:rPr lang="en-US" dirty="0"/>
+              <a:t>8.567 7.850 8.289 8.265 8.246 9.068 8.992 8.828 8.635 8.179 8.613 8.599 8.538 8.393 8.206 8.223 </a:t>
+            </a:r>
+          </a:p>
+          <a:p>
+            <a:r>
+              <a:rPr lang="en-US" dirty="0"/>
+              <a:t>   98    99   100 </a:t>
+            </a:r>
+          </a:p>
+          <a:p>
+            <a:r>
+              <a:rPr lang="en-US" dirty="0"/>
+              <a:t>7.869 8.201 7.239 </a:t>
+            </a:r>
+          </a:p>
+          <a:p>
+            <a:endParaRPr lang="en-US" dirty="0"/>
+          </a:p>
+          <a:p>
+            <a:r>
+              <a:rPr lang="en-US" dirty="0"/>
+              <a:t>&gt; </a:t>
+            </a:r>
+            <a:r>
+              <a:rPr lang="en-US" dirty="0" err="1"/>
+              <a:t>max_rating</a:t>
+            </a:r>
+            <a:r>
+              <a:rPr lang="en-US" dirty="0"/>
+              <a:t> &lt;- max(predict_ratings[[3]])</a:t>
+            </a:r>
+          </a:p>
+          <a:p>
+            <a:r>
+              <a:rPr lang="en-US" dirty="0"/>
+              <a:t>&gt; </a:t>
+            </a:r>
+            <a:r>
+              <a:rPr lang="en-US" dirty="0" err="1"/>
+              <a:t>max_rating</a:t>
+            </a:r>
+            <a:endParaRPr lang="en-US" dirty="0"/>
+          </a:p>
+          <a:p>
+            <a:r>
+              <a:rPr lang="en-US" dirty="0"/>
+              <a:t>[1] 9.101352</a:t>
+            </a:r>
+          </a:p>
+          <a:p>
+            <a:r>
+              <a:rPr lang="en-US" dirty="0"/>
+              <a:t>&gt; which(predict_ratings[[3]] == </a:t>
+            </a:r>
+            <a:r>
+              <a:rPr lang="en-US" dirty="0" err="1"/>
+              <a:t>max_rating</a:t>
+            </a:r>
+            <a:r>
+              <a:rPr lang="en-US" dirty="0"/>
+              <a:t>)</a:t>
+            </a:r>
+          </a:p>
+          <a:p>
+            <a:r>
+              <a:rPr lang="en-US" dirty="0"/>
+              <a:t>75 </a:t>
+            </a:r>
+          </a:p>
+        </p:txBody>
+      </p:sp>
+      <p:sp>
+        <p:nvSpPr>
+          <p:cNvPr id="5" name="TextBox 4"/>
+          <p:cNvSpPr txBox="1"/>
+          <p:nvPr/>
+        </p:nvSpPr>
+        <p:spPr>
+          <a:xfrm>
+            <a:off x="346365" y="484909"/>
+            <a:ext cx="9601200" cy="954107"/>
+          </a:xfrm>
+          <a:prstGeom prst="rect">
+            <a:avLst/>
+          </a:prstGeom>
+          <a:noFill/>
+        </p:spPr>
+        <p:txBody>
+          <a:bodyPr wrap="square" rtlCol="0">
+            <a:spAutoFit/>
+          </a:bodyPr>
+          <a:lstStyle/>
+          <a:p>
+            <a:r>
+              <a:rPr lang="en-US" sz="2800" dirty="0"/>
+              <a:t>Example: For User #3, I will recommend Joke #75 to the user, since it has the highest predicted rating</a:t>
+            </a:r>
+            <a:r>
+              <a:rPr lang="en-US" dirty="0"/>
+              <a:t>.</a:t>
+            </a:r>
+          </a:p>
+        </p:txBody>
+      </p:sp>
+    </p:spTree>
+    <p:extLst>
+      <p:ext uri="{BB962C8B-B14F-4D97-AF65-F5344CB8AC3E}">
+        <p14:creationId xmlns:p14="http://schemas.microsoft.com/office/powerpoint/2010/main" val="2195249422"/>
       </p:ext>
     </p:extLst>
   </p:cSld>
@@ -4408,7 +4293,7 @@
         <p:spPr/>
         <p:txBody>
           <a:bodyPr>
-            <a:normAutofit/>
+            <a:normAutofit fontScale="90000"/>
           </a:bodyPr>
           <a:lstStyle/>
           <a:p>
@@ -4690,6 +4575,59 @@
           </a:p>
         </p:txBody>
       </p:sp>
+      <p:sp>
+        <p:nvSpPr>
+          <p:cNvPr id="3" name="TextBox 2"/>
+          <p:cNvSpPr txBox="1"/>
+          <p:nvPr/>
+        </p:nvSpPr>
+        <p:spPr>
+          <a:xfrm>
+            <a:off x="148140" y="2611228"/>
+            <a:ext cx="1610786" cy="1477328"/>
+          </a:xfrm>
+          <a:prstGeom prst="rect">
+            <a:avLst/>
+          </a:prstGeom>
+          <a:noFill/>
+        </p:spPr>
+        <p:txBody>
+          <a:bodyPr wrap="square" rtlCol="0">
+            <a:spAutoFit/>
+          </a:bodyPr>
+          <a:lstStyle/>
+          <a:p>
+            <a:r>
+              <a:rPr lang="en-US" dirty="0"/>
+              <a:t>Example:</a:t>
+            </a:r>
+          </a:p>
+          <a:p>
+            <a:r>
+              <a:rPr lang="en-US" dirty="0"/>
+              <a:t>If I want to fill </a:t>
+            </a:r>
+          </a:p>
+          <a:p>
+            <a:r>
+              <a:rPr lang="en-US" dirty="0"/>
+              <a:t>the NA cell for</a:t>
+            </a:r>
+          </a:p>
+          <a:p>
+            <a:r>
+              <a:rPr lang="en-US" dirty="0"/>
+              <a:t>User #3, </a:t>
+            </a:r>
+          </a:p>
+          <a:p>
+            <a:r>
+              <a:rPr lang="en-US" dirty="0"/>
+              <a:t>Joke #4…</a:t>
+            </a:r>
+          </a:p>
+        </p:txBody>
+      </p:sp>
     </p:spTree>
     <p:extLst>
       <p:ext uri="{BB962C8B-B14F-4D97-AF65-F5344CB8AC3E}">
@@ -4720,6 +4658,30 @@
           <a:chExt cx="0" cy="0"/>
         </a:xfrm>
       </p:grpSpPr>
+      <p:pic>
+        <p:nvPicPr>
+          <p:cNvPr id="4" name="Picture 3"/>
+          <p:cNvPicPr>
+            <a:picLocks noChangeAspect="1"/>
+          </p:cNvPicPr>
+          <p:nvPr/>
+        </p:nvPicPr>
+        <p:blipFill>
+          <a:blip r:embed="rId3"/>
+          <a:stretch>
+            <a:fillRect/>
+          </a:stretch>
+        </p:blipFill>
+        <p:spPr>
+          <a:xfrm>
+            <a:off x="697991" y="1028885"/>
+            <a:ext cx="11131057" cy="5193785"/>
+          </a:xfrm>
+          <a:prstGeom prst="rect">
+            <a:avLst/>
+          </a:prstGeom>
+        </p:spPr>
+      </p:pic>
       <p:sp>
         <p:nvSpPr>
           <p:cNvPr id="2" name="Title 1"/>
@@ -4733,7 +4695,7 @@
         <p:spPr/>
         <p:txBody>
           <a:bodyPr>
-            <a:normAutofit/>
+            <a:normAutofit fontScale="90000"/>
           </a:bodyPr>
           <a:lstStyle/>
           <a:p>
@@ -4761,8 +4723,8 @@
         </p:nvSpPr>
         <p:spPr>
           <a:xfrm>
-            <a:off x="2391508" y="2433711"/>
-            <a:ext cx="4139275" cy="369332"/>
+            <a:off x="697990" y="389620"/>
+            <a:ext cx="10773574" cy="369332"/>
           </a:xfrm>
           <a:prstGeom prst="rect">
             <a:avLst/>
@@ -4770,14 +4732,14 @@
           <a:noFill/>
         </p:spPr>
         <p:txBody>
-          <a:bodyPr wrap="none" rtlCol="0">
+          <a:bodyPr wrap="square" rtlCol="0">
             <a:spAutoFit/>
           </a:bodyPr>
           <a:lstStyle/>
           <a:p>
             <a:r>
               <a:rPr lang="en-US" dirty="0"/>
-              <a:t>http://rpubs.com/azureblue83/327856</a:t>
+              <a:t>For the similarity function, I used the cosine similarity. Below is the definition from Wikipedia.</a:t>
             </a:r>
           </a:p>
         </p:txBody>
@@ -4795,59 +4757,1405 @@
 </p:sld>
 </file>
 
+<file path=ppt/slides/slide6.xml><?xml version="1.0" encoding="utf-8"?>
+<p:sld xmlns:a="http://schemas.openxmlformats.org/drawingml/2006/main" xmlns:r="http://schemas.openxmlformats.org/officeDocument/2006/relationships" xmlns:p="http://schemas.openxmlformats.org/presentationml/2006/main">
+  <p:cSld>
+    <p:spTree>
+      <p:nvGrpSpPr>
+        <p:cNvPr id="1" name=""/>
+        <p:cNvGrpSpPr/>
+        <p:nvPr/>
+      </p:nvGrpSpPr>
+      <p:grpSpPr>
+        <a:xfrm>
+          <a:off x="0" y="0"/>
+          <a:ext cx="0" cy="0"/>
+          <a:chOff x="0" y="0"/>
+          <a:chExt cx="0" cy="0"/>
+        </a:xfrm>
+      </p:grpSpPr>
+      <p:sp>
+        <p:nvSpPr>
+          <p:cNvPr id="3" name="TextBox 2">
+            <a:extLst>
+              <a:ext uri="{FF2B5EF4-FFF2-40B4-BE49-F238E27FC236}">
+                <a16:creationId xmlns:a16="http://schemas.microsoft.com/office/drawing/2014/main" id="{C68A1FD4-14A6-4546-A45D-4F1568120E16}"/>
+              </a:ext>
+            </a:extLst>
+          </p:cNvPr>
+          <p:cNvSpPr txBox="1"/>
+          <p:nvPr/>
+        </p:nvSpPr>
+        <p:spPr>
+          <a:xfrm>
+            <a:off x="635279" y="373617"/>
+            <a:ext cx="3687339" cy="369332"/>
+          </a:xfrm>
+          <a:prstGeom prst="rect">
+            <a:avLst/>
+          </a:prstGeom>
+          <a:noFill/>
+        </p:spPr>
+        <p:txBody>
+          <a:bodyPr wrap="square" rtlCol="0">
+            <a:spAutoFit/>
+          </a:bodyPr>
+          <a:lstStyle/>
+          <a:p>
+            <a:r>
+              <a:rPr lang="en-US" dirty="0"/>
+              <a:t>Image from </a:t>
+            </a:r>
+            <a:r>
+              <a:rPr lang="en-US" dirty="0">
+                <a:hlinkClick r:id="rId4"/>
+              </a:rPr>
+              <a:t>techinpink.com</a:t>
+            </a:r>
+            <a:endParaRPr lang="en-US" dirty="0"/>
+          </a:p>
+        </p:txBody>
+      </p:sp>
+      <p:pic>
+        <p:nvPicPr>
+          <p:cNvPr id="1026" name="Picture 2" descr="cosine"/>
+          <p:cNvPicPr>
+            <a:picLocks noChangeAspect="1" noChangeArrowheads="1"/>
+          </p:cNvPicPr>
+          <p:nvPr/>
+        </p:nvPicPr>
+        <p:blipFill>
+          <a:blip r:embed="rId5">
+            <a:extLst>
+              <a:ext uri="{28A0092B-C50C-407E-A947-70E740481C1C}">
+                <a14:useLocalDpi xmlns:a14="http://schemas.microsoft.com/office/drawing/2010/main" val="0"/>
+              </a:ext>
+            </a:extLst>
+          </a:blip>
+          <a:srcRect/>
+          <a:stretch>
+            <a:fillRect/>
+          </a:stretch>
+        </p:blipFill>
+        <p:spPr bwMode="auto">
+          <a:xfrm>
+            <a:off x="251693" y="898573"/>
+            <a:ext cx="5096162" cy="3911688"/>
+          </a:xfrm>
+          <a:prstGeom prst="rect">
+            <a:avLst/>
+          </a:prstGeom>
+          <a:noFill/>
+          <a:extLst>
+            <a:ext uri="{909E8E84-426E-40DD-AFC4-6F175D3DCCD1}">
+              <a14:hiddenFill xmlns:a14="http://schemas.microsoft.com/office/drawing/2010/main">
+                <a:solidFill>
+                  <a:srgbClr val="FFFFFF"/>
+                </a:solidFill>
+              </a14:hiddenFill>
+            </a:ext>
+          </a:extLst>
+        </p:spPr>
+      </p:pic>
+      <p:sp>
+        <p:nvSpPr>
+          <p:cNvPr id="8" name="TextBox 7">
+            <a:extLst/>
+          </p:cNvPr>
+          <p:cNvSpPr txBox="1"/>
+          <p:nvPr/>
+        </p:nvSpPr>
+        <p:spPr>
+          <a:xfrm>
+            <a:off x="635279" y="4876727"/>
+            <a:ext cx="2703006" cy="830997"/>
+          </a:xfrm>
+          <a:prstGeom prst="rect">
+            <a:avLst/>
+          </a:prstGeom>
+          <a:noFill/>
+        </p:spPr>
+        <p:txBody>
+          <a:bodyPr wrap="square" rtlCol="0">
+            <a:spAutoFit/>
+          </a:bodyPr>
+          <a:lstStyle/>
+          <a:p>
+            <a:r>
+              <a:rPr lang="en-US" sz="2400" dirty="0"/>
+              <a:t>Tigress = (7.5, 2.5)</a:t>
+            </a:r>
+          </a:p>
+          <a:p>
+            <a:r>
+              <a:rPr lang="en-US" sz="2400" dirty="0"/>
+              <a:t>Panda = (4, 10)</a:t>
+            </a:r>
+          </a:p>
+        </p:txBody>
+      </p:sp>
+      <p:graphicFrame>
+        <p:nvGraphicFramePr>
+          <p:cNvPr id="10" name="Object 9"/>
+          <p:cNvGraphicFramePr>
+            <a:graphicFrameLocks noChangeAspect="1"/>
+          </p:cNvGraphicFramePr>
+          <p:nvPr>
+            <p:extLst>
+              <p:ext uri="{D42A27DB-BD31-4B8C-83A1-F6EECF244321}">
+                <p14:modId xmlns:p14="http://schemas.microsoft.com/office/powerpoint/2010/main" val="2575873015"/>
+              </p:ext>
+            </p:extLst>
+          </p:nvPr>
+        </p:nvGraphicFramePr>
+        <p:xfrm>
+          <a:off x="635279" y="5862164"/>
+          <a:ext cx="4416302" cy="711271"/>
+        </p:xfrm>
+        <a:graphic>
+          <a:graphicData uri="http://schemas.openxmlformats.org/presentationml/2006/ole">
+            <mc:AlternateContent xmlns:mc="http://schemas.openxmlformats.org/markup-compatibility/2006">
+              <mc:Choice xmlns:v="urn:schemas-microsoft-com:vml" Requires="v">
+                <p:oleObj spid="_x0000_s1040" name="Equation" r:id="rId6" imgW="2641320" imgH="431640" progId="Equation.3">
+                  <p:embed/>
+                </p:oleObj>
+              </mc:Choice>
+              <mc:Fallback>
+                <p:oleObj name="Equation" r:id="rId6" imgW="2641320" imgH="431640" progId="Equation.3">
+                  <p:embed/>
+                  <p:pic>
+                    <p:nvPicPr>
+                      <p:cNvPr id="6" name="Object 5"/>
+                      <p:cNvPicPr/>
+                      <p:nvPr/>
+                    </p:nvPicPr>
+                    <p:blipFill>
+                      <a:blip r:embed="rId7"/>
+                      <a:stretch>
+                        <a:fillRect/>
+                      </a:stretch>
+                    </p:blipFill>
+                    <p:spPr>
+                      <a:xfrm>
+                        <a:off x="635279" y="5862164"/>
+                        <a:ext cx="4416302" cy="711271"/>
+                      </a:xfrm>
+                      <a:prstGeom prst="rect">
+                        <a:avLst/>
+                      </a:prstGeom>
+                    </p:spPr>
+                  </p:pic>
+                </p:oleObj>
+              </mc:Fallback>
+            </mc:AlternateContent>
+          </a:graphicData>
+        </a:graphic>
+      </p:graphicFrame>
+      <p:sp>
+        <p:nvSpPr>
+          <p:cNvPr id="11" name="TextBox 10"/>
+          <p:cNvSpPr txBox="1"/>
+          <p:nvPr/>
+        </p:nvSpPr>
+        <p:spPr>
+          <a:xfrm>
+            <a:off x="6609071" y="742949"/>
+            <a:ext cx="3671756" cy="461665"/>
+          </a:xfrm>
+          <a:prstGeom prst="rect">
+            <a:avLst/>
+          </a:prstGeom>
+          <a:noFill/>
+        </p:spPr>
+        <p:txBody>
+          <a:bodyPr wrap="square" rtlCol="0">
+            <a:spAutoFit/>
+          </a:bodyPr>
+          <a:lstStyle/>
+          <a:p>
+            <a:r>
+              <a:rPr lang="en-US" sz="2400" dirty="0"/>
+              <a:t>Centered Cosine Similarity:</a:t>
+            </a:r>
+          </a:p>
+        </p:txBody>
+      </p:sp>
+      <p:pic>
+        <p:nvPicPr>
+          <p:cNvPr id="12" name="Picture 11"/>
+          <p:cNvPicPr>
+            <a:picLocks noChangeAspect="1"/>
+          </p:cNvPicPr>
+          <p:nvPr/>
+        </p:nvPicPr>
+        <p:blipFill>
+          <a:blip r:embed="rId8"/>
+          <a:stretch>
+            <a:fillRect/>
+          </a:stretch>
+        </p:blipFill>
+        <p:spPr>
+          <a:xfrm>
+            <a:off x="6200704" y="1362665"/>
+            <a:ext cx="5811187" cy="2036399"/>
+          </a:xfrm>
+          <a:prstGeom prst="rect">
+            <a:avLst/>
+          </a:prstGeom>
+        </p:spPr>
+      </p:pic>
+      <p:sp>
+        <p:nvSpPr>
+          <p:cNvPr id="13" name="Rectangle 12"/>
+          <p:cNvSpPr/>
+          <p:nvPr/>
+        </p:nvSpPr>
+        <p:spPr>
+          <a:xfrm>
+            <a:off x="6342315" y="3615395"/>
+            <a:ext cx="5527964" cy="2246769"/>
+          </a:xfrm>
+          <a:prstGeom prst="rect">
+            <a:avLst/>
+          </a:prstGeom>
+        </p:spPr>
+        <p:txBody>
+          <a:bodyPr wrap="square">
+            <a:spAutoFit/>
+          </a:bodyPr>
+          <a:lstStyle/>
+          <a:p>
+            <a:r>
+              <a:rPr lang="en-US" sz="2800" dirty="0"/>
+              <a:t>What is “centered cosine similarity”? </a:t>
+            </a:r>
+          </a:p>
+          <a:p>
+            <a:r>
+              <a:rPr lang="en-US" sz="2800" dirty="0"/>
+              <a:t>There is another name for it: Pearson Correlation. It is a value between -1 and 1 to measure the linearity of two variables.</a:t>
+            </a:r>
+          </a:p>
+        </p:txBody>
+      </p:sp>
+    </p:spTree>
+    <p:extLst>
+      <p:ext uri="{BB962C8B-B14F-4D97-AF65-F5344CB8AC3E}">
+        <p14:creationId xmlns:p14="http://schemas.microsoft.com/office/powerpoint/2010/main" val="1675807989"/>
+      </p:ext>
+    </p:extLst>
+  </p:cSld>
+  <p:clrMapOvr>
+    <a:masterClrMapping/>
+  </p:clrMapOvr>
+</p:sld>
+</file>
+
+<file path=ppt/slides/slide7.xml><?xml version="1.0" encoding="utf-8"?>
+<p:sld xmlns:a="http://schemas.openxmlformats.org/drawingml/2006/main" xmlns:r="http://schemas.openxmlformats.org/officeDocument/2006/relationships" xmlns:p="http://schemas.openxmlformats.org/presentationml/2006/main">
+  <p:cSld>
+    <p:spTree>
+      <p:nvGrpSpPr>
+        <p:cNvPr id="1" name=""/>
+        <p:cNvGrpSpPr/>
+        <p:nvPr/>
+      </p:nvGrpSpPr>
+      <p:grpSpPr>
+        <a:xfrm>
+          <a:off x="0" y="0"/>
+          <a:ext cx="0" cy="0"/>
+          <a:chOff x="0" y="0"/>
+          <a:chExt cx="0" cy="0"/>
+        </a:xfrm>
+      </p:grpSpPr>
+      <p:graphicFrame>
+        <p:nvGraphicFramePr>
+          <p:cNvPr id="10" name="Object 9"/>
+          <p:cNvGraphicFramePr>
+            <a:graphicFrameLocks noChangeAspect="1"/>
+          </p:cNvGraphicFramePr>
+          <p:nvPr>
+            <p:extLst>
+              <p:ext uri="{D42A27DB-BD31-4B8C-83A1-F6EECF244321}">
+                <p14:modId xmlns:p14="http://schemas.microsoft.com/office/powerpoint/2010/main" val="4051737583"/>
+              </p:ext>
+            </p:extLst>
+          </p:nvPr>
+        </p:nvGraphicFramePr>
+        <p:xfrm>
+          <a:off x="6038850" y="3319463"/>
+          <a:ext cx="114300" cy="215900"/>
+        </p:xfrm>
+        <a:graphic>
+          <a:graphicData uri="http://schemas.openxmlformats.org/presentationml/2006/ole">
+            <mc:AlternateContent xmlns:mc="http://schemas.openxmlformats.org/markup-compatibility/2006">
+              <mc:Choice xmlns:v="urn:schemas-microsoft-com:vml" Requires="v">
+                <p:oleObj spid="_x0000_s2066" name="Equation" r:id="rId4" imgW="114120" imgH="215640" progId="Equation.3">
+                  <p:embed/>
+                </p:oleObj>
+              </mc:Choice>
+              <mc:Fallback>
+                <p:oleObj name="Equation" r:id="rId4" imgW="114120" imgH="215640" progId="Equation.3">
+                  <p:embed/>
+                  <p:pic>
+                    <p:nvPicPr>
+                      <p:cNvPr id="0" name=""/>
+                      <p:cNvPicPr/>
+                      <p:nvPr/>
+                    </p:nvPicPr>
+                    <p:blipFill>
+                      <a:blip r:embed="rId5"/>
+                      <a:stretch>
+                        <a:fillRect/>
+                      </a:stretch>
+                    </p:blipFill>
+                    <p:spPr>
+                      <a:xfrm>
+                        <a:off x="6038850" y="3319463"/>
+                        <a:ext cx="114300" cy="215900"/>
+                      </a:xfrm>
+                      <a:prstGeom prst="rect">
+                        <a:avLst/>
+                      </a:prstGeom>
+                    </p:spPr>
+                  </p:pic>
+                </p:oleObj>
+              </mc:Fallback>
+            </mc:AlternateContent>
+          </a:graphicData>
+        </a:graphic>
+      </p:graphicFrame>
+      <p:sp>
+        <p:nvSpPr>
+          <p:cNvPr id="11" name="TextBox 10"/>
+          <p:cNvSpPr txBox="1"/>
+          <p:nvPr/>
+        </p:nvSpPr>
+        <p:spPr>
+          <a:xfrm>
+            <a:off x="828859" y="59320"/>
+            <a:ext cx="9741724" cy="1754326"/>
+          </a:xfrm>
+          <a:prstGeom prst="rect">
+            <a:avLst/>
+          </a:prstGeom>
+          <a:noFill/>
+        </p:spPr>
+        <p:txBody>
+          <a:bodyPr wrap="square" rtlCol="0">
+            <a:spAutoFit/>
+          </a:bodyPr>
+          <a:lstStyle/>
+          <a:p>
+            <a:r>
+              <a:rPr lang="en-US" dirty="0"/>
+              <a:t>&gt; plot(jester[,1],jester[,2], </a:t>
+            </a:r>
+            <a:r>
+              <a:rPr lang="en-US" dirty="0" err="1"/>
+              <a:t>xlab</a:t>
+            </a:r>
+            <a:r>
+              <a:rPr lang="en-US" dirty="0"/>
+              <a:t>="Joke #1 Ratings", </a:t>
+            </a:r>
+            <a:r>
+              <a:rPr lang="en-US" dirty="0" err="1"/>
+              <a:t>ylab</a:t>
+            </a:r>
+            <a:r>
+              <a:rPr lang="en-US" dirty="0"/>
+              <a:t>="Joke #2 Ratings")</a:t>
+            </a:r>
+          </a:p>
+          <a:p>
+            <a:r>
+              <a:rPr lang="en-US" dirty="0"/>
+              <a:t>&gt; sim(jester[,1],jester[,2])</a:t>
+            </a:r>
+          </a:p>
+          <a:p>
+            <a:r>
+              <a:rPr lang="en-US" dirty="0"/>
+              <a:t>[1] </a:t>
+            </a:r>
+            <a:r>
+              <a:rPr lang="en-US" dirty="0">
+                <a:highlight>
+                  <a:srgbClr val="FFFF00"/>
+                </a:highlight>
+              </a:rPr>
+              <a:t>0.3629353</a:t>
+            </a:r>
+          </a:p>
+          <a:p>
+            <a:r>
+              <a:rPr lang="en-US" dirty="0"/>
+              <a:t>&gt; plot(jester[,8],jester[,98], </a:t>
+            </a:r>
+            <a:r>
+              <a:rPr lang="en-US" dirty="0" err="1"/>
+              <a:t>xlab</a:t>
+            </a:r>
+            <a:r>
+              <a:rPr lang="en-US" dirty="0"/>
+              <a:t>="Joke #8 Ratings", </a:t>
+            </a:r>
+            <a:r>
+              <a:rPr lang="en-US" dirty="0" err="1"/>
+              <a:t>ylab</a:t>
+            </a:r>
+            <a:r>
+              <a:rPr lang="en-US" dirty="0"/>
+              <a:t>="Joke #98 Ratings")</a:t>
+            </a:r>
+          </a:p>
+          <a:p>
+            <a:r>
+              <a:rPr lang="en-US" dirty="0"/>
+              <a:t>&gt; sim(jester[,8],jester[,98])</a:t>
+            </a:r>
+          </a:p>
+          <a:p>
+            <a:r>
+              <a:rPr lang="en-US" dirty="0"/>
+              <a:t>[1] </a:t>
+            </a:r>
+            <a:r>
+              <a:rPr lang="en-US" dirty="0">
+                <a:highlight>
+                  <a:srgbClr val="FFFF00"/>
+                </a:highlight>
+              </a:rPr>
+              <a:t>-0.003671474</a:t>
+            </a:r>
+          </a:p>
+        </p:txBody>
+      </p:sp>
+      <p:pic>
+        <p:nvPicPr>
+          <p:cNvPr id="12" name="Picture 11"/>
+          <p:cNvPicPr>
+            <a:picLocks noChangeAspect="1"/>
+          </p:cNvPicPr>
+          <p:nvPr/>
+        </p:nvPicPr>
+        <p:blipFill>
+          <a:blip r:embed="rId6"/>
+          <a:stretch>
+            <a:fillRect/>
+          </a:stretch>
+        </p:blipFill>
+        <p:spPr>
+          <a:xfrm>
+            <a:off x="219693" y="1896775"/>
+            <a:ext cx="5335980" cy="4876265"/>
+          </a:xfrm>
+          <a:prstGeom prst="rect">
+            <a:avLst/>
+          </a:prstGeom>
+        </p:spPr>
+      </p:pic>
+      <p:pic>
+        <p:nvPicPr>
+          <p:cNvPr id="13" name="Picture 12"/>
+          <p:cNvPicPr>
+            <a:picLocks noChangeAspect="1"/>
+          </p:cNvPicPr>
+          <p:nvPr/>
+        </p:nvPicPr>
+        <p:blipFill>
+          <a:blip r:embed="rId7"/>
+          <a:stretch>
+            <a:fillRect/>
+          </a:stretch>
+        </p:blipFill>
+        <p:spPr>
+          <a:xfrm>
+            <a:off x="6263125" y="1966051"/>
+            <a:ext cx="5291566" cy="4913010"/>
+          </a:xfrm>
+          <a:prstGeom prst="rect">
+            <a:avLst/>
+          </a:prstGeom>
+        </p:spPr>
+      </p:pic>
+    </p:spTree>
+    <p:extLst>
+      <p:ext uri="{BB962C8B-B14F-4D97-AF65-F5344CB8AC3E}">
+        <p14:creationId xmlns:p14="http://schemas.microsoft.com/office/powerpoint/2010/main" val="546014010"/>
+      </p:ext>
+    </p:extLst>
+  </p:cSld>
+  <p:clrMapOvr>
+    <a:masterClrMapping/>
+  </p:clrMapOvr>
+</p:sld>
+</file>
+
+<file path=ppt/slides/slide8.xml><?xml version="1.0" encoding="utf-8"?>
+<p:sld xmlns:a="http://schemas.openxmlformats.org/drawingml/2006/main" xmlns:r="http://schemas.openxmlformats.org/officeDocument/2006/relationships" xmlns:p="http://schemas.openxmlformats.org/presentationml/2006/main">
+  <p:cSld>
+    <p:spTree>
+      <p:nvGrpSpPr>
+        <p:cNvPr id="1" name=""/>
+        <p:cNvGrpSpPr/>
+        <p:nvPr/>
+      </p:nvGrpSpPr>
+      <p:grpSpPr>
+        <a:xfrm>
+          <a:off x="0" y="0"/>
+          <a:ext cx="0" cy="0"/>
+          <a:chOff x="0" y="0"/>
+          <a:chExt cx="0" cy="0"/>
+        </a:xfrm>
+      </p:grpSpPr>
+      <p:sp>
+        <p:nvSpPr>
+          <p:cNvPr id="6" name="TextBox 5"/>
+          <p:cNvSpPr txBox="1"/>
+          <p:nvPr/>
+        </p:nvSpPr>
+        <p:spPr>
+          <a:xfrm>
+            <a:off x="1034471" y="471053"/>
+            <a:ext cx="8127999" cy="1938992"/>
+          </a:xfrm>
+          <a:prstGeom prst="rect">
+            <a:avLst/>
+          </a:prstGeom>
+          <a:noFill/>
+        </p:spPr>
+        <p:txBody>
+          <a:bodyPr wrap="square" rtlCol="0">
+            <a:spAutoFit/>
+          </a:bodyPr>
+          <a:lstStyle/>
+          <a:p>
+            <a:r>
+              <a:rPr lang="en-US" sz="2400" u="sng" dirty="0"/>
+              <a:t>Weighted Average</a:t>
+            </a:r>
+          </a:p>
+          <a:p>
+            <a:endParaRPr lang="en-US" sz="2400" u="sng" dirty="0"/>
+          </a:p>
+          <a:p>
+            <a:r>
+              <a:rPr lang="en-US" sz="2400" dirty="0"/>
+              <a:t>Example:</a:t>
+            </a:r>
+          </a:p>
+          <a:p>
+            <a:r>
+              <a:rPr lang="en-US" sz="2400" dirty="0"/>
+              <a:t>A user has rated Joke B thru F, but has not rated Joke A. Predict this user’s rating for Joke A.</a:t>
+            </a:r>
+          </a:p>
+        </p:txBody>
+      </p:sp>
+      <p:sp>
+        <p:nvSpPr>
+          <p:cNvPr id="7" name="TextBox 6"/>
+          <p:cNvSpPr txBox="1"/>
+          <p:nvPr/>
+        </p:nvSpPr>
+        <p:spPr>
+          <a:xfrm>
+            <a:off x="855519" y="5327784"/>
+            <a:ext cx="5721927" cy="461665"/>
+          </a:xfrm>
+          <a:prstGeom prst="rect">
+            <a:avLst/>
+          </a:prstGeom>
+          <a:noFill/>
+        </p:spPr>
+        <p:txBody>
+          <a:bodyPr wrap="square" rtlCol="0">
+            <a:spAutoFit/>
+          </a:bodyPr>
+          <a:lstStyle/>
+          <a:p>
+            <a:r>
+              <a:rPr lang="en-US" sz="2400" dirty="0"/>
+              <a:t>Joke A rating prediction = 5.558 / 0.87 = 6.4</a:t>
+            </a:r>
+          </a:p>
+        </p:txBody>
+      </p:sp>
+      <p:graphicFrame>
+        <p:nvGraphicFramePr>
+          <p:cNvPr id="8" name="Table 7"/>
+          <p:cNvGraphicFramePr>
+            <a:graphicFrameLocks noGrp="1"/>
+          </p:cNvGraphicFramePr>
+          <p:nvPr>
+            <p:extLst>
+              <p:ext uri="{D42A27DB-BD31-4B8C-83A1-F6EECF244321}">
+                <p14:modId xmlns:p14="http://schemas.microsoft.com/office/powerpoint/2010/main" val="1128303004"/>
+              </p:ext>
+            </p:extLst>
+          </p:nvPr>
+        </p:nvGraphicFramePr>
+        <p:xfrm>
+          <a:off x="879764" y="2808720"/>
+          <a:ext cx="9441873" cy="2123497"/>
+        </p:xfrm>
+        <a:graphic>
+          <a:graphicData uri="http://schemas.openxmlformats.org/drawingml/2006/table">
+            <a:tbl>
+              <a:tblPr firstRow="1" bandRow="1">
+                <a:tableStyleId>{5940675A-B579-460E-94D1-54222C63F5DA}</a:tableStyleId>
+              </a:tblPr>
+              <a:tblGrid>
+                <a:gridCol w="3147291">
+                  <a:extLst>
+                    <a:ext uri="{9D8B030D-6E8A-4147-A177-3AD203B41FA5}">
+                      <a16:colId xmlns:a16="http://schemas.microsoft.com/office/drawing/2014/main" val="1186069382"/>
+                    </a:ext>
+                  </a:extLst>
+                </a:gridCol>
+                <a:gridCol w="3147291">
+                  <a:extLst>
+                    <a:ext uri="{9D8B030D-6E8A-4147-A177-3AD203B41FA5}">
+                      <a16:colId xmlns:a16="http://schemas.microsoft.com/office/drawing/2014/main" val="915706875"/>
+                    </a:ext>
+                  </a:extLst>
+                </a:gridCol>
+                <a:gridCol w="3147291">
+                  <a:extLst>
+                    <a:ext uri="{9D8B030D-6E8A-4147-A177-3AD203B41FA5}">
+                      <a16:colId xmlns:a16="http://schemas.microsoft.com/office/drawing/2014/main" val="727965813"/>
+                    </a:ext>
+                  </a:extLst>
+                </a:gridCol>
+              </a:tblGrid>
+              <a:tr h="350066">
+                <a:tc>
+                  <a:txBody>
+                    <a:bodyPr/>
+                    <a:lstStyle/>
+                    <a:p>
+                      <a:pPr algn="l" rtl="0" fontAlgn="ctr"/>
+                      <a:r>
+                        <a:rPr lang="pt-BR" sz="2200" u="none" strike="noStrike">
+                          <a:effectLst/>
+                        </a:rPr>
+                        <a:t>Sim(Joke A, Joke B) = 0.32</a:t>
+                      </a:r>
+                      <a:endParaRPr lang="pt-BR" sz="2200" b="0" i="0" u="none" strike="noStrike">
+                        <a:solidFill>
+                          <a:srgbClr val="000000"/>
+                        </a:solidFill>
+                        <a:effectLst/>
+                        <a:latin typeface="Calibri" panose="020F0502020204030204" pitchFamily="34" charset="0"/>
+                      </a:endParaRPr>
+                    </a:p>
+                  </a:txBody>
+                  <a:tcPr marL="8912" marR="8912" marT="8912" marB="0" anchor="ctr"/>
+                </a:tc>
+                <a:tc>
+                  <a:txBody>
+                    <a:bodyPr/>
+                    <a:lstStyle/>
+                    <a:p>
+                      <a:pPr algn="l" rtl="0" fontAlgn="ctr"/>
+                      <a:r>
+                        <a:rPr lang="en-US" sz="2200" u="none" strike="noStrike" dirty="0">
+                          <a:effectLst/>
+                        </a:rPr>
+                        <a:t> Joke B Rating = 8.2</a:t>
+                      </a:r>
+                      <a:endParaRPr lang="en-US" sz="2200" b="0" i="0" u="none" strike="noStrike" dirty="0">
+                        <a:solidFill>
+                          <a:srgbClr val="000000"/>
+                        </a:solidFill>
+                        <a:effectLst/>
+                        <a:latin typeface="Calibri" panose="020F0502020204030204" pitchFamily="34" charset="0"/>
+                      </a:endParaRPr>
+                    </a:p>
+                  </a:txBody>
+                  <a:tcPr marL="8912" marR="8912" marT="8912" marB="0" anchor="ctr"/>
+                </a:tc>
+                <a:tc>
+                  <a:txBody>
+                    <a:bodyPr/>
+                    <a:lstStyle/>
+                    <a:p>
+                      <a:pPr algn="l" rtl="0" fontAlgn="ctr"/>
+                      <a:r>
+                        <a:rPr lang="en-US" sz="2200" u="none" strike="noStrike" dirty="0">
+                          <a:effectLst/>
+                        </a:rPr>
+                        <a:t> 0.32x8.2 = 2.624</a:t>
+                      </a:r>
+                      <a:endParaRPr lang="en-US" sz="2200" b="0" i="0" u="none" strike="noStrike" dirty="0">
+                        <a:solidFill>
+                          <a:srgbClr val="000000"/>
+                        </a:solidFill>
+                        <a:effectLst/>
+                        <a:latin typeface="Calibri" panose="020F0502020204030204" pitchFamily="34" charset="0"/>
+                      </a:endParaRPr>
+                    </a:p>
+                  </a:txBody>
+                  <a:tcPr marL="8912" marR="8912" marT="8912" marB="0" anchor="ctr"/>
+                </a:tc>
+                <a:extLst>
+                  <a:ext uri="{0D108BD9-81ED-4DB2-BD59-A6C34878D82A}">
+                    <a16:rowId xmlns:a16="http://schemas.microsoft.com/office/drawing/2014/main" val="4271020152"/>
+                  </a:ext>
+                </a:extLst>
+              </a:tr>
+              <a:tr h="350066">
+                <a:tc>
+                  <a:txBody>
+                    <a:bodyPr/>
+                    <a:lstStyle/>
+                    <a:p>
+                      <a:pPr algn="l" rtl="0" fontAlgn="ctr"/>
+                      <a:r>
+                        <a:rPr lang="pt-BR" sz="2200" u="none" strike="noStrike">
+                          <a:effectLst/>
+                        </a:rPr>
+                        <a:t>Sim(Joke A, Joke C) = 0.21</a:t>
+                      </a:r>
+                      <a:endParaRPr lang="pt-BR" sz="2200" b="0" i="0" u="none" strike="noStrike">
+                        <a:solidFill>
+                          <a:srgbClr val="000000"/>
+                        </a:solidFill>
+                        <a:effectLst/>
+                        <a:latin typeface="Calibri" panose="020F0502020204030204" pitchFamily="34" charset="0"/>
+                      </a:endParaRPr>
+                    </a:p>
+                  </a:txBody>
+                  <a:tcPr marL="8912" marR="8912" marT="8912" marB="0" anchor="ctr"/>
+                </a:tc>
+                <a:tc>
+                  <a:txBody>
+                    <a:bodyPr/>
+                    <a:lstStyle/>
+                    <a:p>
+                      <a:pPr algn="l" rtl="0" fontAlgn="ctr"/>
+                      <a:r>
+                        <a:rPr lang="en-US" sz="2200" u="none" strike="noStrike" dirty="0">
+                          <a:effectLst/>
+                        </a:rPr>
+                        <a:t> Joke C Rating = 6.5</a:t>
+                      </a:r>
+                      <a:endParaRPr lang="en-US" sz="2200" b="0" i="0" u="none" strike="noStrike" dirty="0">
+                        <a:solidFill>
+                          <a:srgbClr val="000000"/>
+                        </a:solidFill>
+                        <a:effectLst/>
+                        <a:latin typeface="Calibri" panose="020F0502020204030204" pitchFamily="34" charset="0"/>
+                      </a:endParaRPr>
+                    </a:p>
+                  </a:txBody>
+                  <a:tcPr marL="8912" marR="8912" marT="8912" marB="0" anchor="ctr"/>
+                </a:tc>
+                <a:tc>
+                  <a:txBody>
+                    <a:bodyPr/>
+                    <a:lstStyle/>
+                    <a:p>
+                      <a:pPr algn="l" rtl="0" fontAlgn="ctr"/>
+                      <a:r>
+                        <a:rPr lang="en-US" sz="2200" u="none" strike="noStrike" dirty="0">
+                          <a:effectLst/>
+                        </a:rPr>
+                        <a:t> 0.21x6.5 = 1.365</a:t>
+                      </a:r>
+                      <a:endParaRPr lang="en-US" sz="2200" b="0" i="0" u="none" strike="noStrike" dirty="0">
+                        <a:solidFill>
+                          <a:srgbClr val="000000"/>
+                        </a:solidFill>
+                        <a:effectLst/>
+                        <a:latin typeface="Calibri" panose="020F0502020204030204" pitchFamily="34" charset="0"/>
+                      </a:endParaRPr>
+                    </a:p>
+                  </a:txBody>
+                  <a:tcPr marL="8912" marR="8912" marT="8912" marB="0" anchor="ctr"/>
+                </a:tc>
+                <a:extLst>
+                  <a:ext uri="{0D108BD9-81ED-4DB2-BD59-A6C34878D82A}">
+                    <a16:rowId xmlns:a16="http://schemas.microsoft.com/office/drawing/2014/main" val="95788725"/>
+                  </a:ext>
+                </a:extLst>
+              </a:tr>
+              <a:tr h="350066">
+                <a:tc>
+                  <a:txBody>
+                    <a:bodyPr/>
+                    <a:lstStyle/>
+                    <a:p>
+                      <a:pPr algn="l" rtl="0" fontAlgn="ctr"/>
+                      <a:r>
+                        <a:rPr lang="pt-BR" sz="2200" u="none" strike="noStrike">
+                          <a:effectLst/>
+                        </a:rPr>
+                        <a:t>Sim(Joke A, Joke D) = 0.16</a:t>
+                      </a:r>
+                      <a:endParaRPr lang="pt-BR" sz="2200" b="0" i="0" u="none" strike="noStrike">
+                        <a:solidFill>
+                          <a:srgbClr val="000000"/>
+                        </a:solidFill>
+                        <a:effectLst/>
+                        <a:latin typeface="Calibri" panose="020F0502020204030204" pitchFamily="34" charset="0"/>
+                      </a:endParaRPr>
+                    </a:p>
+                  </a:txBody>
+                  <a:tcPr marL="8912" marR="8912" marT="8912" marB="0" anchor="ctr"/>
+                </a:tc>
+                <a:tc>
+                  <a:txBody>
+                    <a:bodyPr/>
+                    <a:lstStyle/>
+                    <a:p>
+                      <a:pPr algn="l" rtl="0" fontAlgn="ctr"/>
+                      <a:r>
+                        <a:rPr lang="en-US" sz="2200" u="none" strike="noStrike" dirty="0">
+                          <a:effectLst/>
+                        </a:rPr>
+                        <a:t> Joke D Rating = 5.5</a:t>
+                      </a:r>
+                      <a:endParaRPr lang="en-US" sz="2200" b="0" i="0" u="none" strike="noStrike" dirty="0">
+                        <a:solidFill>
+                          <a:srgbClr val="000000"/>
+                        </a:solidFill>
+                        <a:effectLst/>
+                        <a:latin typeface="Calibri" panose="020F0502020204030204" pitchFamily="34" charset="0"/>
+                      </a:endParaRPr>
+                    </a:p>
+                  </a:txBody>
+                  <a:tcPr marL="8912" marR="8912" marT="8912" marB="0" anchor="ctr"/>
+                </a:tc>
+                <a:tc>
+                  <a:txBody>
+                    <a:bodyPr/>
+                    <a:lstStyle/>
+                    <a:p>
+                      <a:pPr algn="l" rtl="0" fontAlgn="ctr"/>
+                      <a:r>
+                        <a:rPr lang="en-US" sz="2200" u="none" strike="noStrike" dirty="0">
+                          <a:effectLst/>
+                        </a:rPr>
+                        <a:t> 0.16x5.5 = 0.88</a:t>
+                      </a:r>
+                      <a:endParaRPr lang="en-US" sz="2200" b="0" i="0" u="none" strike="noStrike" dirty="0">
+                        <a:solidFill>
+                          <a:srgbClr val="000000"/>
+                        </a:solidFill>
+                        <a:effectLst/>
+                        <a:latin typeface="Calibri" panose="020F0502020204030204" pitchFamily="34" charset="0"/>
+                      </a:endParaRPr>
+                    </a:p>
+                  </a:txBody>
+                  <a:tcPr marL="8912" marR="8912" marT="8912" marB="0" anchor="ctr"/>
+                </a:tc>
+                <a:extLst>
+                  <a:ext uri="{0D108BD9-81ED-4DB2-BD59-A6C34878D82A}">
+                    <a16:rowId xmlns:a16="http://schemas.microsoft.com/office/drawing/2014/main" val="1277601074"/>
+                  </a:ext>
+                </a:extLst>
+              </a:tr>
+              <a:tr h="350066">
+                <a:tc>
+                  <a:txBody>
+                    <a:bodyPr/>
+                    <a:lstStyle/>
+                    <a:p>
+                      <a:pPr algn="l" rtl="0" fontAlgn="ctr"/>
+                      <a:r>
+                        <a:rPr lang="pt-BR" sz="2200" u="none" strike="noStrike">
+                          <a:effectLst/>
+                        </a:rPr>
+                        <a:t>Sim(Joke A, Joke E) = 0.11</a:t>
+                      </a:r>
+                      <a:endParaRPr lang="pt-BR" sz="2200" b="0" i="0" u="none" strike="noStrike">
+                        <a:solidFill>
+                          <a:srgbClr val="000000"/>
+                        </a:solidFill>
+                        <a:effectLst/>
+                        <a:latin typeface="Calibri" panose="020F0502020204030204" pitchFamily="34" charset="0"/>
+                      </a:endParaRPr>
+                    </a:p>
+                  </a:txBody>
+                  <a:tcPr marL="8912" marR="8912" marT="8912" marB="0" anchor="ctr"/>
+                </a:tc>
+                <a:tc>
+                  <a:txBody>
+                    <a:bodyPr/>
+                    <a:lstStyle/>
+                    <a:p>
+                      <a:pPr algn="l" rtl="0" fontAlgn="ctr"/>
+                      <a:r>
+                        <a:rPr lang="en-US" sz="2200" u="none" strike="noStrike" dirty="0">
+                          <a:effectLst/>
+                        </a:rPr>
+                        <a:t> Joke E Rating = 9.0</a:t>
+                      </a:r>
+                      <a:endParaRPr lang="en-US" sz="2200" b="0" i="0" u="none" strike="noStrike" dirty="0">
+                        <a:solidFill>
+                          <a:srgbClr val="000000"/>
+                        </a:solidFill>
+                        <a:effectLst/>
+                        <a:latin typeface="Calibri" panose="020F0502020204030204" pitchFamily="34" charset="0"/>
+                      </a:endParaRPr>
+                    </a:p>
+                  </a:txBody>
+                  <a:tcPr marL="8912" marR="8912" marT="8912" marB="0" anchor="ctr"/>
+                </a:tc>
+                <a:tc>
+                  <a:txBody>
+                    <a:bodyPr/>
+                    <a:lstStyle/>
+                    <a:p>
+                      <a:pPr algn="l" rtl="0" fontAlgn="ctr"/>
+                      <a:r>
+                        <a:rPr lang="en-US" sz="2200" u="none" strike="noStrike" dirty="0">
+                          <a:effectLst/>
+                        </a:rPr>
+                        <a:t> 0.11x9.0 = 0.99</a:t>
+                      </a:r>
+                      <a:endParaRPr lang="en-US" sz="2200" b="0" i="0" u="none" strike="noStrike" dirty="0">
+                        <a:solidFill>
+                          <a:srgbClr val="000000"/>
+                        </a:solidFill>
+                        <a:effectLst/>
+                        <a:latin typeface="Calibri" panose="020F0502020204030204" pitchFamily="34" charset="0"/>
+                      </a:endParaRPr>
+                    </a:p>
+                  </a:txBody>
+                  <a:tcPr marL="8912" marR="8912" marT="8912" marB="0" anchor="ctr"/>
+                </a:tc>
+                <a:extLst>
+                  <a:ext uri="{0D108BD9-81ED-4DB2-BD59-A6C34878D82A}">
+                    <a16:rowId xmlns:a16="http://schemas.microsoft.com/office/drawing/2014/main" val="4175563822"/>
+                  </a:ext>
+                </a:extLst>
+              </a:tr>
+              <a:tr h="350066">
+                <a:tc>
+                  <a:txBody>
+                    <a:bodyPr/>
+                    <a:lstStyle/>
+                    <a:p>
+                      <a:pPr algn="l" rtl="0" fontAlgn="ctr"/>
+                      <a:r>
+                        <a:rPr lang="pt-BR" sz="2200" u="none" strike="noStrike">
+                          <a:effectLst/>
+                        </a:rPr>
+                        <a:t>Sim(Joke A, Joke F) = 0.07</a:t>
+                      </a:r>
+                      <a:endParaRPr lang="pt-BR" sz="2200" b="0" i="0" u="none" strike="noStrike">
+                        <a:solidFill>
+                          <a:srgbClr val="000000"/>
+                        </a:solidFill>
+                        <a:effectLst/>
+                        <a:latin typeface="Calibri" panose="020F0502020204030204" pitchFamily="34" charset="0"/>
+                      </a:endParaRPr>
+                    </a:p>
+                  </a:txBody>
+                  <a:tcPr marL="8912" marR="8912" marT="8912" marB="0" anchor="ctr"/>
+                </a:tc>
+                <a:tc>
+                  <a:txBody>
+                    <a:bodyPr/>
+                    <a:lstStyle/>
+                    <a:p>
+                      <a:pPr algn="l" rtl="0" fontAlgn="ctr"/>
+                      <a:r>
+                        <a:rPr lang="en-US" sz="2200" u="none" strike="noStrike" dirty="0">
+                          <a:effectLst/>
+                        </a:rPr>
+                        <a:t> Joke F Rating = -4.3</a:t>
+                      </a:r>
+                      <a:endParaRPr lang="en-US" sz="2200" b="0" i="0" u="none" strike="noStrike" dirty="0">
+                        <a:solidFill>
+                          <a:srgbClr val="000000"/>
+                        </a:solidFill>
+                        <a:effectLst/>
+                        <a:latin typeface="Calibri" panose="020F0502020204030204" pitchFamily="34" charset="0"/>
+                      </a:endParaRPr>
+                    </a:p>
+                  </a:txBody>
+                  <a:tcPr marL="8912" marR="8912" marT="8912" marB="0" anchor="ctr"/>
+                </a:tc>
+                <a:tc>
+                  <a:txBody>
+                    <a:bodyPr/>
+                    <a:lstStyle/>
+                    <a:p>
+                      <a:pPr algn="l" rtl="0" fontAlgn="ctr"/>
+                      <a:r>
+                        <a:rPr lang="en-US" sz="2200" u="none" strike="noStrike" dirty="0">
+                          <a:effectLst/>
+                        </a:rPr>
+                        <a:t> 0.07x-4.3 = -0.301</a:t>
+                      </a:r>
+                      <a:endParaRPr lang="en-US" sz="2200" b="0" i="0" u="none" strike="noStrike" dirty="0">
+                        <a:solidFill>
+                          <a:srgbClr val="000000"/>
+                        </a:solidFill>
+                        <a:effectLst/>
+                        <a:latin typeface="Calibri" panose="020F0502020204030204" pitchFamily="34" charset="0"/>
+                      </a:endParaRPr>
+                    </a:p>
+                  </a:txBody>
+                  <a:tcPr marL="8912" marR="8912" marT="8912" marB="0" anchor="ctr"/>
+                </a:tc>
+                <a:extLst>
+                  <a:ext uri="{0D108BD9-81ED-4DB2-BD59-A6C34878D82A}">
+                    <a16:rowId xmlns:a16="http://schemas.microsoft.com/office/drawing/2014/main" val="745913730"/>
+                  </a:ext>
+                </a:extLst>
+              </a:tr>
+              <a:tr h="373167">
+                <a:tc>
+                  <a:txBody>
+                    <a:bodyPr/>
+                    <a:lstStyle/>
+                    <a:p>
+                      <a:pPr algn="l" rtl="0" fontAlgn="ctr"/>
+                      <a:r>
+                        <a:rPr lang="en-US" sz="2200" u="none" strike="noStrike" dirty="0">
+                          <a:effectLst/>
+                        </a:rPr>
+                        <a:t>Sum = 0.87</a:t>
+                      </a:r>
+                      <a:endParaRPr lang="en-US" sz="2200" b="0" i="0" u="none" strike="noStrike" dirty="0">
+                        <a:solidFill>
+                          <a:srgbClr val="000000"/>
+                        </a:solidFill>
+                        <a:effectLst/>
+                        <a:latin typeface="Calibri" panose="020F0502020204030204" pitchFamily="34" charset="0"/>
+                      </a:endParaRPr>
+                    </a:p>
+                  </a:txBody>
+                  <a:tcPr marL="8912" marR="8912" marT="8912" marB="0" anchor="ctr"/>
+                </a:tc>
+                <a:tc>
+                  <a:txBody>
+                    <a:bodyPr/>
+                    <a:lstStyle/>
+                    <a:p>
+                      <a:pPr algn="l" fontAlgn="b"/>
+                      <a:r>
+                        <a:rPr lang="en-US" sz="1000" u="none" strike="noStrike">
+                          <a:effectLst/>
+                        </a:rPr>
+                        <a:t> </a:t>
+                      </a:r>
+                      <a:endParaRPr lang="en-US" sz="1000" b="0" i="0" u="none" strike="noStrike">
+                        <a:solidFill>
+                          <a:srgbClr val="000000"/>
+                        </a:solidFill>
+                        <a:effectLst/>
+                        <a:latin typeface="Calibri" panose="020F0502020204030204" pitchFamily="34" charset="0"/>
+                      </a:endParaRPr>
+                    </a:p>
+                  </a:txBody>
+                  <a:tcPr marL="8912" marR="8912" marT="8912" marB="0" anchor="b"/>
+                </a:tc>
+                <a:tc>
+                  <a:txBody>
+                    <a:bodyPr/>
+                    <a:lstStyle/>
+                    <a:p>
+                      <a:pPr algn="l" rtl="0" fontAlgn="ctr"/>
+                      <a:r>
+                        <a:rPr lang="en-US" sz="2200" u="none" strike="noStrike" dirty="0">
+                          <a:effectLst/>
+                        </a:rPr>
+                        <a:t>Sum = 5.558</a:t>
+                      </a:r>
+                      <a:endParaRPr lang="en-US" sz="2200" b="0" i="0" u="none" strike="noStrike" dirty="0">
+                        <a:solidFill>
+                          <a:srgbClr val="000000"/>
+                        </a:solidFill>
+                        <a:effectLst/>
+                        <a:latin typeface="Calibri" panose="020F0502020204030204" pitchFamily="34" charset="0"/>
+                      </a:endParaRPr>
+                    </a:p>
+                  </a:txBody>
+                  <a:tcPr marL="8912" marR="8912" marT="8912" marB="0" anchor="ctr"/>
+                </a:tc>
+                <a:extLst>
+                  <a:ext uri="{0D108BD9-81ED-4DB2-BD59-A6C34878D82A}">
+                    <a16:rowId xmlns:a16="http://schemas.microsoft.com/office/drawing/2014/main" val="1432128986"/>
+                  </a:ext>
+                </a:extLst>
+              </a:tr>
+            </a:tbl>
+          </a:graphicData>
+        </a:graphic>
+      </p:graphicFrame>
+      <p:sp>
+        <p:nvSpPr>
+          <p:cNvPr id="10" name="Rectangle 9"/>
+          <p:cNvSpPr/>
+          <p:nvPr/>
+        </p:nvSpPr>
+        <p:spPr>
+          <a:xfrm>
+            <a:off x="855519" y="6185016"/>
+            <a:ext cx="5474768" cy="369332"/>
+          </a:xfrm>
+          <a:prstGeom prst="rect">
+            <a:avLst/>
+          </a:prstGeom>
+        </p:spPr>
+        <p:txBody>
+          <a:bodyPr wrap="none">
+            <a:spAutoFit/>
+          </a:bodyPr>
+          <a:lstStyle/>
+          <a:p>
+            <a:r>
+              <a:rPr lang="en-US" dirty="0"/>
+              <a:t>Implementation: </a:t>
+            </a:r>
+            <a:r>
+              <a:rPr lang="en-US" dirty="0">
+                <a:hlinkClick r:id="rId2"/>
+              </a:rPr>
+              <a:t>http://rpubs.com/azureblue83/327856</a:t>
+            </a:r>
+            <a:endParaRPr lang="en-US" dirty="0"/>
+          </a:p>
+        </p:txBody>
+      </p:sp>
+    </p:spTree>
+    <p:extLst>
+      <p:ext uri="{BB962C8B-B14F-4D97-AF65-F5344CB8AC3E}">
+        <p14:creationId xmlns:p14="http://schemas.microsoft.com/office/powerpoint/2010/main" val="2931215967"/>
+      </p:ext>
+    </p:extLst>
+  </p:cSld>
+  <p:clrMapOvr>
+    <a:masterClrMapping/>
+  </p:clrMapOvr>
+</p:sld>
+</file>
+
+<file path=ppt/slides/slide9.xml><?xml version="1.0" encoding="utf-8"?>
+<p:sld xmlns:a="http://schemas.openxmlformats.org/drawingml/2006/main" xmlns:r="http://schemas.openxmlformats.org/officeDocument/2006/relationships" xmlns:p="http://schemas.openxmlformats.org/presentationml/2006/main">
+  <p:cSld>
+    <p:spTree>
+      <p:nvGrpSpPr>
+        <p:cNvPr id="1" name=""/>
+        <p:cNvGrpSpPr/>
+        <p:nvPr/>
+      </p:nvGrpSpPr>
+      <p:grpSpPr>
+        <a:xfrm>
+          <a:off x="0" y="0"/>
+          <a:ext cx="0" cy="0"/>
+          <a:chOff x="0" y="0"/>
+          <a:chExt cx="0" cy="0"/>
+        </a:xfrm>
+      </p:grpSpPr>
+      <p:pic>
+        <p:nvPicPr>
+          <p:cNvPr id="5" name="Picture 4"/>
+          <p:cNvPicPr>
+            <a:picLocks noChangeAspect="1"/>
+          </p:cNvPicPr>
+          <p:nvPr/>
+        </p:nvPicPr>
+        <p:blipFill>
+          <a:blip r:embed="rId2"/>
+          <a:stretch>
+            <a:fillRect/>
+          </a:stretch>
+        </p:blipFill>
+        <p:spPr>
+          <a:xfrm>
+            <a:off x="419099" y="169314"/>
+            <a:ext cx="8053140" cy="2810369"/>
+          </a:xfrm>
+          <a:prstGeom prst="rect">
+            <a:avLst/>
+          </a:prstGeom>
+        </p:spPr>
+      </p:pic>
+      <p:pic>
+        <p:nvPicPr>
+          <p:cNvPr id="6" name="Picture 5"/>
+          <p:cNvPicPr>
+            <a:picLocks noChangeAspect="1"/>
+          </p:cNvPicPr>
+          <p:nvPr/>
+        </p:nvPicPr>
+        <p:blipFill>
+          <a:blip r:embed="rId3"/>
+          <a:stretch>
+            <a:fillRect/>
+          </a:stretch>
+        </p:blipFill>
+        <p:spPr>
+          <a:xfrm>
+            <a:off x="419099" y="3247698"/>
+            <a:ext cx="11174650" cy="3074274"/>
+          </a:xfrm>
+          <a:prstGeom prst="rect">
+            <a:avLst/>
+          </a:prstGeom>
+        </p:spPr>
+      </p:pic>
+      <p:sp>
+        <p:nvSpPr>
+          <p:cNvPr id="2" name="TextBox 1">
+            <a:extLst>
+              <a:ext uri="{FF2B5EF4-FFF2-40B4-BE49-F238E27FC236}">
+                <a16:creationId xmlns:a16="http://schemas.microsoft.com/office/drawing/2014/main" id="{1C977E43-D33A-4743-9510-CF30FA292DD0}"/>
+              </a:ext>
+            </a:extLst>
+          </p:cNvPr>
+          <p:cNvSpPr txBox="1"/>
+          <p:nvPr/>
+        </p:nvSpPr>
+        <p:spPr>
+          <a:xfrm>
+            <a:off x="8736037" y="550597"/>
+            <a:ext cx="2857712" cy="1384995"/>
+          </a:xfrm>
+          <a:prstGeom prst="rect">
+            <a:avLst/>
+          </a:prstGeom>
+          <a:noFill/>
+        </p:spPr>
+        <p:txBody>
+          <a:bodyPr wrap="square" rtlCol="0">
+            <a:spAutoFit/>
+          </a:bodyPr>
+          <a:lstStyle/>
+          <a:p>
+            <a:r>
+              <a:rPr lang="en-US" sz="2800" dirty="0"/>
+              <a:t>Before filtering and after filtering (with n = 5)</a:t>
+            </a:r>
+          </a:p>
+        </p:txBody>
+      </p:sp>
+    </p:spTree>
+    <p:extLst>
+      <p:ext uri="{BB962C8B-B14F-4D97-AF65-F5344CB8AC3E}">
+        <p14:creationId xmlns:p14="http://schemas.microsoft.com/office/powerpoint/2010/main" val="3028914693"/>
+      </p:ext>
+    </p:extLst>
+  </p:cSld>
+  <p:clrMapOvr>
+    <a:masterClrMapping/>
+  </p:clrMapOvr>
+</p:sld>
+</file>
+
 <file path=ppt/theme/theme1.xml><?xml version="1.0" encoding="utf-8"?>
-<a:theme xmlns:a="http://schemas.openxmlformats.org/drawingml/2006/main" name="View">
+<a:theme xmlns:a="http://schemas.openxmlformats.org/drawingml/2006/main" name="Office Theme">
   <a:themeElements>
-    <a:clrScheme name="View">
+    <a:clrScheme name="Office">
       <a:dk1>
-        <a:srgbClr val="000000"/>
+        <a:sysClr val="windowText" lastClr="000000"/>
       </a:dk1>
       <a:lt1>
-        <a:srgbClr val="FFFFFF"/>
+        <a:sysClr val="window" lastClr="FFFFFF"/>
       </a:lt1>
       <a:dk2>
-        <a:srgbClr val="46464A"/>
+        <a:srgbClr val="44546A"/>
       </a:dk2>
       <a:lt2>
-        <a:srgbClr val="D6D3CC"/>
+        <a:srgbClr val="E7E6E6"/>
       </a:lt2>
       <a:accent1>
-        <a:srgbClr val="6F6F74"/>
+        <a:srgbClr val="4472C4"/>
       </a:accent1>
       <a:accent2>
-        <a:srgbClr val="92A9B9"/>
+        <a:srgbClr val="ED7D31"/>
       </a:accent2>
       <a:accent3>
-        <a:srgbClr val="A7B789"/>
+        <a:srgbClr val="A5A5A5"/>
       </a:accent3>
       <a:accent4>
-        <a:srgbClr val="B9A489"/>
+        <a:srgbClr val="FFC000"/>
       </a:accent4>
       <a:accent5>
-        <a:srgbClr val="8D6374"/>
+        <a:srgbClr val="5B9BD5"/>
       </a:accent5>
       <a:accent6>
-        <a:srgbClr val="9B7362"/>
+        <a:srgbClr val="70AD47"/>
       </a:accent6>
       <a:hlink>
-        <a:srgbClr val="67AABF"/>
+        <a:srgbClr val="0563C1"/>
       </a:hlink>
       <a:folHlink>
-        <a:srgbClr val="ABAFA5"/>
+        <a:srgbClr val="954F72"/>
       </a:folHlink>
     </a:clrScheme>
-    <a:fontScheme name="View">
+    <a:fontScheme name="Office">
       <a:majorFont>
-        <a:latin typeface="Century Schoolbook" panose="02040604050505020304"/>
+        <a:latin typeface="Calibri Light" panose="020F0302020204030204"/>
         <a:ea typeface=""/>
         <a:cs typeface=""/>
-        <a:font script="Jpan" typeface="ＭＳ ゴシック"/>
+        <a:font script="Jpan" typeface="游ゴシック Light"/>
         <a:font script="Hang" typeface="맑은 고딕"/>
-        <a:font script="Hans" typeface="宋体"/>
+        <a:font script="Hans" typeface="等线 Light"/>
         <a:font script="Hant" typeface="新細明體"/>
-        <a:font script="Arab" typeface="Tahoma"/>
-        <a:font script="Hebr" typeface="Gisha"/>
-        <a:font script="Thai" typeface="DilleniaUPC"/>
+        <a:font script="Arab" typeface="Times New Roman"/>
+        <a:font script="Hebr" typeface="Times New Roman"/>
+        <a:font script="Thai" typeface="Angsana New"/>
+        <a:font script="Ethi" typeface="Nyala"/>
+        <a:font script="Beng" typeface="Vrinda"/>
+        <a:font script="Gujr" typeface="Shruti"/>
+        <a:font script="Khmr" typeface="MoolBoran"/>
+        <a:font script="Knda" typeface="Tunga"/>
+        <a:font script="Guru" typeface="Raavi"/>
+        <a:font script="Cans" typeface="Euphemia"/>
+        <a:font script="Cher" typeface="Plantagenet Cherokee"/>
+        <a:font script="Yiii" typeface="Microsoft Yi Baiti"/>
+        <a:font script="Tibt" typeface="Microsoft Himalaya"/>
+        <a:font script="Thaa" typeface="MV Boli"/>
+        <a:font script="Deva" typeface="Mangal"/>
+        <a:font script="Telu" typeface="Gautami"/>
+        <a:font script="Taml" typeface="Latha"/>
+        <a:font script="Syrc" typeface="Estrangelo Edessa"/>
+        <a:font script="Orya" typeface="Kalinga"/>
+        <a:font script="Mlym" typeface="Kartika"/>
+        <a:font script="Laoo" typeface="DokChampa"/>
+        <a:font script="Sinh" typeface="Iskoola Pota"/>
+        <a:font script="Mong" typeface="Mongolian Baiti"/>
+        <a:font script="Viet" typeface="Times New Roman"/>
+        <a:font script="Uigh" typeface="Microsoft Uighur"/>
+        <a:font script="Geor" typeface="Sylfaen"/>
+        <a:font script="Armn" typeface="Arial"/>
+        <a:font script="Bugi" typeface="Leelawadee UI"/>
+        <a:font script="Bopo" typeface="Microsoft JhengHei"/>
+        <a:font script="Java" typeface="Javanese Text"/>
+        <a:font script="Lisu" typeface="Segoe UI"/>
+        <a:font script="Mymr" typeface="Myanmar Text"/>
+        <a:font script="Nkoo" typeface="Ebrima"/>
+        <a:font script="Olck" typeface="Nirmala UI"/>
+        <a:font script="Osma" typeface="Ebrima"/>
+        <a:font script="Phag" typeface="Phagspa"/>
+        <a:font script="Syrn" typeface="Estrangelo Edessa"/>
+        <a:font script="Syrj" typeface="Estrangelo Edessa"/>
+        <a:font script="Syre" typeface="Estrangelo Edessa"/>
+        <a:font script="Sora" typeface="Nirmala UI"/>
+        <a:font script="Tale" typeface="Microsoft Tai Le"/>
+        <a:font script="Talu" typeface="Microsoft New Tai Lue"/>
+        <a:font script="Tfng" typeface="Ebrima"/>
+      </a:majorFont>
+      <a:minorFont>
+        <a:latin typeface="Calibri" panose="020F0502020204030204"/>
+        <a:ea typeface=""/>
+        <a:cs typeface=""/>
+        <a:font script="Jpan" typeface="游ゴシック"/>
+        <a:font script="Hang" typeface="맑은 고딕"/>
+        <a:font script="Hans" typeface="等线"/>
+        <a:font script="Hant" typeface="新細明體"/>
+        <a:font script="Arab" typeface="Arial"/>
+        <a:font script="Hebr" typeface="Arial"/>
+        <a:font script="Thai" typeface="Cordia New"/>
         <a:font script="Ethi" typeface="Nyala"/>
         <a:font script="Beng" typeface="Vrinda"/>
         <a:font script="Gujr" typeface="Shruti"/>
@@ -4868,86 +6176,107 @@
         <a:font script="Laoo" typeface="DokChampa"/>
         <a:font script="Sinh" typeface="Iskoola Pota"/>
         <a:font script="Mong" typeface="Mongolian Baiti"/>
-        <a:font script="Viet" typeface="Tahoma"/>
+        <a:font script="Viet" typeface="Arial"/>
         <a:font script="Uigh" typeface="Microsoft Uighur"/>
         <a:font script="Geor" typeface="Sylfaen"/>
-      </a:majorFont>
-      <a:minorFont>
-        <a:latin typeface="Century Schoolbook" panose="02040604050505020304"/>
-        <a:ea typeface=""/>
-        <a:cs typeface=""/>
-        <a:font script="Jpan" typeface="ＭＳ ゴシック"/>
-        <a:font script="Hang" typeface="맑은 고딕"/>
-        <a:font script="Hans" typeface="宋体"/>
-        <a:font script="Hant" typeface="新細明體"/>
-        <a:font script="Arab" typeface="Tahoma"/>
-        <a:font script="Hebr" typeface="Gisha"/>
-        <a:font script="Thai" typeface="DilleniaUPC"/>
-        <a:font script="Ethi" typeface="Nyala"/>
-        <a:font script="Beng" typeface="Vrinda"/>
-        <a:font script="Gujr" typeface="Shruti"/>
-        <a:font script="Khmr" typeface="DaunPenh"/>
-        <a:font script="Knda" typeface="Tunga"/>
-        <a:font script="Guru" typeface="Raavi"/>
-        <a:font script="Cans" typeface="Euphemia"/>
-        <a:font script="Cher" typeface="Plantagenet Cherokee"/>
-        <a:font script="Yiii" typeface="Microsoft Yi Baiti"/>
-        <a:font script="Tibt" typeface="Microsoft Himalaya"/>
-        <a:font script="Thaa" typeface="MV Boli"/>
-        <a:font script="Deva" typeface="Mangal"/>
-        <a:font script="Telu" typeface="Gautami"/>
-        <a:font script="Taml" typeface="Latha"/>
-        <a:font script="Syrc" typeface="Estrangelo Edessa"/>
-        <a:font script="Orya" typeface="Kalinga"/>
-        <a:font script="Mlym" typeface="Kartika"/>
-        <a:font script="Laoo" typeface="DokChampa"/>
-        <a:font script="Sinh" typeface="Iskoola Pota"/>
-        <a:font script="Mong" typeface="Mongolian Baiti"/>
-        <a:font script="Viet" typeface="Verdana"/>
-        <a:font script="Uigh" typeface="Microsoft Uighur"/>
-        <a:font script="Geor" typeface="Sylfaen"/>
+        <a:font script="Armn" typeface="Arial"/>
+        <a:font script="Bugi" typeface="Leelawadee UI"/>
+        <a:font script="Bopo" typeface="Microsoft JhengHei"/>
+        <a:font script="Java" typeface="Javanese Text"/>
+        <a:font script="Lisu" typeface="Segoe UI"/>
+        <a:font script="Mymr" typeface="Myanmar Text"/>
+        <a:font script="Nkoo" typeface="Ebrima"/>
+        <a:font script="Olck" typeface="Nirmala UI"/>
+        <a:font script="Osma" typeface="Ebrima"/>
+        <a:font script="Phag" typeface="Phagspa"/>
+        <a:font script="Syrn" typeface="Estrangelo Edessa"/>
+        <a:font script="Syrj" typeface="Estrangelo Edessa"/>
+        <a:font script="Syre" typeface="Estrangelo Edessa"/>
+        <a:font script="Sora" typeface="Nirmala UI"/>
+        <a:font script="Tale" typeface="Microsoft Tai Le"/>
+        <a:font script="Talu" typeface="Microsoft New Tai Lue"/>
+        <a:font script="Tfng" typeface="Ebrima"/>
       </a:minorFont>
     </a:fontScheme>
-    <a:fmtScheme name="View">
+    <a:fmtScheme name="Office">
       <a:fillStyleLst>
         <a:solidFill>
           <a:schemeClr val="phClr"/>
         </a:solidFill>
-        <a:solidFill>
-          <a:schemeClr val="phClr">
-            <a:tint val="60000"/>
-            <a:satMod val="120000"/>
-          </a:schemeClr>
-        </a:solidFill>
-        <a:solidFill>
-          <a:schemeClr val="phClr">
-            <a:shade val="75000"/>
-            <a:satMod val="160000"/>
-          </a:schemeClr>
-        </a:solidFill>
+        <a:gradFill rotWithShape="1">
+          <a:gsLst>
+            <a:gs pos="0">
+              <a:schemeClr val="phClr">
+                <a:lumMod val="110000"/>
+                <a:satMod val="105000"/>
+                <a:tint val="67000"/>
+              </a:schemeClr>
+            </a:gs>
+            <a:gs pos="50000">
+              <a:schemeClr val="phClr">
+                <a:lumMod val="105000"/>
+                <a:satMod val="103000"/>
+                <a:tint val="73000"/>
+              </a:schemeClr>
+            </a:gs>
+            <a:gs pos="100000">
+              <a:schemeClr val="phClr">
+                <a:lumMod val="105000"/>
+                <a:satMod val="109000"/>
+                <a:tint val="81000"/>
+              </a:schemeClr>
+            </a:gs>
+          </a:gsLst>
+          <a:lin ang="5400000" scaled="0"/>
+        </a:gradFill>
+        <a:gradFill rotWithShape="1">
+          <a:gsLst>
+            <a:gs pos="0">
+              <a:schemeClr val="phClr">
+                <a:satMod val="103000"/>
+                <a:lumMod val="102000"/>
+                <a:tint val="94000"/>
+              </a:schemeClr>
+            </a:gs>
+            <a:gs pos="50000">
+              <a:schemeClr val="phClr">
+                <a:satMod val="110000"/>
+                <a:lumMod val="100000"/>
+                <a:shade val="100000"/>
+              </a:schemeClr>
+            </a:gs>
+            <a:gs pos="100000">
+              <a:schemeClr val="phClr">
+                <a:lumMod val="99000"/>
+                <a:satMod val="120000"/>
+                <a:shade val="78000"/>
+              </a:schemeClr>
+            </a:gs>
+          </a:gsLst>
+          <a:lin ang="5400000" scaled="0"/>
+        </a:gradFill>
       </a:fillStyleLst>
       <a:lnStyleLst>
-        <a:ln w="9525" cap="flat" cmpd="sng" algn="ctr">
+        <a:ln w="6350" cap="flat" cmpd="sng" algn="ctr">
           <a:solidFill>
             <a:schemeClr val="phClr"/>
           </a:solidFill>
           <a:prstDash val="solid"/>
+          <a:miter lim="800000"/>
         </a:ln>
-        <a:ln w="13970" cap="flat" cmpd="sng" algn="ctr">
+        <a:ln w="12700" cap="flat" cmpd="sng" algn="ctr">
           <a:solidFill>
             <a:schemeClr val="phClr"/>
           </a:solidFill>
           <a:prstDash val="solid"/>
+          <a:miter lim="800000"/>
         </a:ln>
-        <a:ln w="17145" cap="flat" cmpd="sng" algn="ctr">
+        <a:ln w="19050" cap="flat" cmpd="sng" algn="ctr">
           <a:solidFill>
-            <a:schemeClr val="phClr">
-              <a:shade val="95000"/>
-              <a:alpha val="95000"/>
-              <a:satMod val="150000"/>
-            </a:schemeClr>
+            <a:schemeClr val="phClr"/>
           </a:solidFill>
           <a:prstDash val="solid"/>
+          <a:miter lim="800000"/>
         </a:ln>
       </a:lnStyleLst>
       <a:effectStyleLst>
@@ -4955,52 +6284,16 @@
           <a:effectLst/>
         </a:effectStyle>
         <a:effectStyle>
+          <a:effectLst/>
+        </a:effectStyle>
+        <a:effectStyle>
           <a:effectLst>
-            <a:outerShdw blurRad="50800" dist="15240" dir="5400000" algn="tl" rotWithShape="0">
+            <a:outerShdw blurRad="57150" dist="19050" dir="5400000" algn="ctr" rotWithShape="0">
               <a:srgbClr val="000000">
-                <a:alpha val="75000"/>
+                <a:alpha val="63000"/>
               </a:srgbClr>
             </a:outerShdw>
           </a:effectLst>
-          <a:scene3d>
-            <a:camera prst="orthographicFront">
-              <a:rot lat="0" lon="0" rev="0"/>
-            </a:camera>
-            <a:lightRig rig="brightRoom" dir="tl"/>
-          </a:scene3d>
-          <a:sp3d contourW="9525" prstMaterial="flat">
-            <a:bevelT w="0" h="0" prst="coolSlant"/>
-            <a:contourClr>
-              <a:schemeClr val="phClr">
-                <a:shade val="35000"/>
-                <a:satMod val="130000"/>
-              </a:schemeClr>
-            </a:contourClr>
-          </a:sp3d>
-        </a:effectStyle>
-        <a:effectStyle>
-          <a:effectLst>
-            <a:outerShdw blurRad="76200" dist="25400" dir="5400000" algn="tl" rotWithShape="0">
-              <a:srgbClr val="000000">
-                <a:alpha val="55000"/>
-              </a:srgbClr>
-            </a:outerShdw>
-          </a:effectLst>
-          <a:scene3d>
-            <a:camera prst="orthographicFront">
-              <a:rot lat="0" lon="0" rev="0"/>
-            </a:camera>
-            <a:lightRig rig="brightRoom" dir="tl"/>
-          </a:scene3d>
-          <a:sp3d contourW="19050" prstMaterial="flat">
-            <a:bevelT w="0" h="0" prst="coolSlant"/>
-            <a:contourClr>
-              <a:schemeClr val="phClr">
-                <a:shade val="25000"/>
-                <a:satMod val="140000"/>
-              </a:schemeClr>
-            </a:contourClr>
-          </a:sp3d>
         </a:effectStyle>
       </a:effectStyleLst>
       <a:bgFillStyleLst>
@@ -5017,23 +6310,28 @@
           <a:gsLst>
             <a:gs pos="0">
               <a:schemeClr val="phClr">
-                <a:tint val="94000"/>
+                <a:tint val="93000"/>
+                <a:satMod val="150000"/>
                 <a:shade val="98000"/>
+                <a:lumMod val="102000"/>
+              </a:schemeClr>
+            </a:gs>
+            <a:gs pos="50000">
+              <a:schemeClr val="phClr">
+                <a:tint val="98000"/>
                 <a:satMod val="130000"/>
-                <a:lumMod val="102000"/>
+                <a:shade val="90000"/>
+                <a:lumMod val="103000"/>
               </a:schemeClr>
             </a:gs>
             <a:gs pos="100000">
               <a:schemeClr val="phClr">
-                <a:tint val="98000"/>
-                <a:shade val="78000"/>
-                <a:satMod val="140000"/>
+                <a:shade val="63000"/>
+                <a:satMod val="120000"/>
               </a:schemeClr>
             </a:gs>
           </a:gsLst>
-          <a:path path="circle">
-            <a:fillToRect l="100000" t="100000" r="100000" b="100000"/>
-          </a:path>
+          <a:lin ang="5400000" scaled="0"/>
         </a:gradFill>
       </a:bgFillStyleLst>
     </a:fmtScheme>
@@ -5042,7 +6340,7 @@
   <a:extraClrSchemeLst/>
   <a:extLst>
     <a:ext uri="{05A4C25C-085E-4340-85A3-A5531E510DB2}">
-      <thm15:themeFamily xmlns:thm15="http://schemas.microsoft.com/office/thememl/2012/main" name="View" id="{BA0EB5A6-F2D4-4F82-977B-64ADEE4A2A69}" vid="{3969A8A2-35DB-4E3B-8885-16FD20568674}"/>
+      <thm15:themeFamily xmlns:thm15="http://schemas.microsoft.com/office/thememl/2012/main" name="Office Theme" id="{62F939B6-93AF-4DB8-9C6B-D6C7DFDC589F}" vid="{4A3C46E8-61CC-4603-A589-7422A47A8E4A}"/>
     </a:ext>
   </a:extLst>
 </a:theme>

--- a/jester-collaborative-filtering.pptx
+++ b/jester-collaborative-filtering.pptx
@@ -210,7 +210,7 @@
           <a:p>
             <a:fld id="{1A7DC3F7-73FA-46F2-AE6F-622310857EE1}" type="datetimeFigureOut">
               <a:rPr lang="en-US" smtClean="0"/>
-              <a:t>11/9/2017</a:t>
+              <a:t>11/10/2017</a:t>
             </a:fld>
             <a:endParaRPr lang="en-US"/>
           </a:p>
@@ -1110,7 +1110,7 @@
           <a:p>
             <a:fld id="{2EA7DAC2-4AA6-4857-A112-92745547B70E}" type="datetimeFigureOut">
               <a:rPr lang="en-US" smtClean="0"/>
-              <a:t>11/9/2017</a:t>
+              <a:t>11/10/2017</a:t>
             </a:fld>
             <a:endParaRPr lang="en-US"/>
           </a:p>
@@ -1283,7 +1283,7 @@
           <a:p>
             <a:fld id="{2EA7DAC2-4AA6-4857-A112-92745547B70E}" type="datetimeFigureOut">
               <a:rPr lang="en-US" smtClean="0"/>
-              <a:t>11/9/2017</a:t>
+              <a:t>11/10/2017</a:t>
             </a:fld>
             <a:endParaRPr lang="en-US"/>
           </a:p>
@@ -1461,7 +1461,7 @@
           <a:p>
             <a:fld id="{2EA7DAC2-4AA6-4857-A112-92745547B70E}" type="datetimeFigureOut">
               <a:rPr lang="en-US" smtClean="0"/>
-              <a:t>11/9/2017</a:t>
+              <a:t>11/10/2017</a:t>
             </a:fld>
             <a:endParaRPr lang="en-US"/>
           </a:p>
@@ -1629,7 +1629,7 @@
           <a:p>
             <a:fld id="{2EA7DAC2-4AA6-4857-A112-92745547B70E}" type="datetimeFigureOut">
               <a:rPr lang="en-US" smtClean="0"/>
-              <a:t>11/9/2017</a:t>
+              <a:t>11/10/2017</a:t>
             </a:fld>
             <a:endParaRPr lang="en-US"/>
           </a:p>
@@ -1874,7 +1874,7 @@
           <a:p>
             <a:fld id="{2EA7DAC2-4AA6-4857-A112-92745547B70E}" type="datetimeFigureOut">
               <a:rPr lang="en-US" smtClean="0"/>
-              <a:t>11/9/2017</a:t>
+              <a:t>11/10/2017</a:t>
             </a:fld>
             <a:endParaRPr lang="en-US"/>
           </a:p>
@@ -2103,7 +2103,7 @@
           <a:p>
             <a:fld id="{2EA7DAC2-4AA6-4857-A112-92745547B70E}" type="datetimeFigureOut">
               <a:rPr lang="en-US" smtClean="0"/>
-              <a:t>11/9/2017</a:t>
+              <a:t>11/10/2017</a:t>
             </a:fld>
             <a:endParaRPr lang="en-US"/>
           </a:p>
@@ -2467,7 +2467,7 @@
           <a:p>
             <a:fld id="{2EA7DAC2-4AA6-4857-A112-92745547B70E}" type="datetimeFigureOut">
               <a:rPr lang="en-US" smtClean="0"/>
-              <a:t>11/9/2017</a:t>
+              <a:t>11/10/2017</a:t>
             </a:fld>
             <a:endParaRPr lang="en-US"/>
           </a:p>
@@ -2584,7 +2584,7 @@
           <a:p>
             <a:fld id="{2EA7DAC2-4AA6-4857-A112-92745547B70E}" type="datetimeFigureOut">
               <a:rPr lang="en-US" smtClean="0"/>
-              <a:t>11/9/2017</a:t>
+              <a:t>11/10/2017</a:t>
             </a:fld>
             <a:endParaRPr lang="en-US"/>
           </a:p>
@@ -2679,7 +2679,7 @@
           <a:p>
             <a:fld id="{2EA7DAC2-4AA6-4857-A112-92745547B70E}" type="datetimeFigureOut">
               <a:rPr lang="en-US" smtClean="0"/>
-              <a:t>11/9/2017</a:t>
+              <a:t>11/10/2017</a:t>
             </a:fld>
             <a:endParaRPr lang="en-US"/>
           </a:p>
@@ -2959,7 +2959,7 @@
           <a:p>
             <a:fld id="{2EA7DAC2-4AA6-4857-A112-92745547B70E}" type="datetimeFigureOut">
               <a:rPr lang="en-US" smtClean="0"/>
-              <a:t>11/9/2017</a:t>
+              <a:t>11/10/2017</a:t>
             </a:fld>
             <a:endParaRPr lang="en-US"/>
           </a:p>
@@ -3216,7 +3216,7 @@
           <a:p>
             <a:fld id="{2EA7DAC2-4AA6-4857-A112-92745547B70E}" type="datetimeFigureOut">
               <a:rPr lang="en-US" smtClean="0"/>
-              <a:t>11/9/2017</a:t>
+              <a:t>11/10/2017</a:t>
             </a:fld>
             <a:endParaRPr lang="en-US"/>
           </a:p>
@@ -3427,7 +3427,7 @@
           <a:p>
             <a:fld id="{2EA7DAC2-4AA6-4857-A112-92745547B70E}" type="datetimeFigureOut">
               <a:rPr lang="en-US" smtClean="0"/>
-              <a:t>11/9/2017</a:t>
+              <a:t>11/10/2017</a:t>
             </a:fld>
             <a:endParaRPr lang="en-US"/>
           </a:p>
@@ -4903,25 +4903,25 @@
           <p:nvPr>
             <p:extLst>
               <p:ext uri="{D42A27DB-BD31-4B8C-83A1-F6EECF244321}">
-                <p14:modId xmlns:p14="http://schemas.microsoft.com/office/powerpoint/2010/main" val="2575873015"/>
+                <p14:modId xmlns:p14="http://schemas.microsoft.com/office/powerpoint/2010/main" val="3792346977"/>
               </p:ext>
             </p:extLst>
           </p:nvPr>
         </p:nvGraphicFramePr>
         <p:xfrm>
-          <a:off x="635279" y="5862164"/>
-          <a:ext cx="4416302" cy="711271"/>
+          <a:off x="741363" y="5862638"/>
+          <a:ext cx="4203700" cy="711200"/>
         </p:xfrm>
         <a:graphic>
           <a:graphicData uri="http://schemas.openxmlformats.org/presentationml/2006/ole">
             <mc:AlternateContent xmlns:mc="http://schemas.openxmlformats.org/markup-compatibility/2006">
               <mc:Choice xmlns:v="urn:schemas-microsoft-com:vml" Requires="v">
-                <p:oleObj spid="_x0000_s1040" name="Equation" r:id="rId6" imgW="2641320" imgH="431640" progId="Equation.3">
+                <p:oleObj spid="_x0000_s1042" name="Equation" r:id="rId6" imgW="2514600" imgH="431640" progId="Equation.3">
                   <p:embed/>
                 </p:oleObj>
               </mc:Choice>
               <mc:Fallback>
-                <p:oleObj name="Equation" r:id="rId6" imgW="2641320" imgH="431640" progId="Equation.3">
+                <p:oleObj name="Equation" r:id="rId6" imgW="2514600" imgH="431640" progId="Equation.3">
                   <p:embed/>
                   <p:pic>
                     <p:nvPicPr>
@@ -4937,8 +4937,8 @@
                     </p:blipFill>
                     <p:spPr>
                       <a:xfrm>
-                        <a:off x="635279" y="5862164"/>
-                        <a:ext cx="4416302" cy="711271"/>
+                        <a:off x="741363" y="5862638"/>
+                        <a:ext cx="4203700" cy="711200"/>
                       </a:xfrm>
                       <a:prstGeom prst="rect">
                         <a:avLst/>
@@ -5090,7 +5090,7 @@
           <a:graphicData uri="http://schemas.openxmlformats.org/presentationml/2006/ole">
             <mc:AlternateContent xmlns:mc="http://schemas.openxmlformats.org/markup-compatibility/2006">
               <mc:Choice xmlns:v="urn:schemas-microsoft-com:vml" Requires="v">
-                <p:oleObj spid="_x0000_s2066" name="Equation" r:id="rId4" imgW="114120" imgH="215640" progId="Equation.3">
+                <p:oleObj spid="_x0000_s2068" name="Equation" r:id="rId4" imgW="114120" imgH="215640" progId="Equation.3">
                   <p:embed/>
                 </p:oleObj>
               </mc:Choice>
@@ -6033,7 +6033,13 @@
           <a:p>
             <a:r>
               <a:rPr lang="en-US" sz="2800" dirty="0"/>
-              <a:t>Before filtering and after filtering (with n = 5)</a:t>
+              <a:t>Before and after filtering </a:t>
+            </a:r>
+          </a:p>
+          <a:p>
+            <a:r>
+              <a:rPr lang="en-US" sz="2800" dirty="0"/>
+              <a:t>(with n = 5)</a:t>
             </a:r>
           </a:p>
         </p:txBody>
